--- a/Presentation/Spiral1.pptx
+++ b/Presentation/Spiral1.pptx
@@ -123,6 +123,11 @@
       </a:defRPr>
     </a:lvl9pPr>
   </p:defaultTextStyle>
+  <p:extLst>
+    <p:ext uri="{EFAFB233-063F-42B5-8137-9DF3F51BA10A}">
+      <p15:sldGuideLst xmlns:p15="http://schemas.microsoft.com/office/powerpoint/2012/main"/>
+    </p:ext>
+  </p:extLst>
 </p:presentation>
 </file>
 
@@ -176,7 +181,7 @@
           <a:noFill/>
           <a:extLst>
             <a:ext uri="{909E8E84-426E-40dd-AFC4-6F175D3DCCD1}">
-              <a14:hiddenFill xmlns:a14="http://schemas.microsoft.com/office/drawing/2010/main" xmlns="">
+              <a14:hiddenFill xmlns="" xmlns:a14="http://schemas.microsoft.com/office/drawing/2010/main">
                 <a:solidFill>
                   <a:srgbClr val="FFFFFF"/>
                 </a:solidFill>
@@ -236,7 +241,7 @@
             </a:ln>
             <a:extLst>
               <a:ext uri="{91240B29-F687-4f45-9708-019B960494DF}">
-                <a14:hiddenLine xmlns:a14="http://schemas.microsoft.com/office/drawing/2010/main" xmlns="" w="9525">
+                <a14:hiddenLine xmlns="" xmlns:a14="http://schemas.microsoft.com/office/drawing/2010/main" w="9525">
                   <a:solidFill>
                     <a:srgbClr val="000000"/>
                   </a:solidFill>
@@ -326,7 +331,7 @@
             </a:ln>
             <a:extLst>
               <a:ext uri="{91240B29-F687-4f45-9708-019B960494DF}">
-                <a14:hiddenLine xmlns:a14="http://schemas.microsoft.com/office/drawing/2010/main" xmlns="" w="9525">
+                <a14:hiddenLine xmlns="" xmlns:a14="http://schemas.microsoft.com/office/drawing/2010/main" w="9525">
                   <a:solidFill>
                     <a:srgbClr val="000000"/>
                   </a:solidFill>
@@ -416,7 +421,7 @@
             </a:ln>
             <a:extLst>
               <a:ext uri="{91240B29-F687-4f45-9708-019B960494DF}">
-                <a14:hiddenLine xmlns:a14="http://schemas.microsoft.com/office/drawing/2010/main" xmlns="" w="9525">
+                <a14:hiddenLine xmlns="" xmlns:a14="http://schemas.microsoft.com/office/drawing/2010/main" w="9525">
                   <a:solidFill>
                     <a:srgbClr val="000000"/>
                   </a:solidFill>
@@ -450,7 +455,7 @@
             </a:ln>
             <a:extLst>
               <a:ext uri="{91240B29-F687-4f45-9708-019B960494DF}">
-                <a14:hiddenLine xmlns:a14="http://schemas.microsoft.com/office/drawing/2010/main" xmlns="" w="9525">
+                <a14:hiddenLine xmlns="" xmlns:a14="http://schemas.microsoft.com/office/drawing/2010/main" w="9525">
                   <a:solidFill>
                     <a:srgbClr val="000000"/>
                   </a:solidFill>
@@ -540,7 +545,7 @@
             </a:ln>
             <a:extLst>
               <a:ext uri="{91240B29-F687-4f45-9708-019B960494DF}">
-                <a14:hiddenLine xmlns:a14="http://schemas.microsoft.com/office/drawing/2010/main" xmlns="" w="9525">
+                <a14:hiddenLine xmlns="" xmlns:a14="http://schemas.microsoft.com/office/drawing/2010/main" w="9525">
                   <a:solidFill>
                     <a:srgbClr val="000000"/>
                   </a:solidFill>
@@ -602,7 +607,7 @@
             </a:ln>
             <a:extLst>
               <a:ext uri="{91240B29-F687-4f45-9708-019B960494DF}">
-                <a14:hiddenLine xmlns:a14="http://schemas.microsoft.com/office/drawing/2010/main" xmlns="" w="9525">
+                <a14:hiddenLine xmlns="" xmlns:a14="http://schemas.microsoft.com/office/drawing/2010/main" w="9525">
                   <a:solidFill>
                     <a:srgbClr val="000000"/>
                   </a:solidFill>
@@ -664,7 +669,7 @@
             </a:ln>
             <a:extLst>
               <a:ext uri="{91240B29-F687-4f45-9708-019B960494DF}">
-                <a14:hiddenLine xmlns:a14="http://schemas.microsoft.com/office/drawing/2010/main" xmlns="" w="9525">
+                <a14:hiddenLine xmlns="" xmlns:a14="http://schemas.microsoft.com/office/drawing/2010/main" w="9525">
                   <a:solidFill>
                     <a:srgbClr val="000000"/>
                   </a:solidFill>
@@ -754,7 +759,7 @@
             </a:ln>
             <a:extLst>
               <a:ext uri="{91240B29-F687-4f45-9708-019B960494DF}">
-                <a14:hiddenLine xmlns:a14="http://schemas.microsoft.com/office/drawing/2010/main" xmlns="" w="9525">
+                <a14:hiddenLine xmlns="" xmlns:a14="http://schemas.microsoft.com/office/drawing/2010/main" w="9525">
                   <a:solidFill>
                     <a:srgbClr val="000000"/>
                   </a:solidFill>
@@ -816,7 +821,7 @@
             </a:ln>
             <a:extLst>
               <a:ext uri="{91240B29-F687-4f45-9708-019B960494DF}">
-                <a14:hiddenLine xmlns:a14="http://schemas.microsoft.com/office/drawing/2010/main" xmlns="" w="9525">
+                <a14:hiddenLine xmlns="" xmlns:a14="http://schemas.microsoft.com/office/drawing/2010/main" w="9525">
                   <a:solidFill>
                     <a:srgbClr val="000000"/>
                   </a:solidFill>
@@ -878,7 +883,7 @@
             </a:ln>
             <a:extLst>
               <a:ext uri="{91240B29-F687-4f45-9708-019B960494DF}">
-                <a14:hiddenLine xmlns:a14="http://schemas.microsoft.com/office/drawing/2010/main" xmlns="" w="9525">
+                <a14:hiddenLine xmlns="" xmlns:a14="http://schemas.microsoft.com/office/drawing/2010/main" w="9525">
                   <a:solidFill>
                     <a:srgbClr val="000000"/>
                   </a:solidFill>
@@ -968,7 +973,7 @@
             </a:ln>
             <a:extLst>
               <a:ext uri="{91240B29-F687-4f45-9708-019B960494DF}">
-                <a14:hiddenLine xmlns:a14="http://schemas.microsoft.com/office/drawing/2010/main" xmlns="" w="9525">
+                <a14:hiddenLine xmlns="" xmlns:a14="http://schemas.microsoft.com/office/drawing/2010/main" w="9525">
                   <a:solidFill>
                     <a:srgbClr val="000000"/>
                   </a:solidFill>
@@ -1058,7 +1063,7 @@
             </a:ln>
             <a:extLst>
               <a:ext uri="{91240B29-F687-4f45-9708-019B960494DF}">
-                <a14:hiddenLine xmlns:a14="http://schemas.microsoft.com/office/drawing/2010/main" xmlns="" w="9525">
+                <a14:hiddenLine xmlns="" xmlns:a14="http://schemas.microsoft.com/office/drawing/2010/main" w="9525">
                   <a:solidFill>
                     <a:srgbClr val="000000"/>
                   </a:solidFill>
@@ -1120,7 +1125,7 @@
             </a:ln>
             <a:extLst>
               <a:ext uri="{91240B29-F687-4f45-9708-019B960494DF}">
-                <a14:hiddenLine xmlns:a14="http://schemas.microsoft.com/office/drawing/2010/main" xmlns="" w="9525">
+                <a14:hiddenLine xmlns="" xmlns:a14="http://schemas.microsoft.com/office/drawing/2010/main" w="9525">
                   <a:solidFill>
                     <a:srgbClr val="000000"/>
                   </a:solidFill>
@@ -1230,7 +1235,7 @@
             </a:ln>
             <a:extLst>
               <a:ext uri="{91240B29-F687-4f45-9708-019B960494DF}">
-                <a14:hiddenLine xmlns:a14="http://schemas.microsoft.com/office/drawing/2010/main" xmlns="" w="9525">
+                <a14:hiddenLine xmlns="" xmlns:a14="http://schemas.microsoft.com/office/drawing/2010/main" w="9525">
                   <a:solidFill>
                     <a:srgbClr val="000000"/>
                   </a:solidFill>
@@ -1292,7 +1297,7 @@
             </a:ln>
             <a:extLst>
               <a:ext uri="{91240B29-F687-4f45-9708-019B960494DF}">
-                <a14:hiddenLine xmlns:a14="http://schemas.microsoft.com/office/drawing/2010/main" xmlns="" w="9525">
+                <a14:hiddenLine xmlns="" xmlns:a14="http://schemas.microsoft.com/office/drawing/2010/main" w="9525">
                   <a:solidFill>
                     <a:srgbClr val="000000"/>
                   </a:solidFill>
@@ -1382,7 +1387,7 @@
             </a:ln>
             <a:extLst>
               <a:ext uri="{91240B29-F687-4f45-9708-019B960494DF}">
-                <a14:hiddenLine xmlns:a14="http://schemas.microsoft.com/office/drawing/2010/main" xmlns="" w="9525">
+                <a14:hiddenLine xmlns="" xmlns:a14="http://schemas.microsoft.com/office/drawing/2010/main" w="9525">
                   <a:solidFill>
                     <a:srgbClr val="000000"/>
                   </a:solidFill>
@@ -1472,7 +1477,7 @@
             </a:ln>
             <a:extLst>
               <a:ext uri="{91240B29-F687-4f45-9708-019B960494DF}">
-                <a14:hiddenLine xmlns:a14="http://schemas.microsoft.com/office/drawing/2010/main" xmlns="" w="9525">
+                <a14:hiddenLine xmlns="" xmlns:a14="http://schemas.microsoft.com/office/drawing/2010/main" w="9525">
                   <a:solidFill>
                     <a:srgbClr val="000000"/>
                   </a:solidFill>
@@ -1534,7 +1539,7 @@
             </a:ln>
             <a:extLst>
               <a:ext uri="{91240B29-F687-4f45-9708-019B960494DF}">
-                <a14:hiddenLine xmlns:a14="http://schemas.microsoft.com/office/drawing/2010/main" xmlns="" w="9525">
+                <a14:hiddenLine xmlns="" xmlns:a14="http://schemas.microsoft.com/office/drawing/2010/main" w="9525">
                   <a:solidFill>
                     <a:srgbClr val="000000"/>
                   </a:solidFill>
@@ -1624,7 +1629,7 @@
             </a:ln>
             <a:extLst>
               <a:ext uri="{91240B29-F687-4f45-9708-019B960494DF}">
-                <a14:hiddenLine xmlns:a14="http://schemas.microsoft.com/office/drawing/2010/main" xmlns="" w="9525">
+                <a14:hiddenLine xmlns="" xmlns:a14="http://schemas.microsoft.com/office/drawing/2010/main" w="9525">
                   <a:solidFill>
                     <a:srgbClr val="000000"/>
                   </a:solidFill>
@@ -1714,7 +1719,7 @@
             </a:ln>
             <a:extLst>
               <a:ext uri="{91240B29-F687-4f45-9708-019B960494DF}">
-                <a14:hiddenLine xmlns:a14="http://schemas.microsoft.com/office/drawing/2010/main" xmlns="" w="9525">
+                <a14:hiddenLine xmlns="" xmlns:a14="http://schemas.microsoft.com/office/drawing/2010/main" w="9525">
                   <a:solidFill>
                     <a:srgbClr val="000000"/>
                   </a:solidFill>
@@ -1770,7 +1775,7 @@
             </a:ln>
             <a:extLst>
               <a:ext uri="{91240B29-F687-4f45-9708-019B960494DF}">
-                <a14:hiddenLine xmlns:a14="http://schemas.microsoft.com/office/drawing/2010/main" xmlns="" w="9525">
+                <a14:hiddenLine xmlns="" xmlns:a14="http://schemas.microsoft.com/office/drawing/2010/main" w="9525">
                   <a:solidFill>
                     <a:srgbClr val="000000"/>
                   </a:solidFill>
@@ -1860,7 +1865,7 @@
             </a:ln>
             <a:extLst>
               <a:ext uri="{91240B29-F687-4f45-9708-019B960494DF}">
-                <a14:hiddenLine xmlns:a14="http://schemas.microsoft.com/office/drawing/2010/main" xmlns="" w="9525">
+                <a14:hiddenLine xmlns="" xmlns:a14="http://schemas.microsoft.com/office/drawing/2010/main" w="9525">
                   <a:solidFill>
                     <a:srgbClr val="000000"/>
                   </a:solidFill>
@@ -1916,7 +1921,7 @@
             </a:ln>
             <a:extLst>
               <a:ext uri="{91240B29-F687-4f45-9708-019B960494DF}">
-                <a14:hiddenLine xmlns:a14="http://schemas.microsoft.com/office/drawing/2010/main" xmlns="" w="9525">
+                <a14:hiddenLine xmlns="" xmlns:a14="http://schemas.microsoft.com/office/drawing/2010/main" w="9525">
                   <a:solidFill>
                     <a:srgbClr val="000000"/>
                   </a:solidFill>
@@ -2006,7 +2011,7 @@
             </a:ln>
             <a:extLst>
               <a:ext uri="{91240B29-F687-4f45-9708-019B960494DF}">
-                <a14:hiddenLine xmlns:a14="http://schemas.microsoft.com/office/drawing/2010/main" xmlns="" w="9525">
+                <a14:hiddenLine xmlns="" xmlns:a14="http://schemas.microsoft.com/office/drawing/2010/main" w="9525">
                   <a:solidFill>
                     <a:srgbClr val="000000"/>
                   </a:solidFill>
@@ -2074,7 +2079,7 @@
             </a:ln>
             <a:extLst>
               <a:ext uri="{91240B29-F687-4f45-9708-019B960494DF}">
-                <a14:hiddenLine xmlns:a14="http://schemas.microsoft.com/office/drawing/2010/main" xmlns="" w="9525">
+                <a14:hiddenLine xmlns="" xmlns:a14="http://schemas.microsoft.com/office/drawing/2010/main" w="9525">
                   <a:solidFill>
                     <a:srgbClr val="000000"/>
                   </a:solidFill>
@@ -2164,7 +2169,7 @@
             </a:ln>
             <a:extLst>
               <a:ext uri="{91240B29-F687-4f45-9708-019B960494DF}">
-                <a14:hiddenLine xmlns:a14="http://schemas.microsoft.com/office/drawing/2010/main" xmlns="" w="9525">
+                <a14:hiddenLine xmlns="" xmlns:a14="http://schemas.microsoft.com/office/drawing/2010/main" w="9525">
                   <a:solidFill>
                     <a:srgbClr val="000000"/>
                   </a:solidFill>
@@ -2232,7 +2237,7 @@
             </a:ln>
             <a:extLst>
               <a:ext uri="{91240B29-F687-4f45-9708-019B960494DF}">
-                <a14:hiddenLine xmlns:a14="http://schemas.microsoft.com/office/drawing/2010/main" xmlns="" w="9525">
+                <a14:hiddenLine xmlns="" xmlns:a14="http://schemas.microsoft.com/office/drawing/2010/main" w="9525">
                   <a:solidFill>
                     <a:srgbClr val="000000"/>
                   </a:solidFill>
@@ -2322,7 +2327,7 @@
             </a:ln>
             <a:extLst>
               <a:ext uri="{91240B29-F687-4f45-9708-019B960494DF}">
-                <a14:hiddenLine xmlns:a14="http://schemas.microsoft.com/office/drawing/2010/main" xmlns="" w="9525">
+                <a14:hiddenLine xmlns="" xmlns:a14="http://schemas.microsoft.com/office/drawing/2010/main" w="9525">
                   <a:solidFill>
                     <a:srgbClr val="000000"/>
                   </a:solidFill>
@@ -2356,7 +2361,7 @@
             </a:ln>
             <a:extLst>
               <a:ext uri="{91240B29-F687-4f45-9708-019B960494DF}">
-                <a14:hiddenLine xmlns:a14="http://schemas.microsoft.com/office/drawing/2010/main" xmlns="" w="9525">
+                <a14:hiddenLine xmlns="" xmlns:a14="http://schemas.microsoft.com/office/drawing/2010/main" w="9525">
                   <a:solidFill>
                     <a:srgbClr val="000000"/>
                   </a:solidFill>
@@ -2446,7 +2451,7 @@
             </a:ln>
             <a:extLst>
               <a:ext uri="{91240B29-F687-4f45-9708-019B960494DF}">
-                <a14:hiddenLine xmlns:a14="http://schemas.microsoft.com/office/drawing/2010/main" xmlns="" w="9525">
+                <a14:hiddenLine xmlns="" xmlns:a14="http://schemas.microsoft.com/office/drawing/2010/main" w="9525">
                   <a:solidFill>
                     <a:srgbClr val="000000"/>
                   </a:solidFill>
@@ -2508,7 +2513,7 @@
             </a:ln>
             <a:extLst>
               <a:ext uri="{91240B29-F687-4f45-9708-019B960494DF}">
-                <a14:hiddenLine xmlns:a14="http://schemas.microsoft.com/office/drawing/2010/main" xmlns="" w="9525">
+                <a14:hiddenLine xmlns="" xmlns:a14="http://schemas.microsoft.com/office/drawing/2010/main" w="9525">
                   <a:solidFill>
                     <a:srgbClr val="000000"/>
                   </a:solidFill>
@@ -2570,7 +2575,7 @@
             </a:ln>
             <a:extLst>
               <a:ext uri="{91240B29-F687-4f45-9708-019B960494DF}">
-                <a14:hiddenLine xmlns:a14="http://schemas.microsoft.com/office/drawing/2010/main" xmlns="" w="9525">
+                <a14:hiddenLine xmlns="" xmlns:a14="http://schemas.microsoft.com/office/drawing/2010/main" w="9525">
                   <a:solidFill>
                     <a:srgbClr val="000000"/>
                   </a:solidFill>
@@ -2660,7 +2665,7 @@
             </a:ln>
             <a:extLst>
               <a:ext uri="{91240B29-F687-4f45-9708-019B960494DF}">
-                <a14:hiddenLine xmlns:a14="http://schemas.microsoft.com/office/drawing/2010/main" xmlns="" w="9525">
+                <a14:hiddenLine xmlns="" xmlns:a14="http://schemas.microsoft.com/office/drawing/2010/main" w="9525">
                   <a:solidFill>
                     <a:srgbClr val="000000"/>
                   </a:solidFill>
@@ -2728,7 +2733,7 @@
             </a:ln>
             <a:extLst>
               <a:ext uri="{91240B29-F687-4f45-9708-019B960494DF}">
-                <a14:hiddenLine xmlns:a14="http://schemas.microsoft.com/office/drawing/2010/main" xmlns="" w="9525">
+                <a14:hiddenLine xmlns="" xmlns:a14="http://schemas.microsoft.com/office/drawing/2010/main" w="9525">
                   <a:solidFill>
                     <a:srgbClr val="000000"/>
                   </a:solidFill>
@@ -2790,7 +2795,7 @@
             </a:ln>
             <a:extLst>
               <a:ext uri="{91240B29-F687-4f45-9708-019B960494DF}">
-                <a14:hiddenLine xmlns:a14="http://schemas.microsoft.com/office/drawing/2010/main" xmlns="" w="9525">
+                <a14:hiddenLine xmlns="" xmlns:a14="http://schemas.microsoft.com/office/drawing/2010/main" w="9525">
                   <a:solidFill>
                     <a:srgbClr val="000000"/>
                   </a:solidFill>
@@ -2880,7 +2885,7 @@
             </a:ln>
             <a:extLst>
               <a:ext uri="{91240B29-F687-4f45-9708-019B960494DF}">
-                <a14:hiddenLine xmlns:a14="http://schemas.microsoft.com/office/drawing/2010/main" xmlns="" w="9525">
+                <a14:hiddenLine xmlns="" xmlns:a14="http://schemas.microsoft.com/office/drawing/2010/main" w="9525">
                   <a:solidFill>
                     <a:srgbClr val="000000"/>
                   </a:solidFill>
@@ -2942,7 +2947,7 @@
             </a:ln>
             <a:extLst>
               <a:ext uri="{91240B29-F687-4f45-9708-019B960494DF}">
-                <a14:hiddenLine xmlns:a14="http://schemas.microsoft.com/office/drawing/2010/main" xmlns="" w="9525">
+                <a14:hiddenLine xmlns="" xmlns:a14="http://schemas.microsoft.com/office/drawing/2010/main" w="9525">
                   <a:solidFill>
                     <a:srgbClr val="000000"/>
                   </a:solidFill>
@@ -3032,7 +3037,7 @@
             </a:ln>
             <a:extLst>
               <a:ext uri="{91240B29-F687-4f45-9708-019B960494DF}">
-                <a14:hiddenLine xmlns:a14="http://schemas.microsoft.com/office/drawing/2010/main" xmlns="" w="9525">
+                <a14:hiddenLine xmlns="" xmlns:a14="http://schemas.microsoft.com/office/drawing/2010/main" w="9525">
                   <a:solidFill>
                     <a:srgbClr val="000000"/>
                   </a:solidFill>
@@ -3094,7 +3099,7 @@
             </a:ln>
             <a:extLst>
               <a:ext uri="{91240B29-F687-4f45-9708-019B960494DF}">
-                <a14:hiddenLine xmlns:a14="http://schemas.microsoft.com/office/drawing/2010/main" xmlns="" w="9525">
+                <a14:hiddenLine xmlns="" xmlns:a14="http://schemas.microsoft.com/office/drawing/2010/main" w="9525">
                   <a:solidFill>
                     <a:srgbClr val="000000"/>
                   </a:solidFill>
@@ -3184,7 +3189,7 @@
             </a:ln>
             <a:extLst>
               <a:ext uri="{91240B29-F687-4f45-9708-019B960494DF}">
-                <a14:hiddenLine xmlns:a14="http://schemas.microsoft.com/office/drawing/2010/main" xmlns="" w="9525">
+                <a14:hiddenLine xmlns="" xmlns:a14="http://schemas.microsoft.com/office/drawing/2010/main" w="9525">
                   <a:solidFill>
                     <a:srgbClr val="000000"/>
                   </a:solidFill>
@@ -3218,7 +3223,7 @@
             </a:ln>
             <a:extLst>
               <a:ext uri="{91240B29-F687-4f45-9708-019B960494DF}">
-                <a14:hiddenLine xmlns:a14="http://schemas.microsoft.com/office/drawing/2010/main" xmlns="" w="9525">
+                <a14:hiddenLine xmlns="" xmlns:a14="http://schemas.microsoft.com/office/drawing/2010/main" w="9525">
                   <a:solidFill>
                     <a:srgbClr val="000000"/>
                   </a:solidFill>
@@ -3283,7 +3288,7 @@
             </a:ln>
             <a:extLst>
               <a:ext uri="{91240B29-F687-4f45-9708-019B960494DF}">
-                <a14:hiddenLine xmlns:a14="http://schemas.microsoft.com/office/drawing/2010/main" xmlns="" w="9525">
+                <a14:hiddenLine xmlns="" xmlns:a14="http://schemas.microsoft.com/office/drawing/2010/main" w="9525">
                   <a:solidFill>
                     <a:srgbClr val="000000"/>
                   </a:solidFill>
@@ -3373,7 +3378,7 @@
             </a:ln>
             <a:extLst>
               <a:ext uri="{91240B29-F687-4f45-9708-019B960494DF}">
-                <a14:hiddenLine xmlns:a14="http://schemas.microsoft.com/office/drawing/2010/main" xmlns="" w="9525">
+                <a14:hiddenLine xmlns="" xmlns:a14="http://schemas.microsoft.com/office/drawing/2010/main" w="9525">
                   <a:solidFill>
                     <a:srgbClr val="000000"/>
                   </a:solidFill>
@@ -3435,7 +3440,7 @@
             </a:ln>
             <a:extLst>
               <a:ext uri="{91240B29-F687-4f45-9708-019B960494DF}">
-                <a14:hiddenLine xmlns:a14="http://schemas.microsoft.com/office/drawing/2010/main" xmlns="" w="9525">
+                <a14:hiddenLine xmlns="" xmlns:a14="http://schemas.microsoft.com/office/drawing/2010/main" w="9525">
                   <a:solidFill>
                     <a:srgbClr val="000000"/>
                   </a:solidFill>
@@ -3525,7 +3530,7 @@
             </a:ln>
             <a:extLst>
               <a:ext uri="{91240B29-F687-4f45-9708-019B960494DF}">
-                <a14:hiddenLine xmlns:a14="http://schemas.microsoft.com/office/drawing/2010/main" xmlns="" w="9525">
+                <a14:hiddenLine xmlns="" xmlns:a14="http://schemas.microsoft.com/office/drawing/2010/main" w="9525">
                   <a:solidFill>
                     <a:srgbClr val="000000"/>
                   </a:solidFill>
@@ -3615,7 +3620,7 @@
             </a:ln>
             <a:extLst>
               <a:ext uri="{91240B29-F687-4f45-9708-019B960494DF}">
-                <a14:hiddenLine xmlns:a14="http://schemas.microsoft.com/office/drawing/2010/main" xmlns="" w="9525">
+                <a14:hiddenLine xmlns="" xmlns:a14="http://schemas.microsoft.com/office/drawing/2010/main" w="9525">
                   <a:solidFill>
                     <a:srgbClr val="000000"/>
                   </a:solidFill>
@@ -3680,7 +3685,7 @@
             </a:ln>
             <a:extLst>
               <a:ext uri="{91240B29-F687-4f45-9708-019B960494DF}">
-                <a14:hiddenLine xmlns:a14="http://schemas.microsoft.com/office/drawing/2010/main" xmlns="" w="9525">
+                <a14:hiddenLine xmlns="" xmlns:a14="http://schemas.microsoft.com/office/drawing/2010/main" w="9525">
                   <a:solidFill>
                     <a:srgbClr val="000000"/>
                   </a:solidFill>
@@ -3742,7 +3747,7 @@
             </a:ln>
             <a:extLst>
               <a:ext uri="{91240B29-F687-4f45-9708-019B960494DF}">
-                <a14:hiddenLine xmlns:a14="http://schemas.microsoft.com/office/drawing/2010/main" xmlns="" w="9525">
+                <a14:hiddenLine xmlns="" xmlns:a14="http://schemas.microsoft.com/office/drawing/2010/main" w="9525">
                   <a:solidFill>
                     <a:srgbClr val="000000"/>
                   </a:solidFill>
@@ -3832,7 +3837,7 @@
             </a:ln>
             <a:extLst>
               <a:ext uri="{91240B29-F687-4f45-9708-019B960494DF}">
-                <a14:hiddenLine xmlns:a14="http://schemas.microsoft.com/office/drawing/2010/main" xmlns="" w="9525">
+                <a14:hiddenLine xmlns="" xmlns:a14="http://schemas.microsoft.com/office/drawing/2010/main" w="9525">
                   <a:solidFill>
                     <a:srgbClr val="000000"/>
                   </a:solidFill>
@@ -3922,7 +3927,7 @@
             </a:ln>
             <a:extLst>
               <a:ext uri="{91240B29-F687-4f45-9708-019B960494DF}">
-                <a14:hiddenLine xmlns:a14="http://schemas.microsoft.com/office/drawing/2010/main" xmlns="" w="9525">
+                <a14:hiddenLine xmlns="" xmlns:a14="http://schemas.microsoft.com/office/drawing/2010/main" w="9525">
                   <a:solidFill>
                     <a:srgbClr val="000000"/>
                   </a:solidFill>
@@ -3984,7 +3989,7 @@
             </a:ln>
             <a:extLst>
               <a:ext uri="{91240B29-F687-4f45-9708-019B960494DF}">
-                <a14:hiddenLine xmlns:a14="http://schemas.microsoft.com/office/drawing/2010/main" xmlns="" w="9525">
+                <a14:hiddenLine xmlns="" xmlns:a14="http://schemas.microsoft.com/office/drawing/2010/main" w="9525">
                   <a:solidFill>
                     <a:srgbClr val="000000"/>
                   </a:solidFill>
@@ -4104,7 +4109,7 @@
             </a:ln>
             <a:extLst>
               <a:ext uri="{91240B29-F687-4f45-9708-019B960494DF}">
-                <a14:hiddenLine xmlns:a14="http://schemas.microsoft.com/office/drawing/2010/main" xmlns="" w="9525">
+                <a14:hiddenLine xmlns="" xmlns:a14="http://schemas.microsoft.com/office/drawing/2010/main" w="9525">
                   <a:solidFill>
                     <a:srgbClr val="000000"/>
                   </a:solidFill>
@@ -4172,7 +4177,7 @@
             </a:ln>
             <a:extLst>
               <a:ext uri="{91240B29-F687-4f45-9708-019B960494DF}">
-                <a14:hiddenLine xmlns:a14="http://schemas.microsoft.com/office/drawing/2010/main" xmlns="" w="9525">
+                <a14:hiddenLine xmlns="" xmlns:a14="http://schemas.microsoft.com/office/drawing/2010/main" w="9525">
                   <a:solidFill>
                     <a:srgbClr val="000000"/>
                   </a:solidFill>
@@ -4262,7 +4267,7 @@
             </a:ln>
             <a:extLst>
               <a:ext uri="{91240B29-F687-4f45-9708-019B960494DF}">
-                <a14:hiddenLine xmlns:a14="http://schemas.microsoft.com/office/drawing/2010/main" xmlns="" w="9525">
+                <a14:hiddenLine xmlns="" xmlns:a14="http://schemas.microsoft.com/office/drawing/2010/main" w="9525">
                   <a:solidFill>
                     <a:srgbClr val="000000"/>
                   </a:solidFill>
@@ -4402,7 +4407,7 @@
           <a:p>
             <a:fld id="{48A87A34-81AB-432B-8DAE-1953F412C126}" type="datetimeFigureOut">
               <a:rPr lang="en-US" dirty="0"/>
-              <a:t>3/6/2016</a:t>
+              <a:t>3/8/2016</a:t>
             </a:fld>
             <a:endParaRPr lang="en-US" dirty="0"/>
           </a:p>
@@ -4664,7 +4669,7 @@
           <a:p>
             <a:fld id="{48A87A34-81AB-432B-8DAE-1953F412C126}" type="datetimeFigureOut">
               <a:rPr lang="en-US" dirty="0"/>
-              <a:t>3/6/2016</a:t>
+              <a:t>3/8/2016</a:t>
             </a:fld>
             <a:endParaRPr lang="en-US" dirty="0"/>
           </a:p>
@@ -4855,7 +4860,7 @@
           <a:p>
             <a:fld id="{48A87A34-81AB-432B-8DAE-1953F412C126}" type="datetimeFigureOut">
               <a:rPr lang="en-US" dirty="0"/>
-              <a:t>3/6/2016</a:t>
+              <a:t>3/8/2016</a:t>
             </a:fld>
             <a:endParaRPr lang="en-US" dirty="0"/>
           </a:p>
@@ -5113,7 +5118,7 @@
           <a:p>
             <a:fld id="{48A87A34-81AB-432B-8DAE-1953F412C126}" type="datetimeFigureOut">
               <a:rPr lang="en-US" dirty="0"/>
-              <a:t>3/6/2016</a:t>
+              <a:t>3/8/2016</a:t>
             </a:fld>
             <a:endParaRPr lang="en-US" dirty="0"/>
           </a:p>
@@ -5542,7 +5547,7 @@
           <a:p>
             <a:fld id="{48A87A34-81AB-432B-8DAE-1953F412C126}" type="datetimeFigureOut">
               <a:rPr lang="en-US" dirty="0"/>
-              <a:t>3/6/2016</a:t>
+              <a:t>3/8/2016</a:t>
             </a:fld>
             <a:endParaRPr lang="en-US" dirty="0"/>
           </a:p>
@@ -6083,7 +6088,7 @@
           <a:p>
             <a:fld id="{48A87A34-81AB-432B-8DAE-1953F412C126}" type="datetimeFigureOut">
               <a:rPr lang="en-US" dirty="0"/>
-              <a:t>3/6/2016</a:t>
+              <a:t>3/8/2016</a:t>
             </a:fld>
             <a:endParaRPr lang="en-US" dirty="0"/>
           </a:p>
@@ -6798,7 +6803,7 @@
           <a:p>
             <a:fld id="{48A87A34-81AB-432B-8DAE-1953F412C126}" type="datetimeFigureOut">
               <a:rPr lang="en-US" dirty="0"/>
-              <a:t>3/6/2016</a:t>
+              <a:t>3/8/2016</a:t>
             </a:fld>
             <a:endParaRPr lang="en-US" dirty="0"/>
           </a:p>
@@ -6963,7 +6968,7 @@
           <a:p>
             <a:fld id="{48A87A34-81AB-432B-8DAE-1953F412C126}" type="datetimeFigureOut">
               <a:rPr lang="en-US" dirty="0"/>
-              <a:t>3/6/2016</a:t>
+              <a:t>3/8/2016</a:t>
             </a:fld>
             <a:endParaRPr lang="en-US" dirty="0"/>
           </a:p>
@@ -7138,7 +7143,7 @@
           <a:p>
             <a:fld id="{48A87A34-81AB-432B-8DAE-1953F412C126}" type="datetimeFigureOut">
               <a:rPr lang="en-US" dirty="0"/>
-              <a:t>3/6/2016</a:t>
+              <a:t>3/8/2016</a:t>
             </a:fld>
             <a:endParaRPr lang="en-US" dirty="0"/>
           </a:p>
@@ -7303,7 +7308,7 @@
           <a:p>
             <a:fld id="{48A87A34-81AB-432B-8DAE-1953F412C126}" type="datetimeFigureOut">
               <a:rPr lang="en-US" dirty="0"/>
-              <a:t>3/6/2016</a:t>
+              <a:t>3/8/2016</a:t>
             </a:fld>
             <a:endParaRPr lang="en-US" dirty="0"/>
           </a:p>
@@ -7548,7 +7553,7 @@
           <a:p>
             <a:fld id="{48A87A34-81AB-432B-8DAE-1953F412C126}" type="datetimeFigureOut">
               <a:rPr lang="en-US" dirty="0"/>
-              <a:t>3/6/2016</a:t>
+              <a:t>3/8/2016</a:t>
             </a:fld>
             <a:endParaRPr lang="en-US" dirty="0"/>
           </a:p>
@@ -7775,7 +7780,7 @@
           <a:p>
             <a:fld id="{48A87A34-81AB-432B-8DAE-1953F412C126}" type="datetimeFigureOut">
               <a:rPr lang="en-US" dirty="0"/>
-              <a:t>3/6/2016</a:t>
+              <a:t>3/8/2016</a:t>
             </a:fld>
             <a:endParaRPr lang="en-US" dirty="0"/>
           </a:p>
@@ -8151,7 +8156,7 @@
           <a:p>
             <a:fld id="{48A87A34-81AB-432B-8DAE-1953F412C126}" type="datetimeFigureOut">
               <a:rPr lang="en-US" dirty="0"/>
-              <a:t>3/6/2016</a:t>
+              <a:t>3/8/2016</a:t>
             </a:fld>
             <a:endParaRPr lang="en-US" dirty="0"/>
           </a:p>
@@ -8264,7 +8269,7 @@
           <a:p>
             <a:fld id="{48A87A34-81AB-432B-8DAE-1953F412C126}" type="datetimeFigureOut">
               <a:rPr lang="en-US" dirty="0"/>
-              <a:t>3/6/2016</a:t>
+              <a:t>3/8/2016</a:t>
             </a:fld>
             <a:endParaRPr lang="en-US" dirty="0"/>
           </a:p>
@@ -8354,7 +8359,7 @@
           <a:p>
             <a:fld id="{48A87A34-81AB-432B-8DAE-1953F412C126}" type="datetimeFigureOut">
               <a:rPr lang="en-US" dirty="0"/>
-              <a:t>3/6/2016</a:t>
+              <a:t>3/8/2016</a:t>
             </a:fld>
             <a:endParaRPr lang="en-US" dirty="0"/>
           </a:p>
@@ -8598,7 +8603,7 @@
           <a:p>
             <a:fld id="{48A87A34-81AB-432B-8DAE-1953F412C126}" type="datetimeFigureOut">
               <a:rPr lang="en-US" dirty="0"/>
-              <a:t>3/6/2016</a:t>
+              <a:t>3/8/2016</a:t>
             </a:fld>
             <a:endParaRPr lang="en-US" dirty="0"/>
           </a:p>
@@ -8873,7 +8878,7 @@
           <a:p>
             <a:fld id="{48A87A34-81AB-432B-8DAE-1953F412C126}" type="datetimeFigureOut">
               <a:rPr lang="en-US" dirty="0"/>
-              <a:t>3/6/2016</a:t>
+              <a:t>3/8/2016</a:t>
             </a:fld>
             <a:endParaRPr lang="en-US" dirty="0"/>
           </a:p>
@@ -8984,7 +8989,7 @@
           <a:noFill/>
           <a:extLst>
             <a:ext uri="{909E8E84-426E-40dd-AFC4-6F175D3DCCD1}">
-              <a14:hiddenFill xmlns:a14="http://schemas.microsoft.com/office/drawing/2010/main" xmlns="">
+              <a14:hiddenFill xmlns="" xmlns:a14="http://schemas.microsoft.com/office/drawing/2010/main">
                 <a:solidFill>
                   <a:srgbClr val="FFFFFF"/>
                 </a:solidFill>
@@ -9058,7 +9063,7 @@
               </a:ln>
               <a:extLst>
                 <a:ext uri="{91240B29-F687-4f45-9708-019B960494DF}">
-                  <a14:hiddenLine xmlns:a14="http://schemas.microsoft.com/office/drawing/2010/main" xmlns="" w="9525">
+                  <a14:hiddenLine xmlns="" xmlns:a14="http://schemas.microsoft.com/office/drawing/2010/main" w="9525">
                     <a:solidFill>
                       <a:srgbClr val="000000"/>
                     </a:solidFill>
@@ -9148,7 +9153,7 @@
               </a:ln>
               <a:extLst>
                 <a:ext uri="{91240B29-F687-4f45-9708-019B960494DF}">
-                  <a14:hiddenLine xmlns:a14="http://schemas.microsoft.com/office/drawing/2010/main" xmlns="" w="9525">
+                  <a14:hiddenLine xmlns="" xmlns:a14="http://schemas.microsoft.com/office/drawing/2010/main" w="9525">
                     <a:solidFill>
                       <a:srgbClr val="000000"/>
                     </a:solidFill>
@@ -9238,7 +9243,7 @@
               </a:ln>
               <a:extLst>
                 <a:ext uri="{91240B29-F687-4f45-9708-019B960494DF}">
-                  <a14:hiddenLine xmlns:a14="http://schemas.microsoft.com/office/drawing/2010/main" xmlns="" w="9525">
+                  <a14:hiddenLine xmlns="" xmlns:a14="http://schemas.microsoft.com/office/drawing/2010/main" w="9525">
                     <a:solidFill>
                       <a:srgbClr val="000000"/>
                     </a:solidFill>
@@ -9300,7 +9305,7 @@
               </a:ln>
               <a:extLst>
                 <a:ext uri="{91240B29-F687-4f45-9708-019B960494DF}">
-                  <a14:hiddenLine xmlns:a14="http://schemas.microsoft.com/office/drawing/2010/main" xmlns="" w="9525">
+                  <a14:hiddenLine xmlns="" xmlns:a14="http://schemas.microsoft.com/office/drawing/2010/main" w="9525">
                     <a:solidFill>
                       <a:srgbClr val="000000"/>
                     </a:solidFill>
@@ -9390,7 +9395,7 @@
               </a:ln>
               <a:extLst>
                 <a:ext uri="{91240B29-F687-4f45-9708-019B960494DF}">
-                  <a14:hiddenLine xmlns:a14="http://schemas.microsoft.com/office/drawing/2010/main" xmlns="" w="9525">
+                  <a14:hiddenLine xmlns="" xmlns:a14="http://schemas.microsoft.com/office/drawing/2010/main" w="9525">
                     <a:solidFill>
                       <a:srgbClr val="000000"/>
                     </a:solidFill>
@@ -9452,7 +9457,7 @@
               </a:ln>
               <a:extLst>
                 <a:ext uri="{91240B29-F687-4f45-9708-019B960494DF}">
-                  <a14:hiddenLine xmlns:a14="http://schemas.microsoft.com/office/drawing/2010/main" xmlns="" w="9525">
+                  <a14:hiddenLine xmlns="" xmlns:a14="http://schemas.microsoft.com/office/drawing/2010/main" w="9525">
                     <a:solidFill>
                       <a:srgbClr val="000000"/>
                     </a:solidFill>
@@ -9514,7 +9519,7 @@
               </a:ln>
               <a:extLst>
                 <a:ext uri="{91240B29-F687-4f45-9708-019B960494DF}">
-                  <a14:hiddenLine xmlns:a14="http://schemas.microsoft.com/office/drawing/2010/main" xmlns="" w="9525">
+                  <a14:hiddenLine xmlns="" xmlns:a14="http://schemas.microsoft.com/office/drawing/2010/main" w="9525">
                     <a:solidFill>
                       <a:srgbClr val="000000"/>
                     </a:solidFill>
@@ -9604,7 +9609,7 @@
               </a:ln>
               <a:extLst>
                 <a:ext uri="{91240B29-F687-4f45-9708-019B960494DF}">
-                  <a14:hiddenLine xmlns:a14="http://schemas.microsoft.com/office/drawing/2010/main" xmlns="" w="9525">
+                  <a14:hiddenLine xmlns="" xmlns:a14="http://schemas.microsoft.com/office/drawing/2010/main" w="9525">
                     <a:solidFill>
                       <a:srgbClr val="000000"/>
                     </a:solidFill>
@@ -9694,7 +9699,7 @@
               </a:ln>
               <a:extLst>
                 <a:ext uri="{91240B29-F687-4f45-9708-019B960494DF}">
-                  <a14:hiddenLine xmlns:a14="http://schemas.microsoft.com/office/drawing/2010/main" xmlns="" w="9525">
+                  <a14:hiddenLine xmlns="" xmlns:a14="http://schemas.microsoft.com/office/drawing/2010/main" w="9525">
                     <a:solidFill>
                       <a:srgbClr val="000000"/>
                     </a:solidFill>
@@ -9756,7 +9761,7 @@
               </a:ln>
               <a:extLst>
                 <a:ext uri="{91240B29-F687-4f45-9708-019B960494DF}">
-                  <a14:hiddenLine xmlns:a14="http://schemas.microsoft.com/office/drawing/2010/main" xmlns="" w="9525">
+                  <a14:hiddenLine xmlns="" xmlns:a14="http://schemas.microsoft.com/office/drawing/2010/main" w="9525">
                     <a:solidFill>
                       <a:srgbClr val="000000"/>
                     </a:solidFill>
@@ -9866,7 +9871,7 @@
               </a:ln>
               <a:extLst>
                 <a:ext uri="{91240B29-F687-4f45-9708-019B960494DF}">
-                  <a14:hiddenLine xmlns:a14="http://schemas.microsoft.com/office/drawing/2010/main" xmlns="" w="9525">
+                  <a14:hiddenLine xmlns="" xmlns:a14="http://schemas.microsoft.com/office/drawing/2010/main" w="9525">
                     <a:solidFill>
                       <a:srgbClr val="000000"/>
                     </a:solidFill>
@@ -9950,7 +9955,7 @@
               </a:ln>
               <a:extLst>
                 <a:ext uri="{91240B29-F687-4f45-9708-019B960494DF}">
-                  <a14:hiddenLine xmlns:a14="http://schemas.microsoft.com/office/drawing/2010/main" xmlns="" w="9525">
+                  <a14:hiddenLine xmlns="" xmlns:a14="http://schemas.microsoft.com/office/drawing/2010/main" w="9525">
                     <a:solidFill>
                       <a:srgbClr val="000000"/>
                     </a:solidFill>
@@ -10012,7 +10017,7 @@
               </a:ln>
               <a:extLst>
                 <a:ext uri="{91240B29-F687-4f45-9708-019B960494DF}">
-                  <a14:hiddenLine xmlns:a14="http://schemas.microsoft.com/office/drawing/2010/main" xmlns="" w="9525">
+                  <a14:hiddenLine xmlns="" xmlns:a14="http://schemas.microsoft.com/office/drawing/2010/main" w="9525">
                     <a:solidFill>
                       <a:srgbClr val="000000"/>
                     </a:solidFill>
@@ -10074,7 +10079,7 @@
               </a:ln>
               <a:extLst>
                 <a:ext uri="{91240B29-F687-4f45-9708-019B960494DF}">
-                  <a14:hiddenLine xmlns:a14="http://schemas.microsoft.com/office/drawing/2010/main" xmlns="" w="9525">
+                  <a14:hiddenLine xmlns="" xmlns:a14="http://schemas.microsoft.com/office/drawing/2010/main" w="9525">
                     <a:solidFill>
                       <a:srgbClr val="000000"/>
                     </a:solidFill>
@@ -10164,7 +10169,7 @@
               </a:ln>
               <a:extLst>
                 <a:ext uri="{91240B29-F687-4f45-9708-019B960494DF}">
-                  <a14:hiddenLine xmlns:a14="http://schemas.microsoft.com/office/drawing/2010/main" xmlns="" w="9525">
+                  <a14:hiddenLine xmlns="" xmlns:a14="http://schemas.microsoft.com/office/drawing/2010/main" w="9525">
                     <a:solidFill>
                       <a:srgbClr val="000000"/>
                     </a:solidFill>
@@ -10198,7 +10203,7 @@
               </a:ln>
               <a:extLst>
                 <a:ext uri="{91240B29-F687-4f45-9708-019B960494DF}">
-                  <a14:hiddenLine xmlns:a14="http://schemas.microsoft.com/office/drawing/2010/main" xmlns="" w="9525">
+                  <a14:hiddenLine xmlns="" xmlns:a14="http://schemas.microsoft.com/office/drawing/2010/main" w="9525">
                     <a:solidFill>
                       <a:srgbClr val="000000"/>
                     </a:solidFill>
@@ -10263,7 +10268,7 @@
               </a:ln>
               <a:extLst>
                 <a:ext uri="{91240B29-F687-4f45-9708-019B960494DF}">
-                  <a14:hiddenLine xmlns:a14="http://schemas.microsoft.com/office/drawing/2010/main" xmlns="" w="9525">
+                  <a14:hiddenLine xmlns="" xmlns:a14="http://schemas.microsoft.com/office/drawing/2010/main" w="9525">
                     <a:solidFill>
                       <a:srgbClr val="000000"/>
                     </a:solidFill>
@@ -10353,7 +10358,7 @@
               </a:ln>
               <a:extLst>
                 <a:ext uri="{91240B29-F687-4f45-9708-019B960494DF}">
-                  <a14:hiddenLine xmlns:a14="http://schemas.microsoft.com/office/drawing/2010/main" xmlns="" w="9525">
+                  <a14:hiddenLine xmlns="" xmlns:a14="http://schemas.microsoft.com/office/drawing/2010/main" w="9525">
                     <a:solidFill>
                       <a:srgbClr val="000000"/>
                     </a:solidFill>
@@ -10415,7 +10420,7 @@
               </a:ln>
               <a:extLst>
                 <a:ext uri="{91240B29-F687-4f45-9708-019B960494DF}">
-                  <a14:hiddenLine xmlns:a14="http://schemas.microsoft.com/office/drawing/2010/main" xmlns="" w="9525">
+                  <a14:hiddenLine xmlns="" xmlns:a14="http://schemas.microsoft.com/office/drawing/2010/main" w="9525">
                     <a:solidFill>
                       <a:srgbClr val="000000"/>
                     </a:solidFill>
@@ -10505,7 +10510,7 @@
               </a:ln>
               <a:extLst>
                 <a:ext uri="{91240B29-F687-4f45-9708-019B960494DF}">
-                  <a14:hiddenLine xmlns:a14="http://schemas.microsoft.com/office/drawing/2010/main" xmlns="" w="9525">
+                  <a14:hiddenLine xmlns="" xmlns:a14="http://schemas.microsoft.com/office/drawing/2010/main" w="9525">
                     <a:solidFill>
                       <a:srgbClr val="000000"/>
                     </a:solidFill>
@@ -10570,7 +10575,7 @@
               </a:ln>
               <a:extLst>
                 <a:ext uri="{91240B29-F687-4f45-9708-019B960494DF}">
-                  <a14:hiddenLine xmlns:a14="http://schemas.microsoft.com/office/drawing/2010/main" xmlns="" w="9525">
+                  <a14:hiddenLine xmlns="" xmlns:a14="http://schemas.microsoft.com/office/drawing/2010/main" w="9525">
                     <a:solidFill>
                       <a:srgbClr val="000000"/>
                     </a:solidFill>
@@ -10632,7 +10637,7 @@
               </a:ln>
               <a:extLst>
                 <a:ext uri="{91240B29-F687-4f45-9708-019B960494DF}">
-                  <a14:hiddenLine xmlns:a14="http://schemas.microsoft.com/office/drawing/2010/main" xmlns="" w="9525">
+                  <a14:hiddenLine xmlns="" xmlns:a14="http://schemas.microsoft.com/office/drawing/2010/main" w="9525">
                     <a:solidFill>
                       <a:srgbClr val="000000"/>
                     </a:solidFill>
@@ -10722,7 +10727,7 @@
               </a:ln>
               <a:extLst>
                 <a:ext uri="{91240B29-F687-4f45-9708-019B960494DF}">
-                  <a14:hiddenLine xmlns:a14="http://schemas.microsoft.com/office/drawing/2010/main" xmlns="" w="9525">
+                  <a14:hiddenLine xmlns="" xmlns:a14="http://schemas.microsoft.com/office/drawing/2010/main" w="9525">
                     <a:solidFill>
                       <a:srgbClr val="000000"/>
                     </a:solidFill>
@@ -10812,7 +10817,7 @@
               </a:ln>
               <a:extLst>
                 <a:ext uri="{91240B29-F687-4f45-9708-019B960494DF}">
-                  <a14:hiddenLine xmlns:a14="http://schemas.microsoft.com/office/drawing/2010/main" xmlns="" w="9525">
+                  <a14:hiddenLine xmlns="" xmlns:a14="http://schemas.microsoft.com/office/drawing/2010/main" w="9525">
                     <a:solidFill>
                       <a:srgbClr val="000000"/>
                     </a:solidFill>
@@ -10877,7 +10882,7 @@
               </a:ln>
               <a:extLst>
                 <a:ext uri="{91240B29-F687-4f45-9708-019B960494DF}">
-                  <a14:hiddenLine xmlns:a14="http://schemas.microsoft.com/office/drawing/2010/main" xmlns="" w="9525">
+                  <a14:hiddenLine xmlns="" xmlns:a14="http://schemas.microsoft.com/office/drawing/2010/main" w="9525">
                     <a:solidFill>
                       <a:srgbClr val="000000"/>
                     </a:solidFill>
@@ -10997,7 +11002,7 @@
               </a:ln>
               <a:extLst>
                 <a:ext uri="{91240B29-F687-4f45-9708-019B960494DF}">
-                  <a14:hiddenLine xmlns:a14="http://schemas.microsoft.com/office/drawing/2010/main" xmlns="" w="9525">
+                  <a14:hiddenLine xmlns="" xmlns:a14="http://schemas.microsoft.com/office/drawing/2010/main" w="9525">
                     <a:solidFill>
                       <a:srgbClr val="000000"/>
                     </a:solidFill>
@@ -11095,7 +11100,7 @@
               </a:ln>
               <a:extLst>
                 <a:ext uri="{91240B29-F687-4f45-9708-019B960494DF}">
-                  <a14:hiddenLine xmlns:a14="http://schemas.microsoft.com/office/drawing/2010/main" xmlns="" w="9525">
+                  <a14:hiddenLine xmlns="" xmlns:a14="http://schemas.microsoft.com/office/drawing/2010/main" w="9525">
                     <a:solidFill>
                       <a:srgbClr val="000000"/>
                     </a:solidFill>
@@ -11210,7 +11215,7 @@
               </a:ln>
               <a:extLst>
                 <a:ext uri="{91240B29-F687-4f45-9708-019B960494DF}">
-                  <a14:hiddenLine xmlns:a14="http://schemas.microsoft.com/office/drawing/2010/main" xmlns="" w="9525">
+                  <a14:hiddenLine xmlns="" xmlns:a14="http://schemas.microsoft.com/office/drawing/2010/main" w="9525">
                     <a:solidFill>
                       <a:srgbClr val="000000"/>
                     </a:solidFill>
@@ -11300,7 +11305,7 @@
               </a:ln>
               <a:extLst>
                 <a:ext uri="{91240B29-F687-4f45-9708-019B960494DF}">
-                  <a14:hiddenLine xmlns:a14="http://schemas.microsoft.com/office/drawing/2010/main" xmlns="" w="9525">
+                  <a14:hiddenLine xmlns="" xmlns:a14="http://schemas.microsoft.com/office/drawing/2010/main" w="9525">
                     <a:solidFill>
                       <a:srgbClr val="000000"/>
                     </a:solidFill>
@@ -11365,7 +11370,7 @@
               </a:ln>
               <a:extLst>
                 <a:ext uri="{91240B29-F687-4f45-9708-019B960494DF}">
-                  <a14:hiddenLine xmlns:a14="http://schemas.microsoft.com/office/drawing/2010/main" xmlns="" w="9525">
+                  <a14:hiddenLine xmlns="" xmlns:a14="http://schemas.microsoft.com/office/drawing/2010/main" w="9525">
                     <a:solidFill>
                       <a:srgbClr val="000000"/>
                     </a:solidFill>
@@ -11455,7 +11460,7 @@
               </a:ln>
               <a:extLst>
                 <a:ext uri="{91240B29-F687-4f45-9708-019B960494DF}">
-                  <a14:hiddenLine xmlns:a14="http://schemas.microsoft.com/office/drawing/2010/main" xmlns="" w="9525">
+                  <a14:hiddenLine xmlns="" xmlns:a14="http://schemas.microsoft.com/office/drawing/2010/main" w="9525">
                     <a:solidFill>
                       <a:srgbClr val="000000"/>
                     </a:solidFill>
@@ -11523,7 +11528,7 @@
               </a:ln>
               <a:extLst>
                 <a:ext uri="{91240B29-F687-4f45-9708-019B960494DF}">
-                  <a14:hiddenLine xmlns:a14="http://schemas.microsoft.com/office/drawing/2010/main" xmlns="" w="9525">
+                  <a14:hiddenLine xmlns="" xmlns:a14="http://schemas.microsoft.com/office/drawing/2010/main" w="9525">
                     <a:solidFill>
                       <a:srgbClr val="000000"/>
                     </a:solidFill>
@@ -11613,7 +11618,7 @@
               </a:ln>
               <a:extLst>
                 <a:ext uri="{91240B29-F687-4f45-9708-019B960494DF}">
-                  <a14:hiddenLine xmlns:a14="http://schemas.microsoft.com/office/drawing/2010/main" xmlns="" w="9525">
+                  <a14:hiddenLine xmlns="" xmlns:a14="http://schemas.microsoft.com/office/drawing/2010/main" w="9525">
                     <a:solidFill>
                       <a:srgbClr val="000000"/>
                     </a:solidFill>
@@ -11681,7 +11686,7 @@
               </a:ln>
               <a:extLst>
                 <a:ext uri="{91240B29-F687-4f45-9708-019B960494DF}">
-                  <a14:hiddenLine xmlns:a14="http://schemas.microsoft.com/office/drawing/2010/main" xmlns="" w="9525">
+                  <a14:hiddenLine xmlns="" xmlns:a14="http://schemas.microsoft.com/office/drawing/2010/main" w="9525">
                     <a:solidFill>
                       <a:srgbClr val="000000"/>
                     </a:solidFill>
@@ -11771,7 +11776,7 @@
               </a:ln>
               <a:extLst>
                 <a:ext uri="{91240B29-F687-4f45-9708-019B960494DF}">
-                  <a14:hiddenLine xmlns:a14="http://schemas.microsoft.com/office/drawing/2010/main" xmlns="" w="9525">
+                  <a14:hiddenLine xmlns="" xmlns:a14="http://schemas.microsoft.com/office/drawing/2010/main" w="9525">
                     <a:solidFill>
                       <a:srgbClr val="000000"/>
                     </a:solidFill>
@@ -11805,7 +11810,7 @@
               </a:ln>
               <a:extLst>
                 <a:ext uri="{91240B29-F687-4f45-9708-019B960494DF}">
-                  <a14:hiddenLine xmlns:a14="http://schemas.microsoft.com/office/drawing/2010/main" xmlns="" w="9525">
+                  <a14:hiddenLine xmlns="" xmlns:a14="http://schemas.microsoft.com/office/drawing/2010/main" w="9525">
                     <a:solidFill>
                       <a:srgbClr val="000000"/>
                     </a:solidFill>
@@ -11946,7 +11951,7 @@
             <a:fld id="{48A87A34-81AB-432B-8DAE-1953F412C126}" type="datetimeFigureOut">
               <a:rPr lang="en-US" dirty="0"/>
               <a:pPr/>
-              <a:t>3/6/2016</a:t>
+              <a:t>3/8/2016</a:t>
             </a:fld>
             <a:endParaRPr lang="en-US" dirty="0"/>
           </a:p>
@@ -12364,42 +12369,6 @@
       </p:grpSpPr>
       <p:sp>
         <p:nvSpPr>
-          <p:cNvPr id="2" name="Title 1"/>
-          <p:cNvSpPr>
-            <a:spLocks noGrp="1"/>
-          </p:cNvSpPr>
-          <p:nvPr>
-            <p:ph type="ctrTitle"/>
-          </p:nvPr>
-        </p:nvSpPr>
-        <p:spPr/>
-        <p:txBody>
-          <a:bodyPr/>
-          <a:lstStyle/>
-          <a:p>
-            <a:pPr algn="ctr"/>
-            <a:r>
-              <a:rPr lang="en-US" dirty="0" smtClean="0">
-                <a:latin typeface="Bell MT" panose="02020503060305020303" pitchFamily="18" charset="0"/>
-                <a:cs typeface="Arial" panose="020B0604020202020204" pitchFamily="34" charset="0"/>
-              </a:rPr>
-              <a:t>Handyman</a:t>
-            </a:r>
-            <a:br>
-              <a:rPr lang="en-US" dirty="0" smtClean="0">
-                <a:latin typeface="Bell MT" panose="02020503060305020303" pitchFamily="18" charset="0"/>
-                <a:cs typeface="Arial" panose="020B0604020202020204" pitchFamily="34" charset="0"/>
-              </a:rPr>
-            </a:br>
-            <a:endParaRPr lang="en-US" dirty="0">
-              <a:latin typeface="Bell MT" panose="02020503060305020303" pitchFamily="18" charset="0"/>
-              <a:cs typeface="Arial" panose="020B0604020202020204" pitchFamily="34" charset="0"/>
-            </a:endParaRPr>
-          </a:p>
-        </p:txBody>
-      </p:sp>
-      <p:sp>
-        <p:nvSpPr>
           <p:cNvPr id="3" name="Subtitle 2"/>
           <p:cNvSpPr>
             <a:spLocks noGrp="1"/>
@@ -12470,6 +12439,36 @@
           </a:p>
         </p:txBody>
       </p:sp>
+      <p:pic>
+        <p:nvPicPr>
+          <p:cNvPr id="4" name="Picture 3"/>
+          <p:cNvPicPr>
+            <a:picLocks noChangeAspect="1"/>
+          </p:cNvPicPr>
+          <p:nvPr/>
+        </p:nvPicPr>
+        <p:blipFill>
+          <a:blip r:embed="rId2">
+            <a:extLst>
+              <a:ext uri="{28A0092B-C50C-407E-A947-70E740481C1C}">
+                <a14:useLocalDpi xmlns:a14="http://schemas.microsoft.com/office/drawing/2010/main" val="0"/>
+              </a:ext>
+            </a:extLst>
+          </a:blip>
+          <a:stretch>
+            <a:fillRect/>
+          </a:stretch>
+        </p:blipFill>
+        <p:spPr>
+          <a:xfrm>
+            <a:off x="1068947" y="311908"/>
+            <a:ext cx="10058400" cy="3290130"/>
+          </a:xfrm>
+          <a:prstGeom prst="rect">
+            <a:avLst/>
+          </a:prstGeom>
+        </p:spPr>
+      </p:pic>
     </p:spTree>
     <p:extLst>
       <p:ext uri="{BB962C8B-B14F-4D97-AF65-F5344CB8AC3E}">
@@ -24320,8 +24319,9 @@
             </a:r>
             <a:r>
               <a:rPr lang="en-US" dirty="0" smtClean="0"/>
-              <a:t>)</a:t>
+              <a:t>) with ease of use (such as Uber)</a:t>
             </a:r>
+            <a:endParaRPr lang="en-US" dirty="0" smtClean="0"/>
           </a:p>
           <a:p>
             <a:r>

--- a/Presentation/Spiral1.pptx
+++ b/Presentation/Spiral1.pptx
@@ -181,7 +181,7 @@
           <a:noFill/>
           <a:extLst>
             <a:ext uri="{909E8E84-426E-40dd-AFC4-6F175D3DCCD1}">
-              <a14:hiddenFill xmlns="" xmlns:a14="http://schemas.microsoft.com/office/drawing/2010/main">
+              <a14:hiddenFill xmlns:a14="http://schemas.microsoft.com/office/drawing/2010/main" xmlns="">
                 <a:solidFill>
                   <a:srgbClr val="FFFFFF"/>
                 </a:solidFill>
@@ -241,7 +241,7 @@
             </a:ln>
             <a:extLst>
               <a:ext uri="{91240B29-F687-4f45-9708-019B960494DF}">
-                <a14:hiddenLine xmlns="" xmlns:a14="http://schemas.microsoft.com/office/drawing/2010/main" w="9525">
+                <a14:hiddenLine xmlns:a14="http://schemas.microsoft.com/office/drawing/2010/main" xmlns="" w="9525">
                   <a:solidFill>
                     <a:srgbClr val="000000"/>
                   </a:solidFill>
@@ -331,7 +331,7 @@
             </a:ln>
             <a:extLst>
               <a:ext uri="{91240B29-F687-4f45-9708-019B960494DF}">
-                <a14:hiddenLine xmlns="" xmlns:a14="http://schemas.microsoft.com/office/drawing/2010/main" w="9525">
+                <a14:hiddenLine xmlns:a14="http://schemas.microsoft.com/office/drawing/2010/main" xmlns="" w="9525">
                   <a:solidFill>
                     <a:srgbClr val="000000"/>
                   </a:solidFill>
@@ -421,7 +421,7 @@
             </a:ln>
             <a:extLst>
               <a:ext uri="{91240B29-F687-4f45-9708-019B960494DF}">
-                <a14:hiddenLine xmlns="" xmlns:a14="http://schemas.microsoft.com/office/drawing/2010/main" w="9525">
+                <a14:hiddenLine xmlns:a14="http://schemas.microsoft.com/office/drawing/2010/main" xmlns="" w="9525">
                   <a:solidFill>
                     <a:srgbClr val="000000"/>
                   </a:solidFill>
@@ -455,7 +455,7 @@
             </a:ln>
             <a:extLst>
               <a:ext uri="{91240B29-F687-4f45-9708-019B960494DF}">
-                <a14:hiddenLine xmlns="" xmlns:a14="http://schemas.microsoft.com/office/drawing/2010/main" w="9525">
+                <a14:hiddenLine xmlns:a14="http://schemas.microsoft.com/office/drawing/2010/main" xmlns="" w="9525">
                   <a:solidFill>
                     <a:srgbClr val="000000"/>
                   </a:solidFill>
@@ -545,7 +545,7 @@
             </a:ln>
             <a:extLst>
               <a:ext uri="{91240B29-F687-4f45-9708-019B960494DF}">
-                <a14:hiddenLine xmlns="" xmlns:a14="http://schemas.microsoft.com/office/drawing/2010/main" w="9525">
+                <a14:hiddenLine xmlns:a14="http://schemas.microsoft.com/office/drawing/2010/main" xmlns="" w="9525">
                   <a:solidFill>
                     <a:srgbClr val="000000"/>
                   </a:solidFill>
@@ -607,7 +607,7 @@
             </a:ln>
             <a:extLst>
               <a:ext uri="{91240B29-F687-4f45-9708-019B960494DF}">
-                <a14:hiddenLine xmlns="" xmlns:a14="http://schemas.microsoft.com/office/drawing/2010/main" w="9525">
+                <a14:hiddenLine xmlns:a14="http://schemas.microsoft.com/office/drawing/2010/main" xmlns="" w="9525">
                   <a:solidFill>
                     <a:srgbClr val="000000"/>
                   </a:solidFill>
@@ -669,7 +669,7 @@
             </a:ln>
             <a:extLst>
               <a:ext uri="{91240B29-F687-4f45-9708-019B960494DF}">
-                <a14:hiddenLine xmlns="" xmlns:a14="http://schemas.microsoft.com/office/drawing/2010/main" w="9525">
+                <a14:hiddenLine xmlns:a14="http://schemas.microsoft.com/office/drawing/2010/main" xmlns="" w="9525">
                   <a:solidFill>
                     <a:srgbClr val="000000"/>
                   </a:solidFill>
@@ -759,7 +759,7 @@
             </a:ln>
             <a:extLst>
               <a:ext uri="{91240B29-F687-4f45-9708-019B960494DF}">
-                <a14:hiddenLine xmlns="" xmlns:a14="http://schemas.microsoft.com/office/drawing/2010/main" w="9525">
+                <a14:hiddenLine xmlns:a14="http://schemas.microsoft.com/office/drawing/2010/main" xmlns="" w="9525">
                   <a:solidFill>
                     <a:srgbClr val="000000"/>
                   </a:solidFill>
@@ -821,7 +821,7 @@
             </a:ln>
             <a:extLst>
               <a:ext uri="{91240B29-F687-4f45-9708-019B960494DF}">
-                <a14:hiddenLine xmlns="" xmlns:a14="http://schemas.microsoft.com/office/drawing/2010/main" w="9525">
+                <a14:hiddenLine xmlns:a14="http://schemas.microsoft.com/office/drawing/2010/main" xmlns="" w="9525">
                   <a:solidFill>
                     <a:srgbClr val="000000"/>
                   </a:solidFill>
@@ -883,7 +883,7 @@
             </a:ln>
             <a:extLst>
               <a:ext uri="{91240B29-F687-4f45-9708-019B960494DF}">
-                <a14:hiddenLine xmlns="" xmlns:a14="http://schemas.microsoft.com/office/drawing/2010/main" w="9525">
+                <a14:hiddenLine xmlns:a14="http://schemas.microsoft.com/office/drawing/2010/main" xmlns="" w="9525">
                   <a:solidFill>
                     <a:srgbClr val="000000"/>
                   </a:solidFill>
@@ -973,7 +973,7 @@
             </a:ln>
             <a:extLst>
               <a:ext uri="{91240B29-F687-4f45-9708-019B960494DF}">
-                <a14:hiddenLine xmlns="" xmlns:a14="http://schemas.microsoft.com/office/drawing/2010/main" w="9525">
+                <a14:hiddenLine xmlns:a14="http://schemas.microsoft.com/office/drawing/2010/main" xmlns="" w="9525">
                   <a:solidFill>
                     <a:srgbClr val="000000"/>
                   </a:solidFill>
@@ -1063,7 +1063,7 @@
             </a:ln>
             <a:extLst>
               <a:ext uri="{91240B29-F687-4f45-9708-019B960494DF}">
-                <a14:hiddenLine xmlns="" xmlns:a14="http://schemas.microsoft.com/office/drawing/2010/main" w="9525">
+                <a14:hiddenLine xmlns:a14="http://schemas.microsoft.com/office/drawing/2010/main" xmlns="" w="9525">
                   <a:solidFill>
                     <a:srgbClr val="000000"/>
                   </a:solidFill>
@@ -1125,7 +1125,7 @@
             </a:ln>
             <a:extLst>
               <a:ext uri="{91240B29-F687-4f45-9708-019B960494DF}">
-                <a14:hiddenLine xmlns="" xmlns:a14="http://schemas.microsoft.com/office/drawing/2010/main" w="9525">
+                <a14:hiddenLine xmlns:a14="http://schemas.microsoft.com/office/drawing/2010/main" xmlns="" w="9525">
                   <a:solidFill>
                     <a:srgbClr val="000000"/>
                   </a:solidFill>
@@ -1235,7 +1235,7 @@
             </a:ln>
             <a:extLst>
               <a:ext uri="{91240B29-F687-4f45-9708-019B960494DF}">
-                <a14:hiddenLine xmlns="" xmlns:a14="http://schemas.microsoft.com/office/drawing/2010/main" w="9525">
+                <a14:hiddenLine xmlns:a14="http://schemas.microsoft.com/office/drawing/2010/main" xmlns="" w="9525">
                   <a:solidFill>
                     <a:srgbClr val="000000"/>
                   </a:solidFill>
@@ -1297,7 +1297,7 @@
             </a:ln>
             <a:extLst>
               <a:ext uri="{91240B29-F687-4f45-9708-019B960494DF}">
-                <a14:hiddenLine xmlns="" xmlns:a14="http://schemas.microsoft.com/office/drawing/2010/main" w="9525">
+                <a14:hiddenLine xmlns:a14="http://schemas.microsoft.com/office/drawing/2010/main" xmlns="" w="9525">
                   <a:solidFill>
                     <a:srgbClr val="000000"/>
                   </a:solidFill>
@@ -1387,7 +1387,7 @@
             </a:ln>
             <a:extLst>
               <a:ext uri="{91240B29-F687-4f45-9708-019B960494DF}">
-                <a14:hiddenLine xmlns="" xmlns:a14="http://schemas.microsoft.com/office/drawing/2010/main" w="9525">
+                <a14:hiddenLine xmlns:a14="http://schemas.microsoft.com/office/drawing/2010/main" xmlns="" w="9525">
                   <a:solidFill>
                     <a:srgbClr val="000000"/>
                   </a:solidFill>
@@ -1477,7 +1477,7 @@
             </a:ln>
             <a:extLst>
               <a:ext uri="{91240B29-F687-4f45-9708-019B960494DF}">
-                <a14:hiddenLine xmlns="" xmlns:a14="http://schemas.microsoft.com/office/drawing/2010/main" w="9525">
+                <a14:hiddenLine xmlns:a14="http://schemas.microsoft.com/office/drawing/2010/main" xmlns="" w="9525">
                   <a:solidFill>
                     <a:srgbClr val="000000"/>
                   </a:solidFill>
@@ -1539,7 +1539,7 @@
             </a:ln>
             <a:extLst>
               <a:ext uri="{91240B29-F687-4f45-9708-019B960494DF}">
-                <a14:hiddenLine xmlns="" xmlns:a14="http://schemas.microsoft.com/office/drawing/2010/main" w="9525">
+                <a14:hiddenLine xmlns:a14="http://schemas.microsoft.com/office/drawing/2010/main" xmlns="" w="9525">
                   <a:solidFill>
                     <a:srgbClr val="000000"/>
                   </a:solidFill>
@@ -1629,7 +1629,7 @@
             </a:ln>
             <a:extLst>
               <a:ext uri="{91240B29-F687-4f45-9708-019B960494DF}">
-                <a14:hiddenLine xmlns="" xmlns:a14="http://schemas.microsoft.com/office/drawing/2010/main" w="9525">
+                <a14:hiddenLine xmlns:a14="http://schemas.microsoft.com/office/drawing/2010/main" xmlns="" w="9525">
                   <a:solidFill>
                     <a:srgbClr val="000000"/>
                   </a:solidFill>
@@ -1719,7 +1719,7 @@
             </a:ln>
             <a:extLst>
               <a:ext uri="{91240B29-F687-4f45-9708-019B960494DF}">
-                <a14:hiddenLine xmlns="" xmlns:a14="http://schemas.microsoft.com/office/drawing/2010/main" w="9525">
+                <a14:hiddenLine xmlns:a14="http://schemas.microsoft.com/office/drawing/2010/main" xmlns="" w="9525">
                   <a:solidFill>
                     <a:srgbClr val="000000"/>
                   </a:solidFill>
@@ -1775,7 +1775,7 @@
             </a:ln>
             <a:extLst>
               <a:ext uri="{91240B29-F687-4f45-9708-019B960494DF}">
-                <a14:hiddenLine xmlns="" xmlns:a14="http://schemas.microsoft.com/office/drawing/2010/main" w="9525">
+                <a14:hiddenLine xmlns:a14="http://schemas.microsoft.com/office/drawing/2010/main" xmlns="" w="9525">
                   <a:solidFill>
                     <a:srgbClr val="000000"/>
                   </a:solidFill>
@@ -1865,7 +1865,7 @@
             </a:ln>
             <a:extLst>
               <a:ext uri="{91240B29-F687-4f45-9708-019B960494DF}">
-                <a14:hiddenLine xmlns="" xmlns:a14="http://schemas.microsoft.com/office/drawing/2010/main" w="9525">
+                <a14:hiddenLine xmlns:a14="http://schemas.microsoft.com/office/drawing/2010/main" xmlns="" w="9525">
                   <a:solidFill>
                     <a:srgbClr val="000000"/>
                   </a:solidFill>
@@ -1921,7 +1921,7 @@
             </a:ln>
             <a:extLst>
               <a:ext uri="{91240B29-F687-4f45-9708-019B960494DF}">
-                <a14:hiddenLine xmlns="" xmlns:a14="http://schemas.microsoft.com/office/drawing/2010/main" w="9525">
+                <a14:hiddenLine xmlns:a14="http://schemas.microsoft.com/office/drawing/2010/main" xmlns="" w="9525">
                   <a:solidFill>
                     <a:srgbClr val="000000"/>
                   </a:solidFill>
@@ -2011,7 +2011,7 @@
             </a:ln>
             <a:extLst>
               <a:ext uri="{91240B29-F687-4f45-9708-019B960494DF}">
-                <a14:hiddenLine xmlns="" xmlns:a14="http://schemas.microsoft.com/office/drawing/2010/main" w="9525">
+                <a14:hiddenLine xmlns:a14="http://schemas.microsoft.com/office/drawing/2010/main" xmlns="" w="9525">
                   <a:solidFill>
                     <a:srgbClr val="000000"/>
                   </a:solidFill>
@@ -2079,7 +2079,7 @@
             </a:ln>
             <a:extLst>
               <a:ext uri="{91240B29-F687-4f45-9708-019B960494DF}">
-                <a14:hiddenLine xmlns="" xmlns:a14="http://schemas.microsoft.com/office/drawing/2010/main" w="9525">
+                <a14:hiddenLine xmlns:a14="http://schemas.microsoft.com/office/drawing/2010/main" xmlns="" w="9525">
                   <a:solidFill>
                     <a:srgbClr val="000000"/>
                   </a:solidFill>
@@ -2169,7 +2169,7 @@
             </a:ln>
             <a:extLst>
               <a:ext uri="{91240B29-F687-4f45-9708-019B960494DF}">
-                <a14:hiddenLine xmlns="" xmlns:a14="http://schemas.microsoft.com/office/drawing/2010/main" w="9525">
+                <a14:hiddenLine xmlns:a14="http://schemas.microsoft.com/office/drawing/2010/main" xmlns="" w="9525">
                   <a:solidFill>
                     <a:srgbClr val="000000"/>
                   </a:solidFill>
@@ -2237,7 +2237,7 @@
             </a:ln>
             <a:extLst>
               <a:ext uri="{91240B29-F687-4f45-9708-019B960494DF}">
-                <a14:hiddenLine xmlns="" xmlns:a14="http://schemas.microsoft.com/office/drawing/2010/main" w="9525">
+                <a14:hiddenLine xmlns:a14="http://schemas.microsoft.com/office/drawing/2010/main" xmlns="" w="9525">
                   <a:solidFill>
                     <a:srgbClr val="000000"/>
                   </a:solidFill>
@@ -2327,7 +2327,7 @@
             </a:ln>
             <a:extLst>
               <a:ext uri="{91240B29-F687-4f45-9708-019B960494DF}">
-                <a14:hiddenLine xmlns="" xmlns:a14="http://schemas.microsoft.com/office/drawing/2010/main" w="9525">
+                <a14:hiddenLine xmlns:a14="http://schemas.microsoft.com/office/drawing/2010/main" xmlns="" w="9525">
                   <a:solidFill>
                     <a:srgbClr val="000000"/>
                   </a:solidFill>
@@ -2361,7 +2361,7 @@
             </a:ln>
             <a:extLst>
               <a:ext uri="{91240B29-F687-4f45-9708-019B960494DF}">
-                <a14:hiddenLine xmlns="" xmlns:a14="http://schemas.microsoft.com/office/drawing/2010/main" w="9525">
+                <a14:hiddenLine xmlns:a14="http://schemas.microsoft.com/office/drawing/2010/main" xmlns="" w="9525">
                   <a:solidFill>
                     <a:srgbClr val="000000"/>
                   </a:solidFill>
@@ -2451,7 +2451,7 @@
             </a:ln>
             <a:extLst>
               <a:ext uri="{91240B29-F687-4f45-9708-019B960494DF}">
-                <a14:hiddenLine xmlns="" xmlns:a14="http://schemas.microsoft.com/office/drawing/2010/main" w="9525">
+                <a14:hiddenLine xmlns:a14="http://schemas.microsoft.com/office/drawing/2010/main" xmlns="" w="9525">
                   <a:solidFill>
                     <a:srgbClr val="000000"/>
                   </a:solidFill>
@@ -2513,7 +2513,7 @@
             </a:ln>
             <a:extLst>
               <a:ext uri="{91240B29-F687-4f45-9708-019B960494DF}">
-                <a14:hiddenLine xmlns="" xmlns:a14="http://schemas.microsoft.com/office/drawing/2010/main" w="9525">
+                <a14:hiddenLine xmlns:a14="http://schemas.microsoft.com/office/drawing/2010/main" xmlns="" w="9525">
                   <a:solidFill>
                     <a:srgbClr val="000000"/>
                   </a:solidFill>
@@ -2575,7 +2575,7 @@
             </a:ln>
             <a:extLst>
               <a:ext uri="{91240B29-F687-4f45-9708-019B960494DF}">
-                <a14:hiddenLine xmlns="" xmlns:a14="http://schemas.microsoft.com/office/drawing/2010/main" w="9525">
+                <a14:hiddenLine xmlns:a14="http://schemas.microsoft.com/office/drawing/2010/main" xmlns="" w="9525">
                   <a:solidFill>
                     <a:srgbClr val="000000"/>
                   </a:solidFill>
@@ -2665,7 +2665,7 @@
             </a:ln>
             <a:extLst>
               <a:ext uri="{91240B29-F687-4f45-9708-019B960494DF}">
-                <a14:hiddenLine xmlns="" xmlns:a14="http://schemas.microsoft.com/office/drawing/2010/main" w="9525">
+                <a14:hiddenLine xmlns:a14="http://schemas.microsoft.com/office/drawing/2010/main" xmlns="" w="9525">
                   <a:solidFill>
                     <a:srgbClr val="000000"/>
                   </a:solidFill>
@@ -2733,7 +2733,7 @@
             </a:ln>
             <a:extLst>
               <a:ext uri="{91240B29-F687-4f45-9708-019B960494DF}">
-                <a14:hiddenLine xmlns="" xmlns:a14="http://schemas.microsoft.com/office/drawing/2010/main" w="9525">
+                <a14:hiddenLine xmlns:a14="http://schemas.microsoft.com/office/drawing/2010/main" xmlns="" w="9525">
                   <a:solidFill>
                     <a:srgbClr val="000000"/>
                   </a:solidFill>
@@ -2795,7 +2795,7 @@
             </a:ln>
             <a:extLst>
               <a:ext uri="{91240B29-F687-4f45-9708-019B960494DF}">
-                <a14:hiddenLine xmlns="" xmlns:a14="http://schemas.microsoft.com/office/drawing/2010/main" w="9525">
+                <a14:hiddenLine xmlns:a14="http://schemas.microsoft.com/office/drawing/2010/main" xmlns="" w="9525">
                   <a:solidFill>
                     <a:srgbClr val="000000"/>
                   </a:solidFill>
@@ -2885,7 +2885,7 @@
             </a:ln>
             <a:extLst>
               <a:ext uri="{91240B29-F687-4f45-9708-019B960494DF}">
-                <a14:hiddenLine xmlns="" xmlns:a14="http://schemas.microsoft.com/office/drawing/2010/main" w="9525">
+                <a14:hiddenLine xmlns:a14="http://schemas.microsoft.com/office/drawing/2010/main" xmlns="" w="9525">
                   <a:solidFill>
                     <a:srgbClr val="000000"/>
                   </a:solidFill>
@@ -2947,7 +2947,7 @@
             </a:ln>
             <a:extLst>
               <a:ext uri="{91240B29-F687-4f45-9708-019B960494DF}">
-                <a14:hiddenLine xmlns="" xmlns:a14="http://schemas.microsoft.com/office/drawing/2010/main" w="9525">
+                <a14:hiddenLine xmlns:a14="http://schemas.microsoft.com/office/drawing/2010/main" xmlns="" w="9525">
                   <a:solidFill>
                     <a:srgbClr val="000000"/>
                   </a:solidFill>
@@ -3037,7 +3037,7 @@
             </a:ln>
             <a:extLst>
               <a:ext uri="{91240B29-F687-4f45-9708-019B960494DF}">
-                <a14:hiddenLine xmlns="" xmlns:a14="http://schemas.microsoft.com/office/drawing/2010/main" w="9525">
+                <a14:hiddenLine xmlns:a14="http://schemas.microsoft.com/office/drawing/2010/main" xmlns="" w="9525">
                   <a:solidFill>
                     <a:srgbClr val="000000"/>
                   </a:solidFill>
@@ -3099,7 +3099,7 @@
             </a:ln>
             <a:extLst>
               <a:ext uri="{91240B29-F687-4f45-9708-019B960494DF}">
-                <a14:hiddenLine xmlns="" xmlns:a14="http://schemas.microsoft.com/office/drawing/2010/main" w="9525">
+                <a14:hiddenLine xmlns:a14="http://schemas.microsoft.com/office/drawing/2010/main" xmlns="" w="9525">
                   <a:solidFill>
                     <a:srgbClr val="000000"/>
                   </a:solidFill>
@@ -3189,7 +3189,7 @@
             </a:ln>
             <a:extLst>
               <a:ext uri="{91240B29-F687-4f45-9708-019B960494DF}">
-                <a14:hiddenLine xmlns="" xmlns:a14="http://schemas.microsoft.com/office/drawing/2010/main" w="9525">
+                <a14:hiddenLine xmlns:a14="http://schemas.microsoft.com/office/drawing/2010/main" xmlns="" w="9525">
                   <a:solidFill>
                     <a:srgbClr val="000000"/>
                   </a:solidFill>
@@ -3223,7 +3223,7 @@
             </a:ln>
             <a:extLst>
               <a:ext uri="{91240B29-F687-4f45-9708-019B960494DF}">
-                <a14:hiddenLine xmlns="" xmlns:a14="http://schemas.microsoft.com/office/drawing/2010/main" w="9525">
+                <a14:hiddenLine xmlns:a14="http://schemas.microsoft.com/office/drawing/2010/main" xmlns="" w="9525">
                   <a:solidFill>
                     <a:srgbClr val="000000"/>
                   </a:solidFill>
@@ -3288,7 +3288,7 @@
             </a:ln>
             <a:extLst>
               <a:ext uri="{91240B29-F687-4f45-9708-019B960494DF}">
-                <a14:hiddenLine xmlns="" xmlns:a14="http://schemas.microsoft.com/office/drawing/2010/main" w="9525">
+                <a14:hiddenLine xmlns:a14="http://schemas.microsoft.com/office/drawing/2010/main" xmlns="" w="9525">
                   <a:solidFill>
                     <a:srgbClr val="000000"/>
                   </a:solidFill>
@@ -3378,7 +3378,7 @@
             </a:ln>
             <a:extLst>
               <a:ext uri="{91240B29-F687-4f45-9708-019B960494DF}">
-                <a14:hiddenLine xmlns="" xmlns:a14="http://schemas.microsoft.com/office/drawing/2010/main" w="9525">
+                <a14:hiddenLine xmlns:a14="http://schemas.microsoft.com/office/drawing/2010/main" xmlns="" w="9525">
                   <a:solidFill>
                     <a:srgbClr val="000000"/>
                   </a:solidFill>
@@ -3440,7 +3440,7 @@
             </a:ln>
             <a:extLst>
               <a:ext uri="{91240B29-F687-4f45-9708-019B960494DF}">
-                <a14:hiddenLine xmlns="" xmlns:a14="http://schemas.microsoft.com/office/drawing/2010/main" w="9525">
+                <a14:hiddenLine xmlns:a14="http://schemas.microsoft.com/office/drawing/2010/main" xmlns="" w="9525">
                   <a:solidFill>
                     <a:srgbClr val="000000"/>
                   </a:solidFill>
@@ -3530,7 +3530,7 @@
             </a:ln>
             <a:extLst>
               <a:ext uri="{91240B29-F687-4f45-9708-019B960494DF}">
-                <a14:hiddenLine xmlns="" xmlns:a14="http://schemas.microsoft.com/office/drawing/2010/main" w="9525">
+                <a14:hiddenLine xmlns:a14="http://schemas.microsoft.com/office/drawing/2010/main" xmlns="" w="9525">
                   <a:solidFill>
                     <a:srgbClr val="000000"/>
                   </a:solidFill>
@@ -3620,7 +3620,7 @@
             </a:ln>
             <a:extLst>
               <a:ext uri="{91240B29-F687-4f45-9708-019B960494DF}">
-                <a14:hiddenLine xmlns="" xmlns:a14="http://schemas.microsoft.com/office/drawing/2010/main" w="9525">
+                <a14:hiddenLine xmlns:a14="http://schemas.microsoft.com/office/drawing/2010/main" xmlns="" w="9525">
                   <a:solidFill>
                     <a:srgbClr val="000000"/>
                   </a:solidFill>
@@ -3685,7 +3685,7 @@
             </a:ln>
             <a:extLst>
               <a:ext uri="{91240B29-F687-4f45-9708-019B960494DF}">
-                <a14:hiddenLine xmlns="" xmlns:a14="http://schemas.microsoft.com/office/drawing/2010/main" w="9525">
+                <a14:hiddenLine xmlns:a14="http://schemas.microsoft.com/office/drawing/2010/main" xmlns="" w="9525">
                   <a:solidFill>
                     <a:srgbClr val="000000"/>
                   </a:solidFill>
@@ -3747,7 +3747,7 @@
             </a:ln>
             <a:extLst>
               <a:ext uri="{91240B29-F687-4f45-9708-019B960494DF}">
-                <a14:hiddenLine xmlns="" xmlns:a14="http://schemas.microsoft.com/office/drawing/2010/main" w="9525">
+                <a14:hiddenLine xmlns:a14="http://schemas.microsoft.com/office/drawing/2010/main" xmlns="" w="9525">
                   <a:solidFill>
                     <a:srgbClr val="000000"/>
                   </a:solidFill>
@@ -3837,7 +3837,7 @@
             </a:ln>
             <a:extLst>
               <a:ext uri="{91240B29-F687-4f45-9708-019B960494DF}">
-                <a14:hiddenLine xmlns="" xmlns:a14="http://schemas.microsoft.com/office/drawing/2010/main" w="9525">
+                <a14:hiddenLine xmlns:a14="http://schemas.microsoft.com/office/drawing/2010/main" xmlns="" w="9525">
                   <a:solidFill>
                     <a:srgbClr val="000000"/>
                   </a:solidFill>
@@ -3927,7 +3927,7 @@
             </a:ln>
             <a:extLst>
               <a:ext uri="{91240B29-F687-4f45-9708-019B960494DF}">
-                <a14:hiddenLine xmlns="" xmlns:a14="http://schemas.microsoft.com/office/drawing/2010/main" w="9525">
+                <a14:hiddenLine xmlns:a14="http://schemas.microsoft.com/office/drawing/2010/main" xmlns="" w="9525">
                   <a:solidFill>
                     <a:srgbClr val="000000"/>
                   </a:solidFill>
@@ -3989,7 +3989,7 @@
             </a:ln>
             <a:extLst>
               <a:ext uri="{91240B29-F687-4f45-9708-019B960494DF}">
-                <a14:hiddenLine xmlns="" xmlns:a14="http://schemas.microsoft.com/office/drawing/2010/main" w="9525">
+                <a14:hiddenLine xmlns:a14="http://schemas.microsoft.com/office/drawing/2010/main" xmlns="" w="9525">
                   <a:solidFill>
                     <a:srgbClr val="000000"/>
                   </a:solidFill>
@@ -4109,7 +4109,7 @@
             </a:ln>
             <a:extLst>
               <a:ext uri="{91240B29-F687-4f45-9708-019B960494DF}">
-                <a14:hiddenLine xmlns="" xmlns:a14="http://schemas.microsoft.com/office/drawing/2010/main" w="9525">
+                <a14:hiddenLine xmlns:a14="http://schemas.microsoft.com/office/drawing/2010/main" xmlns="" w="9525">
                   <a:solidFill>
                     <a:srgbClr val="000000"/>
                   </a:solidFill>
@@ -4177,7 +4177,7 @@
             </a:ln>
             <a:extLst>
               <a:ext uri="{91240B29-F687-4f45-9708-019B960494DF}">
-                <a14:hiddenLine xmlns="" xmlns:a14="http://schemas.microsoft.com/office/drawing/2010/main" w="9525">
+                <a14:hiddenLine xmlns:a14="http://schemas.microsoft.com/office/drawing/2010/main" xmlns="" w="9525">
                   <a:solidFill>
                     <a:srgbClr val="000000"/>
                   </a:solidFill>
@@ -4267,7 +4267,7 @@
             </a:ln>
             <a:extLst>
               <a:ext uri="{91240B29-F687-4f45-9708-019B960494DF}">
-                <a14:hiddenLine xmlns="" xmlns:a14="http://schemas.microsoft.com/office/drawing/2010/main" w="9525">
+                <a14:hiddenLine xmlns:a14="http://schemas.microsoft.com/office/drawing/2010/main" xmlns="" w="9525">
                   <a:solidFill>
                     <a:srgbClr val="000000"/>
                   </a:solidFill>
@@ -8989,7 +8989,7 @@
           <a:noFill/>
           <a:extLst>
             <a:ext uri="{909E8E84-426E-40dd-AFC4-6F175D3DCCD1}">
-              <a14:hiddenFill xmlns="" xmlns:a14="http://schemas.microsoft.com/office/drawing/2010/main">
+              <a14:hiddenFill xmlns:a14="http://schemas.microsoft.com/office/drawing/2010/main" xmlns="">
                 <a:solidFill>
                   <a:srgbClr val="FFFFFF"/>
                 </a:solidFill>
@@ -9063,7 +9063,7 @@
               </a:ln>
               <a:extLst>
                 <a:ext uri="{91240B29-F687-4f45-9708-019B960494DF}">
-                  <a14:hiddenLine xmlns="" xmlns:a14="http://schemas.microsoft.com/office/drawing/2010/main" w="9525">
+                  <a14:hiddenLine xmlns:a14="http://schemas.microsoft.com/office/drawing/2010/main" xmlns="" w="9525">
                     <a:solidFill>
                       <a:srgbClr val="000000"/>
                     </a:solidFill>
@@ -9153,7 +9153,7 @@
               </a:ln>
               <a:extLst>
                 <a:ext uri="{91240B29-F687-4f45-9708-019B960494DF}">
-                  <a14:hiddenLine xmlns="" xmlns:a14="http://schemas.microsoft.com/office/drawing/2010/main" w="9525">
+                  <a14:hiddenLine xmlns:a14="http://schemas.microsoft.com/office/drawing/2010/main" xmlns="" w="9525">
                     <a:solidFill>
                       <a:srgbClr val="000000"/>
                     </a:solidFill>
@@ -9243,7 +9243,7 @@
               </a:ln>
               <a:extLst>
                 <a:ext uri="{91240B29-F687-4f45-9708-019B960494DF}">
-                  <a14:hiddenLine xmlns="" xmlns:a14="http://schemas.microsoft.com/office/drawing/2010/main" w="9525">
+                  <a14:hiddenLine xmlns:a14="http://schemas.microsoft.com/office/drawing/2010/main" xmlns="" w="9525">
                     <a:solidFill>
                       <a:srgbClr val="000000"/>
                     </a:solidFill>
@@ -9305,7 +9305,7 @@
               </a:ln>
               <a:extLst>
                 <a:ext uri="{91240B29-F687-4f45-9708-019B960494DF}">
-                  <a14:hiddenLine xmlns="" xmlns:a14="http://schemas.microsoft.com/office/drawing/2010/main" w="9525">
+                  <a14:hiddenLine xmlns:a14="http://schemas.microsoft.com/office/drawing/2010/main" xmlns="" w="9525">
                     <a:solidFill>
                       <a:srgbClr val="000000"/>
                     </a:solidFill>
@@ -9395,7 +9395,7 @@
               </a:ln>
               <a:extLst>
                 <a:ext uri="{91240B29-F687-4f45-9708-019B960494DF}">
-                  <a14:hiddenLine xmlns="" xmlns:a14="http://schemas.microsoft.com/office/drawing/2010/main" w="9525">
+                  <a14:hiddenLine xmlns:a14="http://schemas.microsoft.com/office/drawing/2010/main" xmlns="" w="9525">
                     <a:solidFill>
                       <a:srgbClr val="000000"/>
                     </a:solidFill>
@@ -9457,7 +9457,7 @@
               </a:ln>
               <a:extLst>
                 <a:ext uri="{91240B29-F687-4f45-9708-019B960494DF}">
-                  <a14:hiddenLine xmlns="" xmlns:a14="http://schemas.microsoft.com/office/drawing/2010/main" w="9525">
+                  <a14:hiddenLine xmlns:a14="http://schemas.microsoft.com/office/drawing/2010/main" xmlns="" w="9525">
                     <a:solidFill>
                       <a:srgbClr val="000000"/>
                     </a:solidFill>
@@ -9519,7 +9519,7 @@
               </a:ln>
               <a:extLst>
                 <a:ext uri="{91240B29-F687-4f45-9708-019B960494DF}">
-                  <a14:hiddenLine xmlns="" xmlns:a14="http://schemas.microsoft.com/office/drawing/2010/main" w="9525">
+                  <a14:hiddenLine xmlns:a14="http://schemas.microsoft.com/office/drawing/2010/main" xmlns="" w="9525">
                     <a:solidFill>
                       <a:srgbClr val="000000"/>
                     </a:solidFill>
@@ -9609,7 +9609,7 @@
               </a:ln>
               <a:extLst>
                 <a:ext uri="{91240B29-F687-4f45-9708-019B960494DF}">
-                  <a14:hiddenLine xmlns="" xmlns:a14="http://schemas.microsoft.com/office/drawing/2010/main" w="9525">
+                  <a14:hiddenLine xmlns:a14="http://schemas.microsoft.com/office/drawing/2010/main" xmlns="" w="9525">
                     <a:solidFill>
                       <a:srgbClr val="000000"/>
                     </a:solidFill>
@@ -9699,7 +9699,7 @@
               </a:ln>
               <a:extLst>
                 <a:ext uri="{91240B29-F687-4f45-9708-019B960494DF}">
-                  <a14:hiddenLine xmlns="" xmlns:a14="http://schemas.microsoft.com/office/drawing/2010/main" w="9525">
+                  <a14:hiddenLine xmlns:a14="http://schemas.microsoft.com/office/drawing/2010/main" xmlns="" w="9525">
                     <a:solidFill>
                       <a:srgbClr val="000000"/>
                     </a:solidFill>
@@ -9761,7 +9761,7 @@
               </a:ln>
               <a:extLst>
                 <a:ext uri="{91240B29-F687-4f45-9708-019B960494DF}">
-                  <a14:hiddenLine xmlns="" xmlns:a14="http://schemas.microsoft.com/office/drawing/2010/main" w="9525">
+                  <a14:hiddenLine xmlns:a14="http://schemas.microsoft.com/office/drawing/2010/main" xmlns="" w="9525">
                     <a:solidFill>
                       <a:srgbClr val="000000"/>
                     </a:solidFill>
@@ -9871,7 +9871,7 @@
               </a:ln>
               <a:extLst>
                 <a:ext uri="{91240B29-F687-4f45-9708-019B960494DF}">
-                  <a14:hiddenLine xmlns="" xmlns:a14="http://schemas.microsoft.com/office/drawing/2010/main" w="9525">
+                  <a14:hiddenLine xmlns:a14="http://schemas.microsoft.com/office/drawing/2010/main" xmlns="" w="9525">
                     <a:solidFill>
                       <a:srgbClr val="000000"/>
                     </a:solidFill>
@@ -9955,7 +9955,7 @@
               </a:ln>
               <a:extLst>
                 <a:ext uri="{91240B29-F687-4f45-9708-019B960494DF}">
-                  <a14:hiddenLine xmlns="" xmlns:a14="http://schemas.microsoft.com/office/drawing/2010/main" w="9525">
+                  <a14:hiddenLine xmlns:a14="http://schemas.microsoft.com/office/drawing/2010/main" xmlns="" w="9525">
                     <a:solidFill>
                       <a:srgbClr val="000000"/>
                     </a:solidFill>
@@ -10017,7 +10017,7 @@
               </a:ln>
               <a:extLst>
                 <a:ext uri="{91240B29-F687-4f45-9708-019B960494DF}">
-                  <a14:hiddenLine xmlns="" xmlns:a14="http://schemas.microsoft.com/office/drawing/2010/main" w="9525">
+                  <a14:hiddenLine xmlns:a14="http://schemas.microsoft.com/office/drawing/2010/main" xmlns="" w="9525">
                     <a:solidFill>
                       <a:srgbClr val="000000"/>
                     </a:solidFill>
@@ -10079,7 +10079,7 @@
               </a:ln>
               <a:extLst>
                 <a:ext uri="{91240B29-F687-4f45-9708-019B960494DF}">
-                  <a14:hiddenLine xmlns="" xmlns:a14="http://schemas.microsoft.com/office/drawing/2010/main" w="9525">
+                  <a14:hiddenLine xmlns:a14="http://schemas.microsoft.com/office/drawing/2010/main" xmlns="" w="9525">
                     <a:solidFill>
                       <a:srgbClr val="000000"/>
                     </a:solidFill>
@@ -10169,7 +10169,7 @@
               </a:ln>
               <a:extLst>
                 <a:ext uri="{91240B29-F687-4f45-9708-019B960494DF}">
-                  <a14:hiddenLine xmlns="" xmlns:a14="http://schemas.microsoft.com/office/drawing/2010/main" w="9525">
+                  <a14:hiddenLine xmlns:a14="http://schemas.microsoft.com/office/drawing/2010/main" xmlns="" w="9525">
                     <a:solidFill>
                       <a:srgbClr val="000000"/>
                     </a:solidFill>
@@ -10203,7 +10203,7 @@
               </a:ln>
               <a:extLst>
                 <a:ext uri="{91240B29-F687-4f45-9708-019B960494DF}">
-                  <a14:hiddenLine xmlns="" xmlns:a14="http://schemas.microsoft.com/office/drawing/2010/main" w="9525">
+                  <a14:hiddenLine xmlns:a14="http://schemas.microsoft.com/office/drawing/2010/main" xmlns="" w="9525">
                     <a:solidFill>
                       <a:srgbClr val="000000"/>
                     </a:solidFill>
@@ -10268,7 +10268,7 @@
               </a:ln>
               <a:extLst>
                 <a:ext uri="{91240B29-F687-4f45-9708-019B960494DF}">
-                  <a14:hiddenLine xmlns="" xmlns:a14="http://schemas.microsoft.com/office/drawing/2010/main" w="9525">
+                  <a14:hiddenLine xmlns:a14="http://schemas.microsoft.com/office/drawing/2010/main" xmlns="" w="9525">
                     <a:solidFill>
                       <a:srgbClr val="000000"/>
                     </a:solidFill>
@@ -10358,7 +10358,7 @@
               </a:ln>
               <a:extLst>
                 <a:ext uri="{91240B29-F687-4f45-9708-019B960494DF}">
-                  <a14:hiddenLine xmlns="" xmlns:a14="http://schemas.microsoft.com/office/drawing/2010/main" w="9525">
+                  <a14:hiddenLine xmlns:a14="http://schemas.microsoft.com/office/drawing/2010/main" xmlns="" w="9525">
                     <a:solidFill>
                       <a:srgbClr val="000000"/>
                     </a:solidFill>
@@ -10420,7 +10420,7 @@
               </a:ln>
               <a:extLst>
                 <a:ext uri="{91240B29-F687-4f45-9708-019B960494DF}">
-                  <a14:hiddenLine xmlns="" xmlns:a14="http://schemas.microsoft.com/office/drawing/2010/main" w="9525">
+                  <a14:hiddenLine xmlns:a14="http://schemas.microsoft.com/office/drawing/2010/main" xmlns="" w="9525">
                     <a:solidFill>
                       <a:srgbClr val="000000"/>
                     </a:solidFill>
@@ -10510,7 +10510,7 @@
               </a:ln>
               <a:extLst>
                 <a:ext uri="{91240B29-F687-4f45-9708-019B960494DF}">
-                  <a14:hiddenLine xmlns="" xmlns:a14="http://schemas.microsoft.com/office/drawing/2010/main" w="9525">
+                  <a14:hiddenLine xmlns:a14="http://schemas.microsoft.com/office/drawing/2010/main" xmlns="" w="9525">
                     <a:solidFill>
                       <a:srgbClr val="000000"/>
                     </a:solidFill>
@@ -10575,7 +10575,7 @@
               </a:ln>
               <a:extLst>
                 <a:ext uri="{91240B29-F687-4f45-9708-019B960494DF}">
-                  <a14:hiddenLine xmlns="" xmlns:a14="http://schemas.microsoft.com/office/drawing/2010/main" w="9525">
+                  <a14:hiddenLine xmlns:a14="http://schemas.microsoft.com/office/drawing/2010/main" xmlns="" w="9525">
                     <a:solidFill>
                       <a:srgbClr val="000000"/>
                     </a:solidFill>
@@ -10637,7 +10637,7 @@
               </a:ln>
               <a:extLst>
                 <a:ext uri="{91240B29-F687-4f45-9708-019B960494DF}">
-                  <a14:hiddenLine xmlns="" xmlns:a14="http://schemas.microsoft.com/office/drawing/2010/main" w="9525">
+                  <a14:hiddenLine xmlns:a14="http://schemas.microsoft.com/office/drawing/2010/main" xmlns="" w="9525">
                     <a:solidFill>
                       <a:srgbClr val="000000"/>
                     </a:solidFill>
@@ -10727,7 +10727,7 @@
               </a:ln>
               <a:extLst>
                 <a:ext uri="{91240B29-F687-4f45-9708-019B960494DF}">
-                  <a14:hiddenLine xmlns="" xmlns:a14="http://schemas.microsoft.com/office/drawing/2010/main" w="9525">
+                  <a14:hiddenLine xmlns:a14="http://schemas.microsoft.com/office/drawing/2010/main" xmlns="" w="9525">
                     <a:solidFill>
                       <a:srgbClr val="000000"/>
                     </a:solidFill>
@@ -10817,7 +10817,7 @@
               </a:ln>
               <a:extLst>
                 <a:ext uri="{91240B29-F687-4f45-9708-019B960494DF}">
-                  <a14:hiddenLine xmlns="" xmlns:a14="http://schemas.microsoft.com/office/drawing/2010/main" w="9525">
+                  <a14:hiddenLine xmlns:a14="http://schemas.microsoft.com/office/drawing/2010/main" xmlns="" w="9525">
                     <a:solidFill>
                       <a:srgbClr val="000000"/>
                     </a:solidFill>
@@ -10882,7 +10882,7 @@
               </a:ln>
               <a:extLst>
                 <a:ext uri="{91240B29-F687-4f45-9708-019B960494DF}">
-                  <a14:hiddenLine xmlns="" xmlns:a14="http://schemas.microsoft.com/office/drawing/2010/main" w="9525">
+                  <a14:hiddenLine xmlns:a14="http://schemas.microsoft.com/office/drawing/2010/main" xmlns="" w="9525">
                     <a:solidFill>
                       <a:srgbClr val="000000"/>
                     </a:solidFill>
@@ -11002,7 +11002,7 @@
               </a:ln>
               <a:extLst>
                 <a:ext uri="{91240B29-F687-4f45-9708-019B960494DF}">
-                  <a14:hiddenLine xmlns="" xmlns:a14="http://schemas.microsoft.com/office/drawing/2010/main" w="9525">
+                  <a14:hiddenLine xmlns:a14="http://schemas.microsoft.com/office/drawing/2010/main" xmlns="" w="9525">
                     <a:solidFill>
                       <a:srgbClr val="000000"/>
                     </a:solidFill>
@@ -11100,7 +11100,7 @@
               </a:ln>
               <a:extLst>
                 <a:ext uri="{91240B29-F687-4f45-9708-019B960494DF}">
-                  <a14:hiddenLine xmlns="" xmlns:a14="http://schemas.microsoft.com/office/drawing/2010/main" w="9525">
+                  <a14:hiddenLine xmlns:a14="http://schemas.microsoft.com/office/drawing/2010/main" xmlns="" w="9525">
                     <a:solidFill>
                       <a:srgbClr val="000000"/>
                     </a:solidFill>
@@ -11215,7 +11215,7 @@
               </a:ln>
               <a:extLst>
                 <a:ext uri="{91240B29-F687-4f45-9708-019B960494DF}">
-                  <a14:hiddenLine xmlns="" xmlns:a14="http://schemas.microsoft.com/office/drawing/2010/main" w="9525">
+                  <a14:hiddenLine xmlns:a14="http://schemas.microsoft.com/office/drawing/2010/main" xmlns="" w="9525">
                     <a:solidFill>
                       <a:srgbClr val="000000"/>
                     </a:solidFill>
@@ -11305,7 +11305,7 @@
               </a:ln>
               <a:extLst>
                 <a:ext uri="{91240B29-F687-4f45-9708-019B960494DF}">
-                  <a14:hiddenLine xmlns="" xmlns:a14="http://schemas.microsoft.com/office/drawing/2010/main" w="9525">
+                  <a14:hiddenLine xmlns:a14="http://schemas.microsoft.com/office/drawing/2010/main" xmlns="" w="9525">
                     <a:solidFill>
                       <a:srgbClr val="000000"/>
                     </a:solidFill>
@@ -11370,7 +11370,7 @@
               </a:ln>
               <a:extLst>
                 <a:ext uri="{91240B29-F687-4f45-9708-019B960494DF}">
-                  <a14:hiddenLine xmlns="" xmlns:a14="http://schemas.microsoft.com/office/drawing/2010/main" w="9525">
+                  <a14:hiddenLine xmlns:a14="http://schemas.microsoft.com/office/drawing/2010/main" xmlns="" w="9525">
                     <a:solidFill>
                       <a:srgbClr val="000000"/>
                     </a:solidFill>
@@ -11460,7 +11460,7 @@
               </a:ln>
               <a:extLst>
                 <a:ext uri="{91240B29-F687-4f45-9708-019B960494DF}">
-                  <a14:hiddenLine xmlns="" xmlns:a14="http://schemas.microsoft.com/office/drawing/2010/main" w="9525">
+                  <a14:hiddenLine xmlns:a14="http://schemas.microsoft.com/office/drawing/2010/main" xmlns="" w="9525">
                     <a:solidFill>
                       <a:srgbClr val="000000"/>
                     </a:solidFill>
@@ -11528,7 +11528,7 @@
               </a:ln>
               <a:extLst>
                 <a:ext uri="{91240B29-F687-4f45-9708-019B960494DF}">
-                  <a14:hiddenLine xmlns="" xmlns:a14="http://schemas.microsoft.com/office/drawing/2010/main" w="9525">
+                  <a14:hiddenLine xmlns:a14="http://schemas.microsoft.com/office/drawing/2010/main" xmlns="" w="9525">
                     <a:solidFill>
                       <a:srgbClr val="000000"/>
                     </a:solidFill>
@@ -11618,7 +11618,7 @@
               </a:ln>
               <a:extLst>
                 <a:ext uri="{91240B29-F687-4f45-9708-019B960494DF}">
-                  <a14:hiddenLine xmlns="" xmlns:a14="http://schemas.microsoft.com/office/drawing/2010/main" w="9525">
+                  <a14:hiddenLine xmlns:a14="http://schemas.microsoft.com/office/drawing/2010/main" xmlns="" w="9525">
                     <a:solidFill>
                       <a:srgbClr val="000000"/>
                     </a:solidFill>
@@ -11686,7 +11686,7 @@
               </a:ln>
               <a:extLst>
                 <a:ext uri="{91240B29-F687-4f45-9708-019B960494DF}">
-                  <a14:hiddenLine xmlns="" xmlns:a14="http://schemas.microsoft.com/office/drawing/2010/main" w="9525">
+                  <a14:hiddenLine xmlns:a14="http://schemas.microsoft.com/office/drawing/2010/main" xmlns="" w="9525">
                     <a:solidFill>
                       <a:srgbClr val="000000"/>
                     </a:solidFill>
@@ -11776,7 +11776,7 @@
               </a:ln>
               <a:extLst>
                 <a:ext uri="{91240B29-F687-4f45-9708-019B960494DF}">
-                  <a14:hiddenLine xmlns="" xmlns:a14="http://schemas.microsoft.com/office/drawing/2010/main" w="9525">
+                  <a14:hiddenLine xmlns:a14="http://schemas.microsoft.com/office/drawing/2010/main" xmlns="" w="9525">
                     <a:solidFill>
                       <a:srgbClr val="000000"/>
                     </a:solidFill>
@@ -11810,7 +11810,7 @@
               </a:ln>
               <a:extLst>
                 <a:ext uri="{91240B29-F687-4f45-9708-019B960494DF}">
-                  <a14:hiddenLine xmlns="" xmlns:a14="http://schemas.microsoft.com/office/drawing/2010/main" w="9525">
+                  <a14:hiddenLine xmlns:a14="http://schemas.microsoft.com/office/drawing/2010/main" xmlns="" w="9525">
                     <a:solidFill>
                       <a:srgbClr val="000000"/>
                     </a:solidFill>
@@ -15361,7 +15361,7 @@
             <a:pPr algn="ctr"/>
             <a:r>
               <a:rPr lang="en-US" dirty="0" smtClean="0"/>
-              <a:t>Handyman</a:t>
+              <a:t>worker</a:t>
             </a:r>
             <a:endParaRPr lang="en-US" dirty="0"/>
           </a:p>
@@ -24276,7 +24276,19 @@
               <a:rPr lang="en-US" dirty="0" smtClean="0">
                 <a:latin typeface="Bell MT" panose="02020503060305020303" pitchFamily="18" charset="0"/>
               </a:rPr>
-              <a:t>What is Handyman?</a:t>
+              <a:t>What is </a:t>
+            </a:r>
+            <a:r>
+              <a:rPr lang="en-US" dirty="0" err="1" smtClean="0">
+                <a:latin typeface="Bell MT" panose="02020503060305020303" pitchFamily="18" charset="0"/>
+              </a:rPr>
+              <a:t>verihandy</a:t>
+            </a:r>
+            <a:r>
+              <a:rPr lang="en-US" dirty="0" smtClean="0">
+                <a:latin typeface="Bell MT" panose="02020503060305020303" pitchFamily="18" charset="0"/>
+              </a:rPr>
+              <a:t>?</a:t>
             </a:r>
             <a:endParaRPr lang="en-US" dirty="0">
               <a:latin typeface="Bell MT" panose="02020503060305020303" pitchFamily="18" charset="0"/>
@@ -24321,7 +24333,6 @@
               <a:rPr lang="en-US" dirty="0" smtClean="0"/>
               <a:t>) with ease of use (such as Uber)</a:t>
             </a:r>
-            <a:endParaRPr lang="en-US" dirty="0" smtClean="0"/>
           </a:p>
           <a:p>
             <a:r>

--- a/Presentation/Spiral1.pptx
+++ b/Presentation/Spiral1.pptx
@@ -8893,7 +8893,7 @@
             <p:ph idx="1"/>
             <p:extLst>
               <p:ext uri="{D42A27DB-BD31-4B8C-83A1-F6EECF244321}">
-                <p14:modId xmlns:p14="http://schemas.microsoft.com/office/powerpoint/2010/main" val="1625092498"/>
+                <p14:modId xmlns:p14="http://schemas.microsoft.com/office/powerpoint/2010/main" val="2078312552"/>
               </p:ext>
             </p:extLst>
           </p:nvPr>
@@ -8928,34 +8928,34 @@
                         </a:spcAft>
                       </a:pPr>
                       <a:r>
-                        <a:rPr lang="en-US" sz="1000" dirty="0">
+                        <a:rPr lang="en-US" sz="1400" dirty="0">
                           <a:effectLst/>
                         </a:rPr>
                         <a:t/>
                       </a:r>
                       <a:br>
-                        <a:rPr lang="en-US" sz="1000" dirty="0">
+                        <a:rPr lang="en-US" sz="1400" dirty="0">
                           <a:effectLst/>
                         </a:rPr>
                       </a:br>
                       <a:r>
-                        <a:rPr lang="en-US" sz="1000" dirty="0">
+                        <a:rPr lang="en-US" sz="1400" dirty="0">
                           <a:effectLst/>
                         </a:rPr>
                         <a:t/>
                       </a:r>
                       <a:br>
-                        <a:rPr lang="en-US" sz="1000" dirty="0">
+                        <a:rPr lang="en-US" sz="1400" dirty="0">
                           <a:effectLst/>
                         </a:rPr>
                       </a:br>
                       <a:r>
-                        <a:rPr lang="en-US" sz="1000" dirty="0">
+                        <a:rPr lang="en-US" sz="1400" dirty="0">
                           <a:effectLst/>
                         </a:rPr>
                         <a:t>Number</a:t>
                       </a:r>
-                      <a:endParaRPr lang="en-US" sz="1000" dirty="0">
+                      <a:endParaRPr lang="en-US" sz="1400" dirty="0">
                         <a:effectLst/>
                         <a:latin typeface="Times New Roman" panose="02020603050405020304" pitchFamily="18" charset="0"/>
                         <a:ea typeface="Times New Roman" panose="02020603050405020304" pitchFamily="18" charset="0"/>
@@ -8978,12 +8978,12 @@
                         </a:spcAft>
                       </a:pPr>
                       <a:r>
-                        <a:rPr lang="en-US" sz="1000">
+                        <a:rPr lang="en-US" sz="1400">
                           <a:effectLst/>
                         </a:rPr>
                         <a:t>6</a:t>
                       </a:r>
-                      <a:endParaRPr lang="en-US" sz="1000">
+                      <a:endParaRPr lang="en-US" sz="1400">
                         <a:effectLst/>
                         <a:latin typeface="Times New Roman" panose="02020603050405020304" pitchFamily="18" charset="0"/>
                         <a:ea typeface="Times New Roman" panose="02020603050405020304" pitchFamily="18" charset="0"/>
@@ -9018,12 +9018,12 @@
                         </a:spcAft>
                       </a:pPr>
                       <a:r>
-                        <a:rPr lang="en-US" sz="1000">
+                        <a:rPr lang="en-US" sz="1400">
                           <a:effectLst/>
                         </a:rPr>
                         <a:t>Name</a:t>
                       </a:r>
-                      <a:endParaRPr lang="en-US" sz="800" b="1">
+                      <a:endParaRPr lang="en-US" sz="1400" b="1">
                         <a:solidFill>
                           <a:srgbClr val="2E74B5"/>
                         </a:solidFill>
@@ -9050,12 +9050,12 @@
                         </a:spcAft>
                       </a:pPr>
                       <a:r>
-                        <a:rPr lang="en-US" sz="1000">
+                        <a:rPr lang="en-US" sz="1400" dirty="0">
                           <a:effectLst/>
                         </a:rPr>
                         <a:t>Submit a Review</a:t>
                       </a:r>
-                      <a:endParaRPr lang="en-US" sz="1000">
+                      <a:endParaRPr lang="en-US" sz="1400" dirty="0">
                         <a:effectLst/>
                         <a:latin typeface="Times New Roman" panose="02020603050405020304" pitchFamily="18" charset="0"/>
                         <a:ea typeface="Times New Roman" panose="02020603050405020304" pitchFamily="18" charset="0"/>
@@ -9090,12 +9090,12 @@
                         </a:spcAft>
                       </a:pPr>
                       <a:r>
-                        <a:rPr lang="en-US" sz="1000">
+                        <a:rPr lang="en-US" sz="1400">
                           <a:effectLst/>
                         </a:rPr>
                         <a:t>Summary</a:t>
                       </a:r>
-                      <a:endParaRPr lang="en-US" sz="1000">
+                      <a:endParaRPr lang="en-US" sz="1400">
                         <a:effectLst/>
                         <a:latin typeface="Times New Roman" panose="02020603050405020304" pitchFamily="18" charset="0"/>
                         <a:ea typeface="Times New Roman" panose="02020603050405020304" pitchFamily="18" charset="0"/>
@@ -9118,12 +9118,12 @@
                         </a:spcAft>
                       </a:pPr>
                       <a:r>
-                        <a:rPr lang="en-US" sz="1000">
+                        <a:rPr lang="en-US" sz="1400">
                           <a:effectLst/>
                         </a:rPr>
                         <a:t>User submits a review of a job that has been completed</a:t>
                       </a:r>
-                      <a:endParaRPr lang="en-US" sz="1000">
+                      <a:endParaRPr lang="en-US" sz="1400">
                         <a:effectLst/>
                         <a:latin typeface="Times New Roman" panose="02020603050405020304" pitchFamily="18" charset="0"/>
                         <a:ea typeface="Times New Roman" panose="02020603050405020304" pitchFamily="18" charset="0"/>
@@ -9158,12 +9158,12 @@
                         </a:spcAft>
                       </a:pPr>
                       <a:r>
-                        <a:rPr lang="en-US" sz="1000">
+                        <a:rPr lang="en-US" sz="1400">
                           <a:effectLst/>
                         </a:rPr>
                         <a:t>Priority</a:t>
                       </a:r>
-                      <a:endParaRPr lang="en-US" sz="1000">
+                      <a:endParaRPr lang="en-US" sz="1400">
                         <a:effectLst/>
                         <a:latin typeface="Times New Roman" panose="02020603050405020304" pitchFamily="18" charset="0"/>
                         <a:ea typeface="Times New Roman" panose="02020603050405020304" pitchFamily="18" charset="0"/>
@@ -9186,12 +9186,12 @@
                         </a:spcAft>
                       </a:pPr>
                       <a:r>
-                        <a:rPr lang="en-US" sz="1000">
+                        <a:rPr lang="en-US" sz="1400">
                           <a:effectLst/>
                         </a:rPr>
                         <a:t>4</a:t>
                       </a:r>
-                      <a:endParaRPr lang="en-US" sz="1000">
+                      <a:endParaRPr lang="en-US" sz="1400">
                         <a:effectLst/>
                         <a:latin typeface="Times New Roman" panose="02020603050405020304" pitchFamily="18" charset="0"/>
                         <a:ea typeface="Times New Roman" panose="02020603050405020304" pitchFamily="18" charset="0"/>
@@ -9226,12 +9226,12 @@
                         </a:spcAft>
                       </a:pPr>
                       <a:r>
-                        <a:rPr lang="en-US" sz="1000">
+                        <a:rPr lang="en-US" sz="1400">
                           <a:effectLst/>
                         </a:rPr>
                         <a:t>Preconditions</a:t>
                       </a:r>
-                      <a:endParaRPr lang="en-US" sz="1000">
+                      <a:endParaRPr lang="en-US" sz="1400">
                         <a:effectLst/>
                         <a:latin typeface="Times New Roman" panose="02020603050405020304" pitchFamily="18" charset="0"/>
                         <a:ea typeface="Times New Roman" panose="02020603050405020304" pitchFamily="18" charset="0"/>
@@ -9254,12 +9254,12 @@
                         </a:spcAft>
                       </a:pPr>
                       <a:r>
-                        <a:rPr lang="en-US" sz="1000">
+                        <a:rPr lang="en-US" sz="1400">
                           <a:effectLst/>
                         </a:rPr>
                         <a:t>The job request has to be completed for a review to be filed</a:t>
                       </a:r>
-                      <a:endParaRPr lang="en-US" sz="1000">
+                      <a:endParaRPr lang="en-US" sz="1400">
                         <a:effectLst/>
                         <a:latin typeface="Times New Roman" panose="02020603050405020304" pitchFamily="18" charset="0"/>
                         <a:ea typeface="Times New Roman" panose="02020603050405020304" pitchFamily="18" charset="0"/>
@@ -9294,12 +9294,12 @@
                         </a:spcAft>
                       </a:pPr>
                       <a:r>
-                        <a:rPr lang="en-US" sz="1000">
+                        <a:rPr lang="en-US" sz="1400">
                           <a:effectLst/>
                         </a:rPr>
                         <a:t>Postconditions</a:t>
                       </a:r>
-                      <a:endParaRPr lang="en-US" sz="1000">
+                      <a:endParaRPr lang="en-US" sz="1400">
                         <a:effectLst/>
                         <a:latin typeface="Times New Roman" panose="02020603050405020304" pitchFamily="18" charset="0"/>
                         <a:ea typeface="Times New Roman" panose="02020603050405020304" pitchFamily="18" charset="0"/>
@@ -9322,12 +9322,12 @@
                         </a:spcAft>
                       </a:pPr>
                       <a:r>
-                        <a:rPr lang="en-US" sz="1000">
+                        <a:rPr lang="en-US" sz="1400">
                           <a:effectLst/>
                         </a:rPr>
                         <a:t>The review is submitted and filed on the server</a:t>
                       </a:r>
-                      <a:endParaRPr lang="en-US" sz="1000">
+                      <a:endParaRPr lang="en-US" sz="1400">
                         <a:effectLst/>
                         <a:latin typeface="Times New Roman" panose="02020603050405020304" pitchFamily="18" charset="0"/>
                         <a:ea typeface="Times New Roman" panose="02020603050405020304" pitchFamily="18" charset="0"/>
@@ -9362,12 +9362,12 @@
                         </a:spcAft>
                       </a:pPr>
                       <a:r>
-                        <a:rPr lang="en-US" sz="1000">
+                        <a:rPr lang="en-US" sz="1400">
                           <a:effectLst/>
                         </a:rPr>
                         <a:t>Primary Actor</a:t>
                       </a:r>
-                      <a:endParaRPr lang="en-US" sz="1000">
+                      <a:endParaRPr lang="en-US" sz="1400">
                         <a:effectLst/>
                         <a:latin typeface="Times New Roman" panose="02020603050405020304" pitchFamily="18" charset="0"/>
                         <a:ea typeface="Times New Roman" panose="02020603050405020304" pitchFamily="18" charset="0"/>
@@ -9390,12 +9390,12 @@
                         </a:spcAft>
                       </a:pPr>
                       <a:r>
-                        <a:rPr lang="en-US" sz="1000">
+                        <a:rPr lang="en-US" sz="1400">
                           <a:effectLst/>
                         </a:rPr>
                         <a:t>User</a:t>
                       </a:r>
-                      <a:endParaRPr lang="en-US" sz="1000">
+                      <a:endParaRPr lang="en-US" sz="1400">
                         <a:effectLst/>
                         <a:latin typeface="Times New Roman" panose="02020603050405020304" pitchFamily="18" charset="0"/>
                         <a:ea typeface="Times New Roman" panose="02020603050405020304" pitchFamily="18" charset="0"/>
@@ -9430,12 +9430,12 @@
                         </a:spcAft>
                       </a:pPr>
                       <a:r>
-                        <a:rPr lang="en-US" sz="1000">
+                        <a:rPr lang="en-US" sz="1400">
                           <a:effectLst/>
                         </a:rPr>
                         <a:t>Secondary Actors</a:t>
                       </a:r>
-                      <a:endParaRPr lang="en-US" sz="1000">
+                      <a:endParaRPr lang="en-US" sz="1400">
                         <a:effectLst/>
                         <a:latin typeface="Times New Roman" panose="02020603050405020304" pitchFamily="18" charset="0"/>
                         <a:ea typeface="Times New Roman" panose="02020603050405020304" pitchFamily="18" charset="0"/>
@@ -9458,12 +9458,12 @@
                         </a:spcAft>
                       </a:pPr>
                       <a:r>
-                        <a:rPr lang="en-US" sz="1000">
+                        <a:rPr lang="en-US" sz="1400">
                           <a:effectLst/>
                         </a:rPr>
                         <a:t>Sever</a:t>
                       </a:r>
-                      <a:endParaRPr lang="en-US" sz="1000">
+                      <a:endParaRPr lang="en-US" sz="1400">
                         <a:effectLst/>
                         <a:latin typeface="Times New Roman" panose="02020603050405020304" pitchFamily="18" charset="0"/>
                         <a:ea typeface="Times New Roman" panose="02020603050405020304" pitchFamily="18" charset="0"/>
@@ -9498,12 +9498,12 @@
                         </a:spcAft>
                       </a:pPr>
                       <a:r>
-                        <a:rPr lang="en-US" sz="1000">
+                        <a:rPr lang="en-US" sz="1400">
                           <a:effectLst/>
                         </a:rPr>
                         <a:t>Trigger</a:t>
                       </a:r>
-                      <a:endParaRPr lang="en-US" sz="1000">
+                      <a:endParaRPr lang="en-US" sz="1400">
                         <a:effectLst/>
                         <a:latin typeface="Times New Roman" panose="02020603050405020304" pitchFamily="18" charset="0"/>
                         <a:ea typeface="Times New Roman" panose="02020603050405020304" pitchFamily="18" charset="0"/>
@@ -9526,12 +9526,12 @@
                         </a:spcAft>
                       </a:pPr>
                       <a:r>
-                        <a:rPr lang="en-US" sz="1000">
+                        <a:rPr lang="en-US" sz="1400">
                           <a:effectLst/>
                         </a:rPr>
                         <a:t>User clicks the submit review button next to a job request</a:t>
                       </a:r>
-                      <a:endParaRPr lang="en-US" sz="1000">
+                      <a:endParaRPr lang="en-US" sz="1400">
                         <a:effectLst/>
                         <a:latin typeface="Times New Roman" panose="02020603050405020304" pitchFamily="18" charset="0"/>
                         <a:ea typeface="Times New Roman" panose="02020603050405020304" pitchFamily="18" charset="0"/>
@@ -9566,12 +9566,12 @@
                         </a:spcAft>
                       </a:pPr>
                       <a:r>
-                        <a:rPr lang="en-US" sz="1000">
+                        <a:rPr lang="en-US" sz="1400">
                           <a:effectLst/>
                         </a:rPr>
                         <a:t>Main Scenario</a:t>
                       </a:r>
-                      <a:endParaRPr lang="en-US" sz="1000">
+                      <a:endParaRPr lang="en-US" sz="1400">
                         <a:effectLst/>
                         <a:latin typeface="Times New Roman" panose="02020603050405020304" pitchFamily="18" charset="0"/>
                         <a:ea typeface="Times New Roman" panose="02020603050405020304" pitchFamily="18" charset="0"/>
@@ -9594,12 +9594,12 @@
                         </a:spcAft>
                       </a:pPr>
                       <a:r>
-                        <a:rPr lang="en-US" sz="1000">
+                        <a:rPr lang="en-US" sz="1400">
                           <a:effectLst/>
                         </a:rPr>
                         <a:t>Step </a:t>
                       </a:r>
-                      <a:endParaRPr lang="en-US" sz="1000">
+                      <a:endParaRPr lang="en-US" sz="1400">
                         <a:effectLst/>
                         <a:latin typeface="Times New Roman" panose="02020603050405020304" pitchFamily="18" charset="0"/>
                         <a:ea typeface="Times New Roman" panose="02020603050405020304" pitchFamily="18" charset="0"/>
@@ -9622,12 +9622,12 @@
                         </a:spcAft>
                       </a:pPr>
                       <a:r>
-                        <a:rPr lang="en-US" sz="1000">
+                        <a:rPr lang="en-US" sz="1400">
                           <a:effectLst/>
                         </a:rPr>
                         <a:t>Action</a:t>
                       </a:r>
-                      <a:endParaRPr lang="en-US" sz="1000">
+                      <a:endParaRPr lang="en-US" sz="1400">
                         <a:effectLst/>
                         <a:latin typeface="Times New Roman" panose="02020603050405020304" pitchFamily="18" charset="0"/>
                         <a:ea typeface="Times New Roman" panose="02020603050405020304" pitchFamily="18" charset="0"/>
@@ -9652,12 +9652,12 @@
                         </a:spcAft>
                       </a:pPr>
                       <a:r>
-                        <a:rPr lang="en-US" sz="1000">
+                        <a:rPr lang="en-US" sz="1400">
                           <a:effectLst/>
                         </a:rPr>
                         <a:t> </a:t>
                       </a:r>
-                      <a:endParaRPr lang="en-US" sz="1000">
+                      <a:endParaRPr lang="en-US" sz="1400">
                         <a:effectLst/>
                         <a:latin typeface="Times New Roman" panose="02020603050405020304" pitchFamily="18" charset="0"/>
                         <a:ea typeface="Times New Roman" panose="02020603050405020304" pitchFamily="18" charset="0"/>
@@ -9680,12 +9680,12 @@
                         </a:spcAft>
                       </a:pPr>
                       <a:r>
-                        <a:rPr lang="en-US" sz="1000">
+                        <a:rPr lang="en-US" sz="1400">
                           <a:effectLst/>
                         </a:rPr>
                         <a:t>1</a:t>
                       </a:r>
-                      <a:endParaRPr lang="en-US" sz="1000">
+                      <a:endParaRPr lang="en-US" sz="1400">
                         <a:effectLst/>
                         <a:latin typeface="Times New Roman" panose="02020603050405020304" pitchFamily="18" charset="0"/>
                         <a:ea typeface="Times New Roman" panose="02020603050405020304" pitchFamily="18" charset="0"/>
@@ -9708,12 +9708,12 @@
                         </a:spcAft>
                       </a:pPr>
                       <a:r>
-                        <a:rPr lang="en-US" sz="1000">
+                        <a:rPr lang="en-US" sz="1400">
                           <a:effectLst/>
                         </a:rPr>
                         <a:t>User clicks the submit a review button</a:t>
                       </a:r>
-                      <a:endParaRPr lang="en-US" sz="1000">
+                      <a:endParaRPr lang="en-US" sz="1400">
                         <a:effectLst/>
                         <a:latin typeface="Times New Roman" panose="02020603050405020304" pitchFamily="18" charset="0"/>
                         <a:ea typeface="Times New Roman" panose="02020603050405020304" pitchFamily="18" charset="0"/>
@@ -9738,12 +9738,12 @@
                         </a:spcAft>
                       </a:pPr>
                       <a:r>
-                        <a:rPr lang="en-US" sz="1000">
+                        <a:rPr lang="en-US" sz="1400">
                           <a:effectLst/>
                         </a:rPr>
                         <a:t> </a:t>
                       </a:r>
-                      <a:endParaRPr lang="en-US" sz="1000">
+                      <a:endParaRPr lang="en-US" sz="1400">
                         <a:effectLst/>
                         <a:latin typeface="Times New Roman" panose="02020603050405020304" pitchFamily="18" charset="0"/>
                         <a:ea typeface="Times New Roman" panose="02020603050405020304" pitchFamily="18" charset="0"/>
@@ -9766,12 +9766,12 @@
                         </a:spcAft>
                       </a:pPr>
                       <a:r>
-                        <a:rPr lang="en-US" sz="1000">
+                        <a:rPr lang="en-US" sz="1400">
                           <a:effectLst/>
                         </a:rPr>
                         <a:t>2</a:t>
                       </a:r>
-                      <a:endParaRPr lang="en-US" sz="1000">
+                      <a:endParaRPr lang="en-US" sz="1400">
                         <a:effectLst/>
                         <a:latin typeface="Times New Roman" panose="02020603050405020304" pitchFamily="18" charset="0"/>
                         <a:ea typeface="Times New Roman" panose="02020603050405020304" pitchFamily="18" charset="0"/>
@@ -9794,12 +9794,12 @@
                         </a:spcAft>
                       </a:pPr>
                       <a:r>
-                        <a:rPr lang="en-US" sz="1000">
+                        <a:rPr lang="en-US" sz="1400">
                           <a:effectLst/>
                         </a:rPr>
                         <a:t>User is prompted to fill out a form with a star rating and an optional comment box</a:t>
                       </a:r>
-                      <a:endParaRPr lang="en-US" sz="1000">
+                      <a:endParaRPr lang="en-US" sz="1400">
                         <a:effectLst/>
                         <a:latin typeface="Times New Roman" panose="02020603050405020304" pitchFamily="18" charset="0"/>
                         <a:ea typeface="Times New Roman" panose="02020603050405020304" pitchFamily="18" charset="0"/>
@@ -9824,12 +9824,12 @@
                         </a:spcAft>
                       </a:pPr>
                       <a:r>
-                        <a:rPr lang="en-US" sz="1000">
+                        <a:rPr lang="en-US" sz="1400">
                           <a:effectLst/>
                         </a:rPr>
                         <a:t> </a:t>
                       </a:r>
-                      <a:endParaRPr lang="en-US" sz="1000">
+                      <a:endParaRPr lang="en-US" sz="1400">
                         <a:effectLst/>
                         <a:latin typeface="Times New Roman" panose="02020603050405020304" pitchFamily="18" charset="0"/>
                         <a:ea typeface="Times New Roman" panose="02020603050405020304" pitchFamily="18" charset="0"/>
@@ -9852,12 +9852,12 @@
                         </a:spcAft>
                       </a:pPr>
                       <a:r>
-                        <a:rPr lang="en-US" sz="1000">
+                        <a:rPr lang="en-US" sz="1400">
                           <a:effectLst/>
                         </a:rPr>
                         <a:t>3</a:t>
                       </a:r>
-                      <a:endParaRPr lang="en-US" sz="1000">
+                      <a:endParaRPr lang="en-US" sz="1400">
                         <a:effectLst/>
                         <a:latin typeface="Times New Roman" panose="02020603050405020304" pitchFamily="18" charset="0"/>
                         <a:ea typeface="Times New Roman" panose="02020603050405020304" pitchFamily="18" charset="0"/>
@@ -9880,12 +9880,12 @@
                         </a:spcAft>
                       </a:pPr>
                       <a:r>
-                        <a:rPr lang="en-US" sz="1000">
+                        <a:rPr lang="en-US" sz="1400">
                           <a:effectLst/>
                         </a:rPr>
                         <a:t>User fills out the form</a:t>
                       </a:r>
-                      <a:endParaRPr lang="en-US" sz="1000">
+                      <a:endParaRPr lang="en-US" sz="1400">
                         <a:effectLst/>
                         <a:latin typeface="Times New Roman" panose="02020603050405020304" pitchFamily="18" charset="0"/>
                         <a:ea typeface="Times New Roman" panose="02020603050405020304" pitchFamily="18" charset="0"/>
@@ -9910,12 +9910,12 @@
                         </a:spcAft>
                       </a:pPr>
                       <a:r>
-                        <a:rPr lang="en-US" sz="1000">
+                        <a:rPr lang="en-US" sz="1400">
                           <a:effectLst/>
                         </a:rPr>
                         <a:t> </a:t>
                       </a:r>
-                      <a:endParaRPr lang="en-US" sz="1000">
+                      <a:endParaRPr lang="en-US" sz="1400">
                         <a:effectLst/>
                         <a:latin typeface="Times New Roman" panose="02020603050405020304" pitchFamily="18" charset="0"/>
                         <a:ea typeface="Times New Roman" panose="02020603050405020304" pitchFamily="18" charset="0"/>
@@ -9938,12 +9938,12 @@
                         </a:spcAft>
                       </a:pPr>
                       <a:r>
-                        <a:rPr lang="en-US" sz="1000">
+                        <a:rPr lang="en-US" sz="1400">
                           <a:effectLst/>
                         </a:rPr>
                         <a:t>4</a:t>
                       </a:r>
-                      <a:endParaRPr lang="en-US" sz="1000">
+                      <a:endParaRPr lang="en-US" sz="1400">
                         <a:effectLst/>
                         <a:latin typeface="Times New Roman" panose="02020603050405020304" pitchFamily="18" charset="0"/>
                         <a:ea typeface="Times New Roman" panose="02020603050405020304" pitchFamily="18" charset="0"/>
@@ -9966,12 +9966,12 @@
                         </a:spcAft>
                       </a:pPr>
                       <a:r>
-                        <a:rPr lang="en-US" sz="1000">
+                        <a:rPr lang="en-US" sz="1400">
                           <a:effectLst/>
                         </a:rPr>
                         <a:t>User hits the submit form button</a:t>
                       </a:r>
-                      <a:endParaRPr lang="en-US" sz="1000">
+                      <a:endParaRPr lang="en-US" sz="1400">
                         <a:effectLst/>
                         <a:latin typeface="Times New Roman" panose="02020603050405020304" pitchFamily="18" charset="0"/>
                         <a:ea typeface="Times New Roman" panose="02020603050405020304" pitchFamily="18" charset="0"/>
@@ -9996,12 +9996,12 @@
                         </a:spcAft>
                       </a:pPr>
                       <a:r>
-                        <a:rPr lang="en-US" sz="1000">
+                        <a:rPr lang="en-US" sz="1400">
                           <a:effectLst/>
                         </a:rPr>
                         <a:t> </a:t>
                       </a:r>
-                      <a:endParaRPr lang="en-US" sz="1000">
+                      <a:endParaRPr lang="en-US" sz="1400">
                         <a:effectLst/>
                         <a:latin typeface="Times New Roman" panose="02020603050405020304" pitchFamily="18" charset="0"/>
                         <a:ea typeface="Times New Roman" panose="02020603050405020304" pitchFamily="18" charset="0"/>
@@ -10024,12 +10024,12 @@
                         </a:spcAft>
                       </a:pPr>
                       <a:r>
-                        <a:rPr lang="en-US" sz="1000">
+                        <a:rPr lang="en-US" sz="1400">
                           <a:effectLst/>
                         </a:rPr>
                         <a:t>5</a:t>
                       </a:r>
-                      <a:endParaRPr lang="en-US" sz="1000">
+                      <a:endParaRPr lang="en-US" sz="1400">
                         <a:effectLst/>
                         <a:latin typeface="Times New Roman" panose="02020603050405020304" pitchFamily="18" charset="0"/>
                         <a:ea typeface="Times New Roman" panose="02020603050405020304" pitchFamily="18" charset="0"/>
@@ -10052,12 +10052,12 @@
                         </a:spcAft>
                       </a:pPr>
                       <a:r>
-                        <a:rPr lang="en-US" sz="1000">
+                        <a:rPr lang="en-US" sz="1400">
                           <a:effectLst/>
                         </a:rPr>
                         <a:t>Form is sent to the server for filing</a:t>
                       </a:r>
-                      <a:endParaRPr lang="en-US" sz="1000">
+                      <a:endParaRPr lang="en-US" sz="1400">
                         <a:effectLst/>
                         <a:latin typeface="Times New Roman" panose="02020603050405020304" pitchFamily="18" charset="0"/>
                         <a:ea typeface="Times New Roman" panose="02020603050405020304" pitchFamily="18" charset="0"/>
@@ -10082,12 +10082,12 @@
                         </a:spcAft>
                       </a:pPr>
                       <a:r>
-                        <a:rPr lang="en-US" sz="1000">
+                        <a:rPr lang="en-US" sz="1400">
                           <a:effectLst/>
                         </a:rPr>
                         <a:t> </a:t>
                       </a:r>
-                      <a:endParaRPr lang="en-US" sz="1000">
+                      <a:endParaRPr lang="en-US" sz="1400">
                         <a:effectLst/>
                         <a:latin typeface="Times New Roman" panose="02020603050405020304" pitchFamily="18" charset="0"/>
                         <a:ea typeface="Times New Roman" panose="02020603050405020304" pitchFamily="18" charset="0"/>
@@ -10110,12 +10110,12 @@
                         </a:spcAft>
                       </a:pPr>
                       <a:r>
-                        <a:rPr lang="en-US" sz="1000">
+                        <a:rPr lang="en-US" sz="1400">
                           <a:effectLst/>
                         </a:rPr>
                         <a:t>6</a:t>
                       </a:r>
-                      <a:endParaRPr lang="en-US" sz="1000">
+                      <a:endParaRPr lang="en-US" sz="1400">
                         <a:effectLst/>
                         <a:latin typeface="Times New Roman" panose="02020603050405020304" pitchFamily="18" charset="0"/>
                         <a:ea typeface="Times New Roman" panose="02020603050405020304" pitchFamily="18" charset="0"/>
@@ -10138,12 +10138,12 @@
                         </a:spcAft>
                       </a:pPr>
                       <a:r>
-                        <a:rPr lang="en-US" sz="1000">
+                        <a:rPr lang="en-US" sz="1400">
                           <a:effectLst/>
                         </a:rPr>
                         <a:t>User has submitted a review</a:t>
                       </a:r>
-                      <a:endParaRPr lang="en-US" sz="1000">
+                      <a:endParaRPr lang="en-US" sz="1400">
                         <a:effectLst/>
                         <a:latin typeface="Times New Roman" panose="02020603050405020304" pitchFamily="18" charset="0"/>
                         <a:ea typeface="Times New Roman" panose="02020603050405020304" pitchFamily="18" charset="0"/>
@@ -10168,12 +10168,12 @@
                         </a:spcAft>
                       </a:pPr>
                       <a:r>
-                        <a:rPr lang="en-US" sz="1000">
+                        <a:rPr lang="en-US" sz="1400">
                           <a:effectLst/>
                         </a:rPr>
                         <a:t>Extensions</a:t>
                       </a:r>
-                      <a:endParaRPr lang="en-US" sz="1000">
+                      <a:endParaRPr lang="en-US" sz="1400">
                         <a:effectLst/>
                         <a:latin typeface="Times New Roman" panose="02020603050405020304" pitchFamily="18" charset="0"/>
                         <a:ea typeface="Times New Roman" panose="02020603050405020304" pitchFamily="18" charset="0"/>
@@ -10196,12 +10196,12 @@
                         </a:spcAft>
                       </a:pPr>
                       <a:r>
-                        <a:rPr lang="en-US" sz="1000">
+                        <a:rPr lang="en-US" sz="1400">
                           <a:effectLst/>
                         </a:rPr>
                         <a:t>Step</a:t>
                       </a:r>
-                      <a:endParaRPr lang="en-US" sz="1000">
+                      <a:endParaRPr lang="en-US" sz="1400">
                         <a:effectLst/>
                         <a:latin typeface="Times New Roman" panose="02020603050405020304" pitchFamily="18" charset="0"/>
                         <a:ea typeface="Times New Roman" panose="02020603050405020304" pitchFamily="18" charset="0"/>
@@ -10224,12 +10224,12 @@
                         </a:spcAft>
                       </a:pPr>
                       <a:r>
-                        <a:rPr lang="en-US" sz="1000">
+                        <a:rPr lang="en-US" sz="1400">
                           <a:effectLst/>
                         </a:rPr>
                         <a:t>Branching Action</a:t>
                       </a:r>
-                      <a:endParaRPr lang="en-US" sz="1000">
+                      <a:endParaRPr lang="en-US" sz="1400">
                         <a:effectLst/>
                         <a:latin typeface="Times New Roman" panose="02020603050405020304" pitchFamily="18" charset="0"/>
                         <a:ea typeface="Times New Roman" panose="02020603050405020304" pitchFamily="18" charset="0"/>
@@ -10254,12 +10254,12 @@
                         </a:spcAft>
                       </a:pPr>
                       <a:r>
-                        <a:rPr lang="en-US" sz="1000">
+                        <a:rPr lang="en-US" sz="1400">
                           <a:effectLst/>
                         </a:rPr>
                         <a:t> </a:t>
                       </a:r>
-                      <a:endParaRPr lang="en-US" sz="1000">
+                      <a:endParaRPr lang="en-US" sz="1400">
                         <a:effectLst/>
                         <a:latin typeface="Times New Roman" panose="02020603050405020304" pitchFamily="18" charset="0"/>
                         <a:ea typeface="Times New Roman" panose="02020603050405020304" pitchFamily="18" charset="0"/>
@@ -10282,12 +10282,12 @@
                         </a:spcAft>
                       </a:pPr>
                       <a:r>
-                        <a:rPr lang="en-US" sz="1000">
+                        <a:rPr lang="en-US" sz="1400">
                           <a:effectLst/>
                         </a:rPr>
                         <a:t>1a</a:t>
                       </a:r>
-                      <a:endParaRPr lang="en-US" sz="1000">
+                      <a:endParaRPr lang="en-US" sz="1400">
                         <a:effectLst/>
                         <a:latin typeface="Times New Roman" panose="02020603050405020304" pitchFamily="18" charset="0"/>
                         <a:ea typeface="Times New Roman" panose="02020603050405020304" pitchFamily="18" charset="0"/>
@@ -10310,12 +10310,12 @@
                         </a:spcAft>
                       </a:pPr>
                       <a:r>
-                        <a:rPr lang="en-US" sz="1000">
+                        <a:rPr lang="en-US" sz="1400">
                           <a:effectLst/>
                         </a:rPr>
                         <a:t>User fails to enter the required star rating: prompt user that the star rating has to be filled in before submitting</a:t>
                       </a:r>
-                      <a:endParaRPr lang="en-US" sz="1000">
+                      <a:endParaRPr lang="en-US" sz="1400">
                         <a:effectLst/>
                         <a:latin typeface="Times New Roman" panose="02020603050405020304" pitchFamily="18" charset="0"/>
                         <a:ea typeface="Times New Roman" panose="02020603050405020304" pitchFamily="18" charset="0"/>
@@ -10340,12 +10340,12 @@
                         </a:spcAft>
                       </a:pPr>
                       <a:r>
-                        <a:rPr lang="en-US" sz="1000">
+                        <a:rPr lang="en-US" sz="1400">
                           <a:effectLst/>
                         </a:rPr>
                         <a:t>Open Issues</a:t>
                       </a:r>
-                      <a:endParaRPr lang="en-US" sz="1000">
+                      <a:endParaRPr lang="en-US" sz="1400">
                         <a:effectLst/>
                         <a:latin typeface="Times New Roman" panose="02020603050405020304" pitchFamily="18" charset="0"/>
                         <a:ea typeface="Times New Roman" panose="02020603050405020304" pitchFamily="18" charset="0"/>
@@ -10359,7 +10359,7 @@
                     <a:bodyPr/>
                     <a:lstStyle/>
                     <a:p>
-                      <a:endParaRPr lang="en-US" sz="800" dirty="0">
+                      <a:endParaRPr lang="en-US" sz="1400" dirty="0">
                         <a:effectLst/>
                         <a:latin typeface="Times New Roman" panose="02020603050405020304" pitchFamily="18" charset="0"/>
                       </a:endParaRPr>
@@ -10429,7 +10429,7 @@
             <p:ph idx="1"/>
             <p:extLst>
               <p:ext uri="{D42A27DB-BD31-4B8C-83A1-F6EECF244321}">
-                <p14:modId xmlns:p14="http://schemas.microsoft.com/office/powerpoint/2010/main" val="1005280418"/>
+                <p14:modId xmlns:p14="http://schemas.microsoft.com/office/powerpoint/2010/main" val="3817008578"/>
               </p:ext>
             </p:extLst>
           </p:nvPr>
@@ -10464,23 +10464,23 @@
                         </a:spcAft>
                       </a:pPr>
                       <a:r>
-                        <a:rPr lang="en-US" sz="1200">
+                        <a:rPr lang="en-US" sz="1400" dirty="0">
                           <a:effectLst/>
                         </a:rPr>
                         <a:t/>
                       </a:r>
                       <a:br>
-                        <a:rPr lang="en-US" sz="1200">
+                        <a:rPr lang="en-US" sz="1400" dirty="0">
                           <a:effectLst/>
                         </a:rPr>
                       </a:br>
                       <a:r>
-                        <a:rPr lang="en-US" sz="1200">
+                        <a:rPr lang="en-US" sz="1400" dirty="0">
                           <a:effectLst/>
                         </a:rPr>
                         <a:t>Number</a:t>
                       </a:r>
-                      <a:endParaRPr lang="en-US" sz="1200">
+                      <a:endParaRPr lang="en-US" sz="1400" dirty="0">
                         <a:effectLst/>
                         <a:latin typeface="Times New Roman" panose="02020603050405020304" pitchFamily="18" charset="0"/>
                         <a:ea typeface="Times New Roman" panose="02020603050405020304" pitchFamily="18" charset="0"/>
@@ -10503,12 +10503,12 @@
                         </a:spcAft>
                       </a:pPr>
                       <a:r>
-                        <a:rPr lang="en-US" sz="1200">
+                        <a:rPr lang="en-US" sz="1400">
                           <a:effectLst/>
                         </a:rPr>
                         <a:t>17</a:t>
                       </a:r>
-                      <a:endParaRPr lang="en-US" sz="1200">
+                      <a:endParaRPr lang="en-US" sz="1400">
                         <a:effectLst/>
                         <a:latin typeface="Times New Roman" panose="02020603050405020304" pitchFamily="18" charset="0"/>
                         <a:ea typeface="Times New Roman" panose="02020603050405020304" pitchFamily="18" charset="0"/>
@@ -10543,12 +10543,12 @@
                         </a:spcAft>
                       </a:pPr>
                       <a:r>
-                        <a:rPr lang="en-US" sz="1000" kern="0">
+                        <a:rPr lang="en-US" sz="1400" kern="0">
                           <a:effectLst/>
                         </a:rPr>
                         <a:t>Name</a:t>
                       </a:r>
-                      <a:endParaRPr lang="en-US" sz="1000" b="1" kern="0">
+                      <a:endParaRPr lang="en-US" sz="1400" b="1" kern="0">
                         <a:effectLst/>
                         <a:latin typeface="Times New Roman" panose="02020603050405020304" pitchFamily="18" charset="0"/>
                       </a:endParaRPr>
@@ -10570,12 +10570,12 @@
                         </a:spcAft>
                       </a:pPr>
                       <a:r>
-                        <a:rPr lang="en-US" sz="1200">
+                        <a:rPr lang="en-US" sz="1400" dirty="0">
                           <a:effectLst/>
                         </a:rPr>
                         <a:t>Setting Job Completion</a:t>
                       </a:r>
-                      <a:endParaRPr lang="en-US" sz="1200">
+                      <a:endParaRPr lang="en-US" sz="1400" dirty="0">
                         <a:effectLst/>
                         <a:latin typeface="Times New Roman" panose="02020603050405020304" pitchFamily="18" charset="0"/>
                         <a:ea typeface="Times New Roman" panose="02020603050405020304" pitchFamily="18" charset="0"/>
@@ -10610,12 +10610,12 @@
                         </a:spcAft>
                       </a:pPr>
                       <a:r>
-                        <a:rPr lang="en-US" sz="1200">
+                        <a:rPr lang="en-US" sz="1400">
                           <a:effectLst/>
                         </a:rPr>
                         <a:t>Summary</a:t>
                       </a:r>
-                      <a:endParaRPr lang="en-US" sz="1200">
+                      <a:endParaRPr lang="en-US" sz="1400">
                         <a:effectLst/>
                         <a:latin typeface="Times New Roman" panose="02020603050405020304" pitchFamily="18" charset="0"/>
                         <a:ea typeface="Times New Roman" panose="02020603050405020304" pitchFamily="18" charset="0"/>
@@ -10638,12 +10638,12 @@
                         </a:spcAft>
                       </a:pPr>
                       <a:r>
-                        <a:rPr lang="en-US" sz="1200">
+                        <a:rPr lang="en-US" sz="1400">
                           <a:effectLst/>
                         </a:rPr>
                         <a:t>Users confirm that the job is complete and transaction is finalized</a:t>
                       </a:r>
-                      <a:endParaRPr lang="en-US" sz="1200">
+                      <a:endParaRPr lang="en-US" sz="1400">
                         <a:effectLst/>
                         <a:latin typeface="Times New Roman" panose="02020603050405020304" pitchFamily="18" charset="0"/>
                         <a:ea typeface="Times New Roman" panose="02020603050405020304" pitchFamily="18" charset="0"/>
@@ -10678,12 +10678,12 @@
                         </a:spcAft>
                       </a:pPr>
                       <a:r>
-                        <a:rPr lang="en-US" sz="1200">
+                        <a:rPr lang="en-US" sz="1400">
                           <a:effectLst/>
                         </a:rPr>
                         <a:t>Priority</a:t>
                       </a:r>
-                      <a:endParaRPr lang="en-US" sz="1200">
+                      <a:endParaRPr lang="en-US" sz="1400">
                         <a:effectLst/>
                         <a:latin typeface="Times New Roman" panose="02020603050405020304" pitchFamily="18" charset="0"/>
                         <a:ea typeface="Times New Roman" panose="02020603050405020304" pitchFamily="18" charset="0"/>
@@ -10706,12 +10706,12 @@
                         </a:spcAft>
                       </a:pPr>
                       <a:r>
-                        <a:rPr lang="en-US" sz="1200">
+                        <a:rPr lang="en-US" sz="1400">
                           <a:effectLst/>
                         </a:rPr>
                         <a:t>5</a:t>
                       </a:r>
-                      <a:endParaRPr lang="en-US" sz="1200">
+                      <a:endParaRPr lang="en-US" sz="1400">
                         <a:effectLst/>
                         <a:latin typeface="Times New Roman" panose="02020603050405020304" pitchFamily="18" charset="0"/>
                         <a:ea typeface="Times New Roman" panose="02020603050405020304" pitchFamily="18" charset="0"/>
@@ -10746,12 +10746,12 @@
                         </a:spcAft>
                       </a:pPr>
                       <a:r>
-                        <a:rPr lang="en-US" sz="1200">
+                        <a:rPr lang="en-US" sz="1400">
                           <a:effectLst/>
                         </a:rPr>
                         <a:t>Preconditions</a:t>
                       </a:r>
-                      <a:endParaRPr lang="en-US" sz="1200">
+                      <a:endParaRPr lang="en-US" sz="1400">
                         <a:effectLst/>
                         <a:latin typeface="Times New Roman" panose="02020603050405020304" pitchFamily="18" charset="0"/>
                         <a:ea typeface="Times New Roman" panose="02020603050405020304" pitchFamily="18" charset="0"/>
@@ -10774,12 +10774,12 @@
                         </a:spcAft>
                       </a:pPr>
                       <a:r>
-                        <a:rPr lang="en-US" sz="1200">
+                        <a:rPr lang="en-US" sz="1400">
                           <a:effectLst/>
                         </a:rPr>
                         <a:t>Worker and Customer are matched up, and the job has been approved</a:t>
                       </a:r>
-                      <a:endParaRPr lang="en-US" sz="1200">
+                      <a:endParaRPr lang="en-US" sz="1400">
                         <a:effectLst/>
                         <a:latin typeface="Times New Roman" panose="02020603050405020304" pitchFamily="18" charset="0"/>
                         <a:ea typeface="Times New Roman" panose="02020603050405020304" pitchFamily="18" charset="0"/>
@@ -10814,12 +10814,12 @@
                         </a:spcAft>
                       </a:pPr>
                       <a:r>
-                        <a:rPr lang="en-US" sz="1200">
+                        <a:rPr lang="en-US" sz="1400">
                           <a:effectLst/>
                         </a:rPr>
                         <a:t>Postconditions</a:t>
                       </a:r>
-                      <a:endParaRPr lang="en-US" sz="1200">
+                      <a:endParaRPr lang="en-US" sz="1400">
                         <a:effectLst/>
                         <a:latin typeface="Times New Roman" panose="02020603050405020304" pitchFamily="18" charset="0"/>
                         <a:ea typeface="Times New Roman" panose="02020603050405020304" pitchFamily="18" charset="0"/>
@@ -10842,12 +10842,12 @@
                         </a:spcAft>
                       </a:pPr>
                       <a:r>
-                        <a:rPr lang="en-US" sz="1200">
+                        <a:rPr lang="en-US" sz="1400">
                           <a:effectLst/>
                         </a:rPr>
                         <a:t>Worker no longer sees Customer’s credentials and information. An option to rate each other has been prompted</a:t>
                       </a:r>
-                      <a:endParaRPr lang="en-US" sz="1200">
+                      <a:endParaRPr lang="en-US" sz="1400">
                         <a:effectLst/>
                         <a:latin typeface="Times New Roman" panose="02020603050405020304" pitchFamily="18" charset="0"/>
                         <a:ea typeface="Times New Roman" panose="02020603050405020304" pitchFamily="18" charset="0"/>
@@ -10882,12 +10882,12 @@
                         </a:spcAft>
                       </a:pPr>
                       <a:r>
-                        <a:rPr lang="en-US" sz="1200">
+                        <a:rPr lang="en-US" sz="1400">
                           <a:effectLst/>
                         </a:rPr>
                         <a:t>Primary Actor</a:t>
                       </a:r>
-                      <a:endParaRPr lang="en-US" sz="1200">
+                      <a:endParaRPr lang="en-US" sz="1400">
                         <a:effectLst/>
                         <a:latin typeface="Times New Roman" panose="02020603050405020304" pitchFamily="18" charset="0"/>
                         <a:ea typeface="Times New Roman" panose="02020603050405020304" pitchFamily="18" charset="0"/>
@@ -10910,12 +10910,12 @@
                         </a:spcAft>
                       </a:pPr>
                       <a:r>
-                        <a:rPr lang="en-US" sz="1200">
+                        <a:rPr lang="en-US" sz="1400">
                           <a:effectLst/>
                         </a:rPr>
                         <a:t>Users</a:t>
                       </a:r>
-                      <a:endParaRPr lang="en-US" sz="1200">
+                      <a:endParaRPr lang="en-US" sz="1400">
                         <a:effectLst/>
                         <a:latin typeface="Times New Roman" panose="02020603050405020304" pitchFamily="18" charset="0"/>
                         <a:ea typeface="Times New Roman" panose="02020603050405020304" pitchFamily="18" charset="0"/>
@@ -10950,12 +10950,12 @@
                         </a:spcAft>
                       </a:pPr>
                       <a:r>
-                        <a:rPr lang="en-US" sz="1200">
+                        <a:rPr lang="en-US" sz="1400">
                           <a:effectLst/>
                         </a:rPr>
                         <a:t>Secondary Actors</a:t>
                       </a:r>
-                      <a:endParaRPr lang="en-US" sz="1200">
+                      <a:endParaRPr lang="en-US" sz="1400">
                         <a:effectLst/>
                         <a:latin typeface="Times New Roman" panose="02020603050405020304" pitchFamily="18" charset="0"/>
                         <a:ea typeface="Times New Roman" panose="02020603050405020304" pitchFamily="18" charset="0"/>
@@ -10978,12 +10978,12 @@
                         </a:spcAft>
                       </a:pPr>
                       <a:r>
-                        <a:rPr lang="en-US" sz="1200">
+                        <a:rPr lang="en-US" sz="1400">
                           <a:effectLst/>
                         </a:rPr>
                         <a:t>Server, Other Users</a:t>
                       </a:r>
-                      <a:endParaRPr lang="en-US" sz="1200">
+                      <a:endParaRPr lang="en-US" sz="1400">
                         <a:effectLst/>
                         <a:latin typeface="Times New Roman" panose="02020603050405020304" pitchFamily="18" charset="0"/>
                         <a:ea typeface="Times New Roman" panose="02020603050405020304" pitchFamily="18" charset="0"/>
@@ -11018,12 +11018,12 @@
                         </a:spcAft>
                       </a:pPr>
                       <a:r>
-                        <a:rPr lang="en-US" sz="1200">
+                        <a:rPr lang="en-US" sz="1400">
                           <a:effectLst/>
                         </a:rPr>
                         <a:t>Trigger</a:t>
                       </a:r>
-                      <a:endParaRPr lang="en-US" sz="1200">
+                      <a:endParaRPr lang="en-US" sz="1400">
                         <a:effectLst/>
                         <a:latin typeface="Times New Roman" panose="02020603050405020304" pitchFamily="18" charset="0"/>
                         <a:ea typeface="Times New Roman" panose="02020603050405020304" pitchFamily="18" charset="0"/>
@@ -11046,12 +11046,12 @@
                         </a:spcAft>
                       </a:pPr>
                       <a:r>
-                        <a:rPr lang="en-US" sz="1200">
+                        <a:rPr lang="en-US" sz="1400">
                           <a:effectLst/>
                         </a:rPr>
                         <a:t>Both user’s click “Job Complete”</a:t>
                       </a:r>
-                      <a:endParaRPr lang="en-US" sz="1200">
+                      <a:endParaRPr lang="en-US" sz="1400">
                         <a:effectLst/>
                         <a:latin typeface="Times New Roman" panose="02020603050405020304" pitchFamily="18" charset="0"/>
                         <a:ea typeface="Times New Roman" panose="02020603050405020304" pitchFamily="18" charset="0"/>
@@ -11086,12 +11086,12 @@
                         </a:spcAft>
                       </a:pPr>
                       <a:r>
-                        <a:rPr lang="en-US" sz="1200">
+                        <a:rPr lang="en-US" sz="1400">
                           <a:effectLst/>
                         </a:rPr>
                         <a:t>Main Scenario</a:t>
                       </a:r>
-                      <a:endParaRPr lang="en-US" sz="1200">
+                      <a:endParaRPr lang="en-US" sz="1400">
                         <a:effectLst/>
                         <a:latin typeface="Times New Roman" panose="02020603050405020304" pitchFamily="18" charset="0"/>
                         <a:ea typeface="Times New Roman" panose="02020603050405020304" pitchFamily="18" charset="0"/>
@@ -11114,12 +11114,12 @@
                         </a:spcAft>
                       </a:pPr>
                       <a:r>
-                        <a:rPr lang="en-US" sz="1200">
+                        <a:rPr lang="en-US" sz="1400">
                           <a:effectLst/>
                         </a:rPr>
                         <a:t>Step </a:t>
                       </a:r>
-                      <a:endParaRPr lang="en-US" sz="1200">
+                      <a:endParaRPr lang="en-US" sz="1400">
                         <a:effectLst/>
                         <a:latin typeface="Times New Roman" panose="02020603050405020304" pitchFamily="18" charset="0"/>
                         <a:ea typeface="Times New Roman" panose="02020603050405020304" pitchFamily="18" charset="0"/>
@@ -11142,12 +11142,12 @@
                         </a:spcAft>
                       </a:pPr>
                       <a:r>
-                        <a:rPr lang="en-US" sz="1200">
+                        <a:rPr lang="en-US" sz="1400">
                           <a:effectLst/>
                         </a:rPr>
                         <a:t>Action</a:t>
                       </a:r>
-                      <a:endParaRPr lang="en-US" sz="1200">
+                      <a:endParaRPr lang="en-US" sz="1400">
                         <a:effectLst/>
                         <a:latin typeface="Times New Roman" panose="02020603050405020304" pitchFamily="18" charset="0"/>
                         <a:ea typeface="Times New Roman" panose="02020603050405020304" pitchFamily="18" charset="0"/>
@@ -11172,12 +11172,12 @@
                         </a:spcAft>
                       </a:pPr>
                       <a:r>
-                        <a:rPr lang="en-US" sz="1200">
+                        <a:rPr lang="en-US" sz="1400">
                           <a:effectLst/>
                         </a:rPr>
                         <a:t> </a:t>
                       </a:r>
-                      <a:endParaRPr lang="en-US" sz="1200">
+                      <a:endParaRPr lang="en-US" sz="1400">
                         <a:effectLst/>
                         <a:latin typeface="Times New Roman" panose="02020603050405020304" pitchFamily="18" charset="0"/>
                         <a:ea typeface="Times New Roman" panose="02020603050405020304" pitchFamily="18" charset="0"/>
@@ -11200,12 +11200,12 @@
                         </a:spcAft>
                       </a:pPr>
                       <a:r>
-                        <a:rPr lang="en-US" sz="1200">
+                        <a:rPr lang="en-US" sz="1400">
                           <a:effectLst/>
                         </a:rPr>
                         <a:t>1</a:t>
                       </a:r>
-                      <a:endParaRPr lang="en-US" sz="1200">
+                      <a:endParaRPr lang="en-US" sz="1400">
                         <a:effectLst/>
                         <a:latin typeface="Times New Roman" panose="02020603050405020304" pitchFamily="18" charset="0"/>
                         <a:ea typeface="Times New Roman" panose="02020603050405020304" pitchFamily="18" charset="0"/>
@@ -11228,12 +11228,12 @@
                         </a:spcAft>
                       </a:pPr>
                       <a:r>
-                        <a:rPr lang="en-US" sz="1200">
+                        <a:rPr lang="en-US" sz="1400">
                           <a:effectLst/>
                         </a:rPr>
                         <a:t>Both user’s click “Job Complete”</a:t>
                       </a:r>
-                      <a:endParaRPr lang="en-US" sz="1200">
+                      <a:endParaRPr lang="en-US" sz="1400">
                         <a:effectLst/>
                         <a:latin typeface="Times New Roman" panose="02020603050405020304" pitchFamily="18" charset="0"/>
                         <a:ea typeface="Times New Roman" panose="02020603050405020304" pitchFamily="18" charset="0"/>
@@ -11258,12 +11258,12 @@
                         </a:spcAft>
                       </a:pPr>
                       <a:r>
-                        <a:rPr lang="en-US" sz="1200">
+                        <a:rPr lang="en-US" sz="1400">
                           <a:effectLst/>
                         </a:rPr>
                         <a:t> </a:t>
                       </a:r>
-                      <a:endParaRPr lang="en-US" sz="1200">
+                      <a:endParaRPr lang="en-US" sz="1400">
                         <a:effectLst/>
                         <a:latin typeface="Times New Roman" panose="02020603050405020304" pitchFamily="18" charset="0"/>
                         <a:ea typeface="Times New Roman" panose="02020603050405020304" pitchFamily="18" charset="0"/>
@@ -11286,12 +11286,12 @@
                         </a:spcAft>
                       </a:pPr>
                       <a:r>
-                        <a:rPr lang="en-US" sz="1200">
+                        <a:rPr lang="en-US" sz="1400">
                           <a:effectLst/>
                         </a:rPr>
                         <a:t>2</a:t>
                       </a:r>
-                      <a:endParaRPr lang="en-US" sz="1200">
+                      <a:endParaRPr lang="en-US" sz="1400">
                         <a:effectLst/>
                         <a:latin typeface="Times New Roman" panose="02020603050405020304" pitchFamily="18" charset="0"/>
                         <a:ea typeface="Times New Roman" panose="02020603050405020304" pitchFamily="18" charset="0"/>
@@ -11314,12 +11314,12 @@
                         </a:spcAft>
                       </a:pPr>
                       <a:r>
-                        <a:rPr lang="en-US" sz="1200">
+                        <a:rPr lang="en-US" sz="1400">
                           <a:effectLst/>
                         </a:rPr>
                         <a:t>Server removes personal access to the other user’s credentials</a:t>
                       </a:r>
-                      <a:endParaRPr lang="en-US" sz="1200">
+                      <a:endParaRPr lang="en-US" sz="1400">
                         <a:effectLst/>
                         <a:latin typeface="Times New Roman" panose="02020603050405020304" pitchFamily="18" charset="0"/>
                         <a:ea typeface="Times New Roman" panose="02020603050405020304" pitchFamily="18" charset="0"/>
@@ -11344,12 +11344,12 @@
                         </a:spcAft>
                       </a:pPr>
                       <a:r>
-                        <a:rPr lang="en-US" sz="1200">
+                        <a:rPr lang="en-US" sz="1400">
                           <a:effectLst/>
                         </a:rPr>
                         <a:t> </a:t>
                       </a:r>
-                      <a:endParaRPr lang="en-US" sz="1200">
+                      <a:endParaRPr lang="en-US" sz="1400">
                         <a:effectLst/>
                         <a:latin typeface="Times New Roman" panose="02020603050405020304" pitchFamily="18" charset="0"/>
                         <a:ea typeface="Times New Roman" panose="02020603050405020304" pitchFamily="18" charset="0"/>
@@ -11372,12 +11372,12 @@
                         </a:spcAft>
                       </a:pPr>
                       <a:r>
-                        <a:rPr lang="en-US" sz="1200">
+                        <a:rPr lang="en-US" sz="1400">
                           <a:effectLst/>
                         </a:rPr>
                         <a:t>3</a:t>
                       </a:r>
-                      <a:endParaRPr lang="en-US" sz="1200">
+                      <a:endParaRPr lang="en-US" sz="1400">
                         <a:effectLst/>
                         <a:latin typeface="Times New Roman" panose="02020603050405020304" pitchFamily="18" charset="0"/>
                         <a:ea typeface="Times New Roman" panose="02020603050405020304" pitchFamily="18" charset="0"/>
@@ -11400,12 +11400,12 @@
                         </a:spcAft>
                       </a:pPr>
                       <a:r>
-                        <a:rPr lang="en-US" sz="1200">
+                        <a:rPr lang="en-US" sz="1400">
                           <a:effectLst/>
                         </a:rPr>
                         <a:t>Rating UseCase is triggered</a:t>
                       </a:r>
-                      <a:endParaRPr lang="en-US" sz="1200">
+                      <a:endParaRPr lang="en-US" sz="1400">
                         <a:effectLst/>
                         <a:latin typeface="Times New Roman" panose="02020603050405020304" pitchFamily="18" charset="0"/>
                         <a:ea typeface="Times New Roman" panose="02020603050405020304" pitchFamily="18" charset="0"/>
@@ -11430,12 +11430,12 @@
                         </a:spcAft>
                       </a:pPr>
                       <a:r>
-                        <a:rPr lang="en-US" sz="1200">
+                        <a:rPr lang="en-US" sz="1400">
                           <a:effectLst/>
                         </a:rPr>
                         <a:t>Extensions</a:t>
                       </a:r>
-                      <a:endParaRPr lang="en-US" sz="1200">
+                      <a:endParaRPr lang="en-US" sz="1400">
                         <a:effectLst/>
                         <a:latin typeface="Times New Roman" panose="02020603050405020304" pitchFamily="18" charset="0"/>
                         <a:ea typeface="Times New Roman" panose="02020603050405020304" pitchFamily="18" charset="0"/>
@@ -11458,12 +11458,12 @@
                         </a:spcAft>
                       </a:pPr>
                       <a:r>
-                        <a:rPr lang="en-US" sz="1200">
+                        <a:rPr lang="en-US" sz="1400">
                           <a:effectLst/>
                         </a:rPr>
                         <a:t>Step</a:t>
                       </a:r>
-                      <a:endParaRPr lang="en-US" sz="1200">
+                      <a:endParaRPr lang="en-US" sz="1400">
                         <a:effectLst/>
                         <a:latin typeface="Times New Roman" panose="02020603050405020304" pitchFamily="18" charset="0"/>
                         <a:ea typeface="Times New Roman" panose="02020603050405020304" pitchFamily="18" charset="0"/>
@@ -11486,12 +11486,12 @@
                         </a:spcAft>
                       </a:pPr>
                       <a:r>
-                        <a:rPr lang="en-US" sz="1200">
+                        <a:rPr lang="en-US" sz="1400">
                           <a:effectLst/>
                         </a:rPr>
                         <a:t>Branching Action</a:t>
                       </a:r>
-                      <a:endParaRPr lang="en-US" sz="1200">
+                      <a:endParaRPr lang="en-US" sz="1400">
                         <a:effectLst/>
                         <a:latin typeface="Times New Roman" panose="02020603050405020304" pitchFamily="18" charset="0"/>
                         <a:ea typeface="Times New Roman" panose="02020603050405020304" pitchFamily="18" charset="0"/>
@@ -11516,12 +11516,12 @@
                         </a:spcAft>
                       </a:pPr>
                       <a:r>
-                        <a:rPr lang="en-US" sz="1200">
+                        <a:rPr lang="en-US" sz="1400">
                           <a:effectLst/>
                         </a:rPr>
                         <a:t> </a:t>
                       </a:r>
-                      <a:endParaRPr lang="en-US" sz="1200">
+                      <a:endParaRPr lang="en-US" sz="1400">
                         <a:effectLst/>
                         <a:latin typeface="Times New Roman" panose="02020603050405020304" pitchFamily="18" charset="0"/>
                         <a:ea typeface="Times New Roman" panose="02020603050405020304" pitchFamily="18" charset="0"/>
@@ -11544,12 +11544,12 @@
                         </a:spcAft>
                       </a:pPr>
                       <a:r>
-                        <a:rPr lang="en-US" sz="1200">
+                        <a:rPr lang="en-US" sz="1400">
                           <a:effectLst/>
                         </a:rPr>
                         <a:t>1a</a:t>
                       </a:r>
-                      <a:endParaRPr lang="en-US" sz="1200">
+                      <a:endParaRPr lang="en-US" sz="1400">
                         <a:effectLst/>
                         <a:latin typeface="Times New Roman" panose="02020603050405020304" pitchFamily="18" charset="0"/>
                         <a:ea typeface="Times New Roman" panose="02020603050405020304" pitchFamily="18" charset="0"/>
@@ -11572,12 +11572,12 @@
                         </a:spcAft>
                       </a:pPr>
                       <a:r>
-                        <a:rPr lang="en-US" sz="1200">
+                        <a:rPr lang="en-US" sz="1400">
                           <a:effectLst/>
                         </a:rPr>
                         <a:t>After one user has selected “Job Complete” the job interaction will auto terminate after 48 hours, in case the other user has neglected selecting the option.</a:t>
                       </a:r>
-                      <a:endParaRPr lang="en-US" sz="1200">
+                      <a:endParaRPr lang="en-US" sz="1400">
                         <a:effectLst/>
                         <a:latin typeface="Times New Roman" panose="02020603050405020304" pitchFamily="18" charset="0"/>
                         <a:ea typeface="Times New Roman" panose="02020603050405020304" pitchFamily="18" charset="0"/>
@@ -11602,12 +11602,12 @@
                         </a:spcAft>
                       </a:pPr>
                       <a:r>
-                        <a:rPr lang="en-US" sz="1200">
+                        <a:rPr lang="en-US" sz="1400">
                           <a:effectLst/>
                         </a:rPr>
                         <a:t>Open Issues</a:t>
                       </a:r>
-                      <a:endParaRPr lang="en-US" sz="1200">
+                      <a:endParaRPr lang="en-US" sz="1400">
                         <a:effectLst/>
                         <a:latin typeface="Times New Roman" panose="02020603050405020304" pitchFamily="18" charset="0"/>
                         <a:ea typeface="Times New Roman" panose="02020603050405020304" pitchFamily="18" charset="0"/>
@@ -11630,12 +11630,12 @@
                         </a:spcAft>
                       </a:pPr>
                       <a:r>
-                        <a:rPr lang="en-US" sz="1200" dirty="0">
+                        <a:rPr lang="en-US" sz="1400" dirty="0">
                           <a:effectLst/>
                         </a:rPr>
                         <a:t> </a:t>
                       </a:r>
-                      <a:endParaRPr lang="en-US" sz="1200" dirty="0">
+                      <a:endParaRPr lang="en-US" sz="1400" dirty="0">
                         <a:effectLst/>
                         <a:latin typeface="Times New Roman" panose="02020603050405020304" pitchFamily="18" charset="0"/>
                         <a:ea typeface="Times New Roman" panose="02020603050405020304" pitchFamily="18" charset="0"/>
@@ -11824,7 +11824,7 @@
             <p:ph idx="1"/>
             <p:extLst>
               <p:ext uri="{D42A27DB-BD31-4B8C-83A1-F6EECF244321}">
-                <p14:modId xmlns:p14="http://schemas.microsoft.com/office/powerpoint/2010/main" val="813547501"/>
+                <p14:modId xmlns:p14="http://schemas.microsoft.com/office/powerpoint/2010/main" val="821010630"/>
               </p:ext>
             </p:extLst>
           </p:nvPr>
@@ -11859,23 +11859,23 @@
                         </a:spcAft>
                       </a:pPr>
                       <a:r>
-                        <a:rPr lang="en-US" sz="1100" dirty="0">
+                        <a:rPr lang="en-US" sz="1400" dirty="0">
                           <a:effectLst/>
                         </a:rPr>
                         <a:t/>
                       </a:r>
                       <a:br>
-                        <a:rPr lang="en-US" sz="1100" dirty="0">
+                        <a:rPr lang="en-US" sz="1400" dirty="0">
                           <a:effectLst/>
                         </a:rPr>
                       </a:br>
                       <a:r>
-                        <a:rPr lang="en-US" sz="1100" dirty="0">
+                        <a:rPr lang="en-US" sz="1400" dirty="0">
                           <a:effectLst/>
                         </a:rPr>
                         <a:t>Number</a:t>
                       </a:r>
-                      <a:endParaRPr lang="en-US" sz="1100" dirty="0">
+                      <a:endParaRPr lang="en-US" sz="1400" dirty="0">
                         <a:effectLst/>
                         <a:latin typeface="Times New Roman" panose="02020603050405020304" pitchFamily="18" charset="0"/>
                         <a:ea typeface="Times New Roman" panose="02020603050405020304" pitchFamily="18" charset="0"/>
@@ -11898,12 +11898,12 @@
                         </a:spcAft>
                       </a:pPr>
                       <a:r>
-                        <a:rPr lang="en-US" sz="1100">
+                        <a:rPr lang="en-US" sz="1400">
                           <a:effectLst/>
                         </a:rPr>
                         <a:t>4</a:t>
                       </a:r>
-                      <a:endParaRPr lang="en-US" sz="1100">
+                      <a:endParaRPr lang="en-US" sz="1400">
                         <a:effectLst/>
                         <a:latin typeface="Times New Roman" panose="02020603050405020304" pitchFamily="18" charset="0"/>
                         <a:ea typeface="Times New Roman" panose="02020603050405020304" pitchFamily="18" charset="0"/>
@@ -11938,12 +11938,12 @@
                         </a:spcAft>
                       </a:pPr>
                       <a:r>
-                        <a:rPr lang="en-US" sz="900" kern="0">
+                        <a:rPr lang="en-US" sz="1400" kern="0">
                           <a:effectLst/>
                         </a:rPr>
                         <a:t>Name</a:t>
                       </a:r>
-                      <a:endParaRPr lang="en-US" sz="900" b="1" kern="0">
+                      <a:endParaRPr lang="en-US" sz="1400" b="1" kern="0">
                         <a:effectLst/>
                         <a:latin typeface="Times New Roman" panose="02020603050405020304" pitchFamily="18" charset="0"/>
                       </a:endParaRPr>
@@ -11965,12 +11965,12 @@
                         </a:spcAft>
                       </a:pPr>
                       <a:r>
-                        <a:rPr lang="en-US" sz="1100">
+                        <a:rPr lang="en-US" sz="1400" dirty="0">
                           <a:effectLst/>
                         </a:rPr>
                         <a:t>Worker Searches for Job</a:t>
                       </a:r>
-                      <a:endParaRPr lang="en-US" sz="1100">
+                      <a:endParaRPr lang="en-US" sz="1400" dirty="0">
                         <a:effectLst/>
                         <a:latin typeface="Times New Roman" panose="02020603050405020304" pitchFamily="18" charset="0"/>
                         <a:ea typeface="Times New Roman" panose="02020603050405020304" pitchFamily="18" charset="0"/>
@@ -12005,12 +12005,12 @@
                         </a:spcAft>
                       </a:pPr>
                       <a:r>
-                        <a:rPr lang="en-US" sz="1100">
+                        <a:rPr lang="en-US" sz="1400">
                           <a:effectLst/>
                         </a:rPr>
                         <a:t>Summary</a:t>
                       </a:r>
-                      <a:endParaRPr lang="en-US" sz="1100">
+                      <a:endParaRPr lang="en-US" sz="1400">
                         <a:effectLst/>
                         <a:latin typeface="Times New Roman" panose="02020603050405020304" pitchFamily="18" charset="0"/>
                         <a:ea typeface="Times New Roman" panose="02020603050405020304" pitchFamily="18" charset="0"/>
@@ -12033,12 +12033,12 @@
                         </a:spcAft>
                       </a:pPr>
                       <a:r>
-                        <a:rPr lang="en-US" sz="1100">
+                        <a:rPr lang="en-US" sz="1400">
                           <a:effectLst/>
                         </a:rPr>
                         <a:t>Worker enters search criteria and is shown jobs matching those criteria</a:t>
                       </a:r>
-                      <a:endParaRPr lang="en-US" sz="1100">
+                      <a:endParaRPr lang="en-US" sz="1400">
                         <a:effectLst/>
                         <a:latin typeface="Times New Roman" panose="02020603050405020304" pitchFamily="18" charset="0"/>
                         <a:ea typeface="Times New Roman" panose="02020603050405020304" pitchFamily="18" charset="0"/>
@@ -12073,12 +12073,12 @@
                         </a:spcAft>
                       </a:pPr>
                       <a:r>
-                        <a:rPr lang="en-US" sz="1100">
+                        <a:rPr lang="en-US" sz="1400">
                           <a:effectLst/>
                         </a:rPr>
                         <a:t>Priority</a:t>
                       </a:r>
-                      <a:endParaRPr lang="en-US" sz="1100">
+                      <a:endParaRPr lang="en-US" sz="1400">
                         <a:effectLst/>
                         <a:latin typeface="Times New Roman" panose="02020603050405020304" pitchFamily="18" charset="0"/>
                         <a:ea typeface="Times New Roman" panose="02020603050405020304" pitchFamily="18" charset="0"/>
@@ -12101,12 +12101,12 @@
                         </a:spcAft>
                       </a:pPr>
                       <a:r>
-                        <a:rPr lang="en-US" sz="1100">
+                        <a:rPr lang="en-US" sz="1400">
                           <a:effectLst/>
                         </a:rPr>
                         <a:t>5 (Highest)</a:t>
                       </a:r>
-                      <a:endParaRPr lang="en-US" sz="1100">
+                      <a:endParaRPr lang="en-US" sz="1400">
                         <a:effectLst/>
                         <a:latin typeface="Times New Roman" panose="02020603050405020304" pitchFamily="18" charset="0"/>
                         <a:ea typeface="Times New Roman" panose="02020603050405020304" pitchFamily="18" charset="0"/>
@@ -12141,12 +12141,12 @@
                         </a:spcAft>
                       </a:pPr>
                       <a:r>
-                        <a:rPr lang="en-US" sz="1100">
+                        <a:rPr lang="en-US" sz="1400">
                           <a:effectLst/>
                         </a:rPr>
                         <a:t>Preconditions</a:t>
                       </a:r>
-                      <a:endParaRPr lang="en-US" sz="1100">
+                      <a:endParaRPr lang="en-US" sz="1400">
                         <a:effectLst/>
                         <a:latin typeface="Times New Roman" panose="02020603050405020304" pitchFamily="18" charset="0"/>
                         <a:ea typeface="Times New Roman" panose="02020603050405020304" pitchFamily="18" charset="0"/>
@@ -12169,12 +12169,12 @@
                         </a:spcAft>
                       </a:pPr>
                       <a:r>
-                        <a:rPr lang="en-US" sz="1100">
+                        <a:rPr lang="en-US" sz="1400">
                           <a:effectLst/>
                         </a:rPr>
                         <a:t>Worker is logged in</a:t>
                       </a:r>
-                      <a:endParaRPr lang="en-US" sz="1100">
+                      <a:endParaRPr lang="en-US" sz="1400">
                         <a:effectLst/>
                         <a:latin typeface="Times New Roman" panose="02020603050405020304" pitchFamily="18" charset="0"/>
                         <a:ea typeface="Times New Roman" panose="02020603050405020304" pitchFamily="18" charset="0"/>
@@ -12209,12 +12209,12 @@
                         </a:spcAft>
                       </a:pPr>
                       <a:r>
-                        <a:rPr lang="en-US" sz="1100">
+                        <a:rPr lang="en-US" sz="1400">
                           <a:effectLst/>
                         </a:rPr>
                         <a:t>Postconditions</a:t>
                       </a:r>
-                      <a:endParaRPr lang="en-US" sz="1100">
+                      <a:endParaRPr lang="en-US" sz="1400">
                         <a:effectLst/>
                         <a:latin typeface="Times New Roman" panose="02020603050405020304" pitchFamily="18" charset="0"/>
                         <a:ea typeface="Times New Roman" panose="02020603050405020304" pitchFamily="18" charset="0"/>
@@ -12237,12 +12237,12 @@
                         </a:spcAft>
                       </a:pPr>
                       <a:r>
-                        <a:rPr lang="en-US" sz="1100">
+                        <a:rPr lang="en-US" sz="1400">
                           <a:effectLst/>
                         </a:rPr>
                         <a:t>Jobs matching the input criteria are displayed on the site</a:t>
                       </a:r>
-                      <a:endParaRPr lang="en-US" sz="1100">
+                      <a:endParaRPr lang="en-US" sz="1400">
                         <a:effectLst/>
                         <a:latin typeface="Times New Roman" panose="02020603050405020304" pitchFamily="18" charset="0"/>
                         <a:ea typeface="Times New Roman" panose="02020603050405020304" pitchFamily="18" charset="0"/>
@@ -12277,12 +12277,12 @@
                         </a:spcAft>
                       </a:pPr>
                       <a:r>
-                        <a:rPr lang="en-US" sz="1100">
+                        <a:rPr lang="en-US" sz="1400">
                           <a:effectLst/>
                         </a:rPr>
                         <a:t>Primary Actor</a:t>
                       </a:r>
-                      <a:endParaRPr lang="en-US" sz="1100">
+                      <a:endParaRPr lang="en-US" sz="1400">
                         <a:effectLst/>
                         <a:latin typeface="Times New Roman" panose="02020603050405020304" pitchFamily="18" charset="0"/>
                         <a:ea typeface="Times New Roman" panose="02020603050405020304" pitchFamily="18" charset="0"/>
@@ -12305,12 +12305,12 @@
                         </a:spcAft>
                       </a:pPr>
                       <a:r>
-                        <a:rPr lang="en-US" sz="1100">
+                        <a:rPr lang="en-US" sz="1400">
                           <a:effectLst/>
                         </a:rPr>
                         <a:t>User (Worker)</a:t>
                       </a:r>
-                      <a:endParaRPr lang="en-US" sz="1100">
+                      <a:endParaRPr lang="en-US" sz="1400">
                         <a:effectLst/>
                         <a:latin typeface="Times New Roman" panose="02020603050405020304" pitchFamily="18" charset="0"/>
                         <a:ea typeface="Times New Roman" panose="02020603050405020304" pitchFamily="18" charset="0"/>
@@ -12345,12 +12345,12 @@
                         </a:spcAft>
                       </a:pPr>
                       <a:r>
-                        <a:rPr lang="en-US" sz="1100">
+                        <a:rPr lang="en-US" sz="1400">
                           <a:effectLst/>
                         </a:rPr>
                         <a:t>Secondary Actors</a:t>
                       </a:r>
-                      <a:endParaRPr lang="en-US" sz="1100">
+                      <a:endParaRPr lang="en-US" sz="1400">
                         <a:effectLst/>
                         <a:latin typeface="Times New Roman" panose="02020603050405020304" pitchFamily="18" charset="0"/>
                         <a:ea typeface="Times New Roman" panose="02020603050405020304" pitchFamily="18" charset="0"/>
@@ -12373,12 +12373,12 @@
                         </a:spcAft>
                       </a:pPr>
                       <a:r>
-                        <a:rPr lang="en-US" sz="1100">
+                        <a:rPr lang="en-US" sz="1400">
                           <a:effectLst/>
                         </a:rPr>
                         <a:t>Server</a:t>
                       </a:r>
-                      <a:endParaRPr lang="en-US" sz="1100">
+                      <a:endParaRPr lang="en-US" sz="1400">
                         <a:effectLst/>
                         <a:latin typeface="Times New Roman" panose="02020603050405020304" pitchFamily="18" charset="0"/>
                         <a:ea typeface="Times New Roman" panose="02020603050405020304" pitchFamily="18" charset="0"/>
@@ -12413,12 +12413,12 @@
                         </a:spcAft>
                       </a:pPr>
                       <a:r>
-                        <a:rPr lang="en-US" sz="1100">
+                        <a:rPr lang="en-US" sz="1400">
                           <a:effectLst/>
                         </a:rPr>
                         <a:t>Trigger</a:t>
                       </a:r>
-                      <a:endParaRPr lang="en-US" sz="1100">
+                      <a:endParaRPr lang="en-US" sz="1400">
                         <a:effectLst/>
                         <a:latin typeface="Times New Roman" panose="02020603050405020304" pitchFamily="18" charset="0"/>
                         <a:ea typeface="Times New Roman" panose="02020603050405020304" pitchFamily="18" charset="0"/>
@@ -12441,12 +12441,12 @@
                         </a:spcAft>
                       </a:pPr>
                       <a:r>
-                        <a:rPr lang="en-US" sz="1100">
+                        <a:rPr lang="en-US" sz="1400">
                           <a:effectLst/>
                         </a:rPr>
                         <a:t>Worker clicks the “Search for Jobs” button</a:t>
                       </a:r>
-                      <a:endParaRPr lang="en-US" sz="1100">
+                      <a:endParaRPr lang="en-US" sz="1400">
                         <a:effectLst/>
                         <a:latin typeface="Times New Roman" panose="02020603050405020304" pitchFamily="18" charset="0"/>
                         <a:ea typeface="Times New Roman" panose="02020603050405020304" pitchFamily="18" charset="0"/>
@@ -12481,12 +12481,12 @@
                         </a:spcAft>
                       </a:pPr>
                       <a:r>
-                        <a:rPr lang="en-US" sz="1100">
+                        <a:rPr lang="en-US" sz="1400">
                           <a:effectLst/>
                         </a:rPr>
                         <a:t>Main Scenario</a:t>
                       </a:r>
-                      <a:endParaRPr lang="en-US" sz="1100">
+                      <a:endParaRPr lang="en-US" sz="1400">
                         <a:effectLst/>
                         <a:latin typeface="Times New Roman" panose="02020603050405020304" pitchFamily="18" charset="0"/>
                         <a:ea typeface="Times New Roman" panose="02020603050405020304" pitchFamily="18" charset="0"/>
@@ -12509,12 +12509,12 @@
                         </a:spcAft>
                       </a:pPr>
                       <a:r>
-                        <a:rPr lang="en-US" sz="1100">
+                        <a:rPr lang="en-US" sz="1400">
                           <a:effectLst/>
                         </a:rPr>
                         <a:t>Step </a:t>
                       </a:r>
-                      <a:endParaRPr lang="en-US" sz="1100">
+                      <a:endParaRPr lang="en-US" sz="1400">
                         <a:effectLst/>
                         <a:latin typeface="Times New Roman" panose="02020603050405020304" pitchFamily="18" charset="0"/>
                         <a:ea typeface="Times New Roman" panose="02020603050405020304" pitchFamily="18" charset="0"/>
@@ -12537,12 +12537,12 @@
                         </a:spcAft>
                       </a:pPr>
                       <a:r>
-                        <a:rPr lang="en-US" sz="1100">
+                        <a:rPr lang="en-US" sz="1400">
                           <a:effectLst/>
                         </a:rPr>
                         <a:t>Action</a:t>
                       </a:r>
-                      <a:endParaRPr lang="en-US" sz="1100">
+                      <a:endParaRPr lang="en-US" sz="1400">
                         <a:effectLst/>
                         <a:latin typeface="Times New Roman" panose="02020603050405020304" pitchFamily="18" charset="0"/>
                         <a:ea typeface="Times New Roman" panose="02020603050405020304" pitchFamily="18" charset="0"/>
@@ -12567,12 +12567,12 @@
                         </a:spcAft>
                       </a:pPr>
                       <a:r>
-                        <a:rPr lang="en-US" sz="1100">
+                        <a:rPr lang="en-US" sz="1400">
                           <a:effectLst/>
                         </a:rPr>
                         <a:t> </a:t>
                       </a:r>
-                      <a:endParaRPr lang="en-US" sz="1100">
+                      <a:endParaRPr lang="en-US" sz="1400">
                         <a:effectLst/>
                         <a:latin typeface="Times New Roman" panose="02020603050405020304" pitchFamily="18" charset="0"/>
                         <a:ea typeface="Times New Roman" panose="02020603050405020304" pitchFamily="18" charset="0"/>
@@ -12595,12 +12595,12 @@
                         </a:spcAft>
                       </a:pPr>
                       <a:r>
-                        <a:rPr lang="en-US" sz="1100">
+                        <a:rPr lang="en-US" sz="1400">
                           <a:effectLst/>
                         </a:rPr>
                         <a:t>1</a:t>
                       </a:r>
-                      <a:endParaRPr lang="en-US" sz="1100">
+                      <a:endParaRPr lang="en-US" sz="1400">
                         <a:effectLst/>
                         <a:latin typeface="Times New Roman" panose="02020603050405020304" pitchFamily="18" charset="0"/>
                         <a:ea typeface="Times New Roman" panose="02020603050405020304" pitchFamily="18" charset="0"/>
@@ -12623,12 +12623,12 @@
                         </a:spcAft>
                       </a:pPr>
                       <a:r>
-                        <a:rPr lang="en-US" sz="1100">
+                        <a:rPr lang="en-US" sz="1400">
                           <a:effectLst/>
                         </a:rPr>
                         <a:t>User clicks “Search for Jobs” button</a:t>
                       </a:r>
-                      <a:endParaRPr lang="en-US" sz="1100">
+                      <a:endParaRPr lang="en-US" sz="1400">
                         <a:effectLst/>
                         <a:latin typeface="Times New Roman" panose="02020603050405020304" pitchFamily="18" charset="0"/>
                         <a:ea typeface="Times New Roman" panose="02020603050405020304" pitchFamily="18" charset="0"/>
@@ -12653,12 +12653,12 @@
                         </a:spcAft>
                       </a:pPr>
                       <a:r>
-                        <a:rPr lang="en-US" sz="1100">
+                        <a:rPr lang="en-US" sz="1400">
                           <a:effectLst/>
                         </a:rPr>
                         <a:t> </a:t>
                       </a:r>
-                      <a:endParaRPr lang="en-US" sz="1100">
+                      <a:endParaRPr lang="en-US" sz="1400">
                         <a:effectLst/>
                         <a:latin typeface="Times New Roman" panose="02020603050405020304" pitchFamily="18" charset="0"/>
                         <a:ea typeface="Times New Roman" panose="02020603050405020304" pitchFamily="18" charset="0"/>
@@ -12681,12 +12681,12 @@
                         </a:spcAft>
                       </a:pPr>
                       <a:r>
-                        <a:rPr lang="en-US" sz="1100">
+                        <a:rPr lang="en-US" sz="1400">
                           <a:effectLst/>
                         </a:rPr>
                         <a:t>2</a:t>
                       </a:r>
-                      <a:endParaRPr lang="en-US" sz="1100">
+                      <a:endParaRPr lang="en-US" sz="1400">
                         <a:effectLst/>
                         <a:latin typeface="Times New Roman" panose="02020603050405020304" pitchFamily="18" charset="0"/>
                         <a:ea typeface="Times New Roman" panose="02020603050405020304" pitchFamily="18" charset="0"/>
@@ -12709,12 +12709,12 @@
                         </a:spcAft>
                       </a:pPr>
                       <a:r>
-                        <a:rPr lang="en-US" sz="1100">
+                        <a:rPr lang="en-US" sz="1400">
                           <a:effectLst/>
                         </a:rPr>
                         <a:t>User is prompted to enter search criteria, such as review score, payment amount, closeness of job, type of work</a:t>
                       </a:r>
-                      <a:endParaRPr lang="en-US" sz="1100">
+                      <a:endParaRPr lang="en-US" sz="1400">
                         <a:effectLst/>
                         <a:latin typeface="Times New Roman" panose="02020603050405020304" pitchFamily="18" charset="0"/>
                         <a:ea typeface="Times New Roman" panose="02020603050405020304" pitchFamily="18" charset="0"/>
@@ -12739,12 +12739,12 @@
                         </a:spcAft>
                       </a:pPr>
                       <a:r>
-                        <a:rPr lang="en-US" sz="1100">
+                        <a:rPr lang="en-US" sz="1400">
                           <a:effectLst/>
                         </a:rPr>
                         <a:t> </a:t>
                       </a:r>
-                      <a:endParaRPr lang="en-US" sz="1100">
+                      <a:endParaRPr lang="en-US" sz="1400">
                         <a:effectLst/>
                         <a:latin typeface="Times New Roman" panose="02020603050405020304" pitchFamily="18" charset="0"/>
                         <a:ea typeface="Times New Roman" panose="02020603050405020304" pitchFamily="18" charset="0"/>
@@ -12767,12 +12767,12 @@
                         </a:spcAft>
                       </a:pPr>
                       <a:r>
-                        <a:rPr lang="en-US" sz="1100">
+                        <a:rPr lang="en-US" sz="1400">
                           <a:effectLst/>
                         </a:rPr>
                         <a:t>3</a:t>
                       </a:r>
-                      <a:endParaRPr lang="en-US" sz="1100">
+                      <a:endParaRPr lang="en-US" sz="1400">
                         <a:effectLst/>
                         <a:latin typeface="Times New Roman" panose="02020603050405020304" pitchFamily="18" charset="0"/>
                         <a:ea typeface="Times New Roman" panose="02020603050405020304" pitchFamily="18" charset="0"/>
@@ -12795,12 +12795,12 @@
                         </a:spcAft>
                       </a:pPr>
                       <a:r>
-                        <a:rPr lang="en-US" sz="1100">
+                        <a:rPr lang="en-US" sz="1400">
                           <a:effectLst/>
                         </a:rPr>
                         <a:t>User clicks “ok”</a:t>
                       </a:r>
-                      <a:endParaRPr lang="en-US" sz="1100">
+                      <a:endParaRPr lang="en-US" sz="1400">
                         <a:effectLst/>
                         <a:latin typeface="Times New Roman" panose="02020603050405020304" pitchFamily="18" charset="0"/>
                         <a:ea typeface="Times New Roman" panose="02020603050405020304" pitchFamily="18" charset="0"/>
@@ -12825,12 +12825,12 @@
                         </a:spcAft>
                       </a:pPr>
                       <a:r>
-                        <a:rPr lang="en-US" sz="1100">
+                        <a:rPr lang="en-US" sz="1400">
                           <a:effectLst/>
                         </a:rPr>
                         <a:t> </a:t>
                       </a:r>
-                      <a:endParaRPr lang="en-US" sz="1100">
+                      <a:endParaRPr lang="en-US" sz="1400">
                         <a:effectLst/>
                         <a:latin typeface="Times New Roman" panose="02020603050405020304" pitchFamily="18" charset="0"/>
                         <a:ea typeface="Times New Roman" panose="02020603050405020304" pitchFamily="18" charset="0"/>
@@ -12853,12 +12853,12 @@
                         </a:spcAft>
                       </a:pPr>
                       <a:r>
-                        <a:rPr lang="en-US" sz="1100">
+                        <a:rPr lang="en-US" sz="1400">
                           <a:effectLst/>
                         </a:rPr>
                         <a:t>4</a:t>
                       </a:r>
-                      <a:endParaRPr lang="en-US" sz="1100">
+                      <a:endParaRPr lang="en-US" sz="1400">
                         <a:effectLst/>
                         <a:latin typeface="Times New Roman" panose="02020603050405020304" pitchFamily="18" charset="0"/>
                         <a:ea typeface="Times New Roman" panose="02020603050405020304" pitchFamily="18" charset="0"/>
@@ -12881,12 +12881,12 @@
                         </a:spcAft>
                       </a:pPr>
                       <a:r>
-                        <a:rPr lang="en-US" sz="1100">
+                        <a:rPr lang="en-US" sz="1400">
                           <a:effectLst/>
                         </a:rPr>
                         <a:t>Criteria are sent to the server, whose job listings are searched for jobs matching the criteria input by User</a:t>
                       </a:r>
-                      <a:endParaRPr lang="en-US" sz="1100">
+                      <a:endParaRPr lang="en-US" sz="1400">
                         <a:effectLst/>
                         <a:latin typeface="Times New Roman" panose="02020603050405020304" pitchFamily="18" charset="0"/>
                         <a:ea typeface="Times New Roman" panose="02020603050405020304" pitchFamily="18" charset="0"/>
@@ -12911,12 +12911,12 @@
                         </a:spcAft>
                       </a:pPr>
                       <a:r>
-                        <a:rPr lang="en-US" sz="1100">
+                        <a:rPr lang="en-US" sz="1400">
                           <a:effectLst/>
                         </a:rPr>
                         <a:t> </a:t>
                       </a:r>
-                      <a:endParaRPr lang="en-US" sz="1100">
+                      <a:endParaRPr lang="en-US" sz="1400">
                         <a:effectLst/>
                         <a:latin typeface="Times New Roman" panose="02020603050405020304" pitchFamily="18" charset="0"/>
                         <a:ea typeface="Times New Roman" panose="02020603050405020304" pitchFamily="18" charset="0"/>
@@ -12939,12 +12939,12 @@
                         </a:spcAft>
                       </a:pPr>
                       <a:r>
-                        <a:rPr lang="en-US" sz="1100">
+                        <a:rPr lang="en-US" sz="1400">
                           <a:effectLst/>
                         </a:rPr>
                         <a:t>5</a:t>
                       </a:r>
-                      <a:endParaRPr lang="en-US" sz="1100">
+                      <a:endParaRPr lang="en-US" sz="1400">
                         <a:effectLst/>
                         <a:latin typeface="Times New Roman" panose="02020603050405020304" pitchFamily="18" charset="0"/>
                         <a:ea typeface="Times New Roman" panose="02020603050405020304" pitchFamily="18" charset="0"/>
@@ -12967,12 +12967,12 @@
                         </a:spcAft>
                       </a:pPr>
                       <a:r>
-                        <a:rPr lang="en-US" sz="1100">
+                        <a:rPr lang="en-US" sz="1400">
                           <a:effectLst/>
                         </a:rPr>
                         <a:t>Jobs are listed for the User to browse</a:t>
                       </a:r>
-                      <a:endParaRPr lang="en-US" sz="1100">
+                      <a:endParaRPr lang="en-US" sz="1400">
                         <a:effectLst/>
                         <a:latin typeface="Times New Roman" panose="02020603050405020304" pitchFamily="18" charset="0"/>
                         <a:ea typeface="Times New Roman" panose="02020603050405020304" pitchFamily="18" charset="0"/>
@@ -12997,12 +12997,12 @@
                         </a:spcAft>
                       </a:pPr>
                       <a:r>
-                        <a:rPr lang="en-US" sz="1100">
+                        <a:rPr lang="en-US" sz="1400">
                           <a:effectLst/>
                         </a:rPr>
                         <a:t>Extensions</a:t>
                       </a:r>
-                      <a:endParaRPr lang="en-US" sz="1100">
+                      <a:endParaRPr lang="en-US" sz="1400">
                         <a:effectLst/>
                         <a:latin typeface="Times New Roman" panose="02020603050405020304" pitchFamily="18" charset="0"/>
                         <a:ea typeface="Times New Roman" panose="02020603050405020304" pitchFamily="18" charset="0"/>
@@ -13025,12 +13025,12 @@
                         </a:spcAft>
                       </a:pPr>
                       <a:r>
-                        <a:rPr lang="en-US" sz="1100">
+                        <a:rPr lang="en-US" sz="1400">
                           <a:effectLst/>
                         </a:rPr>
                         <a:t>Step</a:t>
                       </a:r>
-                      <a:endParaRPr lang="en-US" sz="1100">
+                      <a:endParaRPr lang="en-US" sz="1400">
                         <a:effectLst/>
                         <a:latin typeface="Times New Roman" panose="02020603050405020304" pitchFamily="18" charset="0"/>
                         <a:ea typeface="Times New Roman" panose="02020603050405020304" pitchFamily="18" charset="0"/>
@@ -13053,12 +13053,12 @@
                         </a:spcAft>
                       </a:pPr>
                       <a:r>
-                        <a:rPr lang="en-US" sz="1100">
+                        <a:rPr lang="en-US" sz="1400">
                           <a:effectLst/>
                         </a:rPr>
                         <a:t>Branching Action</a:t>
                       </a:r>
-                      <a:endParaRPr lang="en-US" sz="1100">
+                      <a:endParaRPr lang="en-US" sz="1400">
                         <a:effectLst/>
                         <a:latin typeface="Times New Roman" panose="02020603050405020304" pitchFamily="18" charset="0"/>
                         <a:ea typeface="Times New Roman" panose="02020603050405020304" pitchFamily="18" charset="0"/>
@@ -13083,12 +13083,12 @@
                         </a:spcAft>
                       </a:pPr>
                       <a:r>
-                        <a:rPr lang="en-US" sz="1100">
+                        <a:rPr lang="en-US" sz="1400">
                           <a:effectLst/>
                         </a:rPr>
                         <a:t> </a:t>
                       </a:r>
-                      <a:endParaRPr lang="en-US" sz="1100">
+                      <a:endParaRPr lang="en-US" sz="1400">
                         <a:effectLst/>
                         <a:latin typeface="Times New Roman" panose="02020603050405020304" pitchFamily="18" charset="0"/>
                         <a:ea typeface="Times New Roman" panose="02020603050405020304" pitchFamily="18" charset="0"/>
@@ -13111,12 +13111,12 @@
                         </a:spcAft>
                       </a:pPr>
                       <a:r>
-                        <a:rPr lang="en-US" sz="1100">
+                        <a:rPr lang="en-US" sz="1400">
                           <a:effectLst/>
                         </a:rPr>
                         <a:t>5a</a:t>
                       </a:r>
-                      <a:endParaRPr lang="en-US" sz="1100">
+                      <a:endParaRPr lang="en-US" sz="1400">
                         <a:effectLst/>
                         <a:latin typeface="Times New Roman" panose="02020603050405020304" pitchFamily="18" charset="0"/>
                         <a:ea typeface="Times New Roman" panose="02020603050405020304" pitchFamily="18" charset="0"/>
@@ -13139,12 +13139,12 @@
                         </a:spcAft>
                       </a:pPr>
                       <a:r>
-                        <a:rPr lang="en-US" sz="1100">
+                        <a:rPr lang="en-US" sz="1400">
                           <a:effectLst/>
                         </a:rPr>
                         <a:t>Input data does not match any listings on the server; User is informed of the result and prompted to widen their search</a:t>
                       </a:r>
-                      <a:endParaRPr lang="en-US" sz="1100">
+                      <a:endParaRPr lang="en-US" sz="1400">
                         <a:effectLst/>
                         <a:latin typeface="Times New Roman" panose="02020603050405020304" pitchFamily="18" charset="0"/>
                         <a:ea typeface="Times New Roman" panose="02020603050405020304" pitchFamily="18" charset="0"/>
@@ -13169,12 +13169,12 @@
                         </a:spcAft>
                       </a:pPr>
                       <a:r>
-                        <a:rPr lang="en-US" sz="1100">
+                        <a:rPr lang="en-US" sz="1400">
                           <a:effectLst/>
                         </a:rPr>
                         <a:t>Open Issues</a:t>
                       </a:r>
-                      <a:endParaRPr lang="en-US" sz="1100">
+                      <a:endParaRPr lang="en-US" sz="1400">
                         <a:effectLst/>
                         <a:latin typeface="Times New Roman" panose="02020603050405020304" pitchFamily="18" charset="0"/>
                         <a:ea typeface="Times New Roman" panose="02020603050405020304" pitchFamily="18" charset="0"/>
@@ -13197,12 +13197,12 @@
                         </a:spcAft>
                       </a:pPr>
                       <a:r>
-                        <a:rPr lang="en-US" sz="1100" dirty="0">
+                        <a:rPr lang="en-US" sz="1400" dirty="0">
                           <a:effectLst/>
                         </a:rPr>
                         <a:t> </a:t>
                       </a:r>
-                      <a:endParaRPr lang="en-US" sz="1100" dirty="0">
+                      <a:endParaRPr lang="en-US" sz="1400" dirty="0">
                         <a:effectLst/>
                         <a:latin typeface="Times New Roman" panose="02020603050405020304" pitchFamily="18" charset="0"/>
                         <a:ea typeface="Times New Roman" panose="02020603050405020304" pitchFamily="18" charset="0"/>
@@ -13273,7 +13273,7 @@
             <p:ph idx="1"/>
             <p:extLst>
               <p:ext uri="{D42A27DB-BD31-4B8C-83A1-F6EECF244321}">
-                <p14:modId xmlns:p14="http://schemas.microsoft.com/office/powerpoint/2010/main" val="1044519021"/>
+                <p14:modId xmlns:p14="http://schemas.microsoft.com/office/powerpoint/2010/main" val="3757677262"/>
               </p:ext>
             </p:extLst>
           </p:nvPr>
@@ -13308,23 +13308,23 @@
                         </a:spcAft>
                       </a:pPr>
                       <a:r>
-                        <a:rPr lang="en-US" sz="1100" dirty="0">
+                        <a:rPr lang="en-US" sz="1400" dirty="0">
                           <a:effectLst/>
                         </a:rPr>
                         <a:t/>
                       </a:r>
                       <a:br>
-                        <a:rPr lang="en-US" sz="1100" dirty="0">
+                        <a:rPr lang="en-US" sz="1400" dirty="0">
                           <a:effectLst/>
                         </a:rPr>
                       </a:br>
                       <a:r>
-                        <a:rPr lang="en-US" sz="1100" dirty="0">
+                        <a:rPr lang="en-US" sz="1400" dirty="0">
                           <a:effectLst/>
                         </a:rPr>
                         <a:t>Number</a:t>
                       </a:r>
-                      <a:endParaRPr lang="en-US" sz="1100" dirty="0">
+                      <a:endParaRPr lang="en-US" sz="1400" dirty="0">
                         <a:effectLst/>
                         <a:latin typeface="Times New Roman" panose="02020603050405020304" pitchFamily="18" charset="0"/>
                         <a:ea typeface="Times New Roman" panose="02020603050405020304" pitchFamily="18" charset="0"/>
@@ -13347,12 +13347,12 @@
                         </a:spcAft>
                       </a:pPr>
                       <a:r>
-                        <a:rPr lang="en-US" sz="1100" dirty="0">
+                        <a:rPr lang="en-US" sz="1400" dirty="0">
                           <a:effectLst/>
                         </a:rPr>
                         <a:t>5</a:t>
                       </a:r>
-                      <a:endParaRPr lang="en-US" sz="1100" dirty="0">
+                      <a:endParaRPr lang="en-US" sz="1400" dirty="0">
                         <a:effectLst/>
                         <a:latin typeface="Times New Roman" panose="02020603050405020304" pitchFamily="18" charset="0"/>
                         <a:ea typeface="Times New Roman" panose="02020603050405020304" pitchFamily="18" charset="0"/>
@@ -13387,12 +13387,12 @@
                         </a:spcAft>
                       </a:pPr>
                       <a:r>
-                        <a:rPr lang="en-US" sz="900" kern="0">
+                        <a:rPr lang="en-US" sz="1400" kern="0">
                           <a:effectLst/>
                         </a:rPr>
                         <a:t>Name</a:t>
                       </a:r>
-                      <a:endParaRPr lang="en-US" sz="900" b="1" kern="0">
+                      <a:endParaRPr lang="en-US" sz="1400" b="1" kern="0">
                         <a:effectLst/>
                         <a:latin typeface="Times New Roman" panose="02020603050405020304" pitchFamily="18" charset="0"/>
                       </a:endParaRPr>
@@ -13414,12 +13414,12 @@
                         </a:spcAft>
                       </a:pPr>
                       <a:r>
-                        <a:rPr lang="en-US" sz="1100">
+                        <a:rPr lang="en-US" sz="1400" dirty="0">
                           <a:effectLst/>
                         </a:rPr>
                         <a:t>Worker Selects a Job</a:t>
                       </a:r>
-                      <a:endParaRPr lang="en-US" sz="1100">
+                      <a:endParaRPr lang="en-US" sz="1400" dirty="0">
                         <a:effectLst/>
                         <a:latin typeface="Times New Roman" panose="02020603050405020304" pitchFamily="18" charset="0"/>
                         <a:ea typeface="Times New Roman" panose="02020603050405020304" pitchFamily="18" charset="0"/>
@@ -13454,12 +13454,12 @@
                         </a:spcAft>
                       </a:pPr>
                       <a:r>
-                        <a:rPr lang="en-US" sz="1100">
+                        <a:rPr lang="en-US" sz="1400">
                           <a:effectLst/>
                         </a:rPr>
                         <a:t>Summary</a:t>
                       </a:r>
-                      <a:endParaRPr lang="en-US" sz="1100">
+                      <a:endParaRPr lang="en-US" sz="1400">
                         <a:effectLst/>
                         <a:latin typeface="Times New Roman" panose="02020603050405020304" pitchFamily="18" charset="0"/>
                         <a:ea typeface="Times New Roman" panose="02020603050405020304" pitchFamily="18" charset="0"/>
@@ -13482,12 +13482,12 @@
                         </a:spcAft>
                       </a:pPr>
                       <a:r>
-                        <a:rPr lang="en-US" sz="1100">
+                        <a:rPr lang="en-US" sz="1400">
                           <a:effectLst/>
                         </a:rPr>
                         <a:t>Worker Selects a Job from the Job Search Listing</a:t>
                       </a:r>
-                      <a:endParaRPr lang="en-US" sz="1100">
+                      <a:endParaRPr lang="en-US" sz="1400">
                         <a:effectLst/>
                         <a:latin typeface="Times New Roman" panose="02020603050405020304" pitchFamily="18" charset="0"/>
                         <a:ea typeface="Times New Roman" panose="02020603050405020304" pitchFamily="18" charset="0"/>
@@ -13522,12 +13522,12 @@
                         </a:spcAft>
                       </a:pPr>
                       <a:r>
-                        <a:rPr lang="en-US" sz="1100">
+                        <a:rPr lang="en-US" sz="1400">
                           <a:effectLst/>
                         </a:rPr>
                         <a:t>Priority</a:t>
                       </a:r>
-                      <a:endParaRPr lang="en-US" sz="1100">
+                      <a:endParaRPr lang="en-US" sz="1400">
                         <a:effectLst/>
                         <a:latin typeface="Times New Roman" panose="02020603050405020304" pitchFamily="18" charset="0"/>
                         <a:ea typeface="Times New Roman" panose="02020603050405020304" pitchFamily="18" charset="0"/>
@@ -13550,12 +13550,12 @@
                         </a:spcAft>
                       </a:pPr>
                       <a:r>
-                        <a:rPr lang="en-US" sz="1100">
+                        <a:rPr lang="en-US" sz="1400">
                           <a:effectLst/>
                         </a:rPr>
                         <a:t>5 (Highest)</a:t>
                       </a:r>
-                      <a:endParaRPr lang="en-US" sz="1100">
+                      <a:endParaRPr lang="en-US" sz="1400">
                         <a:effectLst/>
                         <a:latin typeface="Times New Roman" panose="02020603050405020304" pitchFamily="18" charset="0"/>
                         <a:ea typeface="Times New Roman" panose="02020603050405020304" pitchFamily="18" charset="0"/>
@@ -13590,12 +13590,12 @@
                         </a:spcAft>
                       </a:pPr>
                       <a:r>
-                        <a:rPr lang="en-US" sz="1100">
+                        <a:rPr lang="en-US" sz="1400">
                           <a:effectLst/>
                         </a:rPr>
                         <a:t>Preconditions</a:t>
                       </a:r>
-                      <a:endParaRPr lang="en-US" sz="1100">
+                      <a:endParaRPr lang="en-US" sz="1400">
                         <a:effectLst/>
                         <a:latin typeface="Times New Roman" panose="02020603050405020304" pitchFamily="18" charset="0"/>
                         <a:ea typeface="Times New Roman" panose="02020603050405020304" pitchFamily="18" charset="0"/>
@@ -13618,12 +13618,12 @@
                         </a:spcAft>
                       </a:pPr>
                       <a:r>
-                        <a:rPr lang="en-US" sz="1100">
+                        <a:rPr lang="en-US" sz="1400">
                           <a:effectLst/>
                         </a:rPr>
                         <a:t>Worker is logged in and has made a Search using Use Case 4</a:t>
                       </a:r>
-                      <a:endParaRPr lang="en-US" sz="1100">
+                      <a:endParaRPr lang="en-US" sz="1400">
                         <a:effectLst/>
                         <a:latin typeface="Times New Roman" panose="02020603050405020304" pitchFamily="18" charset="0"/>
                         <a:ea typeface="Times New Roman" panose="02020603050405020304" pitchFamily="18" charset="0"/>
@@ -13658,12 +13658,12 @@
                         </a:spcAft>
                       </a:pPr>
                       <a:r>
-                        <a:rPr lang="en-US" sz="1100">
+                        <a:rPr lang="en-US" sz="1400">
                           <a:effectLst/>
                         </a:rPr>
                         <a:t>Postconditions</a:t>
                       </a:r>
-                      <a:endParaRPr lang="en-US" sz="1100">
+                      <a:endParaRPr lang="en-US" sz="1400">
                         <a:effectLst/>
                         <a:latin typeface="Times New Roman" panose="02020603050405020304" pitchFamily="18" charset="0"/>
                         <a:ea typeface="Times New Roman" panose="02020603050405020304" pitchFamily="18" charset="0"/>
@@ -13686,12 +13686,12 @@
                         </a:spcAft>
                       </a:pPr>
                       <a:r>
-                        <a:rPr lang="en-US" sz="1100">
+                        <a:rPr lang="en-US" sz="1400">
                           <a:effectLst/>
                         </a:rPr>
                         <a:t>The User who created the job is notified that a Worker has requested more information</a:t>
                       </a:r>
-                      <a:endParaRPr lang="en-US" sz="1100">
+                      <a:endParaRPr lang="en-US" sz="1400">
                         <a:effectLst/>
                         <a:latin typeface="Times New Roman" panose="02020603050405020304" pitchFamily="18" charset="0"/>
                         <a:ea typeface="Times New Roman" panose="02020603050405020304" pitchFamily="18" charset="0"/>
@@ -13726,12 +13726,12 @@
                         </a:spcAft>
                       </a:pPr>
                       <a:r>
-                        <a:rPr lang="en-US" sz="1100">
+                        <a:rPr lang="en-US" sz="1400">
                           <a:effectLst/>
                         </a:rPr>
                         <a:t>Primary Actor</a:t>
                       </a:r>
-                      <a:endParaRPr lang="en-US" sz="1100">
+                      <a:endParaRPr lang="en-US" sz="1400">
                         <a:effectLst/>
                         <a:latin typeface="Times New Roman" panose="02020603050405020304" pitchFamily="18" charset="0"/>
                         <a:ea typeface="Times New Roman" panose="02020603050405020304" pitchFamily="18" charset="0"/>
@@ -13754,12 +13754,12 @@
                         </a:spcAft>
                       </a:pPr>
                       <a:r>
-                        <a:rPr lang="en-US" sz="1100">
+                        <a:rPr lang="en-US" sz="1400">
                           <a:effectLst/>
                         </a:rPr>
                         <a:t>User (Worker)</a:t>
                       </a:r>
-                      <a:endParaRPr lang="en-US" sz="1100">
+                      <a:endParaRPr lang="en-US" sz="1400">
                         <a:effectLst/>
                         <a:latin typeface="Times New Roman" panose="02020603050405020304" pitchFamily="18" charset="0"/>
                         <a:ea typeface="Times New Roman" panose="02020603050405020304" pitchFamily="18" charset="0"/>
@@ -13794,12 +13794,12 @@
                         </a:spcAft>
                       </a:pPr>
                       <a:r>
-                        <a:rPr lang="en-US" sz="1100">
+                        <a:rPr lang="en-US" sz="1400">
                           <a:effectLst/>
                         </a:rPr>
                         <a:t>Secondary Actors</a:t>
                       </a:r>
-                      <a:endParaRPr lang="en-US" sz="1100">
+                      <a:endParaRPr lang="en-US" sz="1400">
                         <a:effectLst/>
                         <a:latin typeface="Times New Roman" panose="02020603050405020304" pitchFamily="18" charset="0"/>
                         <a:ea typeface="Times New Roman" panose="02020603050405020304" pitchFamily="18" charset="0"/>
@@ -13822,12 +13822,12 @@
                         </a:spcAft>
                       </a:pPr>
                       <a:r>
-                        <a:rPr lang="en-US" sz="1100">
+                        <a:rPr lang="en-US" sz="1400">
                           <a:effectLst/>
                         </a:rPr>
                         <a:t>Server, User (Customer)</a:t>
                       </a:r>
-                      <a:endParaRPr lang="en-US" sz="1100">
+                      <a:endParaRPr lang="en-US" sz="1400">
                         <a:effectLst/>
                         <a:latin typeface="Times New Roman" panose="02020603050405020304" pitchFamily="18" charset="0"/>
                         <a:ea typeface="Times New Roman" panose="02020603050405020304" pitchFamily="18" charset="0"/>
@@ -13862,12 +13862,12 @@
                         </a:spcAft>
                       </a:pPr>
                       <a:r>
-                        <a:rPr lang="en-US" sz="1100">
+                        <a:rPr lang="en-US" sz="1400">
                           <a:effectLst/>
                         </a:rPr>
                         <a:t>Trigger</a:t>
                       </a:r>
-                      <a:endParaRPr lang="en-US" sz="1100">
+                      <a:endParaRPr lang="en-US" sz="1400">
                         <a:effectLst/>
                         <a:latin typeface="Times New Roman" panose="02020603050405020304" pitchFamily="18" charset="0"/>
                         <a:ea typeface="Times New Roman" panose="02020603050405020304" pitchFamily="18" charset="0"/>
@@ -13890,12 +13890,12 @@
                         </a:spcAft>
                       </a:pPr>
                       <a:r>
-                        <a:rPr lang="en-US" sz="1100">
+                        <a:rPr lang="en-US" sz="1400">
                           <a:effectLst/>
                         </a:rPr>
                         <a:t>Worker clicks a button indicating a specific job in their search</a:t>
                       </a:r>
-                      <a:endParaRPr lang="en-US" sz="1100">
+                      <a:endParaRPr lang="en-US" sz="1400">
                         <a:effectLst/>
                         <a:latin typeface="Times New Roman" panose="02020603050405020304" pitchFamily="18" charset="0"/>
                         <a:ea typeface="Times New Roman" panose="02020603050405020304" pitchFamily="18" charset="0"/>
@@ -13930,12 +13930,12 @@
                         </a:spcAft>
                       </a:pPr>
                       <a:r>
-                        <a:rPr lang="en-US" sz="1100">
+                        <a:rPr lang="en-US" sz="1400">
                           <a:effectLst/>
                         </a:rPr>
                         <a:t>Main Scenario</a:t>
                       </a:r>
-                      <a:endParaRPr lang="en-US" sz="1100">
+                      <a:endParaRPr lang="en-US" sz="1400">
                         <a:effectLst/>
                         <a:latin typeface="Times New Roman" panose="02020603050405020304" pitchFamily="18" charset="0"/>
                         <a:ea typeface="Times New Roman" panose="02020603050405020304" pitchFamily="18" charset="0"/>
@@ -13958,12 +13958,12 @@
                         </a:spcAft>
                       </a:pPr>
                       <a:r>
-                        <a:rPr lang="en-US" sz="1100">
+                        <a:rPr lang="en-US" sz="1400">
                           <a:effectLst/>
                         </a:rPr>
                         <a:t>Step </a:t>
                       </a:r>
-                      <a:endParaRPr lang="en-US" sz="1100">
+                      <a:endParaRPr lang="en-US" sz="1400">
                         <a:effectLst/>
                         <a:latin typeface="Times New Roman" panose="02020603050405020304" pitchFamily="18" charset="0"/>
                         <a:ea typeface="Times New Roman" panose="02020603050405020304" pitchFamily="18" charset="0"/>
@@ -13986,12 +13986,12 @@
                         </a:spcAft>
                       </a:pPr>
                       <a:r>
-                        <a:rPr lang="en-US" sz="1100">
+                        <a:rPr lang="en-US" sz="1400">
                           <a:effectLst/>
                         </a:rPr>
                         <a:t>Action</a:t>
                       </a:r>
-                      <a:endParaRPr lang="en-US" sz="1100">
+                      <a:endParaRPr lang="en-US" sz="1400">
                         <a:effectLst/>
                         <a:latin typeface="Times New Roman" panose="02020603050405020304" pitchFamily="18" charset="0"/>
                         <a:ea typeface="Times New Roman" panose="02020603050405020304" pitchFamily="18" charset="0"/>
@@ -14016,12 +14016,12 @@
                         </a:spcAft>
                       </a:pPr>
                       <a:r>
-                        <a:rPr lang="en-US" sz="1100">
+                        <a:rPr lang="en-US" sz="1400">
                           <a:effectLst/>
                         </a:rPr>
                         <a:t> </a:t>
                       </a:r>
-                      <a:endParaRPr lang="en-US" sz="1100">
+                      <a:endParaRPr lang="en-US" sz="1400">
                         <a:effectLst/>
                         <a:latin typeface="Times New Roman" panose="02020603050405020304" pitchFamily="18" charset="0"/>
                         <a:ea typeface="Times New Roman" panose="02020603050405020304" pitchFamily="18" charset="0"/>
@@ -14044,12 +14044,12 @@
                         </a:spcAft>
                       </a:pPr>
                       <a:r>
-                        <a:rPr lang="en-US" sz="1100">
+                        <a:rPr lang="en-US" sz="1400">
                           <a:effectLst/>
                         </a:rPr>
                         <a:t>1</a:t>
                       </a:r>
-                      <a:endParaRPr lang="en-US" sz="1100">
+                      <a:endParaRPr lang="en-US" sz="1400">
                         <a:effectLst/>
                         <a:latin typeface="Times New Roman" panose="02020603050405020304" pitchFamily="18" charset="0"/>
                         <a:ea typeface="Times New Roman" panose="02020603050405020304" pitchFamily="18" charset="0"/>
@@ -14072,12 +14072,12 @@
                         </a:spcAft>
                       </a:pPr>
                       <a:r>
-                        <a:rPr lang="en-US" sz="1100">
+                        <a:rPr lang="en-US" sz="1400">
                           <a:effectLst/>
                         </a:rPr>
                         <a:t>Worker clicks “More Info” button on a job</a:t>
                       </a:r>
-                      <a:endParaRPr lang="en-US" sz="1100">
+                      <a:endParaRPr lang="en-US" sz="1400">
                         <a:effectLst/>
                         <a:latin typeface="Times New Roman" panose="02020603050405020304" pitchFamily="18" charset="0"/>
                         <a:ea typeface="Times New Roman" panose="02020603050405020304" pitchFamily="18" charset="0"/>
@@ -14102,12 +14102,12 @@
                         </a:spcAft>
                       </a:pPr>
                       <a:r>
-                        <a:rPr lang="en-US" sz="1100">
+                        <a:rPr lang="en-US" sz="1400">
                           <a:effectLst/>
                         </a:rPr>
                         <a:t> </a:t>
                       </a:r>
-                      <a:endParaRPr lang="en-US" sz="1100">
+                      <a:endParaRPr lang="en-US" sz="1400">
                         <a:effectLst/>
                         <a:latin typeface="Times New Roman" panose="02020603050405020304" pitchFamily="18" charset="0"/>
                         <a:ea typeface="Times New Roman" panose="02020603050405020304" pitchFamily="18" charset="0"/>
@@ -14130,12 +14130,12 @@
                         </a:spcAft>
                       </a:pPr>
                       <a:r>
-                        <a:rPr lang="en-US" sz="1100">
+                        <a:rPr lang="en-US" sz="1400">
                           <a:effectLst/>
                         </a:rPr>
                         <a:t>2</a:t>
                       </a:r>
-                      <a:endParaRPr lang="en-US" sz="1100">
+                      <a:endParaRPr lang="en-US" sz="1400">
                         <a:effectLst/>
                         <a:latin typeface="Times New Roman" panose="02020603050405020304" pitchFamily="18" charset="0"/>
                         <a:ea typeface="Times New Roman" panose="02020603050405020304" pitchFamily="18" charset="0"/>
@@ -14158,12 +14158,12 @@
                         </a:spcAft>
                       </a:pPr>
                       <a:r>
-                        <a:rPr lang="en-US" sz="1100">
+                        <a:rPr lang="en-US" sz="1400">
                           <a:effectLst/>
                         </a:rPr>
                         <a:t>Server retrieves information for Worker and displays the relative location of the job, its description, and the payment amount</a:t>
                       </a:r>
-                      <a:endParaRPr lang="en-US" sz="1100">
+                      <a:endParaRPr lang="en-US" sz="1400">
                         <a:effectLst/>
                         <a:latin typeface="Times New Roman" panose="02020603050405020304" pitchFamily="18" charset="0"/>
                         <a:ea typeface="Times New Roman" panose="02020603050405020304" pitchFamily="18" charset="0"/>
@@ -14188,12 +14188,12 @@
                         </a:spcAft>
                       </a:pPr>
                       <a:r>
-                        <a:rPr lang="en-US" sz="1100">
+                        <a:rPr lang="en-US" sz="1400">
                           <a:effectLst/>
                         </a:rPr>
                         <a:t> </a:t>
                       </a:r>
-                      <a:endParaRPr lang="en-US" sz="1100">
+                      <a:endParaRPr lang="en-US" sz="1400">
                         <a:effectLst/>
                         <a:latin typeface="Times New Roman" panose="02020603050405020304" pitchFamily="18" charset="0"/>
                         <a:ea typeface="Times New Roman" panose="02020603050405020304" pitchFamily="18" charset="0"/>
@@ -14216,12 +14216,12 @@
                         </a:spcAft>
                       </a:pPr>
                       <a:r>
-                        <a:rPr lang="en-US" sz="1100">
+                        <a:rPr lang="en-US" sz="1400">
                           <a:effectLst/>
                         </a:rPr>
                         <a:t>3</a:t>
                       </a:r>
-                      <a:endParaRPr lang="en-US" sz="1100">
+                      <a:endParaRPr lang="en-US" sz="1400">
                         <a:effectLst/>
                         <a:latin typeface="Times New Roman" panose="02020603050405020304" pitchFamily="18" charset="0"/>
                         <a:ea typeface="Times New Roman" panose="02020603050405020304" pitchFamily="18" charset="0"/>
@@ -14244,12 +14244,12 @@
                         </a:spcAft>
                       </a:pPr>
                       <a:r>
-                        <a:rPr lang="en-US" sz="1100">
+                        <a:rPr lang="en-US" sz="1400">
                           <a:effectLst/>
                         </a:rPr>
                         <a:t>User clicks “ok” to confirm their interest in the job</a:t>
                       </a:r>
-                      <a:endParaRPr lang="en-US" sz="1100">
+                      <a:endParaRPr lang="en-US" sz="1400">
                         <a:effectLst/>
                         <a:latin typeface="Times New Roman" panose="02020603050405020304" pitchFamily="18" charset="0"/>
                         <a:ea typeface="Times New Roman" panose="02020603050405020304" pitchFamily="18" charset="0"/>
@@ -14274,12 +14274,12 @@
                         </a:spcAft>
                       </a:pPr>
                       <a:r>
-                        <a:rPr lang="en-US" sz="1100">
+                        <a:rPr lang="en-US" sz="1400">
                           <a:effectLst/>
                         </a:rPr>
                         <a:t> </a:t>
                       </a:r>
-                      <a:endParaRPr lang="en-US" sz="1100">
+                      <a:endParaRPr lang="en-US" sz="1400">
                         <a:effectLst/>
                         <a:latin typeface="Times New Roman" panose="02020603050405020304" pitchFamily="18" charset="0"/>
                         <a:ea typeface="Times New Roman" panose="02020603050405020304" pitchFamily="18" charset="0"/>
@@ -14302,12 +14302,12 @@
                         </a:spcAft>
                       </a:pPr>
                       <a:r>
-                        <a:rPr lang="en-US" sz="1100">
+                        <a:rPr lang="en-US" sz="1400">
                           <a:effectLst/>
                         </a:rPr>
                         <a:t>4</a:t>
                       </a:r>
-                      <a:endParaRPr lang="en-US" sz="1100">
+                      <a:endParaRPr lang="en-US" sz="1400">
                         <a:effectLst/>
                         <a:latin typeface="Times New Roman" panose="02020603050405020304" pitchFamily="18" charset="0"/>
                         <a:ea typeface="Times New Roman" panose="02020603050405020304" pitchFamily="18" charset="0"/>
@@ -14330,12 +14330,12 @@
                         </a:spcAft>
                       </a:pPr>
                       <a:r>
-                        <a:rPr lang="en-US" sz="1100">
+                        <a:rPr lang="en-US" sz="1400">
                           <a:effectLst/>
                         </a:rPr>
                         <a:t>Server sends a notification to the User (Customer) who requested the job</a:t>
                       </a:r>
-                      <a:endParaRPr lang="en-US" sz="1100">
+                      <a:endParaRPr lang="en-US" sz="1400">
                         <a:effectLst/>
                         <a:latin typeface="Times New Roman" panose="02020603050405020304" pitchFamily="18" charset="0"/>
                         <a:ea typeface="Times New Roman" panose="02020603050405020304" pitchFamily="18" charset="0"/>
@@ -14360,12 +14360,12 @@
                         </a:spcAft>
                       </a:pPr>
                       <a:r>
-                        <a:rPr lang="en-US" sz="1100">
+                        <a:rPr lang="en-US" sz="1400">
                           <a:effectLst/>
                         </a:rPr>
                         <a:t> </a:t>
                       </a:r>
-                      <a:endParaRPr lang="en-US" sz="1100">
+                      <a:endParaRPr lang="en-US" sz="1400">
                         <a:effectLst/>
                         <a:latin typeface="Times New Roman" panose="02020603050405020304" pitchFamily="18" charset="0"/>
                         <a:ea typeface="Times New Roman" panose="02020603050405020304" pitchFamily="18" charset="0"/>
@@ -14388,12 +14388,12 @@
                         </a:spcAft>
                       </a:pPr>
                       <a:r>
-                        <a:rPr lang="en-US" sz="1100">
+                        <a:rPr lang="en-US" sz="1400">
                           <a:effectLst/>
                         </a:rPr>
                         <a:t>5</a:t>
                       </a:r>
-                      <a:endParaRPr lang="en-US" sz="1100">
+                      <a:endParaRPr lang="en-US" sz="1400">
                         <a:effectLst/>
                         <a:latin typeface="Times New Roman" panose="02020603050405020304" pitchFamily="18" charset="0"/>
                         <a:ea typeface="Times New Roman" panose="02020603050405020304" pitchFamily="18" charset="0"/>
@@ -14416,12 +14416,12 @@
                         </a:spcAft>
                       </a:pPr>
                       <a:r>
-                        <a:rPr lang="en-US" sz="1100">
+                        <a:rPr lang="en-US" sz="1400">
                           <a:effectLst/>
                         </a:rPr>
                         <a:t>Jobs are listed for the User to browse</a:t>
                       </a:r>
-                      <a:endParaRPr lang="en-US" sz="1100">
+                      <a:endParaRPr lang="en-US" sz="1400">
                         <a:effectLst/>
                         <a:latin typeface="Times New Roman" panose="02020603050405020304" pitchFamily="18" charset="0"/>
                         <a:ea typeface="Times New Roman" panose="02020603050405020304" pitchFamily="18" charset="0"/>
@@ -14446,12 +14446,12 @@
                         </a:spcAft>
                       </a:pPr>
                       <a:r>
-                        <a:rPr lang="en-US" sz="1100">
+                        <a:rPr lang="en-US" sz="1400">
                           <a:effectLst/>
                         </a:rPr>
                         <a:t>Extensions</a:t>
                       </a:r>
-                      <a:endParaRPr lang="en-US" sz="1100">
+                      <a:endParaRPr lang="en-US" sz="1400">
                         <a:effectLst/>
                         <a:latin typeface="Times New Roman" panose="02020603050405020304" pitchFamily="18" charset="0"/>
                         <a:ea typeface="Times New Roman" panose="02020603050405020304" pitchFamily="18" charset="0"/>
@@ -14474,12 +14474,12 @@
                         </a:spcAft>
                       </a:pPr>
                       <a:r>
-                        <a:rPr lang="en-US" sz="1100">
+                        <a:rPr lang="en-US" sz="1400">
                           <a:effectLst/>
                         </a:rPr>
                         <a:t>Step</a:t>
                       </a:r>
-                      <a:endParaRPr lang="en-US" sz="1100">
+                      <a:endParaRPr lang="en-US" sz="1400">
                         <a:effectLst/>
                         <a:latin typeface="Times New Roman" panose="02020603050405020304" pitchFamily="18" charset="0"/>
                         <a:ea typeface="Times New Roman" panose="02020603050405020304" pitchFamily="18" charset="0"/>
@@ -14502,12 +14502,12 @@
                         </a:spcAft>
                       </a:pPr>
                       <a:r>
-                        <a:rPr lang="en-US" sz="1100">
+                        <a:rPr lang="en-US" sz="1400">
                           <a:effectLst/>
                         </a:rPr>
                         <a:t>Branching Action</a:t>
                       </a:r>
-                      <a:endParaRPr lang="en-US" sz="1100">
+                      <a:endParaRPr lang="en-US" sz="1400">
                         <a:effectLst/>
                         <a:latin typeface="Times New Roman" panose="02020603050405020304" pitchFamily="18" charset="0"/>
                         <a:ea typeface="Times New Roman" panose="02020603050405020304" pitchFamily="18" charset="0"/>
@@ -14532,12 +14532,12 @@
                         </a:spcAft>
                       </a:pPr>
                       <a:r>
-                        <a:rPr lang="en-US" sz="1100">
+                        <a:rPr lang="en-US" sz="1400">
                           <a:effectLst/>
                         </a:rPr>
                         <a:t> </a:t>
                       </a:r>
-                      <a:endParaRPr lang="en-US" sz="1100">
+                      <a:endParaRPr lang="en-US" sz="1400">
                         <a:effectLst/>
                         <a:latin typeface="Times New Roman" panose="02020603050405020304" pitchFamily="18" charset="0"/>
                         <a:ea typeface="Times New Roman" panose="02020603050405020304" pitchFamily="18" charset="0"/>
@@ -14560,12 +14560,12 @@
                         </a:spcAft>
                       </a:pPr>
                       <a:r>
-                        <a:rPr lang="en-US" sz="1100">
+                        <a:rPr lang="en-US" sz="1400">
                           <a:effectLst/>
                         </a:rPr>
                         <a:t>3a</a:t>
                       </a:r>
-                      <a:endParaRPr lang="en-US" sz="1100">
+                      <a:endParaRPr lang="en-US" sz="1400">
                         <a:effectLst/>
                         <a:latin typeface="Times New Roman" panose="02020603050405020304" pitchFamily="18" charset="0"/>
                         <a:ea typeface="Times New Roman" panose="02020603050405020304" pitchFamily="18" charset="0"/>
@@ -14588,12 +14588,12 @@
                         </a:spcAft>
                       </a:pPr>
                       <a:r>
-                        <a:rPr lang="en-US" sz="1100">
+                        <a:rPr lang="en-US" sz="1400">
                           <a:effectLst/>
                         </a:rPr>
                         <a:t>User (Worker) decides instead to go back to search results instead of confirming interest in the job</a:t>
                       </a:r>
-                      <a:endParaRPr lang="en-US" sz="1100">
+                      <a:endParaRPr lang="en-US" sz="1400">
                         <a:effectLst/>
                         <a:latin typeface="Times New Roman" panose="02020603050405020304" pitchFamily="18" charset="0"/>
                         <a:ea typeface="Times New Roman" panose="02020603050405020304" pitchFamily="18" charset="0"/>
@@ -14618,12 +14618,12 @@
                         </a:spcAft>
                       </a:pPr>
                       <a:r>
-                        <a:rPr lang="en-US" sz="1100">
+                        <a:rPr lang="en-US" sz="1400">
                           <a:effectLst/>
                         </a:rPr>
                         <a:t>Open Issues</a:t>
                       </a:r>
-                      <a:endParaRPr lang="en-US" sz="1100">
+                      <a:endParaRPr lang="en-US" sz="1400">
                         <a:effectLst/>
                         <a:latin typeface="Times New Roman" panose="02020603050405020304" pitchFamily="18" charset="0"/>
                         <a:ea typeface="Times New Roman" panose="02020603050405020304" pitchFamily="18" charset="0"/>
@@ -14646,12 +14646,12 @@
                         </a:spcAft>
                       </a:pPr>
                       <a:r>
-                        <a:rPr lang="en-US" sz="1100" dirty="0">
+                        <a:rPr lang="en-US" sz="1400" dirty="0">
                           <a:effectLst/>
                         </a:rPr>
                         <a:t> </a:t>
                       </a:r>
-                      <a:endParaRPr lang="en-US" sz="1100" dirty="0">
+                      <a:endParaRPr lang="en-US" sz="1400" dirty="0">
                         <a:effectLst/>
                         <a:latin typeface="Times New Roman" panose="02020603050405020304" pitchFamily="18" charset="0"/>
                         <a:ea typeface="Times New Roman" panose="02020603050405020304" pitchFamily="18" charset="0"/>
@@ -14722,7 +14722,7 @@
             <p:ph idx="1"/>
             <p:extLst>
               <p:ext uri="{D42A27DB-BD31-4B8C-83A1-F6EECF244321}">
-                <p14:modId xmlns:p14="http://schemas.microsoft.com/office/powerpoint/2010/main" val="2386027887"/>
+                <p14:modId xmlns:p14="http://schemas.microsoft.com/office/powerpoint/2010/main" val="929812183"/>
               </p:ext>
             </p:extLst>
           </p:nvPr>
@@ -14757,12 +14757,12 @@
                         </a:spcAft>
                       </a:pPr>
                       <a:r>
-                        <a:rPr lang="en-US" sz="1100" dirty="0">
+                        <a:rPr lang="en-US" sz="1400" dirty="0">
                           <a:effectLst/>
                         </a:rPr>
                         <a:t>Number</a:t>
                       </a:r>
-                      <a:endParaRPr lang="en-US" sz="1100" dirty="0">
+                      <a:endParaRPr lang="en-US" sz="1400" dirty="0">
                         <a:effectLst/>
                         <a:latin typeface="Times New Roman" panose="02020603050405020304" pitchFamily="18" charset="0"/>
                         <a:ea typeface="Times New Roman" panose="02020603050405020304" pitchFamily="18" charset="0"/>
@@ -14785,12 +14785,12 @@
                         </a:spcAft>
                       </a:pPr>
                       <a:r>
-                        <a:rPr lang="en-US" sz="1100">
+                        <a:rPr lang="en-US" sz="1400">
                           <a:effectLst/>
                         </a:rPr>
                         <a:t>12</a:t>
                       </a:r>
-                      <a:endParaRPr lang="en-US" sz="1100">
+                      <a:endParaRPr lang="en-US" sz="1400">
                         <a:effectLst/>
                         <a:latin typeface="Times New Roman" panose="02020603050405020304" pitchFamily="18" charset="0"/>
                         <a:ea typeface="Times New Roman" panose="02020603050405020304" pitchFamily="18" charset="0"/>
@@ -14825,12 +14825,12 @@
                         </a:spcAft>
                       </a:pPr>
                       <a:r>
-                        <a:rPr lang="en-US" sz="900" kern="0">
+                        <a:rPr lang="en-US" sz="1400" kern="0">
                           <a:effectLst/>
                         </a:rPr>
                         <a:t>Name</a:t>
                       </a:r>
-                      <a:endParaRPr lang="en-US" sz="900" b="1" kern="0">
+                      <a:endParaRPr lang="en-US" sz="1400" b="1" kern="0">
                         <a:effectLst/>
                         <a:latin typeface="Times New Roman" panose="02020603050405020304" pitchFamily="18" charset="0"/>
                       </a:endParaRPr>
@@ -14852,12 +14852,12 @@
                         </a:spcAft>
                       </a:pPr>
                       <a:r>
-                        <a:rPr lang="en-US" sz="1100">
+                        <a:rPr lang="en-US" sz="1400">
                           <a:effectLst/>
                         </a:rPr>
                         <a:t>Job Finalization</a:t>
                       </a:r>
-                      <a:endParaRPr lang="en-US" sz="1100">
+                      <a:endParaRPr lang="en-US" sz="1400">
                         <a:effectLst/>
                         <a:latin typeface="Times New Roman" panose="02020603050405020304" pitchFamily="18" charset="0"/>
                         <a:ea typeface="Times New Roman" panose="02020603050405020304" pitchFamily="18" charset="0"/>
@@ -14892,12 +14892,12 @@
                         </a:spcAft>
                       </a:pPr>
                       <a:r>
-                        <a:rPr lang="en-US" sz="1100">
+                        <a:rPr lang="en-US" sz="1400">
                           <a:effectLst/>
                         </a:rPr>
                         <a:t>Summary</a:t>
                       </a:r>
-                      <a:endParaRPr lang="en-US" sz="1100">
+                      <a:endParaRPr lang="en-US" sz="1400">
                         <a:effectLst/>
                         <a:latin typeface="Times New Roman" panose="02020603050405020304" pitchFamily="18" charset="0"/>
                         <a:ea typeface="Times New Roman" panose="02020603050405020304" pitchFamily="18" charset="0"/>
@@ -14920,12 +14920,12 @@
                         </a:spcAft>
                       </a:pPr>
                       <a:r>
-                        <a:rPr lang="en-US" sz="1100">
+                        <a:rPr lang="en-US" sz="1400" dirty="0">
                           <a:effectLst/>
                         </a:rPr>
                         <a:t>After approval by customer, worker receives the full address and contact information</a:t>
                       </a:r>
-                      <a:endParaRPr lang="en-US" sz="1100">
+                      <a:endParaRPr lang="en-US" sz="1400" dirty="0">
                         <a:effectLst/>
                         <a:latin typeface="Times New Roman" panose="02020603050405020304" pitchFamily="18" charset="0"/>
                         <a:ea typeface="Times New Roman" panose="02020603050405020304" pitchFamily="18" charset="0"/>
@@ -14960,12 +14960,12 @@
                         </a:spcAft>
                       </a:pPr>
                       <a:r>
-                        <a:rPr lang="en-US" sz="1100">
+                        <a:rPr lang="en-US" sz="1400">
                           <a:effectLst/>
                         </a:rPr>
                         <a:t>Priority</a:t>
                       </a:r>
-                      <a:endParaRPr lang="en-US" sz="1100">
+                      <a:endParaRPr lang="en-US" sz="1400">
                         <a:effectLst/>
                         <a:latin typeface="Times New Roman" panose="02020603050405020304" pitchFamily="18" charset="0"/>
                         <a:ea typeface="Times New Roman" panose="02020603050405020304" pitchFamily="18" charset="0"/>
@@ -14988,12 +14988,12 @@
                         </a:spcAft>
                       </a:pPr>
                       <a:r>
-                        <a:rPr lang="en-US" sz="1100">
+                        <a:rPr lang="en-US" sz="1400">
                           <a:effectLst/>
                         </a:rPr>
                         <a:t>5</a:t>
                       </a:r>
-                      <a:endParaRPr lang="en-US" sz="1100">
+                      <a:endParaRPr lang="en-US" sz="1400">
                         <a:effectLst/>
                         <a:latin typeface="Times New Roman" panose="02020603050405020304" pitchFamily="18" charset="0"/>
                         <a:ea typeface="Times New Roman" panose="02020603050405020304" pitchFamily="18" charset="0"/>
@@ -15028,12 +15028,12 @@
                         </a:spcAft>
                       </a:pPr>
                       <a:r>
-                        <a:rPr lang="en-US" sz="1100">
+                        <a:rPr lang="en-US" sz="1400">
                           <a:effectLst/>
                         </a:rPr>
                         <a:t>Preconditions</a:t>
                       </a:r>
-                      <a:endParaRPr lang="en-US" sz="1100">
+                      <a:endParaRPr lang="en-US" sz="1400">
                         <a:effectLst/>
                         <a:latin typeface="Times New Roman" panose="02020603050405020304" pitchFamily="18" charset="0"/>
                         <a:ea typeface="Times New Roman" panose="02020603050405020304" pitchFamily="18" charset="0"/>
@@ -15056,12 +15056,12 @@
                         </a:spcAft>
                       </a:pPr>
                       <a:r>
-                        <a:rPr lang="en-US" sz="1100">
+                        <a:rPr lang="en-US" sz="1400">
                           <a:effectLst/>
                         </a:rPr>
                         <a:t>User is logged in, applied to work for a job, and the other user has accepted the work.</a:t>
                       </a:r>
-                      <a:endParaRPr lang="en-US" sz="1100">
+                      <a:endParaRPr lang="en-US" sz="1400">
                         <a:effectLst/>
                         <a:latin typeface="Times New Roman" panose="02020603050405020304" pitchFamily="18" charset="0"/>
                         <a:ea typeface="Times New Roman" panose="02020603050405020304" pitchFamily="18" charset="0"/>
@@ -15096,12 +15096,12 @@
                         </a:spcAft>
                       </a:pPr>
                       <a:r>
-                        <a:rPr lang="en-US" sz="1100">
+                        <a:rPr lang="en-US" sz="1400">
                           <a:effectLst/>
                         </a:rPr>
                         <a:t>Postconditions</a:t>
                       </a:r>
-                      <a:endParaRPr lang="en-US" sz="1100">
+                      <a:endParaRPr lang="en-US" sz="1400">
                         <a:effectLst/>
                         <a:latin typeface="Times New Roman" panose="02020603050405020304" pitchFamily="18" charset="0"/>
                         <a:ea typeface="Times New Roman" panose="02020603050405020304" pitchFamily="18" charset="0"/>
@@ -15124,12 +15124,12 @@
                         </a:spcAft>
                       </a:pPr>
                       <a:r>
-                        <a:rPr lang="en-US" sz="1100">
+                        <a:rPr lang="en-US" sz="1400">
                           <a:effectLst/>
                         </a:rPr>
                         <a:t>Working user can view their client's address and contact information</a:t>
                       </a:r>
-                      <a:endParaRPr lang="en-US" sz="1100">
+                      <a:endParaRPr lang="en-US" sz="1400">
                         <a:effectLst/>
                         <a:latin typeface="Times New Roman" panose="02020603050405020304" pitchFamily="18" charset="0"/>
                         <a:ea typeface="Times New Roman" panose="02020603050405020304" pitchFamily="18" charset="0"/>
@@ -15164,12 +15164,12 @@
                         </a:spcAft>
                       </a:pPr>
                       <a:r>
-                        <a:rPr lang="en-US" sz="1100">
+                        <a:rPr lang="en-US" sz="1400">
                           <a:effectLst/>
                         </a:rPr>
                         <a:t>Primary Actor</a:t>
                       </a:r>
-                      <a:endParaRPr lang="en-US" sz="1100">
+                      <a:endParaRPr lang="en-US" sz="1400">
                         <a:effectLst/>
                         <a:latin typeface="Times New Roman" panose="02020603050405020304" pitchFamily="18" charset="0"/>
                         <a:ea typeface="Times New Roman" panose="02020603050405020304" pitchFamily="18" charset="0"/>
@@ -15192,12 +15192,12 @@
                         </a:spcAft>
                       </a:pPr>
                       <a:r>
-                        <a:rPr lang="en-US" sz="1100">
+                        <a:rPr lang="en-US" sz="1400">
                           <a:effectLst/>
                         </a:rPr>
                         <a:t>User</a:t>
                       </a:r>
-                      <a:endParaRPr lang="en-US" sz="1100">
+                      <a:endParaRPr lang="en-US" sz="1400">
                         <a:effectLst/>
                         <a:latin typeface="Times New Roman" panose="02020603050405020304" pitchFamily="18" charset="0"/>
                         <a:ea typeface="Times New Roman" panose="02020603050405020304" pitchFamily="18" charset="0"/>
@@ -15232,12 +15232,12 @@
                         </a:spcAft>
                       </a:pPr>
                       <a:r>
-                        <a:rPr lang="en-US" sz="1100">
+                        <a:rPr lang="en-US" sz="1400">
                           <a:effectLst/>
                         </a:rPr>
                         <a:t>Secondary Actors</a:t>
                       </a:r>
-                      <a:endParaRPr lang="en-US" sz="1100">
+                      <a:endParaRPr lang="en-US" sz="1400">
                         <a:effectLst/>
                         <a:latin typeface="Times New Roman" panose="02020603050405020304" pitchFamily="18" charset="0"/>
                         <a:ea typeface="Times New Roman" panose="02020603050405020304" pitchFamily="18" charset="0"/>
@@ -15260,12 +15260,12 @@
                         </a:spcAft>
                       </a:pPr>
                       <a:r>
-                        <a:rPr lang="en-US" sz="1100">
+                        <a:rPr lang="en-US" sz="1400">
                           <a:effectLst/>
                         </a:rPr>
                         <a:t>Server</a:t>
                       </a:r>
-                      <a:endParaRPr lang="en-US" sz="1100">
+                      <a:endParaRPr lang="en-US" sz="1400">
                         <a:effectLst/>
                         <a:latin typeface="Times New Roman" panose="02020603050405020304" pitchFamily="18" charset="0"/>
                         <a:ea typeface="Times New Roman" panose="02020603050405020304" pitchFamily="18" charset="0"/>
@@ -15300,12 +15300,12 @@
                         </a:spcAft>
                       </a:pPr>
                       <a:r>
-                        <a:rPr lang="en-US" sz="1100">
+                        <a:rPr lang="en-US" sz="1400">
                           <a:effectLst/>
                         </a:rPr>
                         <a:t>Trigger</a:t>
                       </a:r>
-                      <a:endParaRPr lang="en-US" sz="1100">
+                      <a:endParaRPr lang="en-US" sz="1400">
                         <a:effectLst/>
                         <a:latin typeface="Times New Roman" panose="02020603050405020304" pitchFamily="18" charset="0"/>
                         <a:ea typeface="Times New Roman" panose="02020603050405020304" pitchFamily="18" charset="0"/>
@@ -15328,12 +15328,12 @@
                         </a:spcAft>
                       </a:pPr>
                       <a:r>
-                        <a:rPr lang="en-US" sz="1100">
+                        <a:rPr lang="en-US" sz="1400">
                           <a:effectLst/>
                         </a:rPr>
                         <a:t>Job-having user clicks an “Accept Work” button</a:t>
                       </a:r>
-                      <a:endParaRPr lang="en-US" sz="1100">
+                      <a:endParaRPr lang="en-US" sz="1400">
                         <a:effectLst/>
                         <a:latin typeface="Times New Roman" panose="02020603050405020304" pitchFamily="18" charset="0"/>
                         <a:ea typeface="Times New Roman" panose="02020603050405020304" pitchFamily="18" charset="0"/>
@@ -15368,12 +15368,12 @@
                         </a:spcAft>
                       </a:pPr>
                       <a:r>
-                        <a:rPr lang="en-US" sz="1100">
+                        <a:rPr lang="en-US" sz="1400">
                           <a:effectLst/>
                         </a:rPr>
                         <a:t>Main Scenario</a:t>
                       </a:r>
-                      <a:endParaRPr lang="en-US" sz="1100">
+                      <a:endParaRPr lang="en-US" sz="1400">
                         <a:effectLst/>
                         <a:latin typeface="Times New Roman" panose="02020603050405020304" pitchFamily="18" charset="0"/>
                         <a:ea typeface="Times New Roman" panose="02020603050405020304" pitchFamily="18" charset="0"/>
@@ -15396,12 +15396,12 @@
                         </a:spcAft>
                       </a:pPr>
                       <a:r>
-                        <a:rPr lang="en-US" sz="1100">
+                        <a:rPr lang="en-US" sz="1400">
                           <a:effectLst/>
                         </a:rPr>
                         <a:t>Step </a:t>
                       </a:r>
-                      <a:endParaRPr lang="en-US" sz="1100">
+                      <a:endParaRPr lang="en-US" sz="1400">
                         <a:effectLst/>
                         <a:latin typeface="Times New Roman" panose="02020603050405020304" pitchFamily="18" charset="0"/>
                         <a:ea typeface="Times New Roman" panose="02020603050405020304" pitchFamily="18" charset="0"/>
@@ -15424,12 +15424,12 @@
                         </a:spcAft>
                       </a:pPr>
                       <a:r>
-                        <a:rPr lang="en-US" sz="1100">
+                        <a:rPr lang="en-US" sz="1400">
                           <a:effectLst/>
                         </a:rPr>
                         <a:t>Action</a:t>
                       </a:r>
-                      <a:endParaRPr lang="en-US" sz="1100">
+                      <a:endParaRPr lang="en-US" sz="1400">
                         <a:effectLst/>
                         <a:latin typeface="Times New Roman" panose="02020603050405020304" pitchFamily="18" charset="0"/>
                         <a:ea typeface="Times New Roman" panose="02020603050405020304" pitchFamily="18" charset="0"/>
@@ -15454,12 +15454,12 @@
                         </a:spcAft>
                       </a:pPr>
                       <a:r>
-                        <a:rPr lang="en-US" sz="1100">
+                        <a:rPr lang="en-US" sz="1400">
                           <a:effectLst/>
                         </a:rPr>
                         <a:t> </a:t>
                       </a:r>
-                      <a:endParaRPr lang="en-US" sz="1100">
+                      <a:endParaRPr lang="en-US" sz="1400">
                         <a:effectLst/>
                         <a:latin typeface="Times New Roman" panose="02020603050405020304" pitchFamily="18" charset="0"/>
                         <a:ea typeface="Times New Roman" panose="02020603050405020304" pitchFamily="18" charset="0"/>
@@ -15482,12 +15482,12 @@
                         </a:spcAft>
                       </a:pPr>
                       <a:r>
-                        <a:rPr lang="en-US" sz="1100">
+                        <a:rPr lang="en-US" sz="1400">
                           <a:effectLst/>
                         </a:rPr>
                         <a:t>1</a:t>
                       </a:r>
-                      <a:endParaRPr lang="en-US" sz="1100">
+                      <a:endParaRPr lang="en-US" sz="1400">
                         <a:effectLst/>
                         <a:latin typeface="Times New Roman" panose="02020603050405020304" pitchFamily="18" charset="0"/>
                         <a:ea typeface="Times New Roman" panose="02020603050405020304" pitchFamily="18" charset="0"/>
@@ -15510,12 +15510,12 @@
                         </a:spcAft>
                       </a:pPr>
                       <a:r>
-                        <a:rPr lang="en-US" sz="1100">
+                        <a:rPr lang="en-US" sz="1400">
                           <a:effectLst/>
                         </a:rPr>
                         <a:t>Worker receives notification of the client's response</a:t>
                       </a:r>
-                      <a:endParaRPr lang="en-US" sz="1100">
+                      <a:endParaRPr lang="en-US" sz="1400">
                         <a:effectLst/>
                         <a:latin typeface="Times New Roman" panose="02020603050405020304" pitchFamily="18" charset="0"/>
                         <a:ea typeface="Times New Roman" panose="02020603050405020304" pitchFamily="18" charset="0"/>
@@ -15540,12 +15540,12 @@
                         </a:spcAft>
                       </a:pPr>
                       <a:r>
-                        <a:rPr lang="en-US" sz="1100">
+                        <a:rPr lang="en-US" sz="1400">
                           <a:effectLst/>
                         </a:rPr>
                         <a:t> </a:t>
                       </a:r>
-                      <a:endParaRPr lang="en-US" sz="1100">
+                      <a:endParaRPr lang="en-US" sz="1400">
                         <a:effectLst/>
                         <a:latin typeface="Times New Roman" panose="02020603050405020304" pitchFamily="18" charset="0"/>
                         <a:ea typeface="Times New Roman" panose="02020603050405020304" pitchFamily="18" charset="0"/>
@@ -15568,12 +15568,12 @@
                         </a:spcAft>
                       </a:pPr>
                       <a:r>
-                        <a:rPr lang="en-US" sz="1100">
+                        <a:rPr lang="en-US" sz="1400">
                           <a:effectLst/>
                         </a:rPr>
                         <a:t>2</a:t>
                       </a:r>
-                      <a:endParaRPr lang="en-US" sz="1100">
+                      <a:endParaRPr lang="en-US" sz="1400">
                         <a:effectLst/>
                         <a:latin typeface="Times New Roman" panose="02020603050405020304" pitchFamily="18" charset="0"/>
                         <a:ea typeface="Times New Roman" panose="02020603050405020304" pitchFamily="18" charset="0"/>
@@ -15596,12 +15596,12 @@
                         </a:spcAft>
                       </a:pPr>
                       <a:r>
-                        <a:rPr lang="en-US" sz="1100">
+                        <a:rPr lang="en-US" sz="1400">
                           <a:effectLst/>
                         </a:rPr>
                         <a:t>Worker can then act on the job (start it or message user for more information, or ignore it if denied)</a:t>
                       </a:r>
-                      <a:endParaRPr lang="en-US" sz="1100">
+                      <a:endParaRPr lang="en-US" sz="1400">
                         <a:effectLst/>
                         <a:latin typeface="Times New Roman" panose="02020603050405020304" pitchFamily="18" charset="0"/>
                         <a:ea typeface="Times New Roman" panose="02020603050405020304" pitchFamily="18" charset="0"/>
@@ -15626,12 +15626,12 @@
                         </a:spcAft>
                       </a:pPr>
                       <a:r>
-                        <a:rPr lang="en-US" sz="1100">
+                        <a:rPr lang="en-US" sz="1400">
                           <a:effectLst/>
                         </a:rPr>
                         <a:t>Extensions</a:t>
                       </a:r>
-                      <a:endParaRPr lang="en-US" sz="1100">
+                      <a:endParaRPr lang="en-US" sz="1400">
                         <a:effectLst/>
                         <a:latin typeface="Times New Roman" panose="02020603050405020304" pitchFamily="18" charset="0"/>
                         <a:ea typeface="Times New Roman" panose="02020603050405020304" pitchFamily="18" charset="0"/>
@@ -15654,12 +15654,12 @@
                         </a:spcAft>
                       </a:pPr>
                       <a:r>
-                        <a:rPr lang="en-US" sz="1100">
+                        <a:rPr lang="en-US" sz="1400">
                           <a:effectLst/>
                         </a:rPr>
                         <a:t>Step</a:t>
                       </a:r>
-                      <a:endParaRPr lang="en-US" sz="1100">
+                      <a:endParaRPr lang="en-US" sz="1400">
                         <a:effectLst/>
                         <a:latin typeface="Times New Roman" panose="02020603050405020304" pitchFamily="18" charset="0"/>
                         <a:ea typeface="Times New Roman" panose="02020603050405020304" pitchFamily="18" charset="0"/>
@@ -15682,12 +15682,12 @@
                         </a:spcAft>
                       </a:pPr>
                       <a:r>
-                        <a:rPr lang="en-US" sz="1100">
+                        <a:rPr lang="en-US" sz="1400">
                           <a:effectLst/>
                         </a:rPr>
                         <a:t>Branching Action</a:t>
                       </a:r>
-                      <a:endParaRPr lang="en-US" sz="1100">
+                      <a:endParaRPr lang="en-US" sz="1400">
                         <a:effectLst/>
                         <a:latin typeface="Times New Roman" panose="02020603050405020304" pitchFamily="18" charset="0"/>
                         <a:ea typeface="Times New Roman" panose="02020603050405020304" pitchFamily="18" charset="0"/>
@@ -15712,12 +15712,12 @@
                         </a:spcAft>
                       </a:pPr>
                       <a:r>
-                        <a:rPr lang="en-US" sz="1100">
+                        <a:rPr lang="en-US" sz="1400">
                           <a:effectLst/>
                         </a:rPr>
                         <a:t> </a:t>
                       </a:r>
-                      <a:endParaRPr lang="en-US" sz="1100">
+                      <a:endParaRPr lang="en-US" sz="1400">
                         <a:effectLst/>
                         <a:latin typeface="Times New Roman" panose="02020603050405020304" pitchFamily="18" charset="0"/>
                         <a:ea typeface="Times New Roman" panose="02020603050405020304" pitchFamily="18" charset="0"/>
@@ -15740,12 +15740,12 @@
                         </a:spcAft>
                       </a:pPr>
                       <a:r>
-                        <a:rPr lang="en-US" sz="1100">
+                        <a:rPr lang="en-US" sz="1400">
                           <a:effectLst/>
                         </a:rPr>
                         <a:t>2a</a:t>
                       </a:r>
-                      <a:endParaRPr lang="en-US" sz="1100">
+                      <a:endParaRPr lang="en-US" sz="1400">
                         <a:effectLst/>
                         <a:latin typeface="Times New Roman" panose="02020603050405020304" pitchFamily="18" charset="0"/>
                         <a:ea typeface="Times New Roman" panose="02020603050405020304" pitchFamily="18" charset="0"/>
@@ -15768,12 +15768,12 @@
                         </a:spcAft>
                       </a:pPr>
                       <a:r>
-                        <a:rPr lang="en-US" sz="1100">
+                        <a:rPr lang="en-US" sz="1400">
                           <a:effectLst/>
                         </a:rPr>
                         <a:t>If the client accepts the worker's request, the worker receives notification with the contact information.</a:t>
                       </a:r>
-                      <a:endParaRPr lang="en-US" sz="1100">
+                      <a:endParaRPr lang="en-US" sz="1400">
                         <a:effectLst/>
                         <a:latin typeface="Times New Roman" panose="02020603050405020304" pitchFamily="18" charset="0"/>
                         <a:ea typeface="Times New Roman" panose="02020603050405020304" pitchFamily="18" charset="0"/>
@@ -15798,12 +15798,12 @@
                         </a:spcAft>
                       </a:pPr>
                       <a:r>
-                        <a:rPr lang="en-US" sz="1100">
+                        <a:rPr lang="en-US" sz="1400">
                           <a:effectLst/>
                         </a:rPr>
                         <a:t> </a:t>
                       </a:r>
-                      <a:endParaRPr lang="en-US" sz="1100">
+                      <a:endParaRPr lang="en-US" sz="1400">
                         <a:effectLst/>
                         <a:latin typeface="Times New Roman" panose="02020603050405020304" pitchFamily="18" charset="0"/>
                         <a:ea typeface="Times New Roman" panose="02020603050405020304" pitchFamily="18" charset="0"/>
@@ -15826,12 +15826,12 @@
                         </a:spcAft>
                       </a:pPr>
                       <a:r>
-                        <a:rPr lang="en-US" sz="1100">
+                        <a:rPr lang="en-US" sz="1400">
                           <a:effectLst/>
                         </a:rPr>
                         <a:t>2b</a:t>
                       </a:r>
-                      <a:endParaRPr lang="en-US" sz="1100">
+                      <a:endParaRPr lang="en-US" sz="1400">
                         <a:effectLst/>
                         <a:latin typeface="Times New Roman" panose="02020603050405020304" pitchFamily="18" charset="0"/>
                         <a:ea typeface="Times New Roman" panose="02020603050405020304" pitchFamily="18" charset="0"/>
@@ -15854,12 +15854,12 @@
                         </a:spcAft>
                       </a:pPr>
                       <a:r>
-                        <a:rPr lang="en-US" sz="1100">
+                        <a:rPr lang="en-US" sz="1400">
                           <a:effectLst/>
                         </a:rPr>
                         <a:t>If the client denies the worker's request, the worker is sent a notification saying that they have been denied with no further information.</a:t>
                       </a:r>
-                      <a:endParaRPr lang="en-US" sz="1100">
+                      <a:endParaRPr lang="en-US" sz="1400">
                         <a:effectLst/>
                         <a:latin typeface="Times New Roman" panose="02020603050405020304" pitchFamily="18" charset="0"/>
                         <a:ea typeface="Times New Roman" panose="02020603050405020304" pitchFamily="18" charset="0"/>
@@ -15884,12 +15884,12 @@
                         </a:spcAft>
                       </a:pPr>
                       <a:r>
-                        <a:rPr lang="en-US" sz="1100" dirty="0">
+                        <a:rPr lang="en-US" sz="1400" dirty="0">
                           <a:effectLst/>
                         </a:rPr>
                         <a:t>Open Issues</a:t>
                       </a:r>
-                      <a:endParaRPr lang="en-US" sz="1100" dirty="0">
+                      <a:endParaRPr lang="en-US" sz="1400" dirty="0">
                         <a:effectLst/>
                         <a:latin typeface="Times New Roman" panose="02020603050405020304" pitchFamily="18" charset="0"/>
                         <a:ea typeface="Times New Roman" panose="02020603050405020304" pitchFamily="18" charset="0"/>
@@ -15912,12 +15912,12 @@
                         </a:spcAft>
                       </a:pPr>
                       <a:r>
-                        <a:rPr lang="en-US" sz="1100" dirty="0">
+                        <a:rPr lang="en-US" sz="1400" dirty="0">
                           <a:effectLst/>
                         </a:rPr>
                         <a:t> </a:t>
                       </a:r>
-                      <a:endParaRPr lang="en-US" sz="1100" dirty="0">
+                      <a:endParaRPr lang="en-US" sz="1400" dirty="0">
                         <a:effectLst/>
                         <a:latin typeface="Times New Roman" panose="02020603050405020304" pitchFamily="18" charset="0"/>
                         <a:ea typeface="Times New Roman" panose="02020603050405020304" pitchFamily="18" charset="0"/>
@@ -16019,30 +16019,13 @@
           <a:p>
             <a:r>
               <a:rPr lang="en-US" dirty="0" smtClean="0"/>
-              <a:t>View and handle account </a:t>
+              <a:t>View and handle account freezes based on user rating </a:t>
             </a:r>
-            <a:r>
-              <a:rPr lang="en-US" dirty="0" smtClean="0"/>
-              <a:t>freezes based on user rating </a:t>
-            </a:r>
-            <a:endParaRPr lang="en-US" dirty="0" smtClean="0"/>
           </a:p>
           <a:p>
             <a:r>
               <a:rPr lang="en-US" dirty="0" smtClean="0"/>
-              <a:t>View and handle user </a:t>
-            </a:r>
-            <a:r>
-              <a:rPr lang="en-US" dirty="0" smtClean="0"/>
-              <a:t>complaints/reports. </a:t>
-            </a:r>
-            <a:r>
-              <a:rPr lang="en-US" dirty="0" smtClean="0"/>
-              <a:t>These will encompass grievances regarding payment, harassment, and any other issue from the service </a:t>
-            </a:r>
-            <a:r>
-              <a:rPr lang="en-US" dirty="0" smtClean="0"/>
-              <a:t>interaction</a:t>
+              <a:t>View and handle user complaints/reports. These will encompass grievances regarding payment, harassment, and any other issue from the service interaction</a:t>
             </a:r>
           </a:p>
           <a:p>
@@ -16101,7 +16084,7 @@
             <p:ph idx="1"/>
             <p:extLst>
               <p:ext uri="{D42A27DB-BD31-4B8C-83A1-F6EECF244321}">
-                <p14:modId xmlns:p14="http://schemas.microsoft.com/office/powerpoint/2010/main" val="74053597"/>
+                <p14:modId xmlns:p14="http://schemas.microsoft.com/office/powerpoint/2010/main" val="1559093793"/>
               </p:ext>
             </p:extLst>
           </p:nvPr>
@@ -16136,12 +16119,12 @@
                         </a:spcAft>
                       </a:pPr>
                       <a:r>
-                        <a:rPr lang="en-US" sz="1100" dirty="0">
+                        <a:rPr lang="en-US" sz="1400" dirty="0">
                           <a:effectLst/>
                         </a:rPr>
                         <a:t>Number</a:t>
                       </a:r>
-                      <a:endParaRPr lang="en-US" sz="1100" dirty="0">
+                      <a:endParaRPr lang="en-US" sz="1400" dirty="0">
                         <a:effectLst/>
                         <a:latin typeface="Times New Roman" panose="02020603050405020304" pitchFamily="18" charset="0"/>
                         <a:ea typeface="Times New Roman" panose="02020603050405020304" pitchFamily="18" charset="0"/>
@@ -16164,12 +16147,12 @@
                         </a:spcAft>
                       </a:pPr>
                       <a:r>
-                        <a:rPr lang="en-US" sz="1100">
+                        <a:rPr lang="en-US" sz="1400">
                           <a:effectLst/>
                         </a:rPr>
                         <a:t>8</a:t>
                       </a:r>
-                      <a:endParaRPr lang="en-US" sz="1100">
+                      <a:endParaRPr lang="en-US" sz="1400">
                         <a:effectLst/>
                         <a:latin typeface="Times New Roman" panose="02020603050405020304" pitchFamily="18" charset="0"/>
                         <a:ea typeface="Times New Roman" panose="02020603050405020304" pitchFamily="18" charset="0"/>
@@ -16204,12 +16187,12 @@
                         </a:spcAft>
                       </a:pPr>
                       <a:r>
-                        <a:rPr lang="en-US" sz="900" kern="0">
+                        <a:rPr lang="en-US" sz="1400" kern="0">
                           <a:effectLst/>
                         </a:rPr>
                         <a:t>Name</a:t>
                       </a:r>
-                      <a:endParaRPr lang="en-US" sz="900" b="1" kern="0">
+                      <a:endParaRPr lang="en-US" sz="1400" b="1" kern="0">
                         <a:effectLst/>
                         <a:latin typeface="Times New Roman" panose="02020603050405020304" pitchFamily="18" charset="0"/>
                       </a:endParaRPr>
@@ -16231,12 +16214,12 @@
                         </a:spcAft>
                       </a:pPr>
                       <a:r>
-                        <a:rPr lang="en-US" sz="1100">
+                        <a:rPr lang="en-US" sz="1400">
                           <a:effectLst/>
                         </a:rPr>
                         <a:t>Admin Window</a:t>
                       </a:r>
-                      <a:endParaRPr lang="en-US" sz="1100">
+                      <a:endParaRPr lang="en-US" sz="1400">
                         <a:effectLst/>
                         <a:latin typeface="Times New Roman" panose="02020603050405020304" pitchFamily="18" charset="0"/>
                         <a:ea typeface="Times New Roman" panose="02020603050405020304" pitchFamily="18" charset="0"/>
@@ -16271,12 +16254,12 @@
                         </a:spcAft>
                       </a:pPr>
                       <a:r>
-                        <a:rPr lang="en-US" sz="1100">
+                        <a:rPr lang="en-US" sz="1400">
                           <a:effectLst/>
                         </a:rPr>
                         <a:t>Summary</a:t>
                       </a:r>
-                      <a:endParaRPr lang="en-US" sz="1100">
+                      <a:endParaRPr lang="en-US" sz="1400">
                         <a:effectLst/>
                         <a:latin typeface="Times New Roman" panose="02020603050405020304" pitchFamily="18" charset="0"/>
                         <a:ea typeface="Times New Roman" panose="02020603050405020304" pitchFamily="18" charset="0"/>
@@ -16299,12 +16282,12 @@
                         </a:spcAft>
                       </a:pPr>
                       <a:r>
-                        <a:rPr lang="en-US" sz="1100">
+                        <a:rPr lang="en-US" sz="1400">
                           <a:effectLst/>
                         </a:rPr>
                         <a:t>Administrator user can view all users' reviews, complaints, and frozen accounts.</a:t>
                       </a:r>
-                      <a:endParaRPr lang="en-US" sz="1100">
+                      <a:endParaRPr lang="en-US" sz="1400">
                         <a:effectLst/>
                         <a:latin typeface="Times New Roman" panose="02020603050405020304" pitchFamily="18" charset="0"/>
                         <a:ea typeface="Times New Roman" panose="02020603050405020304" pitchFamily="18" charset="0"/>
@@ -16339,12 +16322,12 @@
                         </a:spcAft>
                       </a:pPr>
                       <a:r>
-                        <a:rPr lang="en-US" sz="1100">
+                        <a:rPr lang="en-US" sz="1400">
                           <a:effectLst/>
                         </a:rPr>
                         <a:t>Priority</a:t>
                       </a:r>
-                      <a:endParaRPr lang="en-US" sz="1100">
+                      <a:endParaRPr lang="en-US" sz="1400">
                         <a:effectLst/>
                         <a:latin typeface="Times New Roman" panose="02020603050405020304" pitchFamily="18" charset="0"/>
                         <a:ea typeface="Times New Roman" panose="02020603050405020304" pitchFamily="18" charset="0"/>
@@ -16367,12 +16350,12 @@
                         </a:spcAft>
                       </a:pPr>
                       <a:r>
-                        <a:rPr lang="en-US" sz="1100">
+                        <a:rPr lang="en-US" sz="1400">
                           <a:effectLst/>
                         </a:rPr>
                         <a:t>3</a:t>
                       </a:r>
-                      <a:endParaRPr lang="en-US" sz="1100">
+                      <a:endParaRPr lang="en-US" sz="1400">
                         <a:effectLst/>
                         <a:latin typeface="Times New Roman" panose="02020603050405020304" pitchFamily="18" charset="0"/>
                         <a:ea typeface="Times New Roman" panose="02020603050405020304" pitchFamily="18" charset="0"/>
@@ -16407,12 +16390,12 @@
                         </a:spcAft>
                       </a:pPr>
                       <a:r>
-                        <a:rPr lang="en-US" sz="1100">
+                        <a:rPr lang="en-US" sz="1400">
                           <a:effectLst/>
                         </a:rPr>
                         <a:t>Preconditions</a:t>
                       </a:r>
-                      <a:endParaRPr lang="en-US" sz="1100">
+                      <a:endParaRPr lang="en-US" sz="1400">
                         <a:effectLst/>
                         <a:latin typeface="Times New Roman" panose="02020603050405020304" pitchFamily="18" charset="0"/>
                         <a:ea typeface="Times New Roman" panose="02020603050405020304" pitchFamily="18" charset="0"/>
@@ -16435,12 +16418,12 @@
                         </a:spcAft>
                       </a:pPr>
                       <a:r>
-                        <a:rPr lang="en-US" sz="1100">
+                        <a:rPr lang="en-US" sz="1400">
                           <a:effectLst/>
                         </a:rPr>
                         <a:t>User is admin and logged in</a:t>
                       </a:r>
-                      <a:endParaRPr lang="en-US" sz="1100">
+                      <a:endParaRPr lang="en-US" sz="1400">
                         <a:effectLst/>
                         <a:latin typeface="Times New Roman" panose="02020603050405020304" pitchFamily="18" charset="0"/>
                         <a:ea typeface="Times New Roman" panose="02020603050405020304" pitchFamily="18" charset="0"/>
@@ -16475,12 +16458,12 @@
                         </a:spcAft>
                       </a:pPr>
                       <a:r>
-                        <a:rPr lang="en-US" sz="1100">
+                        <a:rPr lang="en-US" sz="1400">
                           <a:effectLst/>
                         </a:rPr>
                         <a:t>Postconditions</a:t>
                       </a:r>
-                      <a:endParaRPr lang="en-US" sz="1100">
+                      <a:endParaRPr lang="en-US" sz="1400">
                         <a:effectLst/>
                         <a:latin typeface="Times New Roman" panose="02020603050405020304" pitchFamily="18" charset="0"/>
                         <a:ea typeface="Times New Roman" panose="02020603050405020304" pitchFamily="18" charset="0"/>
@@ -16503,12 +16486,12 @@
                         </a:spcAft>
                       </a:pPr>
                       <a:r>
-                        <a:rPr lang="en-US" sz="1100">
+                        <a:rPr lang="en-US" sz="1400" dirty="0">
                           <a:effectLst/>
                         </a:rPr>
                         <a:t>Admin user can see the admin window and use its features</a:t>
                       </a:r>
-                      <a:endParaRPr lang="en-US" sz="1100">
+                      <a:endParaRPr lang="en-US" sz="1400" dirty="0">
                         <a:effectLst/>
                         <a:latin typeface="Times New Roman" panose="02020603050405020304" pitchFamily="18" charset="0"/>
                         <a:ea typeface="Times New Roman" panose="02020603050405020304" pitchFamily="18" charset="0"/>
@@ -16543,12 +16526,12 @@
                         </a:spcAft>
                       </a:pPr>
                       <a:r>
-                        <a:rPr lang="en-US" sz="1100">
+                        <a:rPr lang="en-US" sz="1400">
                           <a:effectLst/>
                         </a:rPr>
                         <a:t>Primary Actor</a:t>
                       </a:r>
-                      <a:endParaRPr lang="en-US" sz="1100">
+                      <a:endParaRPr lang="en-US" sz="1400">
                         <a:effectLst/>
                         <a:latin typeface="Times New Roman" panose="02020603050405020304" pitchFamily="18" charset="0"/>
                         <a:ea typeface="Times New Roman" panose="02020603050405020304" pitchFamily="18" charset="0"/>
@@ -16571,12 +16554,12 @@
                         </a:spcAft>
                       </a:pPr>
                       <a:r>
-                        <a:rPr lang="en-US" sz="1100">
+                        <a:rPr lang="en-US" sz="1400">
                           <a:effectLst/>
                         </a:rPr>
                         <a:t>Admin User</a:t>
                       </a:r>
-                      <a:endParaRPr lang="en-US" sz="1100">
+                      <a:endParaRPr lang="en-US" sz="1400">
                         <a:effectLst/>
                         <a:latin typeface="Times New Roman" panose="02020603050405020304" pitchFamily="18" charset="0"/>
                         <a:ea typeface="Times New Roman" panose="02020603050405020304" pitchFamily="18" charset="0"/>
@@ -16611,12 +16594,12 @@
                         </a:spcAft>
                       </a:pPr>
                       <a:r>
-                        <a:rPr lang="en-US" sz="1100">
+                        <a:rPr lang="en-US" sz="1400">
                           <a:effectLst/>
                         </a:rPr>
                         <a:t>Secondary Actors</a:t>
                       </a:r>
-                      <a:endParaRPr lang="en-US" sz="1100">
+                      <a:endParaRPr lang="en-US" sz="1400">
                         <a:effectLst/>
                         <a:latin typeface="Times New Roman" panose="02020603050405020304" pitchFamily="18" charset="0"/>
                         <a:ea typeface="Times New Roman" panose="02020603050405020304" pitchFamily="18" charset="0"/>
@@ -16639,12 +16622,12 @@
                         </a:spcAft>
                       </a:pPr>
                       <a:r>
-                        <a:rPr lang="en-US" sz="1100">
+                        <a:rPr lang="en-US" sz="1400">
                           <a:effectLst/>
                         </a:rPr>
                         <a:t>Server</a:t>
                       </a:r>
-                      <a:endParaRPr lang="en-US" sz="1100">
+                      <a:endParaRPr lang="en-US" sz="1400">
                         <a:effectLst/>
                         <a:latin typeface="Times New Roman" panose="02020603050405020304" pitchFamily="18" charset="0"/>
                         <a:ea typeface="Times New Roman" panose="02020603050405020304" pitchFamily="18" charset="0"/>
@@ -16679,12 +16662,12 @@
                         </a:spcAft>
                       </a:pPr>
                       <a:r>
-                        <a:rPr lang="en-US" sz="1100">
+                        <a:rPr lang="en-US" sz="1400">
                           <a:effectLst/>
                         </a:rPr>
                         <a:t>Trigger</a:t>
                       </a:r>
-                      <a:endParaRPr lang="en-US" sz="1100">
+                      <a:endParaRPr lang="en-US" sz="1400">
                         <a:effectLst/>
                         <a:latin typeface="Times New Roman" panose="02020603050405020304" pitchFamily="18" charset="0"/>
                         <a:ea typeface="Times New Roman" panose="02020603050405020304" pitchFamily="18" charset="0"/>
@@ -16707,12 +16690,12 @@
                         </a:spcAft>
                       </a:pPr>
                       <a:r>
-                        <a:rPr lang="en-US" sz="1100">
+                        <a:rPr lang="en-US" sz="1400">
                           <a:effectLst/>
                         </a:rPr>
                         <a:t>Admin user logs in, or loads the homepage while still being logged in</a:t>
                       </a:r>
-                      <a:endParaRPr lang="en-US" sz="1100">
+                      <a:endParaRPr lang="en-US" sz="1400">
                         <a:effectLst/>
                         <a:latin typeface="Times New Roman" panose="02020603050405020304" pitchFamily="18" charset="0"/>
                         <a:ea typeface="Times New Roman" panose="02020603050405020304" pitchFamily="18" charset="0"/>
@@ -16747,12 +16730,12 @@
                         </a:spcAft>
                       </a:pPr>
                       <a:r>
-                        <a:rPr lang="en-US" sz="1100">
+                        <a:rPr lang="en-US" sz="1400">
                           <a:effectLst/>
                         </a:rPr>
                         <a:t>Main Scenario</a:t>
                       </a:r>
-                      <a:endParaRPr lang="en-US" sz="1100">
+                      <a:endParaRPr lang="en-US" sz="1400">
                         <a:effectLst/>
                         <a:latin typeface="Times New Roman" panose="02020603050405020304" pitchFamily="18" charset="0"/>
                         <a:ea typeface="Times New Roman" panose="02020603050405020304" pitchFamily="18" charset="0"/>
@@ -16775,12 +16758,12 @@
                         </a:spcAft>
                       </a:pPr>
                       <a:r>
-                        <a:rPr lang="en-US" sz="1100">
+                        <a:rPr lang="en-US" sz="1400">
                           <a:effectLst/>
                         </a:rPr>
                         <a:t>Step </a:t>
                       </a:r>
-                      <a:endParaRPr lang="en-US" sz="1100">
+                      <a:endParaRPr lang="en-US" sz="1400">
                         <a:effectLst/>
                         <a:latin typeface="Times New Roman" panose="02020603050405020304" pitchFamily="18" charset="0"/>
                         <a:ea typeface="Times New Roman" panose="02020603050405020304" pitchFamily="18" charset="0"/>
@@ -16803,12 +16786,12 @@
                         </a:spcAft>
                       </a:pPr>
                       <a:r>
-                        <a:rPr lang="en-US" sz="1100">
+                        <a:rPr lang="en-US" sz="1400">
                           <a:effectLst/>
                         </a:rPr>
                         <a:t>Action</a:t>
                       </a:r>
-                      <a:endParaRPr lang="en-US" sz="1100">
+                      <a:endParaRPr lang="en-US" sz="1400">
                         <a:effectLst/>
                         <a:latin typeface="Times New Roman" panose="02020603050405020304" pitchFamily="18" charset="0"/>
                         <a:ea typeface="Times New Roman" panose="02020603050405020304" pitchFamily="18" charset="0"/>
@@ -16833,12 +16816,12 @@
                         </a:spcAft>
                       </a:pPr>
                       <a:r>
-                        <a:rPr lang="en-US" sz="1100">
+                        <a:rPr lang="en-US" sz="1400">
                           <a:effectLst/>
                         </a:rPr>
                         <a:t> </a:t>
                       </a:r>
-                      <a:endParaRPr lang="en-US" sz="1100">
+                      <a:endParaRPr lang="en-US" sz="1400">
                         <a:effectLst/>
                         <a:latin typeface="Times New Roman" panose="02020603050405020304" pitchFamily="18" charset="0"/>
                         <a:ea typeface="Times New Roman" panose="02020603050405020304" pitchFamily="18" charset="0"/>
@@ -16861,12 +16844,12 @@
                         </a:spcAft>
                       </a:pPr>
                       <a:r>
-                        <a:rPr lang="en-US" sz="1100">
+                        <a:rPr lang="en-US" sz="1400">
                           <a:effectLst/>
                         </a:rPr>
                         <a:t>1</a:t>
                       </a:r>
-                      <a:endParaRPr lang="en-US" sz="1100">
+                      <a:endParaRPr lang="en-US" sz="1400">
                         <a:effectLst/>
                         <a:latin typeface="Times New Roman" panose="02020603050405020304" pitchFamily="18" charset="0"/>
                         <a:ea typeface="Times New Roman" panose="02020603050405020304" pitchFamily="18" charset="0"/>
@@ -16889,12 +16872,12 @@
                         </a:spcAft>
                       </a:pPr>
                       <a:r>
-                        <a:rPr lang="en-US" sz="1100">
+                        <a:rPr lang="en-US" sz="1400">
                           <a:effectLst/>
                         </a:rPr>
                         <a:t>Admin user logs in</a:t>
                       </a:r>
-                      <a:endParaRPr lang="en-US" sz="1100">
+                      <a:endParaRPr lang="en-US" sz="1400">
                         <a:effectLst/>
                         <a:latin typeface="Times New Roman" panose="02020603050405020304" pitchFamily="18" charset="0"/>
                         <a:ea typeface="Times New Roman" panose="02020603050405020304" pitchFamily="18" charset="0"/>
@@ -16919,12 +16902,12 @@
                         </a:spcAft>
                       </a:pPr>
                       <a:r>
-                        <a:rPr lang="en-US" sz="1100">
+                        <a:rPr lang="en-US" sz="1400">
                           <a:effectLst/>
                         </a:rPr>
                         <a:t> </a:t>
                       </a:r>
-                      <a:endParaRPr lang="en-US" sz="1100">
+                      <a:endParaRPr lang="en-US" sz="1400">
                         <a:effectLst/>
                         <a:latin typeface="Times New Roman" panose="02020603050405020304" pitchFamily="18" charset="0"/>
                         <a:ea typeface="Times New Roman" panose="02020603050405020304" pitchFamily="18" charset="0"/>
@@ -16947,12 +16930,12 @@
                         </a:spcAft>
                       </a:pPr>
                       <a:r>
-                        <a:rPr lang="en-US" sz="1100">
+                        <a:rPr lang="en-US" sz="1400">
                           <a:effectLst/>
                         </a:rPr>
                         <a:t>2</a:t>
                       </a:r>
-                      <a:endParaRPr lang="en-US" sz="1100">
+                      <a:endParaRPr lang="en-US" sz="1400">
                         <a:effectLst/>
                         <a:latin typeface="Times New Roman" panose="02020603050405020304" pitchFamily="18" charset="0"/>
                         <a:ea typeface="Times New Roman" panose="02020603050405020304" pitchFamily="18" charset="0"/>
@@ -16975,12 +16958,12 @@
                         </a:spcAft>
                       </a:pPr>
                       <a:r>
-                        <a:rPr lang="en-US" sz="1100">
+                        <a:rPr lang="en-US" sz="1400">
                           <a:effectLst/>
                         </a:rPr>
                         <a:t>Admin user can then see their homepage</a:t>
                       </a:r>
-                      <a:endParaRPr lang="en-US" sz="1100">
+                      <a:endParaRPr lang="en-US" sz="1400">
                         <a:effectLst/>
                         <a:latin typeface="Times New Roman" panose="02020603050405020304" pitchFamily="18" charset="0"/>
                         <a:ea typeface="Times New Roman" panose="02020603050405020304" pitchFamily="18" charset="0"/>
@@ -17005,12 +16988,12 @@
                         </a:spcAft>
                       </a:pPr>
                       <a:r>
-                        <a:rPr lang="en-US" sz="1100">
+                        <a:rPr lang="en-US" sz="1400">
                           <a:effectLst/>
                         </a:rPr>
                         <a:t> </a:t>
                       </a:r>
-                      <a:endParaRPr lang="en-US" sz="1100">
+                      <a:endParaRPr lang="en-US" sz="1400">
                         <a:effectLst/>
                         <a:latin typeface="Times New Roman" panose="02020603050405020304" pitchFamily="18" charset="0"/>
                         <a:ea typeface="Times New Roman" panose="02020603050405020304" pitchFamily="18" charset="0"/>
@@ -17033,12 +17016,12 @@
                         </a:spcAft>
                       </a:pPr>
                       <a:r>
-                        <a:rPr lang="en-US" sz="1100">
+                        <a:rPr lang="en-US" sz="1400">
                           <a:effectLst/>
                         </a:rPr>
                         <a:t>3</a:t>
                       </a:r>
-                      <a:endParaRPr lang="en-US" sz="1100">
+                      <a:endParaRPr lang="en-US" sz="1400">
                         <a:effectLst/>
                         <a:latin typeface="Times New Roman" panose="02020603050405020304" pitchFamily="18" charset="0"/>
                         <a:ea typeface="Times New Roman" panose="02020603050405020304" pitchFamily="18" charset="0"/>
@@ -17061,12 +17044,12 @@
                         </a:spcAft>
                       </a:pPr>
                       <a:r>
-                        <a:rPr lang="en-US" sz="1100">
+                        <a:rPr lang="en-US" sz="1400">
                           <a:effectLst/>
                         </a:rPr>
                         <a:t>Admin user can view user reviews</a:t>
                       </a:r>
-                      <a:endParaRPr lang="en-US" sz="1100">
+                      <a:endParaRPr lang="en-US" sz="1400">
                         <a:effectLst/>
                         <a:latin typeface="Times New Roman" panose="02020603050405020304" pitchFamily="18" charset="0"/>
                         <a:ea typeface="Times New Roman" panose="02020603050405020304" pitchFamily="18" charset="0"/>
@@ -17091,12 +17074,12 @@
                         </a:spcAft>
                       </a:pPr>
                       <a:r>
-                        <a:rPr lang="en-US" sz="1100">
+                        <a:rPr lang="en-US" sz="1400">
                           <a:effectLst/>
                         </a:rPr>
                         <a:t> </a:t>
                       </a:r>
-                      <a:endParaRPr lang="en-US" sz="1100">
+                      <a:endParaRPr lang="en-US" sz="1400">
                         <a:effectLst/>
                         <a:latin typeface="Times New Roman" panose="02020603050405020304" pitchFamily="18" charset="0"/>
                         <a:ea typeface="Times New Roman" panose="02020603050405020304" pitchFamily="18" charset="0"/>
@@ -17119,12 +17102,12 @@
                         </a:spcAft>
                       </a:pPr>
                       <a:r>
-                        <a:rPr lang="en-US" sz="1100">
+                        <a:rPr lang="en-US" sz="1400">
                           <a:effectLst/>
                         </a:rPr>
                         <a:t>4</a:t>
                       </a:r>
-                      <a:endParaRPr lang="en-US" sz="1100">
+                      <a:endParaRPr lang="en-US" sz="1400">
                         <a:effectLst/>
                         <a:latin typeface="Times New Roman" panose="02020603050405020304" pitchFamily="18" charset="0"/>
                         <a:ea typeface="Times New Roman" panose="02020603050405020304" pitchFamily="18" charset="0"/>
@@ -17147,12 +17130,12 @@
                         </a:spcAft>
                       </a:pPr>
                       <a:r>
-                        <a:rPr lang="en-US" sz="1100">
+                        <a:rPr lang="en-US" sz="1400">
                           <a:effectLst/>
                         </a:rPr>
                         <a:t>Admin user can see complaints (if any)</a:t>
                       </a:r>
-                      <a:endParaRPr lang="en-US" sz="1100">
+                      <a:endParaRPr lang="en-US" sz="1400">
                         <a:effectLst/>
                         <a:latin typeface="Times New Roman" panose="02020603050405020304" pitchFamily="18" charset="0"/>
                         <a:ea typeface="Times New Roman" panose="02020603050405020304" pitchFamily="18" charset="0"/>
@@ -17177,12 +17160,12 @@
                         </a:spcAft>
                       </a:pPr>
                       <a:r>
-                        <a:rPr lang="en-US" sz="1100">
+                        <a:rPr lang="en-US" sz="1400">
                           <a:effectLst/>
                         </a:rPr>
                         <a:t> </a:t>
                       </a:r>
-                      <a:endParaRPr lang="en-US" sz="1100">
+                      <a:endParaRPr lang="en-US" sz="1400">
                         <a:effectLst/>
                         <a:latin typeface="Times New Roman" panose="02020603050405020304" pitchFamily="18" charset="0"/>
                         <a:ea typeface="Times New Roman" panose="02020603050405020304" pitchFamily="18" charset="0"/>
@@ -17205,12 +17188,12 @@
                         </a:spcAft>
                       </a:pPr>
                       <a:r>
-                        <a:rPr lang="en-US" sz="1100">
+                        <a:rPr lang="en-US" sz="1400">
                           <a:effectLst/>
                         </a:rPr>
                         <a:t>5</a:t>
                       </a:r>
-                      <a:endParaRPr lang="en-US" sz="1100">
+                      <a:endParaRPr lang="en-US" sz="1400">
                         <a:effectLst/>
                         <a:latin typeface="Times New Roman" panose="02020603050405020304" pitchFamily="18" charset="0"/>
                         <a:ea typeface="Times New Roman" panose="02020603050405020304" pitchFamily="18" charset="0"/>
@@ -17233,12 +17216,12 @@
                         </a:spcAft>
                       </a:pPr>
                       <a:r>
-                        <a:rPr lang="en-US" sz="1100">
+                        <a:rPr lang="en-US" sz="1400">
                           <a:effectLst/>
                         </a:rPr>
                         <a:t>Admin user can see frozen accounts</a:t>
                       </a:r>
-                      <a:endParaRPr lang="en-US" sz="1100">
+                      <a:endParaRPr lang="en-US" sz="1400">
                         <a:effectLst/>
                         <a:latin typeface="Times New Roman" panose="02020603050405020304" pitchFamily="18" charset="0"/>
                         <a:ea typeface="Times New Roman" panose="02020603050405020304" pitchFamily="18" charset="0"/>
@@ -17263,12 +17246,12 @@
                         </a:spcAft>
                       </a:pPr>
                       <a:r>
-                        <a:rPr lang="en-US" sz="1100">
+                        <a:rPr lang="en-US" sz="1400">
                           <a:effectLst/>
                         </a:rPr>
                         <a:t>Extensions</a:t>
                       </a:r>
-                      <a:endParaRPr lang="en-US" sz="1100">
+                      <a:endParaRPr lang="en-US" sz="1400">
                         <a:effectLst/>
                         <a:latin typeface="Times New Roman" panose="02020603050405020304" pitchFamily="18" charset="0"/>
                         <a:ea typeface="Times New Roman" panose="02020603050405020304" pitchFamily="18" charset="0"/>
@@ -17291,12 +17274,12 @@
                         </a:spcAft>
                       </a:pPr>
                       <a:r>
-                        <a:rPr lang="en-US" sz="1100">
+                        <a:rPr lang="en-US" sz="1400">
                           <a:effectLst/>
                         </a:rPr>
                         <a:t>Step</a:t>
                       </a:r>
-                      <a:endParaRPr lang="en-US" sz="1100">
+                      <a:endParaRPr lang="en-US" sz="1400">
                         <a:effectLst/>
                         <a:latin typeface="Times New Roman" panose="02020603050405020304" pitchFamily="18" charset="0"/>
                         <a:ea typeface="Times New Roman" panose="02020603050405020304" pitchFamily="18" charset="0"/>
@@ -17319,12 +17302,12 @@
                         </a:spcAft>
                       </a:pPr>
                       <a:r>
-                        <a:rPr lang="en-US" sz="1100">
+                        <a:rPr lang="en-US" sz="1400">
                           <a:effectLst/>
                         </a:rPr>
                         <a:t>Branching Action</a:t>
                       </a:r>
-                      <a:endParaRPr lang="en-US" sz="1100">
+                      <a:endParaRPr lang="en-US" sz="1400">
                         <a:effectLst/>
                         <a:latin typeface="Times New Roman" panose="02020603050405020304" pitchFamily="18" charset="0"/>
                         <a:ea typeface="Times New Roman" panose="02020603050405020304" pitchFamily="18" charset="0"/>
@@ -17349,12 +17332,12 @@
                         </a:spcAft>
                       </a:pPr>
                       <a:r>
-                        <a:rPr lang="en-US" sz="1100">
+                        <a:rPr lang="en-US" sz="1400">
                           <a:effectLst/>
                         </a:rPr>
                         <a:t> </a:t>
                       </a:r>
-                      <a:endParaRPr lang="en-US" sz="1100">
+                      <a:endParaRPr lang="en-US" sz="1400">
                         <a:effectLst/>
                         <a:latin typeface="Times New Roman" panose="02020603050405020304" pitchFamily="18" charset="0"/>
                         <a:ea typeface="Times New Roman" panose="02020603050405020304" pitchFamily="18" charset="0"/>
@@ -17377,12 +17360,12 @@
                         </a:spcAft>
                       </a:pPr>
                       <a:r>
-                        <a:rPr lang="en-US" sz="1100">
+                        <a:rPr lang="en-US" sz="1400">
                           <a:effectLst/>
                         </a:rPr>
                         <a:t>4a</a:t>
                       </a:r>
-                      <a:endParaRPr lang="en-US" sz="1100">
+                      <a:endParaRPr lang="en-US" sz="1400">
                         <a:effectLst/>
                         <a:latin typeface="Times New Roman" panose="02020603050405020304" pitchFamily="18" charset="0"/>
                         <a:ea typeface="Times New Roman" panose="02020603050405020304" pitchFamily="18" charset="0"/>
@@ -17405,12 +17388,12 @@
                         </a:spcAft>
                       </a:pPr>
                       <a:r>
-                        <a:rPr lang="en-US" sz="1100">
+                        <a:rPr lang="en-US" sz="1400">
                           <a:effectLst/>
                         </a:rPr>
                         <a:t>If an admin user wants to act on a complaint, they can do so by clicking on it.</a:t>
                       </a:r>
-                      <a:endParaRPr lang="en-US" sz="1100">
+                      <a:endParaRPr lang="en-US" sz="1400">
                         <a:effectLst/>
                         <a:latin typeface="Times New Roman" panose="02020603050405020304" pitchFamily="18" charset="0"/>
                         <a:ea typeface="Times New Roman" panose="02020603050405020304" pitchFamily="18" charset="0"/>
@@ -17435,12 +17418,12 @@
                         </a:spcAft>
                       </a:pPr>
                       <a:r>
-                        <a:rPr lang="en-US" sz="1100">
+                        <a:rPr lang="en-US" sz="1400">
                           <a:effectLst/>
                         </a:rPr>
                         <a:t> </a:t>
                       </a:r>
-                      <a:endParaRPr lang="en-US" sz="1100">
+                      <a:endParaRPr lang="en-US" sz="1400">
                         <a:effectLst/>
                         <a:latin typeface="Times New Roman" panose="02020603050405020304" pitchFamily="18" charset="0"/>
                         <a:ea typeface="Times New Roman" panose="02020603050405020304" pitchFamily="18" charset="0"/>
@@ -17463,12 +17446,12 @@
                         </a:spcAft>
                       </a:pPr>
                       <a:r>
-                        <a:rPr lang="en-US" sz="1100">
+                        <a:rPr lang="en-US" sz="1400">
                           <a:effectLst/>
                         </a:rPr>
                         <a:t>5a</a:t>
                       </a:r>
-                      <a:endParaRPr lang="en-US" sz="1100">
+                      <a:endParaRPr lang="en-US" sz="1400">
                         <a:effectLst/>
                         <a:latin typeface="Times New Roman" panose="02020603050405020304" pitchFamily="18" charset="0"/>
                         <a:ea typeface="Times New Roman" panose="02020603050405020304" pitchFamily="18" charset="0"/>
@@ -17491,12 +17474,12 @@
                         </a:spcAft>
                       </a:pPr>
                       <a:r>
-                        <a:rPr lang="en-US" sz="1100">
+                        <a:rPr lang="en-US" sz="1400">
                           <a:effectLst/>
                         </a:rPr>
                         <a:t>Admin user can unfreeze an account</a:t>
                       </a:r>
-                      <a:endParaRPr lang="en-US" sz="1100">
+                      <a:endParaRPr lang="en-US" sz="1400">
                         <a:effectLst/>
                         <a:latin typeface="Times New Roman" panose="02020603050405020304" pitchFamily="18" charset="0"/>
                         <a:ea typeface="Times New Roman" panose="02020603050405020304" pitchFamily="18" charset="0"/>
@@ -17521,12 +17504,12 @@
                         </a:spcAft>
                       </a:pPr>
                       <a:r>
-                        <a:rPr lang="en-US" sz="1100">
+                        <a:rPr lang="en-US" sz="1400">
                           <a:effectLst/>
                         </a:rPr>
                         <a:t>Open Issues</a:t>
                       </a:r>
-                      <a:endParaRPr lang="en-US" sz="1100">
+                      <a:endParaRPr lang="en-US" sz="1400">
                         <a:effectLst/>
                         <a:latin typeface="Times New Roman" panose="02020603050405020304" pitchFamily="18" charset="0"/>
                         <a:ea typeface="Times New Roman" panose="02020603050405020304" pitchFamily="18" charset="0"/>
@@ -17549,12 +17532,12 @@
                         </a:spcAft>
                       </a:pPr>
                       <a:r>
-                        <a:rPr lang="en-US" sz="1100" dirty="0">
+                        <a:rPr lang="en-US" sz="1400" dirty="0">
                           <a:effectLst/>
                         </a:rPr>
                         <a:t> </a:t>
                       </a:r>
-                      <a:endParaRPr lang="en-US" sz="1100" dirty="0">
+                      <a:endParaRPr lang="en-US" sz="1400" dirty="0">
                         <a:effectLst/>
                         <a:latin typeface="Times New Roman" panose="02020603050405020304" pitchFamily="18" charset="0"/>
                         <a:ea typeface="Times New Roman" panose="02020603050405020304" pitchFamily="18" charset="0"/>
@@ -17625,7 +17608,7 @@
             <p:ph idx="1"/>
             <p:extLst>
               <p:ext uri="{D42A27DB-BD31-4B8C-83A1-F6EECF244321}">
-                <p14:modId xmlns:p14="http://schemas.microsoft.com/office/powerpoint/2010/main" val="4189651916"/>
+                <p14:modId xmlns:p14="http://schemas.microsoft.com/office/powerpoint/2010/main" val="3564121667"/>
               </p:ext>
             </p:extLst>
           </p:nvPr>
@@ -17663,34 +17646,34 @@
                         </a:spcAft>
                       </a:pPr>
                       <a:r>
-                        <a:rPr lang="en-US" sz="900" dirty="0">
+                        <a:rPr lang="en-US" sz="1400" dirty="0">
                           <a:effectLst/>
                         </a:rPr>
                         <a:t/>
                       </a:r>
                       <a:br>
-                        <a:rPr lang="en-US" sz="900" dirty="0">
+                        <a:rPr lang="en-US" sz="1400" dirty="0">
                           <a:effectLst/>
                         </a:rPr>
                       </a:br>
                       <a:r>
-                        <a:rPr lang="en-US" sz="900" dirty="0">
+                        <a:rPr lang="en-US" sz="1400" dirty="0">
                           <a:effectLst/>
                         </a:rPr>
                         <a:t/>
                       </a:r>
                       <a:br>
-                        <a:rPr lang="en-US" sz="900" dirty="0">
+                        <a:rPr lang="en-US" sz="1400" dirty="0">
                           <a:effectLst/>
                         </a:rPr>
                       </a:br>
                       <a:r>
-                        <a:rPr lang="en-US" sz="900" dirty="0">
+                        <a:rPr lang="en-US" sz="1400" dirty="0">
                           <a:effectLst/>
                         </a:rPr>
                         <a:t>Number</a:t>
                       </a:r>
-                      <a:endParaRPr lang="en-US" sz="900" dirty="0">
+                      <a:endParaRPr lang="en-US" sz="1400" dirty="0">
                         <a:effectLst/>
                         <a:latin typeface="Times New Roman" panose="02020603050405020304" pitchFamily="18" charset="0"/>
                         <a:ea typeface="Times New Roman" panose="02020603050405020304" pitchFamily="18" charset="0"/>
@@ -17716,12 +17699,12 @@
                         </a:spcAft>
                       </a:pPr>
                       <a:r>
-                        <a:rPr lang="en-US" sz="900">
+                        <a:rPr lang="en-US" sz="1400">
                           <a:effectLst/>
                         </a:rPr>
                         <a:t>14</a:t>
                       </a:r>
-                      <a:endParaRPr lang="en-US" sz="900">
+                      <a:endParaRPr lang="en-US" sz="1400">
                         <a:effectLst/>
                         <a:latin typeface="Times New Roman" panose="02020603050405020304" pitchFamily="18" charset="0"/>
                         <a:ea typeface="Times New Roman" panose="02020603050405020304" pitchFamily="18" charset="0"/>
@@ -17759,12 +17742,12 @@
                         </a:spcAft>
                       </a:pPr>
                       <a:r>
-                        <a:rPr lang="en-US" sz="900">
+                        <a:rPr lang="en-US" sz="1400">
                           <a:effectLst/>
                         </a:rPr>
                         <a:t>Name</a:t>
                       </a:r>
-                      <a:endParaRPr lang="en-US" sz="700" b="1">
+                      <a:endParaRPr lang="en-US" sz="1400" b="1">
                         <a:solidFill>
                           <a:srgbClr val="2E74B5"/>
                         </a:solidFill>
@@ -17794,12 +17777,12 @@
                         </a:spcAft>
                       </a:pPr>
                       <a:r>
-                        <a:rPr lang="en-US" sz="900">
+                        <a:rPr lang="en-US" sz="1400">
                           <a:effectLst/>
                         </a:rPr>
                         <a:t>Message/Complaint Review</a:t>
                       </a:r>
-                      <a:endParaRPr lang="en-US" sz="900">
+                      <a:endParaRPr lang="en-US" sz="1400">
                         <a:effectLst/>
                         <a:latin typeface="Times New Roman" panose="02020603050405020304" pitchFamily="18" charset="0"/>
                         <a:ea typeface="Times New Roman" panose="02020603050405020304" pitchFamily="18" charset="0"/>
@@ -17837,12 +17820,12 @@
                         </a:spcAft>
                       </a:pPr>
                       <a:r>
-                        <a:rPr lang="en-US" sz="900">
+                        <a:rPr lang="en-US" sz="1400">
                           <a:effectLst/>
                         </a:rPr>
                         <a:t>Summary</a:t>
                       </a:r>
-                      <a:endParaRPr lang="en-US" sz="900">
+                      <a:endParaRPr lang="en-US" sz="1400">
                         <a:effectLst/>
                         <a:latin typeface="Times New Roman" panose="02020603050405020304" pitchFamily="18" charset="0"/>
                         <a:ea typeface="Times New Roman" panose="02020603050405020304" pitchFamily="18" charset="0"/>
@@ -17868,12 +17851,12 @@
                         </a:spcAft>
                       </a:pPr>
                       <a:r>
-                        <a:rPr lang="en-US" sz="900">
+                        <a:rPr lang="en-US" sz="1400">
                           <a:effectLst/>
                         </a:rPr>
                         <a:t>Admin reviews a complaint</a:t>
                       </a:r>
-                      <a:endParaRPr lang="en-US" sz="900">
+                      <a:endParaRPr lang="en-US" sz="1400">
                         <a:effectLst/>
                         <a:latin typeface="Times New Roman" panose="02020603050405020304" pitchFamily="18" charset="0"/>
                         <a:ea typeface="Times New Roman" panose="02020603050405020304" pitchFamily="18" charset="0"/>
@@ -17911,12 +17894,12 @@
                         </a:spcAft>
                       </a:pPr>
                       <a:r>
-                        <a:rPr lang="en-US" sz="900">
+                        <a:rPr lang="en-US" sz="1400">
                           <a:effectLst/>
                         </a:rPr>
                         <a:t>Priority</a:t>
                       </a:r>
-                      <a:endParaRPr lang="en-US" sz="900">
+                      <a:endParaRPr lang="en-US" sz="1400">
                         <a:effectLst/>
                         <a:latin typeface="Times New Roman" panose="02020603050405020304" pitchFamily="18" charset="0"/>
                         <a:ea typeface="Times New Roman" panose="02020603050405020304" pitchFamily="18" charset="0"/>
@@ -17942,12 +17925,12 @@
                         </a:spcAft>
                       </a:pPr>
                       <a:r>
-                        <a:rPr lang="en-US" sz="900">
+                        <a:rPr lang="en-US" sz="1400">
                           <a:effectLst/>
                         </a:rPr>
                         <a:t>2</a:t>
                       </a:r>
-                      <a:endParaRPr lang="en-US" sz="900">
+                      <a:endParaRPr lang="en-US" sz="1400">
                         <a:effectLst/>
                         <a:latin typeface="Times New Roman" panose="02020603050405020304" pitchFamily="18" charset="0"/>
                         <a:ea typeface="Times New Roman" panose="02020603050405020304" pitchFamily="18" charset="0"/>
@@ -17985,12 +17968,12 @@
                         </a:spcAft>
                       </a:pPr>
                       <a:r>
-                        <a:rPr lang="en-US" sz="900">
+                        <a:rPr lang="en-US" sz="1400">
                           <a:effectLst/>
                         </a:rPr>
                         <a:t>Preconditions</a:t>
                       </a:r>
-                      <a:endParaRPr lang="en-US" sz="900">
+                      <a:endParaRPr lang="en-US" sz="1400">
                         <a:effectLst/>
                         <a:latin typeface="Times New Roman" panose="02020603050405020304" pitchFamily="18" charset="0"/>
                         <a:ea typeface="Times New Roman" panose="02020603050405020304" pitchFamily="18" charset="0"/>
@@ -18016,12 +17999,12 @@
                         </a:spcAft>
                       </a:pPr>
                       <a:r>
-                        <a:rPr lang="en-US" sz="900">
+                        <a:rPr lang="en-US" sz="1400">
                           <a:effectLst/>
                         </a:rPr>
                         <a:t>User has submitted a message or complaint to the Admins</a:t>
                       </a:r>
-                      <a:endParaRPr lang="en-US" sz="900">
+                      <a:endParaRPr lang="en-US" sz="1400">
                         <a:effectLst/>
                         <a:latin typeface="Times New Roman" panose="02020603050405020304" pitchFamily="18" charset="0"/>
                         <a:ea typeface="Times New Roman" panose="02020603050405020304" pitchFamily="18" charset="0"/>
@@ -18059,12 +18042,12 @@
                         </a:spcAft>
                       </a:pPr>
                       <a:r>
-                        <a:rPr lang="en-US" sz="900">
+                        <a:rPr lang="en-US" sz="1400">
                           <a:effectLst/>
                         </a:rPr>
                         <a:t>Postconditions</a:t>
                       </a:r>
-                      <a:endParaRPr lang="en-US" sz="900">
+                      <a:endParaRPr lang="en-US" sz="1400">
                         <a:effectLst/>
                         <a:latin typeface="Times New Roman" panose="02020603050405020304" pitchFamily="18" charset="0"/>
                         <a:ea typeface="Times New Roman" panose="02020603050405020304" pitchFamily="18" charset="0"/>
@@ -18090,12 +18073,12 @@
                         </a:spcAft>
                       </a:pPr>
                       <a:r>
-                        <a:rPr lang="en-US" sz="900">
+                        <a:rPr lang="en-US" sz="1400">
                           <a:effectLst/>
                         </a:rPr>
                         <a:t>Admin has viewed the message or complaint</a:t>
                       </a:r>
-                      <a:endParaRPr lang="en-US" sz="900">
+                      <a:endParaRPr lang="en-US" sz="1400">
                         <a:effectLst/>
                         <a:latin typeface="Times New Roman" panose="02020603050405020304" pitchFamily="18" charset="0"/>
                         <a:ea typeface="Times New Roman" panose="02020603050405020304" pitchFamily="18" charset="0"/>
@@ -18133,12 +18116,12 @@
                         </a:spcAft>
                       </a:pPr>
                       <a:r>
-                        <a:rPr lang="en-US" sz="900">
+                        <a:rPr lang="en-US" sz="1400">
                           <a:effectLst/>
                         </a:rPr>
                         <a:t>Primary Actor</a:t>
                       </a:r>
-                      <a:endParaRPr lang="en-US" sz="900">
+                      <a:endParaRPr lang="en-US" sz="1400">
                         <a:effectLst/>
                         <a:latin typeface="Times New Roman" panose="02020603050405020304" pitchFamily="18" charset="0"/>
                         <a:ea typeface="Times New Roman" panose="02020603050405020304" pitchFamily="18" charset="0"/>
@@ -18164,12 +18147,12 @@
                         </a:spcAft>
                       </a:pPr>
                       <a:r>
-                        <a:rPr lang="en-US" sz="900">
+                        <a:rPr lang="en-US" sz="1400">
                           <a:effectLst/>
                         </a:rPr>
                         <a:t>Admin</a:t>
                       </a:r>
-                      <a:endParaRPr lang="en-US" sz="900">
+                      <a:endParaRPr lang="en-US" sz="1400">
                         <a:effectLst/>
                         <a:latin typeface="Times New Roman" panose="02020603050405020304" pitchFamily="18" charset="0"/>
                         <a:ea typeface="Times New Roman" panose="02020603050405020304" pitchFamily="18" charset="0"/>
@@ -18207,12 +18190,12 @@
                         </a:spcAft>
                       </a:pPr>
                       <a:r>
-                        <a:rPr lang="en-US" sz="900">
+                        <a:rPr lang="en-US" sz="1400">
                           <a:effectLst/>
                         </a:rPr>
                         <a:t>Secondary Actors</a:t>
                       </a:r>
-                      <a:endParaRPr lang="en-US" sz="900">
+                      <a:endParaRPr lang="en-US" sz="1400">
                         <a:effectLst/>
                         <a:latin typeface="Times New Roman" panose="02020603050405020304" pitchFamily="18" charset="0"/>
                         <a:ea typeface="Times New Roman" panose="02020603050405020304" pitchFamily="18" charset="0"/>
@@ -18238,12 +18221,12 @@
                         </a:spcAft>
                       </a:pPr>
                       <a:r>
-                        <a:rPr lang="en-US" sz="900">
+                        <a:rPr lang="en-US" sz="1400">
                           <a:effectLst/>
                         </a:rPr>
                         <a:t>Server</a:t>
                       </a:r>
-                      <a:endParaRPr lang="en-US" sz="900">
+                      <a:endParaRPr lang="en-US" sz="1400">
                         <a:effectLst/>
                         <a:latin typeface="Times New Roman" panose="02020603050405020304" pitchFamily="18" charset="0"/>
                         <a:ea typeface="Times New Roman" panose="02020603050405020304" pitchFamily="18" charset="0"/>
@@ -18281,12 +18264,12 @@
                         </a:spcAft>
                       </a:pPr>
                       <a:r>
-                        <a:rPr lang="en-US" sz="900">
+                        <a:rPr lang="en-US" sz="1400">
                           <a:effectLst/>
                         </a:rPr>
                         <a:t>Trigger</a:t>
                       </a:r>
-                      <a:endParaRPr lang="en-US" sz="900">
+                      <a:endParaRPr lang="en-US" sz="1400">
                         <a:effectLst/>
                         <a:latin typeface="Times New Roman" panose="02020603050405020304" pitchFamily="18" charset="0"/>
                         <a:ea typeface="Times New Roman" panose="02020603050405020304" pitchFamily="18" charset="0"/>
@@ -18312,12 +18295,12 @@
                         </a:spcAft>
                       </a:pPr>
                       <a:r>
-                        <a:rPr lang="en-US" sz="900">
+                        <a:rPr lang="en-US" sz="1400">
                           <a:effectLst/>
                         </a:rPr>
                         <a:t>Admin clicks on the view messages &amp; complaints button </a:t>
                       </a:r>
-                      <a:endParaRPr lang="en-US" sz="900">
+                      <a:endParaRPr lang="en-US" sz="1400">
                         <a:effectLst/>
                         <a:latin typeface="Times New Roman" panose="02020603050405020304" pitchFamily="18" charset="0"/>
                         <a:ea typeface="Times New Roman" panose="02020603050405020304" pitchFamily="18" charset="0"/>
@@ -18355,12 +18338,12 @@
                         </a:spcAft>
                       </a:pPr>
                       <a:r>
-                        <a:rPr lang="en-US" sz="900">
+                        <a:rPr lang="en-US" sz="1400">
                           <a:effectLst/>
                         </a:rPr>
                         <a:t>Main Scenario</a:t>
                       </a:r>
-                      <a:endParaRPr lang="en-US" sz="900">
+                      <a:endParaRPr lang="en-US" sz="1400">
                         <a:effectLst/>
                         <a:latin typeface="Times New Roman" panose="02020603050405020304" pitchFamily="18" charset="0"/>
                         <a:ea typeface="Times New Roman" panose="02020603050405020304" pitchFamily="18" charset="0"/>
@@ -18386,12 +18369,12 @@
                         </a:spcAft>
                       </a:pPr>
                       <a:r>
-                        <a:rPr lang="en-US" sz="900">
+                        <a:rPr lang="en-US" sz="1400">
                           <a:effectLst/>
                         </a:rPr>
                         <a:t>Step </a:t>
                       </a:r>
-                      <a:endParaRPr lang="en-US" sz="900">
+                      <a:endParaRPr lang="en-US" sz="1400">
                         <a:effectLst/>
                         <a:latin typeface="Times New Roman" panose="02020603050405020304" pitchFamily="18" charset="0"/>
                         <a:ea typeface="Times New Roman" panose="02020603050405020304" pitchFamily="18" charset="0"/>
@@ -18417,12 +18400,12 @@
                         </a:spcAft>
                       </a:pPr>
                       <a:r>
-                        <a:rPr lang="en-US" sz="900">
+                        <a:rPr lang="en-US" sz="1400">
                           <a:effectLst/>
                         </a:rPr>
                         <a:t>Action</a:t>
                       </a:r>
-                      <a:endParaRPr lang="en-US" sz="900">
+                      <a:endParaRPr lang="en-US" sz="1400">
                         <a:effectLst/>
                         <a:latin typeface="Times New Roman" panose="02020603050405020304" pitchFamily="18" charset="0"/>
                         <a:ea typeface="Times New Roman" panose="02020603050405020304" pitchFamily="18" charset="0"/>
@@ -18450,12 +18433,12 @@
                         </a:spcAft>
                       </a:pPr>
                       <a:r>
-                        <a:rPr lang="en-US" sz="900">
+                        <a:rPr lang="en-US" sz="1400">
                           <a:effectLst/>
                         </a:rPr>
                         <a:t> </a:t>
                       </a:r>
-                      <a:endParaRPr lang="en-US" sz="900">
+                      <a:endParaRPr lang="en-US" sz="1400">
                         <a:effectLst/>
                         <a:latin typeface="Times New Roman" panose="02020603050405020304" pitchFamily="18" charset="0"/>
                         <a:ea typeface="Times New Roman" panose="02020603050405020304" pitchFamily="18" charset="0"/>
@@ -18481,12 +18464,12 @@
                         </a:spcAft>
                       </a:pPr>
                       <a:r>
-                        <a:rPr lang="en-US" sz="900">
+                        <a:rPr lang="en-US" sz="1400">
                           <a:effectLst/>
                         </a:rPr>
                         <a:t>1</a:t>
                       </a:r>
-                      <a:endParaRPr lang="en-US" sz="900">
+                      <a:endParaRPr lang="en-US" sz="1400">
                         <a:effectLst/>
                         <a:latin typeface="Times New Roman" panose="02020603050405020304" pitchFamily="18" charset="0"/>
                         <a:ea typeface="Times New Roman" panose="02020603050405020304" pitchFamily="18" charset="0"/>
@@ -18512,12 +18495,12 @@
                         </a:spcAft>
                       </a:pPr>
                       <a:r>
-                        <a:rPr lang="en-US" sz="900">
+                        <a:rPr lang="en-US" sz="1400">
                           <a:effectLst/>
                         </a:rPr>
                         <a:t>Admin clicks on the messages &amp; complaints button</a:t>
                       </a:r>
-                      <a:endParaRPr lang="en-US" sz="900">
+                      <a:endParaRPr lang="en-US" sz="1400">
                         <a:effectLst/>
                         <a:latin typeface="Times New Roman" panose="02020603050405020304" pitchFamily="18" charset="0"/>
                         <a:ea typeface="Times New Roman" panose="02020603050405020304" pitchFamily="18" charset="0"/>
@@ -18545,12 +18528,12 @@
                         </a:spcAft>
                       </a:pPr>
                       <a:r>
-                        <a:rPr lang="en-US" sz="900">
+                        <a:rPr lang="en-US" sz="1400">
                           <a:effectLst/>
                         </a:rPr>
                         <a:t> </a:t>
                       </a:r>
-                      <a:endParaRPr lang="en-US" sz="900">
+                      <a:endParaRPr lang="en-US" sz="1400">
                         <a:effectLst/>
                         <a:latin typeface="Times New Roman" panose="02020603050405020304" pitchFamily="18" charset="0"/>
                         <a:ea typeface="Times New Roman" panose="02020603050405020304" pitchFamily="18" charset="0"/>
@@ -18576,12 +18559,12 @@
                         </a:spcAft>
                       </a:pPr>
                       <a:r>
-                        <a:rPr lang="en-US" sz="900">
+                        <a:rPr lang="en-US" sz="1400">
                           <a:effectLst/>
                         </a:rPr>
                         <a:t>2</a:t>
                       </a:r>
-                      <a:endParaRPr lang="en-US" sz="900">
+                      <a:endParaRPr lang="en-US" sz="1400">
                         <a:effectLst/>
                         <a:latin typeface="Times New Roman" panose="02020603050405020304" pitchFamily="18" charset="0"/>
                         <a:ea typeface="Times New Roman" panose="02020603050405020304" pitchFamily="18" charset="0"/>
@@ -18607,12 +18590,12 @@
                         </a:spcAft>
                       </a:pPr>
                       <a:r>
-                        <a:rPr lang="en-US" sz="900">
+                        <a:rPr lang="en-US" sz="1400">
                           <a:effectLst/>
                         </a:rPr>
                         <a:t>Server receives request to all messages and complaints</a:t>
                       </a:r>
-                      <a:endParaRPr lang="en-US" sz="900">
+                      <a:endParaRPr lang="en-US" sz="1400">
                         <a:effectLst/>
                         <a:latin typeface="Times New Roman" panose="02020603050405020304" pitchFamily="18" charset="0"/>
                         <a:ea typeface="Times New Roman" panose="02020603050405020304" pitchFamily="18" charset="0"/>
@@ -18640,12 +18623,12 @@
                         </a:spcAft>
                       </a:pPr>
                       <a:r>
-                        <a:rPr lang="en-US" sz="900">
+                        <a:rPr lang="en-US" sz="1400">
                           <a:effectLst/>
                         </a:rPr>
                         <a:t> </a:t>
                       </a:r>
-                      <a:endParaRPr lang="en-US" sz="900">
+                      <a:endParaRPr lang="en-US" sz="1400">
                         <a:effectLst/>
                         <a:latin typeface="Times New Roman" panose="02020603050405020304" pitchFamily="18" charset="0"/>
                         <a:ea typeface="Times New Roman" panose="02020603050405020304" pitchFamily="18" charset="0"/>
@@ -18671,12 +18654,12 @@
                         </a:spcAft>
                       </a:pPr>
                       <a:r>
-                        <a:rPr lang="en-US" sz="900">
+                        <a:rPr lang="en-US" sz="1400">
                           <a:effectLst/>
                         </a:rPr>
                         <a:t>3</a:t>
                       </a:r>
-                      <a:endParaRPr lang="en-US" sz="900">
+                      <a:endParaRPr lang="en-US" sz="1400">
                         <a:effectLst/>
                         <a:latin typeface="Times New Roman" panose="02020603050405020304" pitchFamily="18" charset="0"/>
                         <a:ea typeface="Times New Roman" panose="02020603050405020304" pitchFamily="18" charset="0"/>
@@ -18702,12 +18685,12 @@
                         </a:spcAft>
                       </a:pPr>
                       <a:r>
-                        <a:rPr lang="en-US" sz="900">
+                        <a:rPr lang="en-US" sz="1400">
                           <a:effectLst/>
                         </a:rPr>
                         <a:t>Server sends the list of messages and complaints to the admin</a:t>
                       </a:r>
-                      <a:endParaRPr lang="en-US" sz="900">
+                      <a:endParaRPr lang="en-US" sz="1400">
                         <a:effectLst/>
                         <a:latin typeface="Times New Roman" panose="02020603050405020304" pitchFamily="18" charset="0"/>
                         <a:ea typeface="Times New Roman" panose="02020603050405020304" pitchFamily="18" charset="0"/>
@@ -18735,12 +18718,12 @@
                         </a:spcAft>
                       </a:pPr>
                       <a:r>
-                        <a:rPr lang="en-US" sz="900">
+                        <a:rPr lang="en-US" sz="1400">
                           <a:effectLst/>
                         </a:rPr>
                         <a:t> </a:t>
                       </a:r>
-                      <a:endParaRPr lang="en-US" sz="900">
+                      <a:endParaRPr lang="en-US" sz="1400">
                         <a:effectLst/>
                         <a:latin typeface="Times New Roman" panose="02020603050405020304" pitchFamily="18" charset="0"/>
                         <a:ea typeface="Times New Roman" panose="02020603050405020304" pitchFamily="18" charset="0"/>
@@ -18766,12 +18749,12 @@
                         </a:spcAft>
                       </a:pPr>
                       <a:r>
-                        <a:rPr lang="en-US" sz="900">
+                        <a:rPr lang="en-US" sz="1400">
                           <a:effectLst/>
                         </a:rPr>
                         <a:t>4</a:t>
                       </a:r>
-                      <a:endParaRPr lang="en-US" sz="900">
+                      <a:endParaRPr lang="en-US" sz="1400">
                         <a:effectLst/>
                         <a:latin typeface="Times New Roman" panose="02020603050405020304" pitchFamily="18" charset="0"/>
                         <a:ea typeface="Times New Roman" panose="02020603050405020304" pitchFamily="18" charset="0"/>
@@ -18797,12 +18780,12 @@
                         </a:spcAft>
                       </a:pPr>
                       <a:r>
-                        <a:rPr lang="en-US" sz="900">
+                        <a:rPr lang="en-US" sz="1400">
                           <a:effectLst/>
                         </a:rPr>
                         <a:t>Admin chooses a message or complaint to view</a:t>
                       </a:r>
-                      <a:endParaRPr lang="en-US" sz="900">
+                      <a:endParaRPr lang="en-US" sz="1400">
                         <a:effectLst/>
                         <a:latin typeface="Times New Roman" panose="02020603050405020304" pitchFamily="18" charset="0"/>
                         <a:ea typeface="Times New Roman" panose="02020603050405020304" pitchFamily="18" charset="0"/>
@@ -18830,12 +18813,12 @@
                         </a:spcAft>
                       </a:pPr>
                       <a:r>
-                        <a:rPr lang="en-US" sz="900">
+                        <a:rPr lang="en-US" sz="1400">
                           <a:effectLst/>
                         </a:rPr>
                         <a:t> </a:t>
                       </a:r>
-                      <a:endParaRPr lang="en-US" sz="900">
+                      <a:endParaRPr lang="en-US" sz="1400">
                         <a:effectLst/>
                         <a:latin typeface="Times New Roman" panose="02020603050405020304" pitchFamily="18" charset="0"/>
                         <a:ea typeface="Times New Roman" panose="02020603050405020304" pitchFamily="18" charset="0"/>
@@ -18861,12 +18844,12 @@
                         </a:spcAft>
                       </a:pPr>
                       <a:r>
-                        <a:rPr lang="en-US" sz="900">
+                        <a:rPr lang="en-US" sz="1400">
                           <a:effectLst/>
                         </a:rPr>
                         <a:t>5</a:t>
                       </a:r>
-                      <a:endParaRPr lang="en-US" sz="900">
+                      <a:endParaRPr lang="en-US" sz="1400">
                         <a:effectLst/>
                         <a:latin typeface="Times New Roman" panose="02020603050405020304" pitchFamily="18" charset="0"/>
                         <a:ea typeface="Times New Roman" panose="02020603050405020304" pitchFamily="18" charset="0"/>
@@ -18892,12 +18875,12 @@
                         </a:spcAft>
                       </a:pPr>
                       <a:r>
-                        <a:rPr lang="en-US" sz="900">
+                        <a:rPr lang="en-US" sz="1400">
                           <a:effectLst/>
                         </a:rPr>
                         <a:t>Server receives request for a certain message or complaint</a:t>
                       </a:r>
-                      <a:endParaRPr lang="en-US" sz="900">
+                      <a:endParaRPr lang="en-US" sz="1400">
                         <a:effectLst/>
                         <a:latin typeface="Times New Roman" panose="02020603050405020304" pitchFamily="18" charset="0"/>
                         <a:ea typeface="Times New Roman" panose="02020603050405020304" pitchFamily="18" charset="0"/>
@@ -18925,12 +18908,12 @@
                         </a:spcAft>
                       </a:pPr>
                       <a:r>
-                        <a:rPr lang="en-US" sz="900">
+                        <a:rPr lang="en-US" sz="1400">
                           <a:effectLst/>
                         </a:rPr>
                         <a:t> </a:t>
                       </a:r>
-                      <a:endParaRPr lang="en-US" sz="900">
+                      <a:endParaRPr lang="en-US" sz="1400">
                         <a:effectLst/>
                         <a:latin typeface="Times New Roman" panose="02020603050405020304" pitchFamily="18" charset="0"/>
                         <a:ea typeface="Times New Roman" panose="02020603050405020304" pitchFamily="18" charset="0"/>
@@ -18956,12 +18939,12 @@
                         </a:spcAft>
                       </a:pPr>
                       <a:r>
-                        <a:rPr lang="en-US" sz="900">
+                        <a:rPr lang="en-US" sz="1400">
                           <a:effectLst/>
                         </a:rPr>
                         <a:t>6</a:t>
                       </a:r>
-                      <a:endParaRPr lang="en-US" sz="900">
+                      <a:endParaRPr lang="en-US" sz="1400">
                         <a:effectLst/>
                         <a:latin typeface="Times New Roman" panose="02020603050405020304" pitchFamily="18" charset="0"/>
                         <a:ea typeface="Times New Roman" panose="02020603050405020304" pitchFamily="18" charset="0"/>
@@ -18987,12 +18970,12 @@
                         </a:spcAft>
                       </a:pPr>
                       <a:r>
-                        <a:rPr lang="en-US" sz="900">
+                        <a:rPr lang="en-US" sz="1400">
                           <a:effectLst/>
                         </a:rPr>
                         <a:t>Server sends the details of the message or complaint to the Admin</a:t>
                       </a:r>
-                      <a:endParaRPr lang="en-US" sz="900">
+                      <a:endParaRPr lang="en-US" sz="1400">
                         <a:effectLst/>
                         <a:latin typeface="Times New Roman" panose="02020603050405020304" pitchFamily="18" charset="0"/>
                         <a:ea typeface="Times New Roman" panose="02020603050405020304" pitchFamily="18" charset="0"/>
@@ -19020,12 +19003,12 @@
                         </a:spcAft>
                       </a:pPr>
                       <a:r>
-                        <a:rPr lang="en-US" sz="900">
+                        <a:rPr lang="en-US" sz="1400">
                           <a:effectLst/>
                         </a:rPr>
                         <a:t> </a:t>
                       </a:r>
-                      <a:endParaRPr lang="en-US" sz="900">
+                      <a:endParaRPr lang="en-US" sz="1400">
                         <a:effectLst/>
                         <a:latin typeface="Times New Roman" panose="02020603050405020304" pitchFamily="18" charset="0"/>
                         <a:ea typeface="Times New Roman" panose="02020603050405020304" pitchFamily="18" charset="0"/>
@@ -19051,12 +19034,12 @@
                         </a:spcAft>
                       </a:pPr>
                       <a:r>
-                        <a:rPr lang="en-US" sz="900">
+                        <a:rPr lang="en-US" sz="1400">
                           <a:effectLst/>
                         </a:rPr>
                         <a:t>7</a:t>
                       </a:r>
-                      <a:endParaRPr lang="en-US" sz="900">
+                      <a:endParaRPr lang="en-US" sz="1400">
                         <a:effectLst/>
                         <a:latin typeface="Times New Roman" panose="02020603050405020304" pitchFamily="18" charset="0"/>
                         <a:ea typeface="Times New Roman" panose="02020603050405020304" pitchFamily="18" charset="0"/>
@@ -19082,12 +19065,12 @@
                         </a:spcAft>
                       </a:pPr>
                       <a:r>
-                        <a:rPr lang="en-US" sz="900">
+                        <a:rPr lang="en-US" sz="1400">
                           <a:effectLst/>
                         </a:rPr>
                         <a:t>Admin can then see the message or complaint that was requested</a:t>
                       </a:r>
-                      <a:endParaRPr lang="en-US" sz="900">
+                      <a:endParaRPr lang="en-US" sz="1400">
                         <a:effectLst/>
                         <a:latin typeface="Times New Roman" panose="02020603050405020304" pitchFamily="18" charset="0"/>
                         <a:ea typeface="Times New Roman" panose="02020603050405020304" pitchFamily="18" charset="0"/>
@@ -19115,12 +19098,12 @@
                         </a:spcAft>
                       </a:pPr>
                       <a:r>
-                        <a:rPr lang="en-US" sz="900">
+                        <a:rPr lang="en-US" sz="1400">
                           <a:effectLst/>
                         </a:rPr>
                         <a:t>Extensions</a:t>
                       </a:r>
-                      <a:endParaRPr lang="en-US" sz="900">
+                      <a:endParaRPr lang="en-US" sz="1400">
                         <a:effectLst/>
                         <a:latin typeface="Times New Roman" panose="02020603050405020304" pitchFamily="18" charset="0"/>
                         <a:ea typeface="Times New Roman" panose="02020603050405020304" pitchFamily="18" charset="0"/>
@@ -19146,12 +19129,12 @@
                         </a:spcAft>
                       </a:pPr>
                       <a:r>
-                        <a:rPr lang="en-US" sz="900">
+                        <a:rPr lang="en-US" sz="1400">
                           <a:effectLst/>
                         </a:rPr>
                         <a:t>Step</a:t>
                       </a:r>
-                      <a:endParaRPr lang="en-US" sz="900">
+                      <a:endParaRPr lang="en-US" sz="1400">
                         <a:effectLst/>
                         <a:latin typeface="Times New Roman" panose="02020603050405020304" pitchFamily="18" charset="0"/>
                         <a:ea typeface="Times New Roman" panose="02020603050405020304" pitchFamily="18" charset="0"/>
@@ -19177,12 +19160,12 @@
                         </a:spcAft>
                       </a:pPr>
                       <a:r>
-                        <a:rPr lang="en-US" sz="900">
+                        <a:rPr lang="en-US" sz="1400">
                           <a:effectLst/>
                         </a:rPr>
                         <a:t>Branching Action</a:t>
                       </a:r>
-                      <a:endParaRPr lang="en-US" sz="900">
+                      <a:endParaRPr lang="en-US" sz="1400">
                         <a:effectLst/>
                         <a:latin typeface="Times New Roman" panose="02020603050405020304" pitchFamily="18" charset="0"/>
                         <a:ea typeface="Times New Roman" panose="02020603050405020304" pitchFamily="18" charset="0"/>
@@ -19210,12 +19193,12 @@
                         </a:spcAft>
                       </a:pPr>
                       <a:r>
-                        <a:rPr lang="en-US" sz="900">
+                        <a:rPr lang="en-US" sz="1400">
                           <a:effectLst/>
                         </a:rPr>
                         <a:t> </a:t>
                       </a:r>
-                      <a:endParaRPr lang="en-US" sz="900">
+                      <a:endParaRPr lang="en-US" sz="1400">
                         <a:effectLst/>
                         <a:latin typeface="Times New Roman" panose="02020603050405020304" pitchFamily="18" charset="0"/>
                         <a:ea typeface="Times New Roman" panose="02020603050405020304" pitchFamily="18" charset="0"/>
@@ -19241,12 +19224,12 @@
                         </a:spcAft>
                       </a:pPr>
                       <a:r>
-                        <a:rPr lang="en-US" sz="900">
+                        <a:rPr lang="en-US" sz="1400">
                           <a:effectLst/>
                         </a:rPr>
                         <a:t> </a:t>
                       </a:r>
-                      <a:endParaRPr lang="en-US" sz="900">
+                      <a:endParaRPr lang="en-US" sz="1400">
                         <a:effectLst/>
                         <a:latin typeface="Times New Roman" panose="02020603050405020304" pitchFamily="18" charset="0"/>
                         <a:ea typeface="Times New Roman" panose="02020603050405020304" pitchFamily="18" charset="0"/>
@@ -19272,12 +19255,12 @@
                         </a:spcAft>
                       </a:pPr>
                       <a:r>
-                        <a:rPr lang="en-US" sz="900">
+                        <a:rPr lang="en-US" sz="1400">
                           <a:effectLst/>
                         </a:rPr>
                         <a:t> </a:t>
                       </a:r>
-                      <a:endParaRPr lang="en-US" sz="900">
+                      <a:endParaRPr lang="en-US" sz="1400">
                         <a:effectLst/>
                         <a:latin typeface="Times New Roman" panose="02020603050405020304" pitchFamily="18" charset="0"/>
                         <a:ea typeface="Times New Roman" panose="02020603050405020304" pitchFamily="18" charset="0"/>
@@ -19305,12 +19288,12 @@
                         </a:spcAft>
                       </a:pPr>
                       <a:r>
-                        <a:rPr lang="en-US" sz="900">
+                        <a:rPr lang="en-US" sz="1400">
                           <a:effectLst/>
                         </a:rPr>
                         <a:t>Open Issues</a:t>
                       </a:r>
-                      <a:endParaRPr lang="en-US" sz="900">
+                      <a:endParaRPr lang="en-US" sz="1400">
                         <a:effectLst/>
                         <a:latin typeface="Times New Roman" panose="02020603050405020304" pitchFamily="18" charset="0"/>
                         <a:ea typeface="Times New Roman" panose="02020603050405020304" pitchFamily="18" charset="0"/>
@@ -19324,7 +19307,7 @@
                     <a:bodyPr/>
                     <a:lstStyle/>
                     <a:p>
-                      <a:endParaRPr lang="en-US" sz="700" dirty="0">
+                      <a:endParaRPr lang="en-US" sz="1400" dirty="0">
                         <a:effectLst/>
                         <a:latin typeface="Times New Roman" panose="02020603050405020304" pitchFamily="18" charset="0"/>
                       </a:endParaRPr>
@@ -19394,7 +19377,7 @@
             <p:ph idx="1"/>
             <p:extLst>
               <p:ext uri="{D42A27DB-BD31-4B8C-83A1-F6EECF244321}">
-                <p14:modId xmlns:p14="http://schemas.microsoft.com/office/powerpoint/2010/main" val="2597156229"/>
+                <p14:modId xmlns:p14="http://schemas.microsoft.com/office/powerpoint/2010/main" val="432532141"/>
               </p:ext>
             </p:extLst>
           </p:nvPr>
@@ -19429,12 +19412,12 @@
                         </a:spcAft>
                       </a:pPr>
                       <a:r>
-                        <a:rPr lang="en-US" sz="1200" dirty="0">
+                        <a:rPr lang="en-US" sz="1400" dirty="0">
                           <a:effectLst/>
                         </a:rPr>
                         <a:t>Number</a:t>
                       </a:r>
-                      <a:endParaRPr lang="en-US" sz="1200" dirty="0">
+                      <a:endParaRPr lang="en-US" sz="1400" dirty="0">
                         <a:effectLst/>
                         <a:latin typeface="Times New Roman" panose="02020603050405020304" pitchFamily="18" charset="0"/>
                         <a:ea typeface="Times New Roman" panose="02020603050405020304" pitchFamily="18" charset="0"/>
@@ -19457,12 +19440,12 @@
                         </a:spcAft>
                       </a:pPr>
                       <a:r>
-                        <a:rPr lang="en-US" sz="1200">
+                        <a:rPr lang="en-US" sz="1400">
                           <a:effectLst/>
                         </a:rPr>
                         <a:t>15</a:t>
                       </a:r>
-                      <a:endParaRPr lang="en-US" sz="1200">
+                      <a:endParaRPr lang="en-US" sz="1400">
                         <a:effectLst/>
                         <a:latin typeface="Times New Roman" panose="02020603050405020304" pitchFamily="18" charset="0"/>
                         <a:ea typeface="Times New Roman" panose="02020603050405020304" pitchFamily="18" charset="0"/>
@@ -19497,12 +19480,12 @@
                         </a:spcAft>
                       </a:pPr>
                       <a:r>
-                        <a:rPr lang="en-US" sz="1000" kern="0">
+                        <a:rPr lang="en-US" sz="1400" kern="0">
                           <a:effectLst/>
                         </a:rPr>
                         <a:t>Name</a:t>
                       </a:r>
-                      <a:endParaRPr lang="en-US" sz="1000" b="1" kern="0">
+                      <a:endParaRPr lang="en-US" sz="1400" b="1" kern="0">
                         <a:effectLst/>
                         <a:latin typeface="Times New Roman" panose="02020603050405020304" pitchFamily="18" charset="0"/>
                       </a:endParaRPr>
@@ -19524,12 +19507,12 @@
                         </a:spcAft>
                       </a:pPr>
                       <a:r>
-                        <a:rPr lang="en-US" sz="1200">
+                        <a:rPr lang="en-US" sz="1400">
                           <a:effectLst/>
                         </a:rPr>
                         <a:t>Unfreeze Account</a:t>
                       </a:r>
-                      <a:endParaRPr lang="en-US" sz="1200">
+                      <a:endParaRPr lang="en-US" sz="1400">
                         <a:effectLst/>
                         <a:latin typeface="Times New Roman" panose="02020603050405020304" pitchFamily="18" charset="0"/>
                         <a:ea typeface="Times New Roman" panose="02020603050405020304" pitchFamily="18" charset="0"/>
@@ -19564,12 +19547,12 @@
                         </a:spcAft>
                       </a:pPr>
                       <a:r>
-                        <a:rPr lang="en-US" sz="1200">
+                        <a:rPr lang="en-US" sz="1400">
                           <a:effectLst/>
                         </a:rPr>
                         <a:t>Summary</a:t>
                       </a:r>
-                      <a:endParaRPr lang="en-US" sz="1200">
+                      <a:endParaRPr lang="en-US" sz="1400">
                         <a:effectLst/>
                         <a:latin typeface="Times New Roman" panose="02020603050405020304" pitchFamily="18" charset="0"/>
                         <a:ea typeface="Times New Roman" panose="02020603050405020304" pitchFamily="18" charset="0"/>
@@ -19592,12 +19575,12 @@
                         </a:spcAft>
                       </a:pPr>
                       <a:r>
-                        <a:rPr lang="en-US" sz="1200">
+                        <a:rPr lang="en-US" sz="1400">
                           <a:effectLst/>
                         </a:rPr>
                         <a:t>An admin user decides to unfreeze a frozen account</a:t>
                       </a:r>
-                      <a:endParaRPr lang="en-US" sz="1200">
+                      <a:endParaRPr lang="en-US" sz="1400">
                         <a:effectLst/>
                         <a:latin typeface="Times New Roman" panose="02020603050405020304" pitchFamily="18" charset="0"/>
                         <a:ea typeface="Times New Roman" panose="02020603050405020304" pitchFamily="18" charset="0"/>
@@ -19632,12 +19615,12 @@
                         </a:spcAft>
                       </a:pPr>
                       <a:r>
-                        <a:rPr lang="en-US" sz="1200">
+                        <a:rPr lang="en-US" sz="1400">
                           <a:effectLst/>
                         </a:rPr>
                         <a:t>Priority</a:t>
                       </a:r>
-                      <a:endParaRPr lang="en-US" sz="1200">
+                      <a:endParaRPr lang="en-US" sz="1400">
                         <a:effectLst/>
                         <a:latin typeface="Times New Roman" panose="02020603050405020304" pitchFamily="18" charset="0"/>
                         <a:ea typeface="Times New Roman" panose="02020603050405020304" pitchFamily="18" charset="0"/>
@@ -19660,12 +19643,12 @@
                         </a:spcAft>
                       </a:pPr>
                       <a:r>
-                        <a:rPr lang="en-US" sz="1200">
+                        <a:rPr lang="en-US" sz="1400">
                           <a:effectLst/>
                         </a:rPr>
                         <a:t>3</a:t>
                       </a:r>
-                      <a:endParaRPr lang="en-US" sz="1200">
+                      <a:endParaRPr lang="en-US" sz="1400">
                         <a:effectLst/>
                         <a:latin typeface="Times New Roman" panose="02020603050405020304" pitchFamily="18" charset="0"/>
                         <a:ea typeface="Times New Roman" panose="02020603050405020304" pitchFamily="18" charset="0"/>
@@ -19700,12 +19683,12 @@
                         </a:spcAft>
                       </a:pPr>
                       <a:r>
-                        <a:rPr lang="en-US" sz="1200">
+                        <a:rPr lang="en-US" sz="1400">
                           <a:effectLst/>
                         </a:rPr>
                         <a:t>Preconditions</a:t>
                       </a:r>
-                      <a:endParaRPr lang="en-US" sz="1200">
+                      <a:endParaRPr lang="en-US" sz="1400">
                         <a:effectLst/>
                         <a:latin typeface="Times New Roman" panose="02020603050405020304" pitchFamily="18" charset="0"/>
                         <a:ea typeface="Times New Roman" panose="02020603050405020304" pitchFamily="18" charset="0"/>
@@ -19728,12 +19711,12 @@
                         </a:spcAft>
                       </a:pPr>
                       <a:r>
-                        <a:rPr lang="en-US" sz="1200">
+                        <a:rPr lang="en-US" sz="1400">
                           <a:effectLst/>
                         </a:rPr>
                         <a:t>Admin user is logged in, there is a frozen account that is desired to be unfrozen</a:t>
                       </a:r>
-                      <a:endParaRPr lang="en-US" sz="1200">
+                      <a:endParaRPr lang="en-US" sz="1400">
                         <a:effectLst/>
                         <a:latin typeface="Times New Roman" panose="02020603050405020304" pitchFamily="18" charset="0"/>
                         <a:ea typeface="Times New Roman" panose="02020603050405020304" pitchFamily="18" charset="0"/>
@@ -19768,12 +19751,12 @@
                         </a:spcAft>
                       </a:pPr>
                       <a:r>
-                        <a:rPr lang="en-US" sz="1200">
+                        <a:rPr lang="en-US" sz="1400">
                           <a:effectLst/>
                         </a:rPr>
                         <a:t>Postconditions</a:t>
                       </a:r>
-                      <a:endParaRPr lang="en-US" sz="1200">
+                      <a:endParaRPr lang="en-US" sz="1400">
                         <a:effectLst/>
                         <a:latin typeface="Times New Roman" panose="02020603050405020304" pitchFamily="18" charset="0"/>
                         <a:ea typeface="Times New Roman" panose="02020603050405020304" pitchFamily="18" charset="0"/>
@@ -19796,12 +19779,12 @@
                         </a:spcAft>
                       </a:pPr>
                       <a:r>
-                        <a:rPr lang="en-US" sz="1200">
+                        <a:rPr lang="en-US" sz="1400">
                           <a:effectLst/>
                         </a:rPr>
                         <a:t>Frozen account is now not frozen</a:t>
                       </a:r>
-                      <a:endParaRPr lang="en-US" sz="1200">
+                      <a:endParaRPr lang="en-US" sz="1400">
                         <a:effectLst/>
                         <a:latin typeface="Times New Roman" panose="02020603050405020304" pitchFamily="18" charset="0"/>
                         <a:ea typeface="Times New Roman" panose="02020603050405020304" pitchFamily="18" charset="0"/>
@@ -19836,12 +19819,12 @@
                         </a:spcAft>
                       </a:pPr>
                       <a:r>
-                        <a:rPr lang="en-US" sz="1200">
+                        <a:rPr lang="en-US" sz="1400">
                           <a:effectLst/>
                         </a:rPr>
                         <a:t>Primary Actor</a:t>
                       </a:r>
-                      <a:endParaRPr lang="en-US" sz="1200">
+                      <a:endParaRPr lang="en-US" sz="1400">
                         <a:effectLst/>
                         <a:latin typeface="Times New Roman" panose="02020603050405020304" pitchFamily="18" charset="0"/>
                         <a:ea typeface="Times New Roman" panose="02020603050405020304" pitchFamily="18" charset="0"/>
@@ -19864,12 +19847,12 @@
                         </a:spcAft>
                       </a:pPr>
                       <a:r>
-                        <a:rPr lang="en-US" sz="1200">
+                        <a:rPr lang="en-US" sz="1400">
                           <a:effectLst/>
                         </a:rPr>
                         <a:t>Admin User</a:t>
                       </a:r>
-                      <a:endParaRPr lang="en-US" sz="1200">
+                      <a:endParaRPr lang="en-US" sz="1400">
                         <a:effectLst/>
                         <a:latin typeface="Times New Roman" panose="02020603050405020304" pitchFamily="18" charset="0"/>
                         <a:ea typeface="Times New Roman" panose="02020603050405020304" pitchFamily="18" charset="0"/>
@@ -19904,12 +19887,12 @@
                         </a:spcAft>
                       </a:pPr>
                       <a:r>
-                        <a:rPr lang="en-US" sz="1200">
+                        <a:rPr lang="en-US" sz="1400">
                           <a:effectLst/>
                         </a:rPr>
                         <a:t>Secondary Actors</a:t>
                       </a:r>
-                      <a:endParaRPr lang="en-US" sz="1200">
+                      <a:endParaRPr lang="en-US" sz="1400">
                         <a:effectLst/>
                         <a:latin typeface="Times New Roman" panose="02020603050405020304" pitchFamily="18" charset="0"/>
                         <a:ea typeface="Times New Roman" panose="02020603050405020304" pitchFamily="18" charset="0"/>
@@ -19932,12 +19915,12 @@
                         </a:spcAft>
                       </a:pPr>
                       <a:r>
-                        <a:rPr lang="en-US" sz="1200">
+                        <a:rPr lang="en-US" sz="1400">
                           <a:effectLst/>
                         </a:rPr>
                         <a:t>Server</a:t>
                       </a:r>
-                      <a:endParaRPr lang="en-US" sz="1200">
+                      <a:endParaRPr lang="en-US" sz="1400">
                         <a:effectLst/>
                         <a:latin typeface="Times New Roman" panose="02020603050405020304" pitchFamily="18" charset="0"/>
                         <a:ea typeface="Times New Roman" panose="02020603050405020304" pitchFamily="18" charset="0"/>
@@ -19972,12 +19955,12 @@
                         </a:spcAft>
                       </a:pPr>
                       <a:r>
-                        <a:rPr lang="en-US" sz="1200">
+                        <a:rPr lang="en-US" sz="1400">
                           <a:effectLst/>
                         </a:rPr>
                         <a:t>Trigger</a:t>
                       </a:r>
-                      <a:endParaRPr lang="en-US" sz="1200">
+                      <a:endParaRPr lang="en-US" sz="1400">
                         <a:effectLst/>
                         <a:latin typeface="Times New Roman" panose="02020603050405020304" pitchFamily="18" charset="0"/>
                         <a:ea typeface="Times New Roman" panose="02020603050405020304" pitchFamily="18" charset="0"/>
@@ -20000,12 +19983,12 @@
                         </a:spcAft>
                       </a:pPr>
                       <a:r>
-                        <a:rPr lang="en-US" sz="1200">
+                        <a:rPr lang="en-US" sz="1400">
                           <a:effectLst/>
                         </a:rPr>
                         <a:t>An account is frozen, and an admin decides to unfreeze it</a:t>
                       </a:r>
-                      <a:endParaRPr lang="en-US" sz="1200">
+                      <a:endParaRPr lang="en-US" sz="1400">
                         <a:effectLst/>
                         <a:latin typeface="Times New Roman" panose="02020603050405020304" pitchFamily="18" charset="0"/>
                         <a:ea typeface="Times New Roman" panose="02020603050405020304" pitchFamily="18" charset="0"/>
@@ -20040,12 +20023,12 @@
                         </a:spcAft>
                       </a:pPr>
                       <a:r>
-                        <a:rPr lang="en-US" sz="1200">
+                        <a:rPr lang="en-US" sz="1400">
                           <a:effectLst/>
                         </a:rPr>
                         <a:t>Main Scenario</a:t>
                       </a:r>
-                      <a:endParaRPr lang="en-US" sz="1200">
+                      <a:endParaRPr lang="en-US" sz="1400">
                         <a:effectLst/>
                         <a:latin typeface="Times New Roman" panose="02020603050405020304" pitchFamily="18" charset="0"/>
                         <a:ea typeface="Times New Roman" panose="02020603050405020304" pitchFamily="18" charset="0"/>
@@ -20068,12 +20051,12 @@
                         </a:spcAft>
                       </a:pPr>
                       <a:r>
-                        <a:rPr lang="en-US" sz="1200">
+                        <a:rPr lang="en-US" sz="1400">
                           <a:effectLst/>
                         </a:rPr>
                         <a:t>Step </a:t>
                       </a:r>
-                      <a:endParaRPr lang="en-US" sz="1200">
+                      <a:endParaRPr lang="en-US" sz="1400">
                         <a:effectLst/>
                         <a:latin typeface="Times New Roman" panose="02020603050405020304" pitchFamily="18" charset="0"/>
                         <a:ea typeface="Times New Roman" panose="02020603050405020304" pitchFamily="18" charset="0"/>
@@ -20096,12 +20079,12 @@
                         </a:spcAft>
                       </a:pPr>
                       <a:r>
-                        <a:rPr lang="en-US" sz="1200">
+                        <a:rPr lang="en-US" sz="1400">
                           <a:effectLst/>
                         </a:rPr>
                         <a:t>Action</a:t>
                       </a:r>
-                      <a:endParaRPr lang="en-US" sz="1200">
+                      <a:endParaRPr lang="en-US" sz="1400">
                         <a:effectLst/>
                         <a:latin typeface="Times New Roman" panose="02020603050405020304" pitchFamily="18" charset="0"/>
                         <a:ea typeface="Times New Roman" panose="02020603050405020304" pitchFamily="18" charset="0"/>
@@ -20126,12 +20109,12 @@
                         </a:spcAft>
                       </a:pPr>
                       <a:r>
-                        <a:rPr lang="en-US" sz="1200">
+                        <a:rPr lang="en-US" sz="1400">
                           <a:effectLst/>
                         </a:rPr>
                         <a:t> </a:t>
                       </a:r>
-                      <a:endParaRPr lang="en-US" sz="1200">
+                      <a:endParaRPr lang="en-US" sz="1400">
                         <a:effectLst/>
                         <a:latin typeface="Times New Roman" panose="02020603050405020304" pitchFamily="18" charset="0"/>
                         <a:ea typeface="Times New Roman" panose="02020603050405020304" pitchFamily="18" charset="0"/>
@@ -20154,12 +20137,12 @@
                         </a:spcAft>
                       </a:pPr>
                       <a:r>
-                        <a:rPr lang="en-US" sz="1200">
+                        <a:rPr lang="en-US" sz="1400">
                           <a:effectLst/>
                         </a:rPr>
                         <a:t>1</a:t>
                       </a:r>
-                      <a:endParaRPr lang="en-US" sz="1200">
+                      <a:endParaRPr lang="en-US" sz="1400">
                         <a:effectLst/>
                         <a:latin typeface="Times New Roman" panose="02020603050405020304" pitchFamily="18" charset="0"/>
                         <a:ea typeface="Times New Roman" panose="02020603050405020304" pitchFamily="18" charset="0"/>
@@ -20182,12 +20165,12 @@
                         </a:spcAft>
                       </a:pPr>
                       <a:r>
-                        <a:rPr lang="en-US" sz="1200">
+                        <a:rPr lang="en-US" sz="1400">
                           <a:effectLst/>
                         </a:rPr>
                         <a:t>Admin clicks on the user in the “Frozen Accounts” section of the admin panel</a:t>
                       </a:r>
-                      <a:endParaRPr lang="en-US" sz="1200">
+                      <a:endParaRPr lang="en-US" sz="1400">
                         <a:effectLst/>
                         <a:latin typeface="Times New Roman" panose="02020603050405020304" pitchFamily="18" charset="0"/>
                         <a:ea typeface="Times New Roman" panose="02020603050405020304" pitchFamily="18" charset="0"/>
@@ -20212,12 +20195,12 @@
                         </a:spcAft>
                       </a:pPr>
                       <a:r>
-                        <a:rPr lang="en-US" sz="1200">
+                        <a:rPr lang="en-US" sz="1400">
                           <a:effectLst/>
                         </a:rPr>
                         <a:t> </a:t>
                       </a:r>
-                      <a:endParaRPr lang="en-US" sz="1200">
+                      <a:endParaRPr lang="en-US" sz="1400">
                         <a:effectLst/>
                         <a:latin typeface="Times New Roman" panose="02020603050405020304" pitchFamily="18" charset="0"/>
                         <a:ea typeface="Times New Roman" panose="02020603050405020304" pitchFamily="18" charset="0"/>
@@ -20240,12 +20223,12 @@
                         </a:spcAft>
                       </a:pPr>
                       <a:r>
-                        <a:rPr lang="en-US" sz="1200">
+                        <a:rPr lang="en-US" sz="1400">
                           <a:effectLst/>
                         </a:rPr>
                         <a:t>2</a:t>
                       </a:r>
-                      <a:endParaRPr lang="en-US" sz="1200">
+                      <a:endParaRPr lang="en-US" sz="1400">
                         <a:effectLst/>
                         <a:latin typeface="Times New Roman" panose="02020603050405020304" pitchFamily="18" charset="0"/>
                         <a:ea typeface="Times New Roman" panose="02020603050405020304" pitchFamily="18" charset="0"/>
@@ -20268,12 +20251,12 @@
                         </a:spcAft>
                       </a:pPr>
                       <a:r>
-                        <a:rPr lang="en-US" sz="1200">
+                        <a:rPr lang="en-US" sz="1400">
                           <a:effectLst/>
                         </a:rPr>
                         <a:t>Admin clicks the “Unfreeze” button</a:t>
                       </a:r>
-                      <a:endParaRPr lang="en-US" sz="1200">
+                      <a:endParaRPr lang="en-US" sz="1400">
                         <a:effectLst/>
                         <a:latin typeface="Times New Roman" panose="02020603050405020304" pitchFamily="18" charset="0"/>
                         <a:ea typeface="Times New Roman" panose="02020603050405020304" pitchFamily="18" charset="0"/>
@@ -20298,12 +20281,12 @@
                         </a:spcAft>
                       </a:pPr>
                       <a:r>
-                        <a:rPr lang="en-US" sz="1200">
+                        <a:rPr lang="en-US" sz="1400">
                           <a:effectLst/>
                         </a:rPr>
                         <a:t>Extensions</a:t>
                       </a:r>
-                      <a:endParaRPr lang="en-US" sz="1200">
+                      <a:endParaRPr lang="en-US" sz="1400">
                         <a:effectLst/>
                         <a:latin typeface="Times New Roman" panose="02020603050405020304" pitchFamily="18" charset="0"/>
                         <a:ea typeface="Times New Roman" panose="02020603050405020304" pitchFamily="18" charset="0"/>
@@ -20326,12 +20309,12 @@
                         </a:spcAft>
                       </a:pPr>
                       <a:r>
-                        <a:rPr lang="en-US" sz="1200">
+                        <a:rPr lang="en-US" sz="1400">
                           <a:effectLst/>
                         </a:rPr>
                         <a:t>Step</a:t>
                       </a:r>
-                      <a:endParaRPr lang="en-US" sz="1200">
+                      <a:endParaRPr lang="en-US" sz="1400">
                         <a:effectLst/>
                         <a:latin typeface="Times New Roman" panose="02020603050405020304" pitchFamily="18" charset="0"/>
                         <a:ea typeface="Times New Roman" panose="02020603050405020304" pitchFamily="18" charset="0"/>
@@ -20354,12 +20337,12 @@
                         </a:spcAft>
                       </a:pPr>
                       <a:r>
-                        <a:rPr lang="en-US" sz="1200">
+                        <a:rPr lang="en-US" sz="1400" dirty="0">
                           <a:effectLst/>
                         </a:rPr>
                         <a:t>Branching Action</a:t>
                       </a:r>
-                      <a:endParaRPr lang="en-US" sz="1200">
+                      <a:endParaRPr lang="en-US" sz="1400" dirty="0">
                         <a:effectLst/>
                         <a:latin typeface="Times New Roman" panose="02020603050405020304" pitchFamily="18" charset="0"/>
                         <a:ea typeface="Times New Roman" panose="02020603050405020304" pitchFamily="18" charset="0"/>
@@ -20384,12 +20367,12 @@
                         </a:spcAft>
                       </a:pPr>
                       <a:r>
-                        <a:rPr lang="en-US" sz="1200">
+                        <a:rPr lang="en-US" sz="1400">
                           <a:effectLst/>
                         </a:rPr>
                         <a:t> </a:t>
                       </a:r>
-                      <a:endParaRPr lang="en-US" sz="1200">
+                      <a:endParaRPr lang="en-US" sz="1400">
                         <a:effectLst/>
                         <a:latin typeface="Times New Roman" panose="02020603050405020304" pitchFamily="18" charset="0"/>
                         <a:ea typeface="Times New Roman" panose="02020603050405020304" pitchFamily="18" charset="0"/>
@@ -20412,12 +20395,12 @@
                         </a:spcAft>
                       </a:pPr>
                       <a:r>
-                        <a:rPr lang="en-US" sz="1200">
+                        <a:rPr lang="en-US" sz="1400">
                           <a:effectLst/>
                         </a:rPr>
                         <a:t> </a:t>
                       </a:r>
-                      <a:endParaRPr lang="en-US" sz="1200">
+                      <a:endParaRPr lang="en-US" sz="1400">
                         <a:effectLst/>
                         <a:latin typeface="Times New Roman" panose="02020603050405020304" pitchFamily="18" charset="0"/>
                         <a:ea typeface="Times New Roman" panose="02020603050405020304" pitchFamily="18" charset="0"/>
@@ -20440,12 +20423,12 @@
                         </a:spcAft>
                       </a:pPr>
                       <a:r>
-                        <a:rPr lang="en-US" sz="1200">
+                        <a:rPr lang="en-US" sz="1400">
                           <a:effectLst/>
                         </a:rPr>
                         <a:t> </a:t>
                       </a:r>
-                      <a:endParaRPr lang="en-US" sz="1200">
+                      <a:endParaRPr lang="en-US" sz="1400">
                         <a:effectLst/>
                         <a:latin typeface="Times New Roman" panose="02020603050405020304" pitchFamily="18" charset="0"/>
                         <a:ea typeface="Times New Roman" panose="02020603050405020304" pitchFamily="18" charset="0"/>
@@ -20470,12 +20453,12 @@
                         </a:spcAft>
                       </a:pPr>
                       <a:r>
-                        <a:rPr lang="en-US" sz="1200">
+                        <a:rPr lang="en-US" sz="1400">
                           <a:effectLst/>
                         </a:rPr>
                         <a:t>Open Issues</a:t>
                       </a:r>
-                      <a:endParaRPr lang="en-US" sz="1200">
+                      <a:endParaRPr lang="en-US" sz="1400">
                         <a:effectLst/>
                         <a:latin typeface="Times New Roman" panose="02020603050405020304" pitchFamily="18" charset="0"/>
                         <a:ea typeface="Times New Roman" panose="02020603050405020304" pitchFamily="18" charset="0"/>
@@ -20498,12 +20481,12 @@
                         </a:spcAft>
                       </a:pPr>
                       <a:r>
-                        <a:rPr lang="en-US" sz="1200" dirty="0">
+                        <a:rPr lang="en-US" sz="1400" dirty="0">
                           <a:effectLst/>
                         </a:rPr>
                         <a:t> </a:t>
                       </a:r>
-                      <a:endParaRPr lang="en-US" sz="1200" dirty="0">
+                      <a:endParaRPr lang="en-US" sz="1400" dirty="0">
                         <a:effectLst/>
                         <a:latin typeface="Times New Roman" panose="02020603050405020304" pitchFamily="18" charset="0"/>
                         <a:ea typeface="Times New Roman" panose="02020603050405020304" pitchFamily="18" charset="0"/>
@@ -20590,13 +20573,7 @@
               <a:rPr lang="en-US" dirty="0" err="1" smtClean="0">
                 <a:latin typeface="Bell MT" panose="02020503060305020303" pitchFamily="18" charset="0"/>
               </a:rPr>
-              <a:t>V</a:t>
-            </a:r>
-            <a:r>
-              <a:rPr lang="en-US" dirty="0" err="1" smtClean="0">
-                <a:latin typeface="Bell MT" panose="02020503060305020303" pitchFamily="18" charset="0"/>
-              </a:rPr>
-              <a:t>eriHandy</a:t>
+              <a:t>VeriHandy</a:t>
             </a:r>
             <a:r>
               <a:rPr lang="en-US" dirty="0" smtClean="0">
@@ -20633,7 +20610,6 @@
               <a:rPr lang="en-US" dirty="0" smtClean="0"/>
               <a:t>ervice sharing application to connect the local handyman with a customer who needs work completed around the home</a:t>
             </a:r>
-            <a:endParaRPr lang="en-US" dirty="0" smtClean="0"/>
           </a:p>
           <a:p>
             <a:r>
@@ -20656,7 +20632,6 @@
               <a:rPr lang="en-US" dirty="0" smtClean="0"/>
               <a:t>needs</a:t>
             </a:r>
-            <a:endParaRPr lang="en-US" dirty="0" smtClean="0"/>
           </a:p>
           <a:p>
             <a:r>
@@ -20665,23 +20640,7 @@
             </a:r>
             <a:r>
               <a:rPr lang="en-US" dirty="0" smtClean="0"/>
-              <a:t>esigned to combine the use of crowd-sourced reviews of local businesses </a:t>
-            </a:r>
-            <a:r>
-              <a:rPr lang="en-US" dirty="0" smtClean="0"/>
-              <a:t>(</a:t>
-            </a:r>
-            <a:r>
-              <a:rPr lang="en-US" dirty="0" smtClean="0"/>
-              <a:t>ex. </a:t>
-            </a:r>
-            <a:r>
-              <a:rPr lang="en-US" dirty="0" smtClean="0"/>
-              <a:t>Angie’s </a:t>
-            </a:r>
-            <a:r>
-              <a:rPr lang="en-US" dirty="0" smtClean="0"/>
-              <a:t>List, </a:t>
+              <a:t>esigned to combine the use of crowd-sourced reviews of local businesses (ex. Angie’s List, </a:t>
             </a:r>
             <a:r>
               <a:rPr lang="en-US" dirty="0" err="1" smtClean="0"/>
@@ -20689,21 +20648,8 @@
             </a:r>
             <a:r>
               <a:rPr lang="en-US" dirty="0" smtClean="0"/>
-              <a:t>) with ease of use </a:t>
+              <a:t>) with ease of use (ex. Uber, Craigslist)</a:t>
             </a:r>
-            <a:r>
-              <a:rPr lang="en-US" dirty="0" smtClean="0"/>
-              <a:t>(</a:t>
-            </a:r>
-            <a:r>
-              <a:rPr lang="en-US" dirty="0" smtClean="0"/>
-              <a:t>ex. </a:t>
-            </a:r>
-            <a:r>
-              <a:rPr lang="en-US" dirty="0" smtClean="0"/>
-              <a:t>Uber, Craigslist)</a:t>
-            </a:r>
-            <a:endParaRPr lang="en-US" dirty="0" smtClean="0"/>
           </a:p>
         </p:txBody>
       </p:sp>
@@ -20791,15 +20737,7 @@
           <a:p>
             <a:r>
               <a:rPr lang="en-US" dirty="0" smtClean="0"/>
-              <a:t>Browsing</a:t>
-            </a:r>
-            <a:r>
-              <a:rPr lang="en-US" dirty="0" smtClean="0"/>
-              <a:t> </a:t>
-            </a:r>
-            <a:r>
-              <a:rPr lang="en-US" dirty="0" smtClean="0"/>
-              <a:t>current job listings</a:t>
+              <a:t>Browsing current job listings</a:t>
             </a:r>
           </a:p>
           <a:p>
@@ -20977,15 +20915,7 @@
             <a:pPr algn="ctr"/>
             <a:r>
               <a:rPr lang="en-US" dirty="0" smtClean="0"/>
-              <a:t>Primary </a:t>
-            </a:r>
-            <a:r>
-              <a:rPr lang="en-US" dirty="0" smtClean="0"/>
-              <a:t>U</a:t>
-            </a:r>
-            <a:r>
-              <a:rPr lang="en-US" dirty="0" smtClean="0"/>
-              <a:t>sers</a:t>
+              <a:t>Primary Users</a:t>
             </a:r>
             <a:endParaRPr lang="en-US" dirty="0"/>
           </a:p>
@@ -21104,11 +21034,7 @@
           <a:p>
             <a:r>
               <a:rPr lang="en-US" dirty="0" smtClean="0"/>
-              <a:t>Users </a:t>
-            </a:r>
-            <a:r>
-              <a:rPr lang="en-US" dirty="0" smtClean="0"/>
-              <a:t>have a very basic registration process</a:t>
+              <a:t>Users have a very basic registration process</a:t>
             </a:r>
           </a:p>
           <a:p>
@@ -21179,7 +21105,7 @@
             <p:ph idx="1"/>
             <p:extLst>
               <p:ext uri="{D42A27DB-BD31-4B8C-83A1-F6EECF244321}">
-                <p14:modId xmlns:p14="http://schemas.microsoft.com/office/powerpoint/2010/main" val="3399368318"/>
+                <p14:modId xmlns:p14="http://schemas.microsoft.com/office/powerpoint/2010/main" val="3027093390"/>
               </p:ext>
             </p:extLst>
           </p:nvPr>
@@ -21214,23 +21140,23 @@
                         </a:spcAft>
                       </a:pPr>
                       <a:r>
-                        <a:rPr lang="en-US" sz="900" dirty="0">
+                        <a:rPr lang="en-US" sz="1400" dirty="0">
                           <a:effectLst/>
                         </a:rPr>
                         <a:t/>
                       </a:r>
                       <a:br>
-                        <a:rPr lang="en-US" sz="900" dirty="0">
+                        <a:rPr lang="en-US" sz="1400" dirty="0">
                           <a:effectLst/>
                         </a:rPr>
                       </a:br>
                       <a:r>
-                        <a:rPr lang="en-US" sz="900" dirty="0">
+                        <a:rPr lang="en-US" sz="1400" dirty="0">
                           <a:effectLst/>
                         </a:rPr>
                         <a:t>Number</a:t>
                       </a:r>
-                      <a:endParaRPr lang="en-US" sz="900" dirty="0">
+                      <a:endParaRPr lang="en-US" sz="1400" dirty="0">
                         <a:effectLst/>
                         <a:latin typeface="Times New Roman" panose="02020603050405020304" pitchFamily="18" charset="0"/>
                         <a:ea typeface="Times New Roman" panose="02020603050405020304" pitchFamily="18" charset="0"/>
@@ -21253,12 +21179,12 @@
                         </a:spcAft>
                       </a:pPr>
                       <a:r>
-                        <a:rPr lang="en-US" sz="900" dirty="0">
+                        <a:rPr lang="en-US" sz="1400" dirty="0">
                           <a:effectLst/>
                         </a:rPr>
                         <a:t>1</a:t>
                       </a:r>
-                      <a:endParaRPr lang="en-US" sz="900" dirty="0">
+                      <a:endParaRPr lang="en-US" sz="1400" dirty="0">
                         <a:effectLst/>
                         <a:latin typeface="Times New Roman" panose="02020603050405020304" pitchFamily="18" charset="0"/>
                         <a:ea typeface="Times New Roman" panose="02020603050405020304" pitchFamily="18" charset="0"/>
@@ -21293,12 +21219,12 @@
                         </a:spcAft>
                       </a:pPr>
                       <a:r>
-                        <a:rPr lang="en-US" sz="700" kern="0">
+                        <a:rPr lang="en-US" sz="1400" kern="0">
                           <a:effectLst/>
                         </a:rPr>
                         <a:t>Name</a:t>
                       </a:r>
-                      <a:endParaRPr lang="en-US" sz="700" b="1" kern="0">
+                      <a:endParaRPr lang="en-US" sz="1400" b="1" kern="0">
                         <a:effectLst/>
                         <a:latin typeface="Times New Roman" panose="02020603050405020304" pitchFamily="18" charset="0"/>
                       </a:endParaRPr>
@@ -21320,12 +21246,12 @@
                         </a:spcAft>
                       </a:pPr>
                       <a:r>
-                        <a:rPr lang="en-US" sz="900">
+                        <a:rPr lang="en-US" sz="1400">
                           <a:effectLst/>
                         </a:rPr>
                         <a:t>User registers on the website</a:t>
                       </a:r>
-                      <a:endParaRPr lang="en-US" sz="900">
+                      <a:endParaRPr lang="en-US" sz="1400">
                         <a:effectLst/>
                         <a:latin typeface="Times New Roman" panose="02020603050405020304" pitchFamily="18" charset="0"/>
                         <a:ea typeface="Times New Roman" panose="02020603050405020304" pitchFamily="18" charset="0"/>
@@ -21360,12 +21286,12 @@
                         </a:spcAft>
                       </a:pPr>
                       <a:r>
-                        <a:rPr lang="en-US" sz="900">
+                        <a:rPr lang="en-US" sz="1400">
                           <a:effectLst/>
                         </a:rPr>
                         <a:t>Summary</a:t>
                       </a:r>
-                      <a:endParaRPr lang="en-US" sz="900">
+                      <a:endParaRPr lang="en-US" sz="1400">
                         <a:effectLst/>
                         <a:latin typeface="Times New Roman" panose="02020603050405020304" pitchFamily="18" charset="0"/>
                         <a:ea typeface="Times New Roman" panose="02020603050405020304" pitchFamily="18" charset="0"/>
@@ -21388,12 +21314,12 @@
                         </a:spcAft>
                       </a:pPr>
                       <a:r>
-                        <a:rPr lang="en-US" sz="900">
+                        <a:rPr lang="en-US" sz="1400">
                           <a:effectLst/>
                         </a:rPr>
                         <a:t>User creates an ID and password which allows them to log in</a:t>
                       </a:r>
-                      <a:endParaRPr lang="en-US" sz="900">
+                      <a:endParaRPr lang="en-US" sz="1400">
                         <a:effectLst/>
                         <a:latin typeface="Times New Roman" panose="02020603050405020304" pitchFamily="18" charset="0"/>
                         <a:ea typeface="Times New Roman" panose="02020603050405020304" pitchFamily="18" charset="0"/>
@@ -21428,12 +21354,12 @@
                         </a:spcAft>
                       </a:pPr>
                       <a:r>
-                        <a:rPr lang="en-US" sz="900">
+                        <a:rPr lang="en-US" sz="1400">
                           <a:effectLst/>
                         </a:rPr>
                         <a:t>Priority</a:t>
                       </a:r>
-                      <a:endParaRPr lang="en-US" sz="900">
+                      <a:endParaRPr lang="en-US" sz="1400">
                         <a:effectLst/>
                         <a:latin typeface="Times New Roman" panose="02020603050405020304" pitchFamily="18" charset="0"/>
                         <a:ea typeface="Times New Roman" panose="02020603050405020304" pitchFamily="18" charset="0"/>
@@ -21456,12 +21382,12 @@
                         </a:spcAft>
                       </a:pPr>
                       <a:r>
-                        <a:rPr lang="en-US" sz="900">
+                        <a:rPr lang="en-US" sz="1400" dirty="0">
                           <a:effectLst/>
                         </a:rPr>
                         <a:t>5 (Highest)</a:t>
                       </a:r>
-                      <a:endParaRPr lang="en-US" sz="900">
+                      <a:endParaRPr lang="en-US" sz="1400" dirty="0">
                         <a:effectLst/>
                         <a:latin typeface="Times New Roman" panose="02020603050405020304" pitchFamily="18" charset="0"/>
                         <a:ea typeface="Times New Roman" panose="02020603050405020304" pitchFamily="18" charset="0"/>
@@ -21496,12 +21422,12 @@
                         </a:spcAft>
                       </a:pPr>
                       <a:r>
-                        <a:rPr lang="en-US" sz="900">
+                        <a:rPr lang="en-US" sz="1400">
                           <a:effectLst/>
                         </a:rPr>
                         <a:t>Preconditions</a:t>
                       </a:r>
-                      <a:endParaRPr lang="en-US" sz="900">
+                      <a:endParaRPr lang="en-US" sz="1400">
                         <a:effectLst/>
                         <a:latin typeface="Times New Roman" panose="02020603050405020304" pitchFamily="18" charset="0"/>
                         <a:ea typeface="Times New Roman" panose="02020603050405020304" pitchFamily="18" charset="0"/>
@@ -21524,12 +21450,12 @@
                         </a:spcAft>
                       </a:pPr>
                       <a:r>
-                        <a:rPr lang="en-US" sz="900">
+                        <a:rPr lang="en-US" sz="1400">
                           <a:effectLst/>
                         </a:rPr>
                         <a:t>User is connected to the website</a:t>
                       </a:r>
-                      <a:endParaRPr lang="en-US" sz="900">
+                      <a:endParaRPr lang="en-US" sz="1400">
                         <a:effectLst/>
                         <a:latin typeface="Times New Roman" panose="02020603050405020304" pitchFamily="18" charset="0"/>
                         <a:ea typeface="Times New Roman" panose="02020603050405020304" pitchFamily="18" charset="0"/>
@@ -21564,12 +21490,12 @@
                         </a:spcAft>
                       </a:pPr>
                       <a:r>
-                        <a:rPr lang="en-US" sz="900">
+                        <a:rPr lang="en-US" sz="1400">
                           <a:effectLst/>
                         </a:rPr>
                         <a:t>Postconditions</a:t>
                       </a:r>
-                      <a:endParaRPr lang="en-US" sz="900">
+                      <a:endParaRPr lang="en-US" sz="1400">
                         <a:effectLst/>
                         <a:latin typeface="Times New Roman" panose="02020603050405020304" pitchFamily="18" charset="0"/>
                         <a:ea typeface="Times New Roman" panose="02020603050405020304" pitchFamily="18" charset="0"/>
@@ -21592,12 +21518,12 @@
                         </a:spcAft>
                       </a:pPr>
                       <a:r>
-                        <a:rPr lang="en-US" sz="900">
+                        <a:rPr lang="en-US" sz="1400">
                           <a:effectLst/>
                         </a:rPr>
                         <a:t>User’s chosen ID is registered on the web server with the associated password</a:t>
                       </a:r>
-                      <a:endParaRPr lang="en-US" sz="900">
+                      <a:endParaRPr lang="en-US" sz="1400">
                         <a:effectLst/>
                         <a:latin typeface="Times New Roman" panose="02020603050405020304" pitchFamily="18" charset="0"/>
                         <a:ea typeface="Times New Roman" panose="02020603050405020304" pitchFamily="18" charset="0"/>
@@ -21632,12 +21558,12 @@
                         </a:spcAft>
                       </a:pPr>
                       <a:r>
-                        <a:rPr lang="en-US" sz="900">
+                        <a:rPr lang="en-US" sz="1400">
                           <a:effectLst/>
                         </a:rPr>
                         <a:t>Primary Actor</a:t>
                       </a:r>
-                      <a:endParaRPr lang="en-US" sz="900">
+                      <a:endParaRPr lang="en-US" sz="1400">
                         <a:effectLst/>
                         <a:latin typeface="Times New Roman" panose="02020603050405020304" pitchFamily="18" charset="0"/>
                         <a:ea typeface="Times New Roman" panose="02020603050405020304" pitchFamily="18" charset="0"/>
@@ -21660,12 +21586,12 @@
                         </a:spcAft>
                       </a:pPr>
                       <a:r>
-                        <a:rPr lang="en-US" sz="900">
+                        <a:rPr lang="en-US" sz="1400">
                           <a:effectLst/>
                         </a:rPr>
                         <a:t>User</a:t>
                       </a:r>
-                      <a:endParaRPr lang="en-US" sz="900">
+                      <a:endParaRPr lang="en-US" sz="1400">
                         <a:effectLst/>
                         <a:latin typeface="Times New Roman" panose="02020603050405020304" pitchFamily="18" charset="0"/>
                         <a:ea typeface="Times New Roman" panose="02020603050405020304" pitchFamily="18" charset="0"/>
@@ -21700,12 +21626,12 @@
                         </a:spcAft>
                       </a:pPr>
                       <a:r>
-                        <a:rPr lang="en-US" sz="900">
+                        <a:rPr lang="en-US" sz="1400">
                           <a:effectLst/>
                         </a:rPr>
                         <a:t>Secondary Actors</a:t>
                       </a:r>
-                      <a:endParaRPr lang="en-US" sz="900">
+                      <a:endParaRPr lang="en-US" sz="1400">
                         <a:effectLst/>
                         <a:latin typeface="Times New Roman" panose="02020603050405020304" pitchFamily="18" charset="0"/>
                         <a:ea typeface="Times New Roman" panose="02020603050405020304" pitchFamily="18" charset="0"/>
@@ -21728,12 +21654,12 @@
                         </a:spcAft>
                       </a:pPr>
                       <a:r>
-                        <a:rPr lang="en-US" sz="900">
+                        <a:rPr lang="en-US" sz="1400">
                           <a:effectLst/>
                         </a:rPr>
                         <a:t>Server</a:t>
                       </a:r>
-                      <a:endParaRPr lang="en-US" sz="900">
+                      <a:endParaRPr lang="en-US" sz="1400">
                         <a:effectLst/>
                         <a:latin typeface="Times New Roman" panose="02020603050405020304" pitchFamily="18" charset="0"/>
                         <a:ea typeface="Times New Roman" panose="02020603050405020304" pitchFamily="18" charset="0"/>
@@ -21768,12 +21694,12 @@
                         </a:spcAft>
                       </a:pPr>
                       <a:r>
-                        <a:rPr lang="en-US" sz="900">
+                        <a:rPr lang="en-US" sz="1400">
                           <a:effectLst/>
                         </a:rPr>
                         <a:t>Trigger</a:t>
                       </a:r>
-                      <a:endParaRPr lang="en-US" sz="900">
+                      <a:endParaRPr lang="en-US" sz="1400">
                         <a:effectLst/>
                         <a:latin typeface="Times New Roman" panose="02020603050405020304" pitchFamily="18" charset="0"/>
                         <a:ea typeface="Times New Roman" panose="02020603050405020304" pitchFamily="18" charset="0"/>
@@ -21796,12 +21722,12 @@
                         </a:spcAft>
                       </a:pPr>
                       <a:r>
-                        <a:rPr lang="en-US" sz="900">
+                        <a:rPr lang="en-US" sz="1400">
                           <a:effectLst/>
                         </a:rPr>
                         <a:t>User clicks the register button</a:t>
                       </a:r>
-                      <a:endParaRPr lang="en-US" sz="900">
+                      <a:endParaRPr lang="en-US" sz="1400">
                         <a:effectLst/>
                         <a:latin typeface="Times New Roman" panose="02020603050405020304" pitchFamily="18" charset="0"/>
                         <a:ea typeface="Times New Roman" panose="02020603050405020304" pitchFamily="18" charset="0"/>
@@ -21836,12 +21762,12 @@
                         </a:spcAft>
                       </a:pPr>
                       <a:r>
-                        <a:rPr lang="en-US" sz="900">
+                        <a:rPr lang="en-US" sz="1400">
                           <a:effectLst/>
                         </a:rPr>
                         <a:t>Main Scenario</a:t>
                       </a:r>
-                      <a:endParaRPr lang="en-US" sz="900">
+                      <a:endParaRPr lang="en-US" sz="1400">
                         <a:effectLst/>
                         <a:latin typeface="Times New Roman" panose="02020603050405020304" pitchFamily="18" charset="0"/>
                         <a:ea typeface="Times New Roman" panose="02020603050405020304" pitchFamily="18" charset="0"/>
@@ -21864,12 +21790,12 @@
                         </a:spcAft>
                       </a:pPr>
                       <a:r>
-                        <a:rPr lang="en-US" sz="900">
+                        <a:rPr lang="en-US" sz="1400">
                           <a:effectLst/>
                         </a:rPr>
                         <a:t>Step </a:t>
                       </a:r>
-                      <a:endParaRPr lang="en-US" sz="900">
+                      <a:endParaRPr lang="en-US" sz="1400">
                         <a:effectLst/>
                         <a:latin typeface="Times New Roman" panose="02020603050405020304" pitchFamily="18" charset="0"/>
                         <a:ea typeface="Times New Roman" panose="02020603050405020304" pitchFamily="18" charset="0"/>
@@ -21892,12 +21818,12 @@
                         </a:spcAft>
                       </a:pPr>
                       <a:r>
-                        <a:rPr lang="en-US" sz="900">
+                        <a:rPr lang="en-US" sz="1400">
                           <a:effectLst/>
                         </a:rPr>
                         <a:t>Action</a:t>
                       </a:r>
-                      <a:endParaRPr lang="en-US" sz="900">
+                      <a:endParaRPr lang="en-US" sz="1400">
                         <a:effectLst/>
                         <a:latin typeface="Times New Roman" panose="02020603050405020304" pitchFamily="18" charset="0"/>
                         <a:ea typeface="Times New Roman" panose="02020603050405020304" pitchFamily="18" charset="0"/>
@@ -21922,12 +21848,12 @@
                         </a:spcAft>
                       </a:pPr>
                       <a:r>
-                        <a:rPr lang="en-US" sz="900">
+                        <a:rPr lang="en-US" sz="1400">
                           <a:effectLst/>
                         </a:rPr>
                         <a:t> </a:t>
                       </a:r>
-                      <a:endParaRPr lang="en-US" sz="900">
+                      <a:endParaRPr lang="en-US" sz="1400">
                         <a:effectLst/>
                         <a:latin typeface="Times New Roman" panose="02020603050405020304" pitchFamily="18" charset="0"/>
                         <a:ea typeface="Times New Roman" panose="02020603050405020304" pitchFamily="18" charset="0"/>
@@ -21950,12 +21876,12 @@
                         </a:spcAft>
                       </a:pPr>
                       <a:r>
-                        <a:rPr lang="en-US" sz="900">
+                        <a:rPr lang="en-US" sz="1400">
                           <a:effectLst/>
                         </a:rPr>
                         <a:t>1</a:t>
                       </a:r>
-                      <a:endParaRPr lang="en-US" sz="900">
+                      <a:endParaRPr lang="en-US" sz="1400">
                         <a:effectLst/>
                         <a:latin typeface="Times New Roman" panose="02020603050405020304" pitchFamily="18" charset="0"/>
                         <a:ea typeface="Times New Roman" panose="02020603050405020304" pitchFamily="18" charset="0"/>
@@ -21978,12 +21904,12 @@
                         </a:spcAft>
                       </a:pPr>
                       <a:r>
-                        <a:rPr lang="en-US" sz="900" dirty="0">
+                        <a:rPr lang="en-US" sz="1400" dirty="0">
                           <a:effectLst/>
                         </a:rPr>
                         <a:t>User clicks register</a:t>
                       </a:r>
-                      <a:endParaRPr lang="en-US" sz="900" dirty="0">
+                      <a:endParaRPr lang="en-US" sz="1400" dirty="0">
                         <a:effectLst/>
                         <a:latin typeface="Times New Roman" panose="02020603050405020304" pitchFamily="18" charset="0"/>
                         <a:ea typeface="Times New Roman" panose="02020603050405020304" pitchFamily="18" charset="0"/>
@@ -22008,12 +21934,12 @@
                         </a:spcAft>
                       </a:pPr>
                       <a:r>
-                        <a:rPr lang="en-US" sz="900">
+                        <a:rPr lang="en-US" sz="1400">
                           <a:effectLst/>
                         </a:rPr>
                         <a:t> </a:t>
                       </a:r>
-                      <a:endParaRPr lang="en-US" sz="900">
+                      <a:endParaRPr lang="en-US" sz="1400">
                         <a:effectLst/>
                         <a:latin typeface="Times New Roman" panose="02020603050405020304" pitchFamily="18" charset="0"/>
                         <a:ea typeface="Times New Roman" panose="02020603050405020304" pitchFamily="18" charset="0"/>
@@ -22036,12 +21962,12 @@
                         </a:spcAft>
                       </a:pPr>
                       <a:r>
-                        <a:rPr lang="en-US" sz="900">
+                        <a:rPr lang="en-US" sz="1400">
                           <a:effectLst/>
                         </a:rPr>
                         <a:t>2</a:t>
                       </a:r>
-                      <a:endParaRPr lang="en-US" sz="900">
+                      <a:endParaRPr lang="en-US" sz="1400">
                         <a:effectLst/>
                         <a:latin typeface="Times New Roman" panose="02020603050405020304" pitchFamily="18" charset="0"/>
                         <a:ea typeface="Times New Roman" panose="02020603050405020304" pitchFamily="18" charset="0"/>
@@ -22064,12 +21990,12 @@
                         </a:spcAft>
                       </a:pPr>
                       <a:r>
-                        <a:rPr lang="en-US" sz="900">
+                        <a:rPr lang="en-US" sz="1400">
                           <a:effectLst/>
                         </a:rPr>
                         <a:t>User is prompted to create an ID and password, and select account type (Worker or Customer)</a:t>
                       </a:r>
-                      <a:endParaRPr lang="en-US" sz="900">
+                      <a:endParaRPr lang="en-US" sz="1400">
                         <a:effectLst/>
                         <a:latin typeface="Times New Roman" panose="02020603050405020304" pitchFamily="18" charset="0"/>
                         <a:ea typeface="Times New Roman" panose="02020603050405020304" pitchFamily="18" charset="0"/>
@@ -22094,12 +22020,12 @@
                         </a:spcAft>
                       </a:pPr>
                       <a:r>
-                        <a:rPr lang="en-US" sz="900">
+                        <a:rPr lang="en-US" sz="1400">
                           <a:effectLst/>
                         </a:rPr>
                         <a:t> </a:t>
                       </a:r>
-                      <a:endParaRPr lang="en-US" sz="900">
+                      <a:endParaRPr lang="en-US" sz="1400">
                         <a:effectLst/>
                         <a:latin typeface="Times New Roman" panose="02020603050405020304" pitchFamily="18" charset="0"/>
                         <a:ea typeface="Times New Roman" panose="02020603050405020304" pitchFamily="18" charset="0"/>
@@ -22122,12 +22048,12 @@
                         </a:spcAft>
                       </a:pPr>
                       <a:r>
-                        <a:rPr lang="en-US" sz="900">
+                        <a:rPr lang="en-US" sz="1400">
                           <a:effectLst/>
                         </a:rPr>
                         <a:t>3</a:t>
                       </a:r>
-                      <a:endParaRPr lang="en-US" sz="900">
+                      <a:endParaRPr lang="en-US" sz="1400">
                         <a:effectLst/>
                         <a:latin typeface="Times New Roman" panose="02020603050405020304" pitchFamily="18" charset="0"/>
                         <a:ea typeface="Times New Roman" panose="02020603050405020304" pitchFamily="18" charset="0"/>
@@ -22150,12 +22076,12 @@
                         </a:spcAft>
                       </a:pPr>
                       <a:r>
-                        <a:rPr lang="en-US" sz="900">
+                        <a:rPr lang="en-US" sz="1400">
                           <a:effectLst/>
                         </a:rPr>
                         <a:t>User creates ID and password with an email account</a:t>
                       </a:r>
-                      <a:endParaRPr lang="en-US" sz="900">
+                      <a:endParaRPr lang="en-US" sz="1400">
                         <a:effectLst/>
                         <a:latin typeface="Times New Roman" panose="02020603050405020304" pitchFamily="18" charset="0"/>
                         <a:ea typeface="Times New Roman" panose="02020603050405020304" pitchFamily="18" charset="0"/>
@@ -22180,12 +22106,12 @@
                         </a:spcAft>
                       </a:pPr>
                       <a:r>
-                        <a:rPr lang="en-US" sz="900">
+                        <a:rPr lang="en-US" sz="1400">
                           <a:effectLst/>
                         </a:rPr>
                         <a:t> </a:t>
                       </a:r>
-                      <a:endParaRPr lang="en-US" sz="900">
+                      <a:endParaRPr lang="en-US" sz="1400">
                         <a:effectLst/>
                         <a:latin typeface="Times New Roman" panose="02020603050405020304" pitchFamily="18" charset="0"/>
                         <a:ea typeface="Times New Roman" panose="02020603050405020304" pitchFamily="18" charset="0"/>
@@ -22208,12 +22134,12 @@
                         </a:spcAft>
                       </a:pPr>
                       <a:r>
-                        <a:rPr lang="en-US" sz="900">
+                        <a:rPr lang="en-US" sz="1400">
                           <a:effectLst/>
                         </a:rPr>
                         <a:t>4</a:t>
                       </a:r>
-                      <a:endParaRPr lang="en-US" sz="900">
+                      <a:endParaRPr lang="en-US" sz="1400">
                         <a:effectLst/>
                         <a:latin typeface="Times New Roman" panose="02020603050405020304" pitchFamily="18" charset="0"/>
                         <a:ea typeface="Times New Roman" panose="02020603050405020304" pitchFamily="18" charset="0"/>
@@ -22236,12 +22162,12 @@
                         </a:spcAft>
                       </a:pPr>
                       <a:r>
-                        <a:rPr lang="en-US" sz="900">
+                        <a:rPr lang="en-US" sz="1400">
                           <a:effectLst/>
                         </a:rPr>
                         <a:t>ID, Password, email, and account type are sent to the server for registration</a:t>
                       </a:r>
-                      <a:endParaRPr lang="en-US" sz="900">
+                      <a:endParaRPr lang="en-US" sz="1400">
                         <a:effectLst/>
                         <a:latin typeface="Times New Roman" panose="02020603050405020304" pitchFamily="18" charset="0"/>
                         <a:ea typeface="Times New Roman" panose="02020603050405020304" pitchFamily="18" charset="0"/>
@@ -22266,12 +22192,12 @@
                         </a:spcAft>
                       </a:pPr>
                       <a:r>
-                        <a:rPr lang="en-US" sz="900">
+                        <a:rPr lang="en-US" sz="1400">
                           <a:effectLst/>
                         </a:rPr>
                         <a:t> </a:t>
                       </a:r>
-                      <a:endParaRPr lang="en-US" sz="900">
+                      <a:endParaRPr lang="en-US" sz="1400">
                         <a:effectLst/>
                         <a:latin typeface="Times New Roman" panose="02020603050405020304" pitchFamily="18" charset="0"/>
                         <a:ea typeface="Times New Roman" panose="02020603050405020304" pitchFamily="18" charset="0"/>
@@ -22294,12 +22220,12 @@
                         </a:spcAft>
                       </a:pPr>
                       <a:r>
-                        <a:rPr lang="en-US" sz="900">
+                        <a:rPr lang="en-US" sz="1400">
                           <a:effectLst/>
                         </a:rPr>
                         <a:t>5</a:t>
                       </a:r>
-                      <a:endParaRPr lang="en-US" sz="900">
+                      <a:endParaRPr lang="en-US" sz="1400">
                         <a:effectLst/>
                         <a:latin typeface="Times New Roman" panose="02020603050405020304" pitchFamily="18" charset="0"/>
                         <a:ea typeface="Times New Roman" panose="02020603050405020304" pitchFamily="18" charset="0"/>
@@ -22322,12 +22248,12 @@
                         </a:spcAft>
                       </a:pPr>
                       <a:r>
-                        <a:rPr lang="en-US" sz="900">
+                        <a:rPr lang="en-US" sz="1400">
                           <a:effectLst/>
                         </a:rPr>
                         <a:t>User is now registered on the server</a:t>
                       </a:r>
-                      <a:endParaRPr lang="en-US" sz="900">
+                      <a:endParaRPr lang="en-US" sz="1400">
                         <a:effectLst/>
                         <a:latin typeface="Times New Roman" panose="02020603050405020304" pitchFamily="18" charset="0"/>
                         <a:ea typeface="Times New Roman" panose="02020603050405020304" pitchFamily="18" charset="0"/>
@@ -22352,12 +22278,12 @@
                         </a:spcAft>
                       </a:pPr>
                       <a:r>
-                        <a:rPr lang="en-US" sz="900">
+                        <a:rPr lang="en-US" sz="1400">
                           <a:effectLst/>
                         </a:rPr>
                         <a:t>Extensions</a:t>
                       </a:r>
-                      <a:endParaRPr lang="en-US" sz="900">
+                      <a:endParaRPr lang="en-US" sz="1400">
                         <a:effectLst/>
                         <a:latin typeface="Times New Roman" panose="02020603050405020304" pitchFamily="18" charset="0"/>
                         <a:ea typeface="Times New Roman" panose="02020603050405020304" pitchFamily="18" charset="0"/>
@@ -22380,12 +22306,12 @@
                         </a:spcAft>
                       </a:pPr>
                       <a:r>
-                        <a:rPr lang="en-US" sz="900">
+                        <a:rPr lang="en-US" sz="1400">
                           <a:effectLst/>
                         </a:rPr>
                         <a:t>Step</a:t>
                       </a:r>
-                      <a:endParaRPr lang="en-US" sz="900">
+                      <a:endParaRPr lang="en-US" sz="1400">
                         <a:effectLst/>
                         <a:latin typeface="Times New Roman" panose="02020603050405020304" pitchFamily="18" charset="0"/>
                         <a:ea typeface="Times New Roman" panose="02020603050405020304" pitchFamily="18" charset="0"/>
@@ -22408,12 +22334,12 @@
                         </a:spcAft>
                       </a:pPr>
                       <a:r>
-                        <a:rPr lang="en-US" sz="900">
+                        <a:rPr lang="en-US" sz="1400">
                           <a:effectLst/>
                         </a:rPr>
                         <a:t>Branching Action</a:t>
                       </a:r>
-                      <a:endParaRPr lang="en-US" sz="900">
+                      <a:endParaRPr lang="en-US" sz="1400">
                         <a:effectLst/>
                         <a:latin typeface="Times New Roman" panose="02020603050405020304" pitchFamily="18" charset="0"/>
                         <a:ea typeface="Times New Roman" panose="02020603050405020304" pitchFamily="18" charset="0"/>
@@ -22438,12 +22364,12 @@
                         </a:spcAft>
                       </a:pPr>
                       <a:r>
-                        <a:rPr lang="en-US" sz="900">
+                        <a:rPr lang="en-US" sz="1400">
                           <a:effectLst/>
                         </a:rPr>
                         <a:t> </a:t>
                       </a:r>
-                      <a:endParaRPr lang="en-US" sz="900">
+                      <a:endParaRPr lang="en-US" sz="1400">
                         <a:effectLst/>
                         <a:latin typeface="Times New Roman" panose="02020603050405020304" pitchFamily="18" charset="0"/>
                         <a:ea typeface="Times New Roman" panose="02020603050405020304" pitchFamily="18" charset="0"/>
@@ -22466,12 +22392,12 @@
                         </a:spcAft>
                       </a:pPr>
                       <a:r>
-                        <a:rPr lang="en-US" sz="900">
+                        <a:rPr lang="en-US" sz="1400">
                           <a:effectLst/>
                         </a:rPr>
                         <a:t>4a</a:t>
                       </a:r>
-                      <a:endParaRPr lang="en-US" sz="900">
+                      <a:endParaRPr lang="en-US" sz="1400">
                         <a:effectLst/>
                         <a:latin typeface="Times New Roman" panose="02020603050405020304" pitchFamily="18" charset="0"/>
                         <a:ea typeface="Times New Roman" panose="02020603050405020304" pitchFamily="18" charset="0"/>
@@ -22494,12 +22420,12 @@
                         </a:spcAft>
                       </a:pPr>
                       <a:r>
-                        <a:rPr lang="en-US" sz="900">
+                        <a:rPr lang="en-US" sz="1400">
                           <a:effectLst/>
                         </a:rPr>
                         <a:t>Error due to ID already being registered; prompt user for a different ID or to login using that ID if it is theirs</a:t>
                       </a:r>
-                      <a:endParaRPr lang="en-US" sz="900">
+                      <a:endParaRPr lang="en-US" sz="1400">
                         <a:effectLst/>
                         <a:latin typeface="Times New Roman" panose="02020603050405020304" pitchFamily="18" charset="0"/>
                         <a:ea typeface="Times New Roman" panose="02020603050405020304" pitchFamily="18" charset="0"/>
@@ -22524,12 +22450,12 @@
                         </a:spcAft>
                       </a:pPr>
                       <a:r>
-                        <a:rPr lang="en-US" sz="900">
+                        <a:rPr lang="en-US" sz="1400">
                           <a:effectLst/>
                         </a:rPr>
                         <a:t> </a:t>
                       </a:r>
-                      <a:endParaRPr lang="en-US" sz="900">
+                      <a:endParaRPr lang="en-US" sz="1400">
                         <a:effectLst/>
                         <a:latin typeface="Times New Roman" panose="02020603050405020304" pitchFamily="18" charset="0"/>
                         <a:ea typeface="Times New Roman" panose="02020603050405020304" pitchFamily="18" charset="0"/>
@@ -22552,12 +22478,12 @@
                         </a:spcAft>
                       </a:pPr>
                       <a:r>
-                        <a:rPr lang="en-US" sz="900">
+                        <a:rPr lang="en-US" sz="1400">
                           <a:effectLst/>
                         </a:rPr>
                         <a:t>4b</a:t>
                       </a:r>
-                      <a:endParaRPr lang="en-US" sz="900">
+                      <a:endParaRPr lang="en-US" sz="1400">
                         <a:effectLst/>
                         <a:latin typeface="Times New Roman" panose="02020603050405020304" pitchFamily="18" charset="0"/>
                         <a:ea typeface="Times New Roman" panose="02020603050405020304" pitchFamily="18" charset="0"/>
@@ -22580,12 +22506,12 @@
                         </a:spcAft>
                       </a:pPr>
                       <a:r>
-                        <a:rPr lang="en-US" sz="900">
+                        <a:rPr lang="en-US" sz="1400">
                           <a:effectLst/>
                         </a:rPr>
                         <a:t>Password fails to meet requirements: Must have a number and be at least 8 characters long</a:t>
                       </a:r>
-                      <a:endParaRPr lang="en-US" sz="900">
+                      <a:endParaRPr lang="en-US" sz="1400">
                         <a:effectLst/>
                         <a:latin typeface="Times New Roman" panose="02020603050405020304" pitchFamily="18" charset="0"/>
                         <a:ea typeface="Times New Roman" panose="02020603050405020304" pitchFamily="18" charset="0"/>
@@ -22610,12 +22536,12 @@
                         </a:spcAft>
                       </a:pPr>
                       <a:r>
-                        <a:rPr lang="en-US" sz="900">
+                        <a:rPr lang="en-US" sz="1400">
                           <a:effectLst/>
                         </a:rPr>
                         <a:t> </a:t>
                       </a:r>
-                      <a:endParaRPr lang="en-US" sz="900">
+                      <a:endParaRPr lang="en-US" sz="1400">
                         <a:effectLst/>
                         <a:latin typeface="Times New Roman" panose="02020603050405020304" pitchFamily="18" charset="0"/>
                         <a:ea typeface="Times New Roman" panose="02020603050405020304" pitchFamily="18" charset="0"/>
@@ -22638,12 +22564,12 @@
                         </a:spcAft>
                       </a:pPr>
                       <a:r>
-                        <a:rPr lang="en-US" sz="900">
+                        <a:rPr lang="en-US" sz="1400">
                           <a:effectLst/>
                         </a:rPr>
                         <a:t>4c</a:t>
                       </a:r>
-                      <a:endParaRPr lang="en-US" sz="900">
+                      <a:endParaRPr lang="en-US" sz="1400">
                         <a:effectLst/>
                         <a:latin typeface="Times New Roman" panose="02020603050405020304" pitchFamily="18" charset="0"/>
                         <a:ea typeface="Times New Roman" panose="02020603050405020304" pitchFamily="18" charset="0"/>
@@ -22666,12 +22592,12 @@
                         </a:spcAft>
                       </a:pPr>
                       <a:r>
-                        <a:rPr lang="en-US" sz="900">
+                        <a:rPr lang="en-US" sz="1400">
                           <a:effectLst/>
                         </a:rPr>
                         <a:t>Email is of an invalid format, so the user is prompted for a valid email until a valid one is provided</a:t>
                       </a:r>
-                      <a:endParaRPr lang="en-US" sz="900">
+                      <a:endParaRPr lang="en-US" sz="1400">
                         <a:effectLst/>
                         <a:latin typeface="Times New Roman" panose="02020603050405020304" pitchFamily="18" charset="0"/>
                         <a:ea typeface="Times New Roman" panose="02020603050405020304" pitchFamily="18" charset="0"/>
@@ -22696,12 +22622,12 @@
                         </a:spcAft>
                       </a:pPr>
                       <a:r>
-                        <a:rPr lang="en-US" sz="900">
+                        <a:rPr lang="en-US" sz="1400">
                           <a:effectLst/>
                         </a:rPr>
                         <a:t>Open Issues</a:t>
                       </a:r>
-                      <a:endParaRPr lang="en-US" sz="900">
+                      <a:endParaRPr lang="en-US" sz="1400">
                         <a:effectLst/>
                         <a:latin typeface="Times New Roman" panose="02020603050405020304" pitchFamily="18" charset="0"/>
                         <a:ea typeface="Times New Roman" panose="02020603050405020304" pitchFamily="18" charset="0"/>
@@ -22724,12 +22650,12 @@
                         </a:spcAft>
                       </a:pPr>
                       <a:r>
-                        <a:rPr lang="en-US" sz="900" dirty="0">
+                        <a:rPr lang="en-US" sz="1400" dirty="0">
                           <a:effectLst/>
                         </a:rPr>
                         <a:t> </a:t>
                       </a:r>
-                      <a:endParaRPr lang="en-US" sz="900" dirty="0">
+                      <a:endParaRPr lang="en-US" sz="1400" dirty="0">
                         <a:effectLst/>
                         <a:latin typeface="Times New Roman" panose="02020603050405020304" pitchFamily="18" charset="0"/>
                         <a:ea typeface="Times New Roman" panose="02020603050405020304" pitchFamily="18" charset="0"/>
@@ -22800,7 +22726,7 @@
             <p:ph idx="1"/>
             <p:extLst>
               <p:ext uri="{D42A27DB-BD31-4B8C-83A1-F6EECF244321}">
-                <p14:modId xmlns:p14="http://schemas.microsoft.com/office/powerpoint/2010/main" val="2736003190"/>
+                <p14:modId xmlns:p14="http://schemas.microsoft.com/office/powerpoint/2010/main" val="701768407"/>
               </p:ext>
             </p:extLst>
           </p:nvPr>
@@ -22835,23 +22761,23 @@
                         </a:spcAft>
                       </a:pPr>
                       <a:r>
-                        <a:rPr lang="en-US" sz="1200" dirty="0">
+                        <a:rPr lang="en-US" sz="1400" dirty="0">
                           <a:effectLst/>
                         </a:rPr>
                         <a:t/>
                       </a:r>
                       <a:br>
-                        <a:rPr lang="en-US" sz="1200" dirty="0">
+                        <a:rPr lang="en-US" sz="1400" dirty="0">
                           <a:effectLst/>
                         </a:rPr>
                       </a:br>
                       <a:r>
-                        <a:rPr lang="en-US" sz="1200" dirty="0">
+                        <a:rPr lang="en-US" sz="1400" dirty="0">
                           <a:effectLst/>
                         </a:rPr>
                         <a:t>Number</a:t>
                       </a:r>
-                      <a:endParaRPr lang="en-US" sz="1200" dirty="0">
+                      <a:endParaRPr lang="en-US" sz="1400" dirty="0">
                         <a:effectLst/>
                         <a:latin typeface="Times New Roman" panose="02020603050405020304" pitchFamily="18" charset="0"/>
                         <a:ea typeface="Times New Roman" panose="02020603050405020304" pitchFamily="18" charset="0"/>
@@ -22874,12 +22800,12 @@
                         </a:spcAft>
                       </a:pPr>
                       <a:r>
-                        <a:rPr lang="en-US" sz="1200">
+                        <a:rPr lang="en-US" sz="1400">
                           <a:effectLst/>
                         </a:rPr>
                         <a:t>2</a:t>
                       </a:r>
-                      <a:endParaRPr lang="en-US" sz="1200">
+                      <a:endParaRPr lang="en-US" sz="1400">
                         <a:effectLst/>
                         <a:latin typeface="Times New Roman" panose="02020603050405020304" pitchFamily="18" charset="0"/>
                         <a:ea typeface="Times New Roman" panose="02020603050405020304" pitchFamily="18" charset="0"/>
@@ -22914,12 +22840,12 @@
                         </a:spcAft>
                       </a:pPr>
                       <a:r>
-                        <a:rPr lang="en-US" sz="1000" kern="0">
+                        <a:rPr lang="en-US" sz="1400" kern="0">
                           <a:effectLst/>
                         </a:rPr>
                         <a:t>Name</a:t>
                       </a:r>
-                      <a:endParaRPr lang="en-US" sz="1000" b="1" kern="0">
+                      <a:endParaRPr lang="en-US" sz="1400" b="1" kern="0">
                         <a:effectLst/>
                         <a:latin typeface="Times New Roman" panose="02020603050405020304" pitchFamily="18" charset="0"/>
                       </a:endParaRPr>
@@ -22941,12 +22867,12 @@
                         </a:spcAft>
                       </a:pPr>
                       <a:r>
-                        <a:rPr lang="en-US" sz="1200">
+                        <a:rPr lang="en-US" sz="1400" dirty="0">
                           <a:effectLst/>
                         </a:rPr>
                         <a:t>User logs in on the website</a:t>
                       </a:r>
-                      <a:endParaRPr lang="en-US" sz="1200">
+                      <a:endParaRPr lang="en-US" sz="1400" dirty="0">
                         <a:effectLst/>
                         <a:latin typeface="Times New Roman" panose="02020603050405020304" pitchFamily="18" charset="0"/>
                         <a:ea typeface="Times New Roman" panose="02020603050405020304" pitchFamily="18" charset="0"/>
@@ -22981,12 +22907,12 @@
                         </a:spcAft>
                       </a:pPr>
                       <a:r>
-                        <a:rPr lang="en-US" sz="1200">
+                        <a:rPr lang="en-US" sz="1400">
                           <a:effectLst/>
                         </a:rPr>
                         <a:t>Summary</a:t>
                       </a:r>
-                      <a:endParaRPr lang="en-US" sz="1200">
+                      <a:endParaRPr lang="en-US" sz="1400">
                         <a:effectLst/>
                         <a:latin typeface="Times New Roman" panose="02020603050405020304" pitchFamily="18" charset="0"/>
                         <a:ea typeface="Times New Roman" panose="02020603050405020304" pitchFamily="18" charset="0"/>
@@ -23009,12 +22935,12 @@
                         </a:spcAft>
                       </a:pPr>
                       <a:r>
-                        <a:rPr lang="en-US" sz="1200">
+                        <a:rPr lang="en-US" sz="1400">
                           <a:effectLst/>
                         </a:rPr>
                         <a:t>User enters login ID and password to log in to website</a:t>
                       </a:r>
-                      <a:endParaRPr lang="en-US" sz="1200">
+                      <a:endParaRPr lang="en-US" sz="1400">
                         <a:effectLst/>
                         <a:latin typeface="Times New Roman" panose="02020603050405020304" pitchFamily="18" charset="0"/>
                         <a:ea typeface="Times New Roman" panose="02020603050405020304" pitchFamily="18" charset="0"/>
@@ -23049,12 +22975,12 @@
                         </a:spcAft>
                       </a:pPr>
                       <a:r>
-                        <a:rPr lang="en-US" sz="1200">
+                        <a:rPr lang="en-US" sz="1400">
                           <a:effectLst/>
                         </a:rPr>
                         <a:t>Priority</a:t>
                       </a:r>
-                      <a:endParaRPr lang="en-US" sz="1200">
+                      <a:endParaRPr lang="en-US" sz="1400">
                         <a:effectLst/>
                         <a:latin typeface="Times New Roman" panose="02020603050405020304" pitchFamily="18" charset="0"/>
                         <a:ea typeface="Times New Roman" panose="02020603050405020304" pitchFamily="18" charset="0"/>
@@ -23077,12 +23003,12 @@
                         </a:spcAft>
                       </a:pPr>
                       <a:r>
-                        <a:rPr lang="en-US" sz="1200">
+                        <a:rPr lang="en-US" sz="1400">
                           <a:effectLst/>
                         </a:rPr>
                         <a:t>5 (Highest)</a:t>
                       </a:r>
-                      <a:endParaRPr lang="en-US" sz="1200">
+                      <a:endParaRPr lang="en-US" sz="1400">
                         <a:effectLst/>
                         <a:latin typeface="Times New Roman" panose="02020603050405020304" pitchFamily="18" charset="0"/>
                         <a:ea typeface="Times New Roman" panose="02020603050405020304" pitchFamily="18" charset="0"/>
@@ -23117,12 +23043,12 @@
                         </a:spcAft>
                       </a:pPr>
                       <a:r>
-                        <a:rPr lang="en-US" sz="1200">
+                        <a:rPr lang="en-US" sz="1400">
                           <a:effectLst/>
                         </a:rPr>
                         <a:t>Preconditions</a:t>
                       </a:r>
-                      <a:endParaRPr lang="en-US" sz="1200">
+                      <a:endParaRPr lang="en-US" sz="1400">
                         <a:effectLst/>
                         <a:latin typeface="Times New Roman" panose="02020603050405020304" pitchFamily="18" charset="0"/>
                         <a:ea typeface="Times New Roman" panose="02020603050405020304" pitchFamily="18" charset="0"/>
@@ -23145,12 +23071,12 @@
                         </a:spcAft>
                       </a:pPr>
                       <a:r>
-                        <a:rPr lang="en-US" sz="1200">
+                        <a:rPr lang="en-US" sz="1400">
                           <a:effectLst/>
                         </a:rPr>
                         <a:t>User is connected to the website</a:t>
                       </a:r>
-                      <a:endParaRPr lang="en-US" sz="1200">
+                      <a:endParaRPr lang="en-US" sz="1400">
                         <a:effectLst/>
                         <a:latin typeface="Times New Roman" panose="02020603050405020304" pitchFamily="18" charset="0"/>
                         <a:ea typeface="Times New Roman" panose="02020603050405020304" pitchFamily="18" charset="0"/>
@@ -23185,12 +23111,12 @@
                         </a:spcAft>
                       </a:pPr>
                       <a:r>
-                        <a:rPr lang="en-US" sz="1200" dirty="0" err="1">
+                        <a:rPr lang="en-US" sz="1400" dirty="0" err="1">
                           <a:effectLst/>
                         </a:rPr>
                         <a:t>Postconditions</a:t>
                       </a:r>
-                      <a:endParaRPr lang="en-US" sz="1200" dirty="0">
+                      <a:endParaRPr lang="en-US" sz="1400" dirty="0">
                         <a:effectLst/>
                         <a:latin typeface="Times New Roman" panose="02020603050405020304" pitchFamily="18" charset="0"/>
                         <a:ea typeface="Times New Roman" panose="02020603050405020304" pitchFamily="18" charset="0"/>
@@ -23213,12 +23139,12 @@
                         </a:spcAft>
                       </a:pPr>
                       <a:r>
-                        <a:rPr lang="en-US" sz="1200">
+                        <a:rPr lang="en-US" sz="1400">
                           <a:effectLst/>
                         </a:rPr>
                         <a:t>User is logged in on the website</a:t>
                       </a:r>
-                      <a:endParaRPr lang="en-US" sz="1200">
+                      <a:endParaRPr lang="en-US" sz="1400">
                         <a:effectLst/>
                         <a:latin typeface="Times New Roman" panose="02020603050405020304" pitchFamily="18" charset="0"/>
                         <a:ea typeface="Times New Roman" panose="02020603050405020304" pitchFamily="18" charset="0"/>
@@ -23253,12 +23179,12 @@
                         </a:spcAft>
                       </a:pPr>
                       <a:r>
-                        <a:rPr lang="en-US" sz="1200">
+                        <a:rPr lang="en-US" sz="1400">
                           <a:effectLst/>
                         </a:rPr>
                         <a:t>Primary Actor</a:t>
                       </a:r>
-                      <a:endParaRPr lang="en-US" sz="1200">
+                      <a:endParaRPr lang="en-US" sz="1400">
                         <a:effectLst/>
                         <a:latin typeface="Times New Roman" panose="02020603050405020304" pitchFamily="18" charset="0"/>
                         <a:ea typeface="Times New Roman" panose="02020603050405020304" pitchFamily="18" charset="0"/>
@@ -23281,12 +23207,12 @@
                         </a:spcAft>
                       </a:pPr>
                       <a:r>
-                        <a:rPr lang="en-US" sz="1200">
+                        <a:rPr lang="en-US" sz="1400">
                           <a:effectLst/>
                         </a:rPr>
                         <a:t>User</a:t>
                       </a:r>
-                      <a:endParaRPr lang="en-US" sz="1200">
+                      <a:endParaRPr lang="en-US" sz="1400">
                         <a:effectLst/>
                         <a:latin typeface="Times New Roman" panose="02020603050405020304" pitchFamily="18" charset="0"/>
                         <a:ea typeface="Times New Roman" panose="02020603050405020304" pitchFamily="18" charset="0"/>
@@ -23321,12 +23247,12 @@
                         </a:spcAft>
                       </a:pPr>
                       <a:r>
-                        <a:rPr lang="en-US" sz="1200">
+                        <a:rPr lang="en-US" sz="1400">
                           <a:effectLst/>
                         </a:rPr>
                         <a:t>Secondary Actors</a:t>
                       </a:r>
-                      <a:endParaRPr lang="en-US" sz="1200">
+                      <a:endParaRPr lang="en-US" sz="1400">
                         <a:effectLst/>
                         <a:latin typeface="Times New Roman" panose="02020603050405020304" pitchFamily="18" charset="0"/>
                         <a:ea typeface="Times New Roman" panose="02020603050405020304" pitchFamily="18" charset="0"/>
@@ -23349,12 +23275,12 @@
                         </a:spcAft>
                       </a:pPr>
                       <a:r>
-                        <a:rPr lang="en-US" sz="1200">
+                        <a:rPr lang="en-US" sz="1400">
                           <a:effectLst/>
                         </a:rPr>
                         <a:t>Server</a:t>
                       </a:r>
-                      <a:endParaRPr lang="en-US" sz="1200">
+                      <a:endParaRPr lang="en-US" sz="1400">
                         <a:effectLst/>
                         <a:latin typeface="Times New Roman" panose="02020603050405020304" pitchFamily="18" charset="0"/>
                         <a:ea typeface="Times New Roman" panose="02020603050405020304" pitchFamily="18" charset="0"/>
@@ -23389,12 +23315,12 @@
                         </a:spcAft>
                       </a:pPr>
                       <a:r>
-                        <a:rPr lang="en-US" sz="1200">
+                        <a:rPr lang="en-US" sz="1400">
                           <a:effectLst/>
                         </a:rPr>
                         <a:t>Trigger</a:t>
                       </a:r>
-                      <a:endParaRPr lang="en-US" sz="1200">
+                      <a:endParaRPr lang="en-US" sz="1400">
                         <a:effectLst/>
                         <a:latin typeface="Times New Roman" panose="02020603050405020304" pitchFamily="18" charset="0"/>
                         <a:ea typeface="Times New Roman" panose="02020603050405020304" pitchFamily="18" charset="0"/>
@@ -23417,12 +23343,12 @@
                         </a:spcAft>
                       </a:pPr>
                       <a:r>
-                        <a:rPr lang="en-US" sz="1200">
+                        <a:rPr lang="en-US" sz="1400">
                           <a:effectLst/>
                         </a:rPr>
                         <a:t>User clicks the log in button</a:t>
                       </a:r>
-                      <a:endParaRPr lang="en-US" sz="1200">
+                      <a:endParaRPr lang="en-US" sz="1400">
                         <a:effectLst/>
                         <a:latin typeface="Times New Roman" panose="02020603050405020304" pitchFamily="18" charset="0"/>
                         <a:ea typeface="Times New Roman" panose="02020603050405020304" pitchFamily="18" charset="0"/>
@@ -23457,12 +23383,12 @@
                         </a:spcAft>
                       </a:pPr>
                       <a:r>
-                        <a:rPr lang="en-US" sz="1200">
+                        <a:rPr lang="en-US" sz="1400">
                           <a:effectLst/>
                         </a:rPr>
                         <a:t>Main Scenario</a:t>
                       </a:r>
-                      <a:endParaRPr lang="en-US" sz="1200">
+                      <a:endParaRPr lang="en-US" sz="1400">
                         <a:effectLst/>
                         <a:latin typeface="Times New Roman" panose="02020603050405020304" pitchFamily="18" charset="0"/>
                         <a:ea typeface="Times New Roman" panose="02020603050405020304" pitchFamily="18" charset="0"/>
@@ -23485,12 +23411,12 @@
                         </a:spcAft>
                       </a:pPr>
                       <a:r>
-                        <a:rPr lang="en-US" sz="1200">
+                        <a:rPr lang="en-US" sz="1400">
                           <a:effectLst/>
                         </a:rPr>
                         <a:t>Step </a:t>
                       </a:r>
-                      <a:endParaRPr lang="en-US" sz="1200">
+                      <a:endParaRPr lang="en-US" sz="1400">
                         <a:effectLst/>
                         <a:latin typeface="Times New Roman" panose="02020603050405020304" pitchFamily="18" charset="0"/>
                         <a:ea typeface="Times New Roman" panose="02020603050405020304" pitchFamily="18" charset="0"/>
@@ -23513,12 +23439,12 @@
                         </a:spcAft>
                       </a:pPr>
                       <a:r>
-                        <a:rPr lang="en-US" sz="1200">
+                        <a:rPr lang="en-US" sz="1400">
                           <a:effectLst/>
                         </a:rPr>
                         <a:t>Action</a:t>
                       </a:r>
-                      <a:endParaRPr lang="en-US" sz="1200">
+                      <a:endParaRPr lang="en-US" sz="1400">
                         <a:effectLst/>
                         <a:latin typeface="Times New Roman" panose="02020603050405020304" pitchFamily="18" charset="0"/>
                         <a:ea typeface="Times New Roman" panose="02020603050405020304" pitchFamily="18" charset="0"/>
@@ -23543,12 +23469,12 @@
                         </a:spcAft>
                       </a:pPr>
                       <a:r>
-                        <a:rPr lang="en-US" sz="1200">
+                        <a:rPr lang="en-US" sz="1400">
                           <a:effectLst/>
                         </a:rPr>
                         <a:t> </a:t>
                       </a:r>
-                      <a:endParaRPr lang="en-US" sz="1200">
+                      <a:endParaRPr lang="en-US" sz="1400">
                         <a:effectLst/>
                         <a:latin typeface="Times New Roman" panose="02020603050405020304" pitchFamily="18" charset="0"/>
                         <a:ea typeface="Times New Roman" panose="02020603050405020304" pitchFamily="18" charset="0"/>
@@ -23571,12 +23497,12 @@
                         </a:spcAft>
                       </a:pPr>
                       <a:r>
-                        <a:rPr lang="en-US" sz="1200">
+                        <a:rPr lang="en-US" sz="1400">
                           <a:effectLst/>
                         </a:rPr>
                         <a:t>1</a:t>
                       </a:r>
-                      <a:endParaRPr lang="en-US" sz="1200">
+                      <a:endParaRPr lang="en-US" sz="1400">
                         <a:effectLst/>
                         <a:latin typeface="Times New Roman" panose="02020603050405020304" pitchFamily="18" charset="0"/>
                         <a:ea typeface="Times New Roman" panose="02020603050405020304" pitchFamily="18" charset="0"/>
@@ -23599,12 +23525,12 @@
                         </a:spcAft>
                       </a:pPr>
                       <a:r>
-                        <a:rPr lang="en-US" sz="1200">
+                        <a:rPr lang="en-US" sz="1400">
                           <a:effectLst/>
                         </a:rPr>
                         <a:t>User clicks log in button</a:t>
                       </a:r>
-                      <a:endParaRPr lang="en-US" sz="1200">
+                      <a:endParaRPr lang="en-US" sz="1400">
                         <a:effectLst/>
                         <a:latin typeface="Times New Roman" panose="02020603050405020304" pitchFamily="18" charset="0"/>
                         <a:ea typeface="Times New Roman" panose="02020603050405020304" pitchFamily="18" charset="0"/>
@@ -23629,12 +23555,12 @@
                         </a:spcAft>
                       </a:pPr>
                       <a:r>
-                        <a:rPr lang="en-US" sz="1200">
+                        <a:rPr lang="en-US" sz="1400">
                           <a:effectLst/>
                         </a:rPr>
                         <a:t> </a:t>
                       </a:r>
-                      <a:endParaRPr lang="en-US" sz="1200">
+                      <a:endParaRPr lang="en-US" sz="1400">
                         <a:effectLst/>
                         <a:latin typeface="Times New Roman" panose="02020603050405020304" pitchFamily="18" charset="0"/>
                         <a:ea typeface="Times New Roman" panose="02020603050405020304" pitchFamily="18" charset="0"/>
@@ -23657,12 +23583,12 @@
                         </a:spcAft>
                       </a:pPr>
                       <a:r>
-                        <a:rPr lang="en-US" sz="1200">
+                        <a:rPr lang="en-US" sz="1400">
                           <a:effectLst/>
                         </a:rPr>
                         <a:t>2</a:t>
                       </a:r>
-                      <a:endParaRPr lang="en-US" sz="1200">
+                      <a:endParaRPr lang="en-US" sz="1400">
                         <a:effectLst/>
                         <a:latin typeface="Times New Roman" panose="02020603050405020304" pitchFamily="18" charset="0"/>
                         <a:ea typeface="Times New Roman" panose="02020603050405020304" pitchFamily="18" charset="0"/>
@@ -23685,12 +23611,12 @@
                         </a:spcAft>
                       </a:pPr>
                       <a:r>
-                        <a:rPr lang="en-US" sz="1200">
+                        <a:rPr lang="en-US" sz="1400">
                           <a:effectLst/>
                         </a:rPr>
                         <a:t>User is prompted to enter an ID and password</a:t>
                       </a:r>
-                      <a:endParaRPr lang="en-US" sz="1200">
+                      <a:endParaRPr lang="en-US" sz="1400">
                         <a:effectLst/>
                         <a:latin typeface="Times New Roman" panose="02020603050405020304" pitchFamily="18" charset="0"/>
                         <a:ea typeface="Times New Roman" panose="02020603050405020304" pitchFamily="18" charset="0"/>
@@ -23715,12 +23641,12 @@
                         </a:spcAft>
                       </a:pPr>
                       <a:r>
-                        <a:rPr lang="en-US" sz="1200">
+                        <a:rPr lang="en-US" sz="1400">
                           <a:effectLst/>
                         </a:rPr>
                         <a:t> </a:t>
                       </a:r>
-                      <a:endParaRPr lang="en-US" sz="1200">
+                      <a:endParaRPr lang="en-US" sz="1400">
                         <a:effectLst/>
                         <a:latin typeface="Times New Roman" panose="02020603050405020304" pitchFamily="18" charset="0"/>
                         <a:ea typeface="Times New Roman" panose="02020603050405020304" pitchFamily="18" charset="0"/>
@@ -23743,12 +23669,12 @@
                         </a:spcAft>
                       </a:pPr>
                       <a:r>
-                        <a:rPr lang="en-US" sz="1200">
+                        <a:rPr lang="en-US" sz="1400">
                           <a:effectLst/>
                         </a:rPr>
                         <a:t>3</a:t>
                       </a:r>
-                      <a:endParaRPr lang="en-US" sz="1200">
+                      <a:endParaRPr lang="en-US" sz="1400">
                         <a:effectLst/>
                         <a:latin typeface="Times New Roman" panose="02020603050405020304" pitchFamily="18" charset="0"/>
                         <a:ea typeface="Times New Roman" panose="02020603050405020304" pitchFamily="18" charset="0"/>
@@ -23771,12 +23697,12 @@
                         </a:spcAft>
                       </a:pPr>
                       <a:r>
-                        <a:rPr lang="en-US" sz="1200">
+                        <a:rPr lang="en-US" sz="1400">
                           <a:effectLst/>
                         </a:rPr>
                         <a:t>User enters their ID and password and clicks “ok”</a:t>
                       </a:r>
-                      <a:endParaRPr lang="en-US" sz="1200">
+                      <a:endParaRPr lang="en-US" sz="1400">
                         <a:effectLst/>
                         <a:latin typeface="Times New Roman" panose="02020603050405020304" pitchFamily="18" charset="0"/>
                         <a:ea typeface="Times New Roman" panose="02020603050405020304" pitchFamily="18" charset="0"/>
@@ -23801,12 +23727,12 @@
                         </a:spcAft>
                       </a:pPr>
                       <a:r>
-                        <a:rPr lang="en-US" sz="1200">
+                        <a:rPr lang="en-US" sz="1400">
                           <a:effectLst/>
                         </a:rPr>
                         <a:t> </a:t>
                       </a:r>
-                      <a:endParaRPr lang="en-US" sz="1200">
+                      <a:endParaRPr lang="en-US" sz="1400">
                         <a:effectLst/>
                         <a:latin typeface="Times New Roman" panose="02020603050405020304" pitchFamily="18" charset="0"/>
                         <a:ea typeface="Times New Roman" panose="02020603050405020304" pitchFamily="18" charset="0"/>
@@ -23829,12 +23755,12 @@
                         </a:spcAft>
                       </a:pPr>
                       <a:r>
-                        <a:rPr lang="en-US" sz="1200">
+                        <a:rPr lang="en-US" sz="1400">
                           <a:effectLst/>
                         </a:rPr>
                         <a:t>4</a:t>
                       </a:r>
-                      <a:endParaRPr lang="en-US" sz="1200">
+                      <a:endParaRPr lang="en-US" sz="1400">
                         <a:effectLst/>
                         <a:latin typeface="Times New Roman" panose="02020603050405020304" pitchFamily="18" charset="0"/>
                         <a:ea typeface="Times New Roman" panose="02020603050405020304" pitchFamily="18" charset="0"/>
@@ -23857,12 +23783,12 @@
                         </a:spcAft>
                       </a:pPr>
                       <a:r>
-                        <a:rPr lang="en-US" sz="1200">
+                        <a:rPr lang="en-US" sz="1400">
                           <a:effectLst/>
                         </a:rPr>
                         <a:t>ID and password are sent to the server for verification</a:t>
                       </a:r>
-                      <a:endParaRPr lang="en-US" sz="1200">
+                      <a:endParaRPr lang="en-US" sz="1400">
                         <a:effectLst/>
                         <a:latin typeface="Times New Roman" panose="02020603050405020304" pitchFamily="18" charset="0"/>
                         <a:ea typeface="Times New Roman" panose="02020603050405020304" pitchFamily="18" charset="0"/>
@@ -23887,12 +23813,12 @@
                         </a:spcAft>
                       </a:pPr>
                       <a:r>
-                        <a:rPr lang="en-US" sz="1200">
+                        <a:rPr lang="en-US" sz="1400">
                           <a:effectLst/>
                         </a:rPr>
                         <a:t> </a:t>
                       </a:r>
-                      <a:endParaRPr lang="en-US" sz="1200">
+                      <a:endParaRPr lang="en-US" sz="1400">
                         <a:effectLst/>
                         <a:latin typeface="Times New Roman" panose="02020603050405020304" pitchFamily="18" charset="0"/>
                         <a:ea typeface="Times New Roman" panose="02020603050405020304" pitchFamily="18" charset="0"/>
@@ -23915,12 +23841,12 @@
                         </a:spcAft>
                       </a:pPr>
                       <a:r>
-                        <a:rPr lang="en-US" sz="1200">
+                        <a:rPr lang="en-US" sz="1400">
                           <a:effectLst/>
                         </a:rPr>
                         <a:t>5</a:t>
                       </a:r>
-                      <a:endParaRPr lang="en-US" sz="1200">
+                      <a:endParaRPr lang="en-US" sz="1400">
                         <a:effectLst/>
                         <a:latin typeface="Times New Roman" panose="02020603050405020304" pitchFamily="18" charset="0"/>
                         <a:ea typeface="Times New Roman" panose="02020603050405020304" pitchFamily="18" charset="0"/>
@@ -23943,12 +23869,12 @@
                         </a:spcAft>
                       </a:pPr>
                       <a:r>
-                        <a:rPr lang="en-US" sz="1200">
+                        <a:rPr lang="en-US" sz="1400">
                           <a:effectLst/>
                         </a:rPr>
                         <a:t>User is now logged in to the server</a:t>
                       </a:r>
-                      <a:endParaRPr lang="en-US" sz="1200">
+                      <a:endParaRPr lang="en-US" sz="1400">
                         <a:effectLst/>
                         <a:latin typeface="Times New Roman" panose="02020603050405020304" pitchFamily="18" charset="0"/>
                         <a:ea typeface="Times New Roman" panose="02020603050405020304" pitchFamily="18" charset="0"/>
@@ -23973,12 +23899,12 @@
                         </a:spcAft>
                       </a:pPr>
                       <a:r>
-                        <a:rPr lang="en-US" sz="1200">
+                        <a:rPr lang="en-US" sz="1400">
                           <a:effectLst/>
                         </a:rPr>
                         <a:t>Extensions</a:t>
                       </a:r>
-                      <a:endParaRPr lang="en-US" sz="1200">
+                      <a:endParaRPr lang="en-US" sz="1400">
                         <a:effectLst/>
                         <a:latin typeface="Times New Roman" panose="02020603050405020304" pitchFamily="18" charset="0"/>
                         <a:ea typeface="Times New Roman" panose="02020603050405020304" pitchFamily="18" charset="0"/>
@@ -24001,12 +23927,12 @@
                         </a:spcAft>
                       </a:pPr>
                       <a:r>
-                        <a:rPr lang="en-US" sz="1200">
+                        <a:rPr lang="en-US" sz="1400">
                           <a:effectLst/>
                         </a:rPr>
                         <a:t>Step</a:t>
                       </a:r>
-                      <a:endParaRPr lang="en-US" sz="1200">
+                      <a:endParaRPr lang="en-US" sz="1400">
                         <a:effectLst/>
                         <a:latin typeface="Times New Roman" panose="02020603050405020304" pitchFamily="18" charset="0"/>
                         <a:ea typeface="Times New Roman" panose="02020603050405020304" pitchFamily="18" charset="0"/>
@@ -24029,12 +23955,12 @@
                         </a:spcAft>
                       </a:pPr>
                       <a:r>
-                        <a:rPr lang="en-US" sz="1200">
+                        <a:rPr lang="en-US" sz="1400">
                           <a:effectLst/>
                         </a:rPr>
                         <a:t>Branching Action</a:t>
                       </a:r>
-                      <a:endParaRPr lang="en-US" sz="1200">
+                      <a:endParaRPr lang="en-US" sz="1400">
                         <a:effectLst/>
                         <a:latin typeface="Times New Roman" panose="02020603050405020304" pitchFamily="18" charset="0"/>
                         <a:ea typeface="Times New Roman" panose="02020603050405020304" pitchFamily="18" charset="0"/>
@@ -24059,12 +23985,12 @@
                         </a:spcAft>
                       </a:pPr>
                       <a:r>
-                        <a:rPr lang="en-US" sz="1200">
+                        <a:rPr lang="en-US" sz="1400">
                           <a:effectLst/>
                         </a:rPr>
                         <a:t> </a:t>
                       </a:r>
-                      <a:endParaRPr lang="en-US" sz="1200">
+                      <a:endParaRPr lang="en-US" sz="1400">
                         <a:effectLst/>
                         <a:latin typeface="Times New Roman" panose="02020603050405020304" pitchFamily="18" charset="0"/>
                         <a:ea typeface="Times New Roman" panose="02020603050405020304" pitchFamily="18" charset="0"/>
@@ -24087,12 +24013,12 @@
                         </a:spcAft>
                       </a:pPr>
                       <a:r>
-                        <a:rPr lang="en-US" sz="1200">
+                        <a:rPr lang="en-US" sz="1400">
                           <a:effectLst/>
                         </a:rPr>
                         <a:t>4a</a:t>
                       </a:r>
-                      <a:endParaRPr lang="en-US" sz="1200">
+                      <a:endParaRPr lang="en-US" sz="1400">
                         <a:effectLst/>
                         <a:latin typeface="Times New Roman" panose="02020603050405020304" pitchFamily="18" charset="0"/>
                         <a:ea typeface="Times New Roman" panose="02020603050405020304" pitchFamily="18" charset="0"/>
@@ -24115,12 +24041,12 @@
                         </a:spcAft>
                       </a:pPr>
                       <a:r>
-                        <a:rPr lang="en-US" sz="1200">
+                        <a:rPr lang="en-US" sz="1400">
                           <a:effectLst/>
                         </a:rPr>
                         <a:t>User entered incorrect login information: is not logged in and is re-prompted for ID and password</a:t>
                       </a:r>
-                      <a:endParaRPr lang="en-US" sz="1200">
+                      <a:endParaRPr lang="en-US" sz="1400">
                         <a:effectLst/>
                         <a:latin typeface="Times New Roman" panose="02020603050405020304" pitchFamily="18" charset="0"/>
                         <a:ea typeface="Times New Roman" panose="02020603050405020304" pitchFamily="18" charset="0"/>
@@ -24145,12 +24071,12 @@
                         </a:spcAft>
                       </a:pPr>
                       <a:r>
-                        <a:rPr lang="en-US" sz="1200">
+                        <a:rPr lang="en-US" sz="1400">
                           <a:effectLst/>
                         </a:rPr>
                         <a:t>Open Issues</a:t>
                       </a:r>
-                      <a:endParaRPr lang="en-US" sz="1200">
+                      <a:endParaRPr lang="en-US" sz="1400">
                         <a:effectLst/>
                         <a:latin typeface="Times New Roman" panose="02020603050405020304" pitchFamily="18" charset="0"/>
                         <a:ea typeface="Times New Roman" panose="02020603050405020304" pitchFamily="18" charset="0"/>
@@ -24173,12 +24099,12 @@
                         </a:spcAft>
                       </a:pPr>
                       <a:r>
-                        <a:rPr lang="en-US" sz="1200" dirty="0">
+                        <a:rPr lang="en-US" sz="1400" dirty="0">
                           <a:effectLst/>
                         </a:rPr>
                         <a:t> </a:t>
                       </a:r>
-                      <a:endParaRPr lang="en-US" sz="1200" dirty="0">
+                      <a:endParaRPr lang="en-US" sz="1400" dirty="0">
                         <a:effectLst/>
                         <a:latin typeface="Times New Roman" panose="02020603050405020304" pitchFamily="18" charset="0"/>
                         <a:ea typeface="Times New Roman" panose="02020603050405020304" pitchFamily="18" charset="0"/>
@@ -24359,7 +24285,7 @@
             <p:ph idx="1"/>
             <p:extLst>
               <p:ext uri="{D42A27DB-BD31-4B8C-83A1-F6EECF244321}">
-                <p14:modId xmlns:p14="http://schemas.microsoft.com/office/powerpoint/2010/main" val="2664900670"/>
+                <p14:modId xmlns:p14="http://schemas.microsoft.com/office/powerpoint/2010/main" val="1984587167"/>
               </p:ext>
             </p:extLst>
           </p:nvPr>
@@ -24394,23 +24320,23 @@
                         </a:spcAft>
                       </a:pPr>
                       <a:r>
-                        <a:rPr lang="en-US" sz="1100" dirty="0">
+                        <a:rPr lang="en-US" sz="1400" dirty="0">
                           <a:effectLst/>
                         </a:rPr>
                         <a:t/>
                       </a:r>
                       <a:br>
-                        <a:rPr lang="en-US" sz="1100" dirty="0">
+                        <a:rPr lang="en-US" sz="1400" dirty="0">
                           <a:effectLst/>
                         </a:rPr>
                       </a:br>
                       <a:r>
-                        <a:rPr lang="en-US" sz="1100" dirty="0">
+                        <a:rPr lang="en-US" sz="1400" dirty="0">
                           <a:effectLst/>
                         </a:rPr>
                         <a:t>Number</a:t>
                       </a:r>
-                      <a:endParaRPr lang="en-US" sz="1100" dirty="0">
+                      <a:endParaRPr lang="en-US" sz="1400" dirty="0">
                         <a:effectLst/>
                         <a:latin typeface="Times New Roman" panose="02020603050405020304" pitchFamily="18" charset="0"/>
                         <a:ea typeface="Times New Roman" panose="02020603050405020304" pitchFamily="18" charset="0"/>
@@ -24433,12 +24359,12 @@
                         </a:spcAft>
                       </a:pPr>
                       <a:r>
-                        <a:rPr lang="en-US" sz="1100">
+                        <a:rPr lang="en-US" sz="1400">
                           <a:effectLst/>
                         </a:rPr>
                         <a:t>3</a:t>
                       </a:r>
-                      <a:endParaRPr lang="en-US" sz="1100">
+                      <a:endParaRPr lang="en-US" sz="1400">
                         <a:effectLst/>
                         <a:latin typeface="Times New Roman" panose="02020603050405020304" pitchFamily="18" charset="0"/>
                         <a:ea typeface="Times New Roman" panose="02020603050405020304" pitchFamily="18" charset="0"/>
@@ -24473,12 +24399,12 @@
                         </a:spcAft>
                       </a:pPr>
                       <a:r>
-                        <a:rPr lang="en-US" sz="900" kern="0" dirty="0">
+                        <a:rPr lang="en-US" sz="1400" kern="0" dirty="0">
                           <a:effectLst/>
                         </a:rPr>
                         <a:t>Name</a:t>
                       </a:r>
-                      <a:endParaRPr lang="en-US" sz="900" b="1" kern="0" dirty="0">
+                      <a:endParaRPr lang="en-US" sz="1400" b="1" kern="0" dirty="0">
                         <a:effectLst/>
                         <a:latin typeface="Times New Roman" panose="02020603050405020304" pitchFamily="18" charset="0"/>
                       </a:endParaRPr>
@@ -24500,12 +24426,12 @@
                         </a:spcAft>
                       </a:pPr>
                       <a:r>
-                        <a:rPr lang="en-US" sz="1100">
+                        <a:rPr lang="en-US" sz="1400">
                           <a:effectLst/>
                         </a:rPr>
                         <a:t>Customer Creates Job</a:t>
                       </a:r>
-                      <a:endParaRPr lang="en-US" sz="1100">
+                      <a:endParaRPr lang="en-US" sz="1400">
                         <a:effectLst/>
                         <a:latin typeface="Times New Roman" panose="02020603050405020304" pitchFamily="18" charset="0"/>
                         <a:ea typeface="Times New Roman" panose="02020603050405020304" pitchFamily="18" charset="0"/>
@@ -24540,12 +24466,12 @@
                         </a:spcAft>
                       </a:pPr>
                       <a:r>
-                        <a:rPr lang="en-US" sz="1100">
+                        <a:rPr lang="en-US" sz="1400">
                           <a:effectLst/>
                         </a:rPr>
                         <a:t>Summary</a:t>
                       </a:r>
-                      <a:endParaRPr lang="en-US" sz="1100">
+                      <a:endParaRPr lang="en-US" sz="1400">
                         <a:effectLst/>
                         <a:latin typeface="Times New Roman" panose="02020603050405020304" pitchFamily="18" charset="0"/>
                         <a:ea typeface="Times New Roman" panose="02020603050405020304" pitchFamily="18" charset="0"/>
@@ -24568,12 +24494,12 @@
                         </a:spcAft>
                       </a:pPr>
                       <a:r>
-                        <a:rPr lang="en-US" sz="1100">
+                        <a:rPr lang="en-US" sz="1400">
                           <a:effectLst/>
                         </a:rPr>
                         <a:t>Customer Creates a job which is then viewable on the website</a:t>
                       </a:r>
-                      <a:endParaRPr lang="en-US" sz="1100">
+                      <a:endParaRPr lang="en-US" sz="1400">
                         <a:effectLst/>
                         <a:latin typeface="Times New Roman" panose="02020603050405020304" pitchFamily="18" charset="0"/>
                         <a:ea typeface="Times New Roman" panose="02020603050405020304" pitchFamily="18" charset="0"/>
@@ -24608,12 +24534,12 @@
                         </a:spcAft>
                       </a:pPr>
                       <a:r>
-                        <a:rPr lang="en-US" sz="1100">
+                        <a:rPr lang="en-US" sz="1400">
                           <a:effectLst/>
                         </a:rPr>
                         <a:t>Priority</a:t>
                       </a:r>
-                      <a:endParaRPr lang="en-US" sz="1100">
+                      <a:endParaRPr lang="en-US" sz="1400">
                         <a:effectLst/>
                         <a:latin typeface="Times New Roman" panose="02020603050405020304" pitchFamily="18" charset="0"/>
                         <a:ea typeface="Times New Roman" panose="02020603050405020304" pitchFamily="18" charset="0"/>
@@ -24636,12 +24562,12 @@
                         </a:spcAft>
                       </a:pPr>
                       <a:r>
-                        <a:rPr lang="en-US" sz="1100">
+                        <a:rPr lang="en-US" sz="1400">
                           <a:effectLst/>
                         </a:rPr>
                         <a:t>5 (Highest)</a:t>
                       </a:r>
-                      <a:endParaRPr lang="en-US" sz="1100">
+                      <a:endParaRPr lang="en-US" sz="1400">
                         <a:effectLst/>
                         <a:latin typeface="Times New Roman" panose="02020603050405020304" pitchFamily="18" charset="0"/>
                         <a:ea typeface="Times New Roman" panose="02020603050405020304" pitchFamily="18" charset="0"/>
@@ -24676,12 +24602,12 @@
                         </a:spcAft>
                       </a:pPr>
                       <a:r>
-                        <a:rPr lang="en-US" sz="1100">
+                        <a:rPr lang="en-US" sz="1400">
                           <a:effectLst/>
                         </a:rPr>
                         <a:t>Preconditions</a:t>
                       </a:r>
-                      <a:endParaRPr lang="en-US" sz="1100">
+                      <a:endParaRPr lang="en-US" sz="1400">
                         <a:effectLst/>
                         <a:latin typeface="Times New Roman" panose="02020603050405020304" pitchFamily="18" charset="0"/>
                         <a:ea typeface="Times New Roman" panose="02020603050405020304" pitchFamily="18" charset="0"/>
@@ -24704,12 +24630,12 @@
                         </a:spcAft>
                       </a:pPr>
                       <a:r>
-                        <a:rPr lang="en-US" sz="1100">
+                        <a:rPr lang="en-US" sz="1400">
                           <a:effectLst/>
                         </a:rPr>
                         <a:t>Customer is logged in already </a:t>
                       </a:r>
-                      <a:endParaRPr lang="en-US" sz="1100">
+                      <a:endParaRPr lang="en-US" sz="1400">
                         <a:effectLst/>
                         <a:latin typeface="Times New Roman" panose="02020603050405020304" pitchFamily="18" charset="0"/>
                         <a:ea typeface="Times New Roman" panose="02020603050405020304" pitchFamily="18" charset="0"/>
@@ -24744,12 +24670,12 @@
                         </a:spcAft>
                       </a:pPr>
                       <a:r>
-                        <a:rPr lang="en-US" sz="1100">
+                        <a:rPr lang="en-US" sz="1400">
                           <a:effectLst/>
                         </a:rPr>
                         <a:t>Postconditions</a:t>
                       </a:r>
-                      <a:endParaRPr lang="en-US" sz="1100">
+                      <a:endParaRPr lang="en-US" sz="1400">
                         <a:effectLst/>
                         <a:latin typeface="Times New Roman" panose="02020603050405020304" pitchFamily="18" charset="0"/>
                         <a:ea typeface="Times New Roman" panose="02020603050405020304" pitchFamily="18" charset="0"/>
@@ -24772,12 +24698,12 @@
                         </a:spcAft>
                       </a:pPr>
                       <a:r>
-                        <a:rPr lang="en-US" sz="1100">
+                        <a:rPr lang="en-US" sz="1400">
                           <a:effectLst/>
                         </a:rPr>
                         <a:t>Job is created and listed on the website when searched for using proper criteria</a:t>
                       </a:r>
-                      <a:endParaRPr lang="en-US" sz="1100">
+                      <a:endParaRPr lang="en-US" sz="1400">
                         <a:effectLst/>
                         <a:latin typeface="Times New Roman" panose="02020603050405020304" pitchFamily="18" charset="0"/>
                         <a:ea typeface="Times New Roman" panose="02020603050405020304" pitchFamily="18" charset="0"/>
@@ -24812,12 +24738,12 @@
                         </a:spcAft>
                       </a:pPr>
                       <a:r>
-                        <a:rPr lang="en-US" sz="1100">
+                        <a:rPr lang="en-US" sz="1400">
                           <a:effectLst/>
                         </a:rPr>
                         <a:t>Primary Actor</a:t>
                       </a:r>
-                      <a:endParaRPr lang="en-US" sz="1100">
+                      <a:endParaRPr lang="en-US" sz="1400">
                         <a:effectLst/>
                         <a:latin typeface="Times New Roman" panose="02020603050405020304" pitchFamily="18" charset="0"/>
                         <a:ea typeface="Times New Roman" panose="02020603050405020304" pitchFamily="18" charset="0"/>
@@ -24840,12 +24766,12 @@
                         </a:spcAft>
                       </a:pPr>
                       <a:r>
-                        <a:rPr lang="en-US" sz="1100">
+                        <a:rPr lang="en-US" sz="1400" dirty="0">
                           <a:effectLst/>
                         </a:rPr>
                         <a:t>User (Customer)</a:t>
                       </a:r>
-                      <a:endParaRPr lang="en-US" sz="1100">
+                      <a:endParaRPr lang="en-US" sz="1400" dirty="0">
                         <a:effectLst/>
                         <a:latin typeface="Times New Roman" panose="02020603050405020304" pitchFamily="18" charset="0"/>
                         <a:ea typeface="Times New Roman" panose="02020603050405020304" pitchFamily="18" charset="0"/>
@@ -24880,12 +24806,12 @@
                         </a:spcAft>
                       </a:pPr>
                       <a:r>
-                        <a:rPr lang="en-US" sz="1100">
+                        <a:rPr lang="en-US" sz="1400">
                           <a:effectLst/>
                         </a:rPr>
                         <a:t>Secondary Actors</a:t>
                       </a:r>
-                      <a:endParaRPr lang="en-US" sz="1100">
+                      <a:endParaRPr lang="en-US" sz="1400">
                         <a:effectLst/>
                         <a:latin typeface="Times New Roman" panose="02020603050405020304" pitchFamily="18" charset="0"/>
                         <a:ea typeface="Times New Roman" panose="02020603050405020304" pitchFamily="18" charset="0"/>
@@ -24908,12 +24834,12 @@
                         </a:spcAft>
                       </a:pPr>
                       <a:r>
-                        <a:rPr lang="en-US" sz="1100">
+                        <a:rPr lang="en-US" sz="1400">
                           <a:effectLst/>
                         </a:rPr>
                         <a:t>Server</a:t>
                       </a:r>
-                      <a:endParaRPr lang="en-US" sz="1100">
+                      <a:endParaRPr lang="en-US" sz="1400">
                         <a:effectLst/>
                         <a:latin typeface="Times New Roman" panose="02020603050405020304" pitchFamily="18" charset="0"/>
                         <a:ea typeface="Times New Roman" panose="02020603050405020304" pitchFamily="18" charset="0"/>
@@ -24948,12 +24874,12 @@
                         </a:spcAft>
                       </a:pPr>
                       <a:r>
-                        <a:rPr lang="en-US" sz="1100">
+                        <a:rPr lang="en-US" sz="1400">
                           <a:effectLst/>
                         </a:rPr>
                         <a:t>Trigger</a:t>
                       </a:r>
-                      <a:endParaRPr lang="en-US" sz="1100">
+                      <a:endParaRPr lang="en-US" sz="1400">
                         <a:effectLst/>
                         <a:latin typeface="Times New Roman" panose="02020603050405020304" pitchFamily="18" charset="0"/>
                         <a:ea typeface="Times New Roman" panose="02020603050405020304" pitchFamily="18" charset="0"/>
@@ -24976,12 +24902,12 @@
                         </a:spcAft>
                       </a:pPr>
                       <a:r>
-                        <a:rPr lang="en-US" sz="1100">
+                        <a:rPr lang="en-US" sz="1400">
                           <a:effectLst/>
                         </a:rPr>
                         <a:t>User clicks the “Create Job” button</a:t>
                       </a:r>
-                      <a:endParaRPr lang="en-US" sz="1100">
+                      <a:endParaRPr lang="en-US" sz="1400">
                         <a:effectLst/>
                         <a:latin typeface="Times New Roman" panose="02020603050405020304" pitchFamily="18" charset="0"/>
                         <a:ea typeface="Times New Roman" panose="02020603050405020304" pitchFamily="18" charset="0"/>
@@ -25016,12 +24942,12 @@
                         </a:spcAft>
                       </a:pPr>
                       <a:r>
-                        <a:rPr lang="en-US" sz="1100">
+                        <a:rPr lang="en-US" sz="1400">
                           <a:effectLst/>
                         </a:rPr>
                         <a:t>Main Scenario</a:t>
                       </a:r>
-                      <a:endParaRPr lang="en-US" sz="1100">
+                      <a:endParaRPr lang="en-US" sz="1400">
                         <a:effectLst/>
                         <a:latin typeface="Times New Roman" panose="02020603050405020304" pitchFamily="18" charset="0"/>
                         <a:ea typeface="Times New Roman" panose="02020603050405020304" pitchFamily="18" charset="0"/>
@@ -25044,12 +24970,12 @@
                         </a:spcAft>
                       </a:pPr>
                       <a:r>
-                        <a:rPr lang="en-US" sz="1100">
+                        <a:rPr lang="en-US" sz="1400">
                           <a:effectLst/>
                         </a:rPr>
                         <a:t>Step </a:t>
                       </a:r>
-                      <a:endParaRPr lang="en-US" sz="1100">
+                      <a:endParaRPr lang="en-US" sz="1400">
                         <a:effectLst/>
                         <a:latin typeface="Times New Roman" panose="02020603050405020304" pitchFamily="18" charset="0"/>
                         <a:ea typeface="Times New Roman" panose="02020603050405020304" pitchFamily="18" charset="0"/>
@@ -25072,12 +24998,12 @@
                         </a:spcAft>
                       </a:pPr>
                       <a:r>
-                        <a:rPr lang="en-US" sz="1100">
+                        <a:rPr lang="en-US" sz="1400">
                           <a:effectLst/>
                         </a:rPr>
                         <a:t>Action</a:t>
                       </a:r>
-                      <a:endParaRPr lang="en-US" sz="1100">
+                      <a:endParaRPr lang="en-US" sz="1400">
                         <a:effectLst/>
                         <a:latin typeface="Times New Roman" panose="02020603050405020304" pitchFamily="18" charset="0"/>
                         <a:ea typeface="Times New Roman" panose="02020603050405020304" pitchFamily="18" charset="0"/>
@@ -25102,12 +25028,12 @@
                         </a:spcAft>
                       </a:pPr>
                       <a:r>
-                        <a:rPr lang="en-US" sz="1100">
+                        <a:rPr lang="en-US" sz="1400">
                           <a:effectLst/>
                         </a:rPr>
                         <a:t> </a:t>
                       </a:r>
-                      <a:endParaRPr lang="en-US" sz="1100">
+                      <a:endParaRPr lang="en-US" sz="1400">
                         <a:effectLst/>
                         <a:latin typeface="Times New Roman" panose="02020603050405020304" pitchFamily="18" charset="0"/>
                         <a:ea typeface="Times New Roman" panose="02020603050405020304" pitchFamily="18" charset="0"/>
@@ -25130,12 +25056,12 @@
                         </a:spcAft>
                       </a:pPr>
                       <a:r>
-                        <a:rPr lang="en-US" sz="1100">
+                        <a:rPr lang="en-US" sz="1400">
                           <a:effectLst/>
                         </a:rPr>
                         <a:t>1</a:t>
                       </a:r>
-                      <a:endParaRPr lang="en-US" sz="1100">
+                      <a:endParaRPr lang="en-US" sz="1400">
                         <a:effectLst/>
                         <a:latin typeface="Times New Roman" panose="02020603050405020304" pitchFamily="18" charset="0"/>
                         <a:ea typeface="Times New Roman" panose="02020603050405020304" pitchFamily="18" charset="0"/>
@@ -25158,12 +25084,12 @@
                         </a:spcAft>
                       </a:pPr>
                       <a:r>
-                        <a:rPr lang="en-US" sz="1100">
+                        <a:rPr lang="en-US" sz="1400">
                           <a:effectLst/>
                         </a:rPr>
                         <a:t>User clicks “create job” button</a:t>
                       </a:r>
-                      <a:endParaRPr lang="en-US" sz="1100">
+                      <a:endParaRPr lang="en-US" sz="1400">
                         <a:effectLst/>
                         <a:latin typeface="Times New Roman" panose="02020603050405020304" pitchFamily="18" charset="0"/>
                         <a:ea typeface="Times New Roman" panose="02020603050405020304" pitchFamily="18" charset="0"/>
@@ -25188,12 +25114,12 @@
                         </a:spcAft>
                       </a:pPr>
                       <a:r>
-                        <a:rPr lang="en-US" sz="1100">
+                        <a:rPr lang="en-US" sz="1400">
                           <a:effectLst/>
                         </a:rPr>
                         <a:t> </a:t>
                       </a:r>
-                      <a:endParaRPr lang="en-US" sz="1100">
+                      <a:endParaRPr lang="en-US" sz="1400">
                         <a:effectLst/>
                         <a:latin typeface="Times New Roman" panose="02020603050405020304" pitchFamily="18" charset="0"/>
                         <a:ea typeface="Times New Roman" panose="02020603050405020304" pitchFamily="18" charset="0"/>
@@ -25216,12 +25142,12 @@
                         </a:spcAft>
                       </a:pPr>
                       <a:r>
-                        <a:rPr lang="en-US" sz="1100">
+                        <a:rPr lang="en-US" sz="1400">
                           <a:effectLst/>
                         </a:rPr>
                         <a:t>2</a:t>
                       </a:r>
-                      <a:endParaRPr lang="en-US" sz="1100">
+                      <a:endParaRPr lang="en-US" sz="1400">
                         <a:effectLst/>
                         <a:latin typeface="Times New Roman" panose="02020603050405020304" pitchFamily="18" charset="0"/>
                         <a:ea typeface="Times New Roman" panose="02020603050405020304" pitchFamily="18" charset="0"/>
@@ -25244,12 +25170,12 @@
                         </a:spcAft>
                       </a:pPr>
                       <a:r>
-                        <a:rPr lang="en-US" sz="1100">
+                        <a:rPr lang="en-US" sz="1400">
                           <a:effectLst/>
                         </a:rPr>
                         <a:t>User is prompted to enter information about the job, such as type of work desired, price, first name, and address</a:t>
                       </a:r>
-                      <a:endParaRPr lang="en-US" sz="1100">
+                      <a:endParaRPr lang="en-US" sz="1400">
                         <a:effectLst/>
                         <a:latin typeface="Times New Roman" panose="02020603050405020304" pitchFamily="18" charset="0"/>
                         <a:ea typeface="Times New Roman" panose="02020603050405020304" pitchFamily="18" charset="0"/>
@@ -25274,12 +25200,12 @@
                         </a:spcAft>
                       </a:pPr>
                       <a:r>
-                        <a:rPr lang="en-US" sz="1100">
+                        <a:rPr lang="en-US" sz="1400">
                           <a:effectLst/>
                         </a:rPr>
                         <a:t> </a:t>
                       </a:r>
-                      <a:endParaRPr lang="en-US" sz="1100">
+                      <a:endParaRPr lang="en-US" sz="1400">
                         <a:effectLst/>
                         <a:latin typeface="Times New Roman" panose="02020603050405020304" pitchFamily="18" charset="0"/>
                         <a:ea typeface="Times New Roman" panose="02020603050405020304" pitchFamily="18" charset="0"/>
@@ -25302,12 +25228,12 @@
                         </a:spcAft>
                       </a:pPr>
                       <a:r>
-                        <a:rPr lang="en-US" sz="1100">
+                        <a:rPr lang="en-US" sz="1400">
                           <a:effectLst/>
                         </a:rPr>
                         <a:t>3</a:t>
                       </a:r>
-                      <a:endParaRPr lang="en-US" sz="1100">
+                      <a:endParaRPr lang="en-US" sz="1400">
                         <a:effectLst/>
                         <a:latin typeface="Times New Roman" panose="02020603050405020304" pitchFamily="18" charset="0"/>
                         <a:ea typeface="Times New Roman" panose="02020603050405020304" pitchFamily="18" charset="0"/>
@@ -25330,12 +25256,12 @@
                         </a:spcAft>
                       </a:pPr>
                       <a:r>
-                        <a:rPr lang="en-US" sz="1100">
+                        <a:rPr lang="en-US" sz="1400">
                           <a:effectLst/>
                         </a:rPr>
                         <a:t>User clicks “ok”</a:t>
                       </a:r>
-                      <a:endParaRPr lang="en-US" sz="1100">
+                      <a:endParaRPr lang="en-US" sz="1400">
                         <a:effectLst/>
                         <a:latin typeface="Times New Roman" panose="02020603050405020304" pitchFamily="18" charset="0"/>
                         <a:ea typeface="Times New Roman" panose="02020603050405020304" pitchFamily="18" charset="0"/>
@@ -25360,12 +25286,12 @@
                         </a:spcAft>
                       </a:pPr>
                       <a:r>
-                        <a:rPr lang="en-US" sz="1100">
+                        <a:rPr lang="en-US" sz="1400">
                           <a:effectLst/>
                         </a:rPr>
                         <a:t> </a:t>
                       </a:r>
-                      <a:endParaRPr lang="en-US" sz="1100">
+                      <a:endParaRPr lang="en-US" sz="1400">
                         <a:effectLst/>
                         <a:latin typeface="Times New Roman" panose="02020603050405020304" pitchFamily="18" charset="0"/>
                         <a:ea typeface="Times New Roman" panose="02020603050405020304" pitchFamily="18" charset="0"/>
@@ -25388,12 +25314,12 @@
                         </a:spcAft>
                       </a:pPr>
                       <a:r>
-                        <a:rPr lang="en-US" sz="1100">
+                        <a:rPr lang="en-US" sz="1400">
                           <a:effectLst/>
                         </a:rPr>
                         <a:t>4</a:t>
                       </a:r>
-                      <a:endParaRPr lang="en-US" sz="1100">
+                      <a:endParaRPr lang="en-US" sz="1400">
                         <a:effectLst/>
                         <a:latin typeface="Times New Roman" panose="02020603050405020304" pitchFamily="18" charset="0"/>
                         <a:ea typeface="Times New Roman" panose="02020603050405020304" pitchFamily="18" charset="0"/>
@@ -25416,12 +25342,12 @@
                         </a:spcAft>
                       </a:pPr>
                       <a:r>
-                        <a:rPr lang="en-US" sz="1100">
+                        <a:rPr lang="en-US" sz="1400">
                           <a:effectLst/>
                         </a:rPr>
                         <a:t>Job and information is sent to the server</a:t>
                       </a:r>
-                      <a:endParaRPr lang="en-US" sz="1100">
+                      <a:endParaRPr lang="en-US" sz="1400">
                         <a:effectLst/>
                         <a:latin typeface="Times New Roman" panose="02020603050405020304" pitchFamily="18" charset="0"/>
                         <a:ea typeface="Times New Roman" panose="02020603050405020304" pitchFamily="18" charset="0"/>
@@ -25446,12 +25372,12 @@
                         </a:spcAft>
                       </a:pPr>
                       <a:r>
-                        <a:rPr lang="en-US" sz="1100">
+                        <a:rPr lang="en-US" sz="1400">
                           <a:effectLst/>
                         </a:rPr>
                         <a:t> </a:t>
                       </a:r>
-                      <a:endParaRPr lang="en-US" sz="1100">
+                      <a:endParaRPr lang="en-US" sz="1400">
                         <a:effectLst/>
                         <a:latin typeface="Times New Roman" panose="02020603050405020304" pitchFamily="18" charset="0"/>
                         <a:ea typeface="Times New Roman" panose="02020603050405020304" pitchFamily="18" charset="0"/>
@@ -25474,12 +25400,12 @@
                         </a:spcAft>
                       </a:pPr>
                       <a:r>
-                        <a:rPr lang="en-US" sz="1100">
+                        <a:rPr lang="en-US" sz="1400">
                           <a:effectLst/>
                         </a:rPr>
                         <a:t>5</a:t>
                       </a:r>
-                      <a:endParaRPr lang="en-US" sz="1100">
+                      <a:endParaRPr lang="en-US" sz="1400">
                         <a:effectLst/>
                         <a:latin typeface="Times New Roman" panose="02020603050405020304" pitchFamily="18" charset="0"/>
                         <a:ea typeface="Times New Roman" panose="02020603050405020304" pitchFamily="18" charset="0"/>
@@ -25502,12 +25428,12 @@
                         </a:spcAft>
                       </a:pPr>
                       <a:r>
-                        <a:rPr lang="en-US" sz="1100">
+                        <a:rPr lang="en-US" sz="1400">
                           <a:effectLst/>
                         </a:rPr>
                         <a:t>Server lists job for workers to find</a:t>
                       </a:r>
-                      <a:endParaRPr lang="en-US" sz="1100">
+                      <a:endParaRPr lang="en-US" sz="1400">
                         <a:effectLst/>
                         <a:latin typeface="Times New Roman" panose="02020603050405020304" pitchFamily="18" charset="0"/>
                         <a:ea typeface="Times New Roman" panose="02020603050405020304" pitchFamily="18" charset="0"/>
@@ -25532,12 +25458,12 @@
                         </a:spcAft>
                       </a:pPr>
                       <a:r>
-                        <a:rPr lang="en-US" sz="1100">
+                        <a:rPr lang="en-US" sz="1400">
                           <a:effectLst/>
                         </a:rPr>
                         <a:t>Extensions</a:t>
                       </a:r>
-                      <a:endParaRPr lang="en-US" sz="1100">
+                      <a:endParaRPr lang="en-US" sz="1400">
                         <a:effectLst/>
                         <a:latin typeface="Times New Roman" panose="02020603050405020304" pitchFamily="18" charset="0"/>
                         <a:ea typeface="Times New Roman" panose="02020603050405020304" pitchFamily="18" charset="0"/>
@@ -25560,12 +25486,12 @@
                         </a:spcAft>
                       </a:pPr>
                       <a:r>
-                        <a:rPr lang="en-US" sz="1100">
+                        <a:rPr lang="en-US" sz="1400">
                           <a:effectLst/>
                         </a:rPr>
                         <a:t>Step</a:t>
                       </a:r>
-                      <a:endParaRPr lang="en-US" sz="1100">
+                      <a:endParaRPr lang="en-US" sz="1400">
                         <a:effectLst/>
                         <a:latin typeface="Times New Roman" panose="02020603050405020304" pitchFamily="18" charset="0"/>
                         <a:ea typeface="Times New Roman" panose="02020603050405020304" pitchFamily="18" charset="0"/>
@@ -25588,12 +25514,12 @@
                         </a:spcAft>
                       </a:pPr>
                       <a:r>
-                        <a:rPr lang="en-US" sz="1100">
+                        <a:rPr lang="en-US" sz="1400">
                           <a:effectLst/>
                         </a:rPr>
                         <a:t>Branching Action</a:t>
                       </a:r>
-                      <a:endParaRPr lang="en-US" sz="1100">
+                      <a:endParaRPr lang="en-US" sz="1400">
                         <a:effectLst/>
                         <a:latin typeface="Times New Roman" panose="02020603050405020304" pitchFamily="18" charset="0"/>
                         <a:ea typeface="Times New Roman" panose="02020603050405020304" pitchFamily="18" charset="0"/>
@@ -25618,12 +25544,12 @@
                         </a:spcAft>
                       </a:pPr>
                       <a:r>
-                        <a:rPr lang="en-US" sz="1100">
+                        <a:rPr lang="en-US" sz="1400">
                           <a:effectLst/>
                         </a:rPr>
                         <a:t> </a:t>
                       </a:r>
-                      <a:endParaRPr lang="en-US" sz="1100">
+                      <a:endParaRPr lang="en-US" sz="1400">
                         <a:effectLst/>
                         <a:latin typeface="Times New Roman" panose="02020603050405020304" pitchFamily="18" charset="0"/>
                         <a:ea typeface="Times New Roman" panose="02020603050405020304" pitchFamily="18" charset="0"/>
@@ -25646,12 +25572,12 @@
                         </a:spcAft>
                       </a:pPr>
                       <a:r>
-                        <a:rPr lang="en-US" sz="1100">
+                        <a:rPr lang="en-US" sz="1400">
                           <a:effectLst/>
                         </a:rPr>
                         <a:t>4a</a:t>
                       </a:r>
-                      <a:endParaRPr lang="en-US" sz="1100">
+                      <a:endParaRPr lang="en-US" sz="1400">
                         <a:effectLst/>
                         <a:latin typeface="Times New Roman" panose="02020603050405020304" pitchFamily="18" charset="0"/>
                         <a:ea typeface="Times New Roman" panose="02020603050405020304" pitchFamily="18" charset="0"/>
@@ -25674,12 +25600,12 @@
                         </a:spcAft>
                       </a:pPr>
                       <a:r>
-                        <a:rPr lang="en-US" sz="1100">
+                        <a:rPr lang="en-US" sz="1400">
                           <a:effectLst/>
                         </a:rPr>
                         <a:t>User fails to enter information required for a job, is prompted by the site to finish entering all information</a:t>
                       </a:r>
-                      <a:endParaRPr lang="en-US" sz="1100">
+                      <a:endParaRPr lang="en-US" sz="1400">
                         <a:effectLst/>
                         <a:latin typeface="Times New Roman" panose="02020603050405020304" pitchFamily="18" charset="0"/>
                         <a:ea typeface="Times New Roman" panose="02020603050405020304" pitchFamily="18" charset="0"/>
@@ -25704,12 +25630,12 @@
                         </a:spcAft>
                       </a:pPr>
                       <a:r>
-                        <a:rPr lang="en-US" sz="1100">
+                        <a:rPr lang="en-US" sz="1400">
                           <a:effectLst/>
                         </a:rPr>
                         <a:t>Open Issues</a:t>
                       </a:r>
-                      <a:endParaRPr lang="en-US" sz="1100">
+                      <a:endParaRPr lang="en-US" sz="1400">
                         <a:effectLst/>
                         <a:latin typeface="Times New Roman" panose="02020603050405020304" pitchFamily="18" charset="0"/>
                         <a:ea typeface="Times New Roman" panose="02020603050405020304" pitchFamily="18" charset="0"/>
@@ -25732,12 +25658,12 @@
                         </a:spcAft>
                       </a:pPr>
                       <a:r>
-                        <a:rPr lang="en-US" sz="1100" dirty="0">
+                        <a:rPr lang="en-US" sz="1400" dirty="0">
                           <a:effectLst/>
                         </a:rPr>
                         <a:t> </a:t>
                       </a:r>
-                      <a:endParaRPr lang="en-US" sz="1100" dirty="0">
+                      <a:endParaRPr lang="en-US" sz="1400" dirty="0">
                         <a:effectLst/>
                         <a:latin typeface="Times New Roman" panose="02020603050405020304" pitchFamily="18" charset="0"/>
                         <a:ea typeface="Times New Roman" panose="02020603050405020304" pitchFamily="18" charset="0"/>
@@ -25808,7 +25734,7 @@
             <p:ph idx="1"/>
             <p:extLst>
               <p:ext uri="{D42A27DB-BD31-4B8C-83A1-F6EECF244321}">
-                <p14:modId xmlns:p14="http://schemas.microsoft.com/office/powerpoint/2010/main" val="1705277641"/>
+                <p14:modId xmlns:p14="http://schemas.microsoft.com/office/powerpoint/2010/main" val="1031102239"/>
               </p:ext>
             </p:extLst>
           </p:nvPr>
@@ -25846,34 +25772,34 @@
                         </a:spcAft>
                       </a:pPr>
                       <a:r>
-                        <a:rPr lang="en-US" sz="1000" dirty="0">
+                        <a:rPr lang="en-US" sz="1400" dirty="0">
                           <a:effectLst/>
                         </a:rPr>
                         <a:t/>
                       </a:r>
                       <a:br>
-                        <a:rPr lang="en-US" sz="1000" dirty="0">
+                        <a:rPr lang="en-US" sz="1400" dirty="0">
                           <a:effectLst/>
                         </a:rPr>
                       </a:br>
                       <a:r>
-                        <a:rPr lang="en-US" sz="1000" dirty="0">
+                        <a:rPr lang="en-US" sz="1400" dirty="0">
                           <a:effectLst/>
                         </a:rPr>
                         <a:t/>
                       </a:r>
                       <a:br>
-                        <a:rPr lang="en-US" sz="1000" dirty="0">
+                        <a:rPr lang="en-US" sz="1400" dirty="0">
                           <a:effectLst/>
                         </a:rPr>
                       </a:br>
                       <a:r>
-                        <a:rPr lang="en-US" sz="1000" dirty="0">
+                        <a:rPr lang="en-US" sz="1400" dirty="0">
                           <a:effectLst/>
                         </a:rPr>
                         <a:t>Number</a:t>
                       </a:r>
-                      <a:endParaRPr lang="en-US" sz="1000" dirty="0">
+                      <a:endParaRPr lang="en-US" sz="1400" dirty="0">
                         <a:effectLst/>
                         <a:latin typeface="Times New Roman" panose="02020603050405020304" pitchFamily="18" charset="0"/>
                         <a:ea typeface="Times New Roman" panose="02020603050405020304" pitchFamily="18" charset="0"/>
@@ -25899,19 +25825,19 @@
                         </a:spcAft>
                       </a:pPr>
                       <a:r>
-                        <a:rPr lang="en-US" sz="1000">
+                        <a:rPr lang="en-US" sz="1400" dirty="0">
                           <a:effectLst/>
                         </a:rPr>
                         <a:t>11</a:t>
                       </a:r>
-                      <a:endParaRPr lang="en-US" sz="1000">
-                        <a:effectLst/>
-                        <a:latin typeface="Times New Roman" panose="02020603050405020304" pitchFamily="18" charset="0"/>
-                        <a:ea typeface="Times New Roman" panose="02020603050405020304" pitchFamily="18" charset="0"/>
-                      </a:endParaRPr>
-                    </a:p>
-                  </a:txBody>
-                  <a:tcPr marL="55663" marR="55663" marT="0" marB="0"/>
+                      <a:endParaRPr lang="en-US" sz="1400" dirty="0">
+                        <a:effectLst/>
+                        <a:latin typeface="Times New Roman" panose="02020603050405020304" pitchFamily="18" charset="0"/>
+                        <a:ea typeface="Times New Roman" panose="02020603050405020304" pitchFamily="18" charset="0"/>
+                      </a:endParaRPr>
+                    </a:p>
+                  </a:txBody>
+                  <a:tcPr marL="55663" marR="55663" marT="0" marB="0" anchor="ctr"/>
                 </a:tc>
                 <a:tc hMerge="1">
                   <a:txBody>
@@ -25942,12 +25868,12 @@
                         </a:spcAft>
                       </a:pPr>
                       <a:r>
-                        <a:rPr lang="en-US" sz="1000">
+                        <a:rPr lang="en-US" sz="1400">
                           <a:effectLst/>
                         </a:rPr>
                         <a:t>Name</a:t>
                       </a:r>
-                      <a:endParaRPr lang="en-US" sz="800" b="1">
+                      <a:endParaRPr lang="en-US" sz="1400" b="1">
                         <a:solidFill>
                           <a:srgbClr val="2E74B5"/>
                         </a:solidFill>
@@ -25977,12 +25903,12 @@
                         </a:spcAft>
                       </a:pPr>
                       <a:r>
-                        <a:rPr lang="en-US" sz="1000">
+                        <a:rPr lang="en-US" sz="1400">
                           <a:effectLst/>
                         </a:rPr>
                         <a:t>Job Approval</a:t>
                       </a:r>
-                      <a:endParaRPr lang="en-US" sz="1000">
+                      <a:endParaRPr lang="en-US" sz="1400">
                         <a:effectLst/>
                         <a:latin typeface="Times New Roman" panose="02020603050405020304" pitchFamily="18" charset="0"/>
                         <a:ea typeface="Times New Roman" panose="02020603050405020304" pitchFamily="18" charset="0"/>
@@ -26020,12 +25946,12 @@
                         </a:spcAft>
                       </a:pPr>
                       <a:r>
-                        <a:rPr lang="en-US" sz="1000">
+                        <a:rPr lang="en-US" sz="1400">
                           <a:effectLst/>
                         </a:rPr>
                         <a:t>Summary</a:t>
                       </a:r>
-                      <a:endParaRPr lang="en-US" sz="1000">
+                      <a:endParaRPr lang="en-US" sz="1400">
                         <a:effectLst/>
                         <a:latin typeface="Times New Roman" panose="02020603050405020304" pitchFamily="18" charset="0"/>
                         <a:ea typeface="Times New Roman" panose="02020603050405020304" pitchFamily="18" charset="0"/>
@@ -26051,12 +25977,12 @@
                         </a:spcAft>
                       </a:pPr>
                       <a:r>
-                        <a:rPr lang="en-US" sz="1000">
+                        <a:rPr lang="en-US" sz="1400">
                           <a:effectLst/>
                         </a:rPr>
                         <a:t>Customer approves a job acceptance for the worker</a:t>
                       </a:r>
-                      <a:endParaRPr lang="en-US" sz="1000">
+                      <a:endParaRPr lang="en-US" sz="1400">
                         <a:effectLst/>
                         <a:latin typeface="Times New Roman" panose="02020603050405020304" pitchFamily="18" charset="0"/>
                         <a:ea typeface="Times New Roman" panose="02020603050405020304" pitchFamily="18" charset="0"/>
@@ -26094,12 +26020,12 @@
                         </a:spcAft>
                       </a:pPr>
                       <a:r>
-                        <a:rPr lang="en-US" sz="1000">
+                        <a:rPr lang="en-US" sz="1400">
                           <a:effectLst/>
                         </a:rPr>
                         <a:t>Priority</a:t>
                       </a:r>
-                      <a:endParaRPr lang="en-US" sz="1000">
+                      <a:endParaRPr lang="en-US" sz="1400">
                         <a:effectLst/>
                         <a:latin typeface="Times New Roman" panose="02020603050405020304" pitchFamily="18" charset="0"/>
                         <a:ea typeface="Times New Roman" panose="02020603050405020304" pitchFamily="18" charset="0"/>
@@ -26125,12 +26051,12 @@
                         </a:spcAft>
                       </a:pPr>
                       <a:r>
-                        <a:rPr lang="en-US" sz="1000">
+                        <a:rPr lang="en-US" sz="1400">
                           <a:effectLst/>
                         </a:rPr>
                         <a:t>5 (Highest)</a:t>
                       </a:r>
-                      <a:endParaRPr lang="en-US" sz="1000">
+                      <a:endParaRPr lang="en-US" sz="1400">
                         <a:effectLst/>
                         <a:latin typeface="Times New Roman" panose="02020603050405020304" pitchFamily="18" charset="0"/>
                         <a:ea typeface="Times New Roman" panose="02020603050405020304" pitchFamily="18" charset="0"/>
@@ -26168,12 +26094,12 @@
                         </a:spcAft>
                       </a:pPr>
                       <a:r>
-                        <a:rPr lang="en-US" sz="1000">
+                        <a:rPr lang="en-US" sz="1400">
                           <a:effectLst/>
                         </a:rPr>
                         <a:t>Preconditions</a:t>
                       </a:r>
-                      <a:endParaRPr lang="en-US" sz="1000">
+                      <a:endParaRPr lang="en-US" sz="1400">
                         <a:effectLst/>
                         <a:latin typeface="Times New Roman" panose="02020603050405020304" pitchFamily="18" charset="0"/>
                         <a:ea typeface="Times New Roman" panose="02020603050405020304" pitchFamily="18" charset="0"/>
@@ -26199,12 +26125,12 @@
                         </a:spcAft>
                       </a:pPr>
                       <a:r>
-                        <a:rPr lang="en-US" sz="1000">
+                        <a:rPr lang="en-US" sz="1400">
                           <a:effectLst/>
                         </a:rPr>
                         <a:t>Worker accepted a job that was requested by the customer</a:t>
                       </a:r>
-                      <a:endParaRPr lang="en-US" sz="1000">
+                      <a:endParaRPr lang="en-US" sz="1400">
                         <a:effectLst/>
                         <a:latin typeface="Times New Roman" panose="02020603050405020304" pitchFamily="18" charset="0"/>
                         <a:ea typeface="Times New Roman" panose="02020603050405020304" pitchFamily="18" charset="0"/>
@@ -26242,12 +26168,12 @@
                         </a:spcAft>
                       </a:pPr>
                       <a:r>
-                        <a:rPr lang="en-US" sz="1000">
+                        <a:rPr lang="en-US" sz="1400">
                           <a:effectLst/>
                         </a:rPr>
                         <a:t>Postconditions</a:t>
                       </a:r>
-                      <a:endParaRPr lang="en-US" sz="1000">
+                      <a:endParaRPr lang="en-US" sz="1400">
                         <a:effectLst/>
                         <a:latin typeface="Times New Roman" panose="02020603050405020304" pitchFamily="18" charset="0"/>
                         <a:ea typeface="Times New Roman" panose="02020603050405020304" pitchFamily="18" charset="0"/>
@@ -26273,12 +26199,12 @@
                         </a:spcAft>
                       </a:pPr>
                       <a:r>
-                        <a:rPr lang="en-US" sz="1000">
+                        <a:rPr lang="en-US" sz="1400">
                           <a:effectLst/>
                         </a:rPr>
                         <a:t>Job information is sent to the worker upon approval from the customer</a:t>
                       </a:r>
-                      <a:endParaRPr lang="en-US" sz="1000">
+                      <a:endParaRPr lang="en-US" sz="1400">
                         <a:effectLst/>
                         <a:latin typeface="Times New Roman" panose="02020603050405020304" pitchFamily="18" charset="0"/>
                         <a:ea typeface="Times New Roman" panose="02020603050405020304" pitchFamily="18" charset="0"/>
@@ -26316,12 +26242,12 @@
                         </a:spcAft>
                       </a:pPr>
                       <a:r>
-                        <a:rPr lang="en-US" sz="1000">
+                        <a:rPr lang="en-US" sz="1400">
                           <a:effectLst/>
                         </a:rPr>
                         <a:t>Primary Actor</a:t>
                       </a:r>
-                      <a:endParaRPr lang="en-US" sz="1000">
+                      <a:endParaRPr lang="en-US" sz="1400">
                         <a:effectLst/>
                         <a:latin typeface="Times New Roman" panose="02020603050405020304" pitchFamily="18" charset="0"/>
                         <a:ea typeface="Times New Roman" panose="02020603050405020304" pitchFamily="18" charset="0"/>
@@ -26347,12 +26273,12 @@
                         </a:spcAft>
                       </a:pPr>
                       <a:r>
-                        <a:rPr lang="en-US" sz="1000">
+                        <a:rPr lang="en-US" sz="1400">
                           <a:effectLst/>
                         </a:rPr>
                         <a:t>Customer</a:t>
                       </a:r>
-                      <a:endParaRPr lang="en-US" sz="1000">
+                      <a:endParaRPr lang="en-US" sz="1400">
                         <a:effectLst/>
                         <a:latin typeface="Times New Roman" panose="02020603050405020304" pitchFamily="18" charset="0"/>
                         <a:ea typeface="Times New Roman" panose="02020603050405020304" pitchFamily="18" charset="0"/>
@@ -26390,12 +26316,12 @@
                         </a:spcAft>
                       </a:pPr>
                       <a:r>
-                        <a:rPr lang="en-US" sz="1000">
+                        <a:rPr lang="en-US" sz="1400">
                           <a:effectLst/>
                         </a:rPr>
                         <a:t>Secondary Actors</a:t>
                       </a:r>
-                      <a:endParaRPr lang="en-US" sz="1000">
+                      <a:endParaRPr lang="en-US" sz="1400">
                         <a:effectLst/>
                         <a:latin typeface="Times New Roman" panose="02020603050405020304" pitchFamily="18" charset="0"/>
                         <a:ea typeface="Times New Roman" panose="02020603050405020304" pitchFamily="18" charset="0"/>
@@ -26421,12 +26347,12 @@
                         </a:spcAft>
                       </a:pPr>
                       <a:r>
-                        <a:rPr lang="en-US" sz="1000">
+                        <a:rPr lang="en-US" sz="1400">
                           <a:effectLst/>
                         </a:rPr>
                         <a:t>Worker, Server</a:t>
                       </a:r>
-                      <a:endParaRPr lang="en-US" sz="1000">
+                      <a:endParaRPr lang="en-US" sz="1400">
                         <a:effectLst/>
                         <a:latin typeface="Times New Roman" panose="02020603050405020304" pitchFamily="18" charset="0"/>
                         <a:ea typeface="Times New Roman" panose="02020603050405020304" pitchFamily="18" charset="0"/>
@@ -26464,12 +26390,12 @@
                         </a:spcAft>
                       </a:pPr>
                       <a:r>
-                        <a:rPr lang="en-US" sz="1000">
+                        <a:rPr lang="en-US" sz="1400">
                           <a:effectLst/>
                         </a:rPr>
                         <a:t>Trigger</a:t>
                       </a:r>
-                      <a:endParaRPr lang="en-US" sz="1000">
+                      <a:endParaRPr lang="en-US" sz="1400">
                         <a:effectLst/>
                         <a:latin typeface="Times New Roman" panose="02020603050405020304" pitchFamily="18" charset="0"/>
                         <a:ea typeface="Times New Roman" panose="02020603050405020304" pitchFamily="18" charset="0"/>
@@ -26495,12 +26421,12 @@
                         </a:spcAft>
                       </a:pPr>
                       <a:r>
-                        <a:rPr lang="en-US" sz="1000">
+                        <a:rPr lang="en-US" sz="1400">
                           <a:effectLst/>
                         </a:rPr>
                         <a:t>Customer clicks the approve button on their job </a:t>
                       </a:r>
-                      <a:endParaRPr lang="en-US" sz="1000">
+                      <a:endParaRPr lang="en-US" sz="1400">
                         <a:effectLst/>
                         <a:latin typeface="Times New Roman" panose="02020603050405020304" pitchFamily="18" charset="0"/>
                         <a:ea typeface="Times New Roman" panose="02020603050405020304" pitchFamily="18" charset="0"/>
@@ -26538,12 +26464,12 @@
                         </a:spcAft>
                       </a:pPr>
                       <a:r>
-                        <a:rPr lang="en-US" sz="1000">
+                        <a:rPr lang="en-US" sz="1400">
                           <a:effectLst/>
                         </a:rPr>
                         <a:t>Main Scenario</a:t>
                       </a:r>
-                      <a:endParaRPr lang="en-US" sz="1000">
+                      <a:endParaRPr lang="en-US" sz="1400">
                         <a:effectLst/>
                         <a:latin typeface="Times New Roman" panose="02020603050405020304" pitchFamily="18" charset="0"/>
                         <a:ea typeface="Times New Roman" panose="02020603050405020304" pitchFamily="18" charset="0"/>
@@ -26569,12 +26495,12 @@
                         </a:spcAft>
                       </a:pPr>
                       <a:r>
-                        <a:rPr lang="en-US" sz="1000">
+                        <a:rPr lang="en-US" sz="1400">
                           <a:effectLst/>
                         </a:rPr>
                         <a:t>Step </a:t>
                       </a:r>
-                      <a:endParaRPr lang="en-US" sz="1000">
+                      <a:endParaRPr lang="en-US" sz="1400">
                         <a:effectLst/>
                         <a:latin typeface="Times New Roman" panose="02020603050405020304" pitchFamily="18" charset="0"/>
                         <a:ea typeface="Times New Roman" panose="02020603050405020304" pitchFamily="18" charset="0"/>
@@ -26600,12 +26526,12 @@
                         </a:spcAft>
                       </a:pPr>
                       <a:r>
-                        <a:rPr lang="en-US" sz="1000">
+                        <a:rPr lang="en-US" sz="1400">
                           <a:effectLst/>
                         </a:rPr>
                         <a:t>Action</a:t>
                       </a:r>
-                      <a:endParaRPr lang="en-US" sz="1000">
+                      <a:endParaRPr lang="en-US" sz="1400">
                         <a:effectLst/>
                         <a:latin typeface="Times New Roman" panose="02020603050405020304" pitchFamily="18" charset="0"/>
                         <a:ea typeface="Times New Roman" panose="02020603050405020304" pitchFamily="18" charset="0"/>
@@ -26633,12 +26559,12 @@
                         </a:spcAft>
                       </a:pPr>
                       <a:r>
-                        <a:rPr lang="en-US" sz="1000">
+                        <a:rPr lang="en-US" sz="1400">
                           <a:effectLst/>
                         </a:rPr>
                         <a:t> </a:t>
                       </a:r>
-                      <a:endParaRPr lang="en-US" sz="1000">
+                      <a:endParaRPr lang="en-US" sz="1400">
                         <a:effectLst/>
                         <a:latin typeface="Times New Roman" panose="02020603050405020304" pitchFamily="18" charset="0"/>
                         <a:ea typeface="Times New Roman" panose="02020603050405020304" pitchFamily="18" charset="0"/>
@@ -26664,12 +26590,12 @@
                         </a:spcAft>
                       </a:pPr>
                       <a:r>
-                        <a:rPr lang="en-US" sz="1000">
+                        <a:rPr lang="en-US" sz="1400">
                           <a:effectLst/>
                         </a:rPr>
                         <a:t>1</a:t>
                       </a:r>
-                      <a:endParaRPr lang="en-US" sz="1000">
+                      <a:endParaRPr lang="en-US" sz="1400">
                         <a:effectLst/>
                         <a:latin typeface="Times New Roman" panose="02020603050405020304" pitchFamily="18" charset="0"/>
                         <a:ea typeface="Times New Roman" panose="02020603050405020304" pitchFamily="18" charset="0"/>
@@ -26695,12 +26621,12 @@
                         </a:spcAft>
                       </a:pPr>
                       <a:r>
-                        <a:rPr lang="en-US" sz="1000">
+                        <a:rPr lang="en-US" sz="1400">
                           <a:effectLst/>
                         </a:rPr>
                         <a:t>Customer clicks the approve job button next to a job request</a:t>
                       </a:r>
-                      <a:endParaRPr lang="en-US" sz="1000">
+                      <a:endParaRPr lang="en-US" sz="1400">
                         <a:effectLst/>
                         <a:latin typeface="Times New Roman" panose="02020603050405020304" pitchFamily="18" charset="0"/>
                         <a:ea typeface="Times New Roman" panose="02020603050405020304" pitchFamily="18" charset="0"/>
@@ -26728,12 +26654,12 @@
                         </a:spcAft>
                       </a:pPr>
                       <a:r>
-                        <a:rPr lang="en-US" sz="1000">
+                        <a:rPr lang="en-US" sz="1400">
                           <a:effectLst/>
                         </a:rPr>
                         <a:t> </a:t>
                       </a:r>
-                      <a:endParaRPr lang="en-US" sz="1000">
+                      <a:endParaRPr lang="en-US" sz="1400">
                         <a:effectLst/>
                         <a:latin typeface="Times New Roman" panose="02020603050405020304" pitchFamily="18" charset="0"/>
                         <a:ea typeface="Times New Roman" panose="02020603050405020304" pitchFamily="18" charset="0"/>
@@ -26759,12 +26685,12 @@
                         </a:spcAft>
                       </a:pPr>
                       <a:r>
-                        <a:rPr lang="en-US" sz="1000">
+                        <a:rPr lang="en-US" sz="1400">
                           <a:effectLst/>
                         </a:rPr>
                         <a:t>2</a:t>
                       </a:r>
-                      <a:endParaRPr lang="en-US" sz="1000">
+                      <a:endParaRPr lang="en-US" sz="1400">
                         <a:effectLst/>
                         <a:latin typeface="Times New Roman" panose="02020603050405020304" pitchFamily="18" charset="0"/>
                         <a:ea typeface="Times New Roman" panose="02020603050405020304" pitchFamily="18" charset="0"/>
@@ -26790,12 +26716,12 @@
                         </a:spcAft>
                       </a:pPr>
                       <a:r>
-                        <a:rPr lang="en-US" sz="1000">
+                        <a:rPr lang="en-US" sz="1400">
                           <a:effectLst/>
                         </a:rPr>
                         <a:t>Acceptance of the job is sent to the server</a:t>
                       </a:r>
-                      <a:endParaRPr lang="en-US" sz="1000">
+                      <a:endParaRPr lang="en-US" sz="1400">
                         <a:effectLst/>
                         <a:latin typeface="Times New Roman" panose="02020603050405020304" pitchFamily="18" charset="0"/>
                         <a:ea typeface="Times New Roman" panose="02020603050405020304" pitchFamily="18" charset="0"/>
@@ -26823,12 +26749,12 @@
                         </a:spcAft>
                       </a:pPr>
                       <a:r>
-                        <a:rPr lang="en-US" sz="1000">
+                        <a:rPr lang="en-US" sz="1400">
                           <a:effectLst/>
                         </a:rPr>
                         <a:t> </a:t>
                       </a:r>
-                      <a:endParaRPr lang="en-US" sz="1000">
+                      <a:endParaRPr lang="en-US" sz="1400">
                         <a:effectLst/>
                         <a:latin typeface="Times New Roman" panose="02020603050405020304" pitchFamily="18" charset="0"/>
                         <a:ea typeface="Times New Roman" panose="02020603050405020304" pitchFamily="18" charset="0"/>
@@ -26854,12 +26780,12 @@
                         </a:spcAft>
                       </a:pPr>
                       <a:r>
-                        <a:rPr lang="en-US" sz="1000">
+                        <a:rPr lang="en-US" sz="1400">
                           <a:effectLst/>
                         </a:rPr>
                         <a:t>3</a:t>
                       </a:r>
-                      <a:endParaRPr lang="en-US" sz="1000">
+                      <a:endParaRPr lang="en-US" sz="1400">
                         <a:effectLst/>
                         <a:latin typeface="Times New Roman" panose="02020603050405020304" pitchFamily="18" charset="0"/>
                         <a:ea typeface="Times New Roman" panose="02020603050405020304" pitchFamily="18" charset="0"/>
@@ -26885,12 +26811,12 @@
                         </a:spcAft>
                       </a:pPr>
                       <a:r>
-                        <a:rPr lang="en-US" sz="1000">
+                        <a:rPr lang="en-US" sz="1400">
                           <a:effectLst/>
                         </a:rPr>
                         <a:t>Sever sends job information to the worker</a:t>
                       </a:r>
-                      <a:endParaRPr lang="en-US" sz="1000">
+                      <a:endParaRPr lang="en-US" sz="1400">
                         <a:effectLst/>
                         <a:latin typeface="Times New Roman" panose="02020603050405020304" pitchFamily="18" charset="0"/>
                         <a:ea typeface="Times New Roman" panose="02020603050405020304" pitchFamily="18" charset="0"/>
@@ -26918,12 +26844,12 @@
                         </a:spcAft>
                       </a:pPr>
                       <a:r>
-                        <a:rPr lang="en-US" sz="1000">
+                        <a:rPr lang="en-US" sz="1400">
                           <a:effectLst/>
                         </a:rPr>
                         <a:t> </a:t>
                       </a:r>
-                      <a:endParaRPr lang="en-US" sz="1000">
+                      <a:endParaRPr lang="en-US" sz="1400">
                         <a:effectLst/>
                         <a:latin typeface="Times New Roman" panose="02020603050405020304" pitchFamily="18" charset="0"/>
                         <a:ea typeface="Times New Roman" panose="02020603050405020304" pitchFamily="18" charset="0"/>
@@ -26949,12 +26875,12 @@
                         </a:spcAft>
                       </a:pPr>
                       <a:r>
-                        <a:rPr lang="en-US" sz="1000">
+                        <a:rPr lang="en-US" sz="1400">
                           <a:effectLst/>
                         </a:rPr>
                         <a:t>4</a:t>
                       </a:r>
-                      <a:endParaRPr lang="en-US" sz="1000">
+                      <a:endParaRPr lang="en-US" sz="1400">
                         <a:effectLst/>
                         <a:latin typeface="Times New Roman" panose="02020603050405020304" pitchFamily="18" charset="0"/>
                         <a:ea typeface="Times New Roman" panose="02020603050405020304" pitchFamily="18" charset="0"/>
@@ -26980,12 +26906,12 @@
                         </a:spcAft>
                       </a:pPr>
                       <a:r>
-                        <a:rPr lang="en-US" sz="1000">
+                        <a:rPr lang="en-US" sz="1400">
                           <a:effectLst/>
                         </a:rPr>
                         <a:t>Worker receives information on the job from server</a:t>
                       </a:r>
-                      <a:endParaRPr lang="en-US" sz="1000">
+                      <a:endParaRPr lang="en-US" sz="1400">
                         <a:effectLst/>
                         <a:latin typeface="Times New Roman" panose="02020603050405020304" pitchFamily="18" charset="0"/>
                         <a:ea typeface="Times New Roman" panose="02020603050405020304" pitchFamily="18" charset="0"/>
@@ -27013,12 +26939,12 @@
                         </a:spcAft>
                       </a:pPr>
                       <a:r>
-                        <a:rPr lang="en-US" sz="1000">
+                        <a:rPr lang="en-US" sz="1400">
                           <a:effectLst/>
                         </a:rPr>
                         <a:t> </a:t>
                       </a:r>
-                      <a:endParaRPr lang="en-US" sz="1000">
+                      <a:endParaRPr lang="en-US" sz="1400">
                         <a:effectLst/>
                         <a:latin typeface="Times New Roman" panose="02020603050405020304" pitchFamily="18" charset="0"/>
                         <a:ea typeface="Times New Roman" panose="02020603050405020304" pitchFamily="18" charset="0"/>
@@ -27044,12 +26970,12 @@
                         </a:spcAft>
                       </a:pPr>
                       <a:r>
-                        <a:rPr lang="en-US" sz="1000">
+                        <a:rPr lang="en-US" sz="1400">
                           <a:effectLst/>
                         </a:rPr>
                         <a:t>5</a:t>
                       </a:r>
-                      <a:endParaRPr lang="en-US" sz="1000">
+                      <a:endParaRPr lang="en-US" sz="1400">
                         <a:effectLst/>
                         <a:latin typeface="Times New Roman" panose="02020603050405020304" pitchFamily="18" charset="0"/>
                         <a:ea typeface="Times New Roman" panose="02020603050405020304" pitchFamily="18" charset="0"/>
@@ -27075,12 +27001,12 @@
                         </a:spcAft>
                       </a:pPr>
                       <a:r>
-                        <a:rPr lang="en-US" sz="1000">
+                        <a:rPr lang="en-US" sz="1400">
                           <a:effectLst/>
                         </a:rPr>
                         <a:t>Worker can then go complete the job</a:t>
                       </a:r>
-                      <a:endParaRPr lang="en-US" sz="1000">
+                      <a:endParaRPr lang="en-US" sz="1400">
                         <a:effectLst/>
                         <a:latin typeface="Times New Roman" panose="02020603050405020304" pitchFamily="18" charset="0"/>
                         <a:ea typeface="Times New Roman" panose="02020603050405020304" pitchFamily="18" charset="0"/>
@@ -27108,12 +27034,12 @@
                         </a:spcAft>
                       </a:pPr>
                       <a:r>
-                        <a:rPr lang="en-US" sz="1000">
+                        <a:rPr lang="en-US" sz="1400">
                           <a:effectLst/>
                         </a:rPr>
                         <a:t>Extensions</a:t>
                       </a:r>
-                      <a:endParaRPr lang="en-US" sz="1000">
+                      <a:endParaRPr lang="en-US" sz="1400">
                         <a:effectLst/>
                         <a:latin typeface="Times New Roman" panose="02020603050405020304" pitchFamily="18" charset="0"/>
                         <a:ea typeface="Times New Roman" panose="02020603050405020304" pitchFamily="18" charset="0"/>
@@ -27139,12 +27065,12 @@
                         </a:spcAft>
                       </a:pPr>
                       <a:r>
-                        <a:rPr lang="en-US" sz="1000">
+                        <a:rPr lang="en-US" sz="1400">
                           <a:effectLst/>
                         </a:rPr>
                         <a:t>Step</a:t>
                       </a:r>
-                      <a:endParaRPr lang="en-US" sz="1000">
+                      <a:endParaRPr lang="en-US" sz="1400">
                         <a:effectLst/>
                         <a:latin typeface="Times New Roman" panose="02020603050405020304" pitchFamily="18" charset="0"/>
                         <a:ea typeface="Times New Roman" panose="02020603050405020304" pitchFamily="18" charset="0"/>
@@ -27170,12 +27096,12 @@
                         </a:spcAft>
                       </a:pPr>
                       <a:r>
-                        <a:rPr lang="en-US" sz="1000">
+                        <a:rPr lang="en-US" sz="1400">
                           <a:effectLst/>
                         </a:rPr>
                         <a:t>Branching Action</a:t>
                       </a:r>
-                      <a:endParaRPr lang="en-US" sz="1000">
+                      <a:endParaRPr lang="en-US" sz="1400">
                         <a:effectLst/>
                         <a:latin typeface="Times New Roman" panose="02020603050405020304" pitchFamily="18" charset="0"/>
                         <a:ea typeface="Times New Roman" panose="02020603050405020304" pitchFamily="18" charset="0"/>
@@ -27203,12 +27129,12 @@
                         </a:spcAft>
                       </a:pPr>
                       <a:r>
-                        <a:rPr lang="en-US" sz="1000">
+                        <a:rPr lang="en-US" sz="1400">
                           <a:effectLst/>
                         </a:rPr>
                         <a:t> </a:t>
                       </a:r>
-                      <a:endParaRPr lang="en-US" sz="1000">
+                      <a:endParaRPr lang="en-US" sz="1400">
                         <a:effectLst/>
                         <a:latin typeface="Times New Roman" panose="02020603050405020304" pitchFamily="18" charset="0"/>
                         <a:ea typeface="Times New Roman" panose="02020603050405020304" pitchFamily="18" charset="0"/>
@@ -27234,12 +27160,12 @@
                         </a:spcAft>
                       </a:pPr>
                       <a:r>
-                        <a:rPr lang="en-US" sz="1000">
+                        <a:rPr lang="en-US" sz="1400">
                           <a:effectLst/>
                         </a:rPr>
                         <a:t>1a</a:t>
                       </a:r>
-                      <a:endParaRPr lang="en-US" sz="1000">
+                      <a:endParaRPr lang="en-US" sz="1400">
                         <a:effectLst/>
                         <a:latin typeface="Times New Roman" panose="02020603050405020304" pitchFamily="18" charset="0"/>
                         <a:ea typeface="Times New Roman" panose="02020603050405020304" pitchFamily="18" charset="0"/>
@@ -27265,12 +27191,12 @@
                         </a:spcAft>
                       </a:pPr>
                       <a:r>
-                        <a:rPr lang="en-US" sz="1000">
+                        <a:rPr lang="en-US" sz="1400">
                           <a:effectLst/>
                         </a:rPr>
                         <a:t>Customer does not click the approve button.</a:t>
                       </a:r>
-                      <a:endParaRPr lang="en-US" sz="1000">
+                      <a:endParaRPr lang="en-US" sz="1400">
                         <a:effectLst/>
                         <a:latin typeface="Times New Roman" panose="02020603050405020304" pitchFamily="18" charset="0"/>
                         <a:ea typeface="Times New Roman" panose="02020603050405020304" pitchFamily="18" charset="0"/>
@@ -27298,12 +27224,12 @@
                         </a:spcAft>
                       </a:pPr>
                       <a:r>
-                        <a:rPr lang="en-US" sz="1000">
+                        <a:rPr lang="en-US" sz="1400">
                           <a:effectLst/>
                         </a:rPr>
                         <a:t>Open Issues</a:t>
                       </a:r>
-                      <a:endParaRPr lang="en-US" sz="1000">
+                      <a:endParaRPr lang="en-US" sz="1400">
                         <a:effectLst/>
                         <a:latin typeface="Times New Roman" panose="02020603050405020304" pitchFamily="18" charset="0"/>
                         <a:ea typeface="Times New Roman" panose="02020603050405020304" pitchFamily="18" charset="0"/>
@@ -27317,7 +27243,7 @@
                     <a:bodyPr/>
                     <a:lstStyle/>
                     <a:p>
-                      <a:endParaRPr lang="en-US" sz="800" dirty="0">
+                      <a:endParaRPr lang="en-US" sz="1400" dirty="0">
                         <a:effectLst/>
                         <a:latin typeface="Times New Roman" panose="02020603050405020304" pitchFamily="18" charset="0"/>
                       </a:endParaRPr>
